--- a/docs/TestingQunit.pptx
+++ b/docs/TestingQunit.pptx
@@ -6800,112 +6800,6 @@
                       </p:childTnLst>
                     </p:cTn>
                   </p:par>
-                  <p:par>
-                    <p:cTn id="21" fill="hold">
-                      <p:stCondLst>
-                        <p:cond delay="indefinite"/>
-                      </p:stCondLst>
-                      <p:childTnLst>
-                        <p:par>
-                          <p:cTn id="22" fill="hold">
-                            <p:stCondLst>
-                              <p:cond delay="0"/>
-                            </p:stCondLst>
-                            <p:childTnLst>
-                              <p:par>
-                                <p:cTn id="23" presetID="34" presetClass="emph" presetSubtype="0" fill="hold" grpId="1" nodeType="clickEffect">
-                                  <p:stCondLst>
-                                    <p:cond delay="0"/>
-                                  </p:stCondLst>
-                                  <p:iterate type="lt">
-                                    <p:tmPct val="10000"/>
-                                  </p:iterate>
-                                  <p:childTnLst>
-                                    <p:animMotion origin="layout" path="M 0.0 0.0 L 0.0 -0.07213" pathEditMode="relative" ptsTypes="">
-                                      <p:cBhvr>
-                                        <p:cTn id="24" dur="250" accel="50000" decel="50000" autoRev="1" fill="hold">
-                                          <p:stCondLst>
-                                            <p:cond delay="0"/>
-                                          </p:stCondLst>
-                                        </p:cTn>
-                                        <p:tgtEl>
-                                          <p:spTgt spid="3"/>
-                                        </p:tgtEl>
-                                        <p:attrNameLst>
-                                          <p:attrName>ppt_x</p:attrName>
-                                          <p:attrName>ppt_y</p:attrName>
-                                        </p:attrNameLst>
-                                      </p:cBhvr>
-                                    </p:animMotion>
-                                    <p:animRot by="1500000">
-                                      <p:cBhvr>
-                                        <p:cTn id="25" dur="125" fill="hold">
-                                          <p:stCondLst>
-                                            <p:cond delay="0"/>
-                                          </p:stCondLst>
-                                        </p:cTn>
-                                        <p:tgtEl>
-                                          <p:spTgt spid="3"/>
-                                        </p:tgtEl>
-                                        <p:attrNameLst>
-                                          <p:attrName>r</p:attrName>
-                                        </p:attrNameLst>
-                                      </p:cBhvr>
-                                    </p:animRot>
-                                    <p:animRot by="-1500000">
-                                      <p:cBhvr>
-                                        <p:cTn id="26" dur="125" fill="hold">
-                                          <p:stCondLst>
-                                            <p:cond delay="125"/>
-                                          </p:stCondLst>
-                                        </p:cTn>
-                                        <p:tgtEl>
-                                          <p:spTgt spid="3"/>
-                                        </p:tgtEl>
-                                        <p:attrNameLst>
-                                          <p:attrName>r</p:attrName>
-                                        </p:attrNameLst>
-                                      </p:cBhvr>
-                                    </p:animRot>
-                                    <p:animRot by="-1500000">
-                                      <p:cBhvr>
-                                        <p:cTn id="27" dur="125" fill="hold">
-                                          <p:stCondLst>
-                                            <p:cond delay="250"/>
-                                          </p:stCondLst>
-                                        </p:cTn>
-                                        <p:tgtEl>
-                                          <p:spTgt spid="3"/>
-                                        </p:tgtEl>
-                                        <p:attrNameLst>
-                                          <p:attrName>r</p:attrName>
-                                        </p:attrNameLst>
-                                      </p:cBhvr>
-                                    </p:animRot>
-                                    <p:animRot by="1500000">
-                                      <p:cBhvr>
-                                        <p:cTn id="28" dur="125" fill="hold">
-                                          <p:stCondLst>
-                                            <p:cond delay="375"/>
-                                          </p:stCondLst>
-                                        </p:cTn>
-                                        <p:tgtEl>
-                                          <p:spTgt spid="3"/>
-                                        </p:tgtEl>
-                                        <p:attrNameLst>
-                                          <p:attrName>r</p:attrName>
-                                        </p:attrNameLst>
-                                      </p:cBhvr>
-                                    </p:animRot>
-                                  </p:childTnLst>
-                                </p:cTn>
-                              </p:par>
-                            </p:childTnLst>
-                          </p:cTn>
-                        </p:par>
-                      </p:childTnLst>
-                    </p:cTn>
-                  </p:par>
                 </p:childTnLst>
               </p:cTn>
               <p:prevCondLst>
@@ -6929,7 +6823,6 @@
     </p:tnLst>
     <p:bldLst>
       <p:bldP spid="3" grpId="0"/>
-      <p:bldP spid="3" grpId="1"/>
     </p:bldLst>
   </p:timing>
 </p:sld>
@@ -7389,112 +7282,6 @@
                       </p:childTnLst>
                     </p:cTn>
                   </p:par>
-                  <p:par>
-                    <p:cTn id="21" fill="hold">
-                      <p:stCondLst>
-                        <p:cond delay="indefinite"/>
-                      </p:stCondLst>
-                      <p:childTnLst>
-                        <p:par>
-                          <p:cTn id="22" fill="hold">
-                            <p:stCondLst>
-                              <p:cond delay="0"/>
-                            </p:stCondLst>
-                            <p:childTnLst>
-                              <p:par>
-                                <p:cTn id="23" presetID="34" presetClass="emph" presetSubtype="0" fill="hold" grpId="1" nodeType="clickEffect">
-                                  <p:stCondLst>
-                                    <p:cond delay="0"/>
-                                  </p:stCondLst>
-                                  <p:iterate type="lt">
-                                    <p:tmPct val="10000"/>
-                                  </p:iterate>
-                                  <p:childTnLst>
-                                    <p:animMotion origin="layout" path="M 0.0 0.0 L 0.0 -0.07213" pathEditMode="relative" ptsTypes="">
-                                      <p:cBhvr>
-                                        <p:cTn id="24" dur="250" accel="50000" decel="50000" autoRev="1" fill="hold">
-                                          <p:stCondLst>
-                                            <p:cond delay="0"/>
-                                          </p:stCondLst>
-                                        </p:cTn>
-                                        <p:tgtEl>
-                                          <p:spTgt spid="3"/>
-                                        </p:tgtEl>
-                                        <p:attrNameLst>
-                                          <p:attrName>ppt_x</p:attrName>
-                                          <p:attrName>ppt_y</p:attrName>
-                                        </p:attrNameLst>
-                                      </p:cBhvr>
-                                    </p:animMotion>
-                                    <p:animRot by="1500000">
-                                      <p:cBhvr>
-                                        <p:cTn id="25" dur="125" fill="hold">
-                                          <p:stCondLst>
-                                            <p:cond delay="0"/>
-                                          </p:stCondLst>
-                                        </p:cTn>
-                                        <p:tgtEl>
-                                          <p:spTgt spid="3"/>
-                                        </p:tgtEl>
-                                        <p:attrNameLst>
-                                          <p:attrName>r</p:attrName>
-                                        </p:attrNameLst>
-                                      </p:cBhvr>
-                                    </p:animRot>
-                                    <p:animRot by="-1500000">
-                                      <p:cBhvr>
-                                        <p:cTn id="26" dur="125" fill="hold">
-                                          <p:stCondLst>
-                                            <p:cond delay="125"/>
-                                          </p:stCondLst>
-                                        </p:cTn>
-                                        <p:tgtEl>
-                                          <p:spTgt spid="3"/>
-                                        </p:tgtEl>
-                                        <p:attrNameLst>
-                                          <p:attrName>r</p:attrName>
-                                        </p:attrNameLst>
-                                      </p:cBhvr>
-                                    </p:animRot>
-                                    <p:animRot by="-1500000">
-                                      <p:cBhvr>
-                                        <p:cTn id="27" dur="125" fill="hold">
-                                          <p:stCondLst>
-                                            <p:cond delay="250"/>
-                                          </p:stCondLst>
-                                        </p:cTn>
-                                        <p:tgtEl>
-                                          <p:spTgt spid="3"/>
-                                        </p:tgtEl>
-                                        <p:attrNameLst>
-                                          <p:attrName>r</p:attrName>
-                                        </p:attrNameLst>
-                                      </p:cBhvr>
-                                    </p:animRot>
-                                    <p:animRot by="1500000">
-                                      <p:cBhvr>
-                                        <p:cTn id="28" dur="125" fill="hold">
-                                          <p:stCondLst>
-                                            <p:cond delay="375"/>
-                                          </p:stCondLst>
-                                        </p:cTn>
-                                        <p:tgtEl>
-                                          <p:spTgt spid="3"/>
-                                        </p:tgtEl>
-                                        <p:attrNameLst>
-                                          <p:attrName>r</p:attrName>
-                                        </p:attrNameLst>
-                                      </p:cBhvr>
-                                    </p:animRot>
-                                  </p:childTnLst>
-                                </p:cTn>
-                              </p:par>
-                            </p:childTnLst>
-                          </p:cTn>
-                        </p:par>
-                      </p:childTnLst>
-                    </p:cTn>
-                  </p:par>
                 </p:childTnLst>
               </p:cTn>
               <p:prevCondLst>
@@ -7518,7 +7305,6 @@
     </p:tnLst>
     <p:bldLst>
       <p:bldP spid="3" grpId="0"/>
-      <p:bldP spid="3" grpId="1"/>
     </p:bldLst>
   </p:timing>
 </p:sld>
@@ -8847,112 +8633,6 @@
                       </p:childTnLst>
                     </p:cTn>
                   </p:par>
-                  <p:par>
-                    <p:cTn id="21" fill="hold">
-                      <p:stCondLst>
-                        <p:cond delay="indefinite"/>
-                      </p:stCondLst>
-                      <p:childTnLst>
-                        <p:par>
-                          <p:cTn id="22" fill="hold">
-                            <p:stCondLst>
-                              <p:cond delay="0"/>
-                            </p:stCondLst>
-                            <p:childTnLst>
-                              <p:par>
-                                <p:cTn id="23" presetID="34" presetClass="emph" presetSubtype="0" fill="hold" grpId="1" nodeType="clickEffect">
-                                  <p:stCondLst>
-                                    <p:cond delay="0"/>
-                                  </p:stCondLst>
-                                  <p:iterate type="lt">
-                                    <p:tmPct val="10000"/>
-                                  </p:iterate>
-                                  <p:childTnLst>
-                                    <p:animMotion origin="layout" path="M 0.0 0.0 L 0.0 -0.07213" pathEditMode="relative" ptsTypes="">
-                                      <p:cBhvr>
-                                        <p:cTn id="24" dur="250" accel="50000" decel="50000" autoRev="1" fill="hold">
-                                          <p:stCondLst>
-                                            <p:cond delay="0"/>
-                                          </p:stCondLst>
-                                        </p:cTn>
-                                        <p:tgtEl>
-                                          <p:spTgt spid="3"/>
-                                        </p:tgtEl>
-                                        <p:attrNameLst>
-                                          <p:attrName>ppt_x</p:attrName>
-                                          <p:attrName>ppt_y</p:attrName>
-                                        </p:attrNameLst>
-                                      </p:cBhvr>
-                                    </p:animMotion>
-                                    <p:animRot by="1500000">
-                                      <p:cBhvr>
-                                        <p:cTn id="25" dur="125" fill="hold">
-                                          <p:stCondLst>
-                                            <p:cond delay="0"/>
-                                          </p:stCondLst>
-                                        </p:cTn>
-                                        <p:tgtEl>
-                                          <p:spTgt spid="3"/>
-                                        </p:tgtEl>
-                                        <p:attrNameLst>
-                                          <p:attrName>r</p:attrName>
-                                        </p:attrNameLst>
-                                      </p:cBhvr>
-                                    </p:animRot>
-                                    <p:animRot by="-1500000">
-                                      <p:cBhvr>
-                                        <p:cTn id="26" dur="125" fill="hold">
-                                          <p:stCondLst>
-                                            <p:cond delay="125"/>
-                                          </p:stCondLst>
-                                        </p:cTn>
-                                        <p:tgtEl>
-                                          <p:spTgt spid="3"/>
-                                        </p:tgtEl>
-                                        <p:attrNameLst>
-                                          <p:attrName>r</p:attrName>
-                                        </p:attrNameLst>
-                                      </p:cBhvr>
-                                    </p:animRot>
-                                    <p:animRot by="-1500000">
-                                      <p:cBhvr>
-                                        <p:cTn id="27" dur="125" fill="hold">
-                                          <p:stCondLst>
-                                            <p:cond delay="250"/>
-                                          </p:stCondLst>
-                                        </p:cTn>
-                                        <p:tgtEl>
-                                          <p:spTgt spid="3"/>
-                                        </p:tgtEl>
-                                        <p:attrNameLst>
-                                          <p:attrName>r</p:attrName>
-                                        </p:attrNameLst>
-                                      </p:cBhvr>
-                                    </p:animRot>
-                                    <p:animRot by="1500000">
-                                      <p:cBhvr>
-                                        <p:cTn id="28" dur="125" fill="hold">
-                                          <p:stCondLst>
-                                            <p:cond delay="375"/>
-                                          </p:stCondLst>
-                                        </p:cTn>
-                                        <p:tgtEl>
-                                          <p:spTgt spid="3"/>
-                                        </p:tgtEl>
-                                        <p:attrNameLst>
-                                          <p:attrName>r</p:attrName>
-                                        </p:attrNameLst>
-                                      </p:cBhvr>
-                                    </p:animRot>
-                                  </p:childTnLst>
-                                </p:cTn>
-                              </p:par>
-                            </p:childTnLst>
-                          </p:cTn>
-                        </p:par>
-                      </p:childTnLst>
-                    </p:cTn>
-                  </p:par>
                 </p:childTnLst>
               </p:cTn>
               <p:prevCondLst>
@@ -8976,7 +8656,6 @@
     </p:tnLst>
     <p:bldLst>
       <p:bldP spid="3" grpId="0"/>
-      <p:bldP spid="3" grpId="1"/>
     </p:bldLst>
   </p:timing>
 </p:sld>
@@ -9469,112 +9148,6 @@
                       </p:childTnLst>
                     </p:cTn>
                   </p:par>
-                  <p:par>
-                    <p:cTn id="21" fill="hold">
-                      <p:stCondLst>
-                        <p:cond delay="indefinite"/>
-                      </p:stCondLst>
-                      <p:childTnLst>
-                        <p:par>
-                          <p:cTn id="22" fill="hold">
-                            <p:stCondLst>
-                              <p:cond delay="0"/>
-                            </p:stCondLst>
-                            <p:childTnLst>
-                              <p:par>
-                                <p:cTn id="23" presetID="34" presetClass="emph" presetSubtype="0" fill="hold" grpId="1" nodeType="clickEffect">
-                                  <p:stCondLst>
-                                    <p:cond delay="0"/>
-                                  </p:stCondLst>
-                                  <p:iterate type="lt">
-                                    <p:tmPct val="10000"/>
-                                  </p:iterate>
-                                  <p:childTnLst>
-                                    <p:animMotion origin="layout" path="M 0.0 0.0 L 0.0 -0.07213" pathEditMode="relative" ptsTypes="">
-                                      <p:cBhvr>
-                                        <p:cTn id="24" dur="250" accel="50000" decel="50000" autoRev="1" fill="hold">
-                                          <p:stCondLst>
-                                            <p:cond delay="0"/>
-                                          </p:stCondLst>
-                                        </p:cTn>
-                                        <p:tgtEl>
-                                          <p:spTgt spid="3"/>
-                                        </p:tgtEl>
-                                        <p:attrNameLst>
-                                          <p:attrName>ppt_x</p:attrName>
-                                          <p:attrName>ppt_y</p:attrName>
-                                        </p:attrNameLst>
-                                      </p:cBhvr>
-                                    </p:animMotion>
-                                    <p:animRot by="1500000">
-                                      <p:cBhvr>
-                                        <p:cTn id="25" dur="125" fill="hold">
-                                          <p:stCondLst>
-                                            <p:cond delay="0"/>
-                                          </p:stCondLst>
-                                        </p:cTn>
-                                        <p:tgtEl>
-                                          <p:spTgt spid="3"/>
-                                        </p:tgtEl>
-                                        <p:attrNameLst>
-                                          <p:attrName>r</p:attrName>
-                                        </p:attrNameLst>
-                                      </p:cBhvr>
-                                    </p:animRot>
-                                    <p:animRot by="-1500000">
-                                      <p:cBhvr>
-                                        <p:cTn id="26" dur="125" fill="hold">
-                                          <p:stCondLst>
-                                            <p:cond delay="125"/>
-                                          </p:stCondLst>
-                                        </p:cTn>
-                                        <p:tgtEl>
-                                          <p:spTgt spid="3"/>
-                                        </p:tgtEl>
-                                        <p:attrNameLst>
-                                          <p:attrName>r</p:attrName>
-                                        </p:attrNameLst>
-                                      </p:cBhvr>
-                                    </p:animRot>
-                                    <p:animRot by="-1500000">
-                                      <p:cBhvr>
-                                        <p:cTn id="27" dur="125" fill="hold">
-                                          <p:stCondLst>
-                                            <p:cond delay="250"/>
-                                          </p:stCondLst>
-                                        </p:cTn>
-                                        <p:tgtEl>
-                                          <p:spTgt spid="3"/>
-                                        </p:tgtEl>
-                                        <p:attrNameLst>
-                                          <p:attrName>r</p:attrName>
-                                        </p:attrNameLst>
-                                      </p:cBhvr>
-                                    </p:animRot>
-                                    <p:animRot by="1500000">
-                                      <p:cBhvr>
-                                        <p:cTn id="28" dur="125" fill="hold">
-                                          <p:stCondLst>
-                                            <p:cond delay="375"/>
-                                          </p:stCondLst>
-                                        </p:cTn>
-                                        <p:tgtEl>
-                                          <p:spTgt spid="3"/>
-                                        </p:tgtEl>
-                                        <p:attrNameLst>
-                                          <p:attrName>r</p:attrName>
-                                        </p:attrNameLst>
-                                      </p:cBhvr>
-                                    </p:animRot>
-                                  </p:childTnLst>
-                                </p:cTn>
-                              </p:par>
-                            </p:childTnLst>
-                          </p:cTn>
-                        </p:par>
-                      </p:childTnLst>
-                    </p:cTn>
-                  </p:par>
                 </p:childTnLst>
               </p:cTn>
               <p:prevCondLst>
@@ -9598,7 +9171,6 @@
     </p:tnLst>
     <p:bldLst>
       <p:bldP spid="3" grpId="0"/>
-      <p:bldP spid="3" grpId="1"/>
     </p:bldLst>
   </p:timing>
 </p:sld>
@@ -10091,112 +9663,6 @@
                       </p:childTnLst>
                     </p:cTn>
                   </p:par>
-                  <p:par>
-                    <p:cTn id="21" fill="hold">
-                      <p:stCondLst>
-                        <p:cond delay="indefinite"/>
-                      </p:stCondLst>
-                      <p:childTnLst>
-                        <p:par>
-                          <p:cTn id="22" fill="hold">
-                            <p:stCondLst>
-                              <p:cond delay="0"/>
-                            </p:stCondLst>
-                            <p:childTnLst>
-                              <p:par>
-                                <p:cTn id="23" presetID="34" presetClass="emph" presetSubtype="0" fill="hold" grpId="1" nodeType="clickEffect">
-                                  <p:stCondLst>
-                                    <p:cond delay="0"/>
-                                  </p:stCondLst>
-                                  <p:iterate type="lt">
-                                    <p:tmPct val="10000"/>
-                                  </p:iterate>
-                                  <p:childTnLst>
-                                    <p:animMotion origin="layout" path="M 0.0 0.0 L 0.0 -0.07213" pathEditMode="relative" ptsTypes="">
-                                      <p:cBhvr>
-                                        <p:cTn id="24" dur="250" accel="50000" decel="50000" autoRev="1" fill="hold">
-                                          <p:stCondLst>
-                                            <p:cond delay="0"/>
-                                          </p:stCondLst>
-                                        </p:cTn>
-                                        <p:tgtEl>
-                                          <p:spTgt spid="3"/>
-                                        </p:tgtEl>
-                                        <p:attrNameLst>
-                                          <p:attrName>ppt_x</p:attrName>
-                                          <p:attrName>ppt_y</p:attrName>
-                                        </p:attrNameLst>
-                                      </p:cBhvr>
-                                    </p:animMotion>
-                                    <p:animRot by="1500000">
-                                      <p:cBhvr>
-                                        <p:cTn id="25" dur="125" fill="hold">
-                                          <p:stCondLst>
-                                            <p:cond delay="0"/>
-                                          </p:stCondLst>
-                                        </p:cTn>
-                                        <p:tgtEl>
-                                          <p:spTgt spid="3"/>
-                                        </p:tgtEl>
-                                        <p:attrNameLst>
-                                          <p:attrName>r</p:attrName>
-                                        </p:attrNameLst>
-                                      </p:cBhvr>
-                                    </p:animRot>
-                                    <p:animRot by="-1500000">
-                                      <p:cBhvr>
-                                        <p:cTn id="26" dur="125" fill="hold">
-                                          <p:stCondLst>
-                                            <p:cond delay="125"/>
-                                          </p:stCondLst>
-                                        </p:cTn>
-                                        <p:tgtEl>
-                                          <p:spTgt spid="3"/>
-                                        </p:tgtEl>
-                                        <p:attrNameLst>
-                                          <p:attrName>r</p:attrName>
-                                        </p:attrNameLst>
-                                      </p:cBhvr>
-                                    </p:animRot>
-                                    <p:animRot by="-1500000">
-                                      <p:cBhvr>
-                                        <p:cTn id="27" dur="125" fill="hold">
-                                          <p:stCondLst>
-                                            <p:cond delay="250"/>
-                                          </p:stCondLst>
-                                        </p:cTn>
-                                        <p:tgtEl>
-                                          <p:spTgt spid="3"/>
-                                        </p:tgtEl>
-                                        <p:attrNameLst>
-                                          <p:attrName>r</p:attrName>
-                                        </p:attrNameLst>
-                                      </p:cBhvr>
-                                    </p:animRot>
-                                    <p:animRot by="1500000">
-                                      <p:cBhvr>
-                                        <p:cTn id="28" dur="125" fill="hold">
-                                          <p:stCondLst>
-                                            <p:cond delay="375"/>
-                                          </p:stCondLst>
-                                        </p:cTn>
-                                        <p:tgtEl>
-                                          <p:spTgt spid="3"/>
-                                        </p:tgtEl>
-                                        <p:attrNameLst>
-                                          <p:attrName>r</p:attrName>
-                                        </p:attrNameLst>
-                                      </p:cBhvr>
-                                    </p:animRot>
-                                  </p:childTnLst>
-                                </p:cTn>
-                              </p:par>
-                            </p:childTnLst>
-                          </p:cTn>
-                        </p:par>
-                      </p:childTnLst>
-                    </p:cTn>
-                  </p:par>
                 </p:childTnLst>
               </p:cTn>
               <p:prevCondLst>
@@ -10220,7 +9686,6 @@
     </p:tnLst>
     <p:bldLst>
       <p:bldP spid="3" grpId="0"/>
-      <p:bldP spid="3" grpId="1"/>
     </p:bldLst>
   </p:timing>
 </p:sld>
@@ -10728,112 +10193,6 @@
                       </p:childTnLst>
                     </p:cTn>
                   </p:par>
-                  <p:par>
-                    <p:cTn id="21" fill="hold">
-                      <p:stCondLst>
-                        <p:cond delay="indefinite"/>
-                      </p:stCondLst>
-                      <p:childTnLst>
-                        <p:par>
-                          <p:cTn id="22" fill="hold">
-                            <p:stCondLst>
-                              <p:cond delay="0"/>
-                            </p:stCondLst>
-                            <p:childTnLst>
-                              <p:par>
-                                <p:cTn id="23" presetID="34" presetClass="emph" presetSubtype="0" fill="hold" grpId="1" nodeType="clickEffect">
-                                  <p:stCondLst>
-                                    <p:cond delay="0"/>
-                                  </p:stCondLst>
-                                  <p:iterate type="lt">
-                                    <p:tmPct val="10000"/>
-                                  </p:iterate>
-                                  <p:childTnLst>
-                                    <p:animMotion origin="layout" path="M 0.0 0.0 L 0.0 -0.07213" pathEditMode="relative" ptsTypes="">
-                                      <p:cBhvr>
-                                        <p:cTn id="24" dur="250" accel="50000" decel="50000" autoRev="1" fill="hold">
-                                          <p:stCondLst>
-                                            <p:cond delay="0"/>
-                                          </p:stCondLst>
-                                        </p:cTn>
-                                        <p:tgtEl>
-                                          <p:spTgt spid="3"/>
-                                        </p:tgtEl>
-                                        <p:attrNameLst>
-                                          <p:attrName>ppt_x</p:attrName>
-                                          <p:attrName>ppt_y</p:attrName>
-                                        </p:attrNameLst>
-                                      </p:cBhvr>
-                                    </p:animMotion>
-                                    <p:animRot by="1500000">
-                                      <p:cBhvr>
-                                        <p:cTn id="25" dur="125" fill="hold">
-                                          <p:stCondLst>
-                                            <p:cond delay="0"/>
-                                          </p:stCondLst>
-                                        </p:cTn>
-                                        <p:tgtEl>
-                                          <p:spTgt spid="3"/>
-                                        </p:tgtEl>
-                                        <p:attrNameLst>
-                                          <p:attrName>r</p:attrName>
-                                        </p:attrNameLst>
-                                      </p:cBhvr>
-                                    </p:animRot>
-                                    <p:animRot by="-1500000">
-                                      <p:cBhvr>
-                                        <p:cTn id="26" dur="125" fill="hold">
-                                          <p:stCondLst>
-                                            <p:cond delay="125"/>
-                                          </p:stCondLst>
-                                        </p:cTn>
-                                        <p:tgtEl>
-                                          <p:spTgt spid="3"/>
-                                        </p:tgtEl>
-                                        <p:attrNameLst>
-                                          <p:attrName>r</p:attrName>
-                                        </p:attrNameLst>
-                                      </p:cBhvr>
-                                    </p:animRot>
-                                    <p:animRot by="-1500000">
-                                      <p:cBhvr>
-                                        <p:cTn id="27" dur="125" fill="hold">
-                                          <p:stCondLst>
-                                            <p:cond delay="250"/>
-                                          </p:stCondLst>
-                                        </p:cTn>
-                                        <p:tgtEl>
-                                          <p:spTgt spid="3"/>
-                                        </p:tgtEl>
-                                        <p:attrNameLst>
-                                          <p:attrName>r</p:attrName>
-                                        </p:attrNameLst>
-                                      </p:cBhvr>
-                                    </p:animRot>
-                                    <p:animRot by="1500000">
-                                      <p:cBhvr>
-                                        <p:cTn id="28" dur="125" fill="hold">
-                                          <p:stCondLst>
-                                            <p:cond delay="375"/>
-                                          </p:stCondLst>
-                                        </p:cTn>
-                                        <p:tgtEl>
-                                          <p:spTgt spid="3"/>
-                                        </p:tgtEl>
-                                        <p:attrNameLst>
-                                          <p:attrName>r</p:attrName>
-                                        </p:attrNameLst>
-                                      </p:cBhvr>
-                                    </p:animRot>
-                                  </p:childTnLst>
-                                </p:cTn>
-                              </p:par>
-                            </p:childTnLst>
-                          </p:cTn>
-                        </p:par>
-                      </p:childTnLst>
-                    </p:cTn>
-                  </p:par>
                 </p:childTnLst>
               </p:cTn>
               <p:prevCondLst>
@@ -10857,7 +10216,6 @@
     </p:tnLst>
     <p:bldLst>
       <p:bldP spid="3" grpId="0"/>
-      <p:bldP spid="3" grpId="1"/>
     </p:bldLst>
   </p:timing>
 </p:sld>
@@ -11038,10 +10396,13 @@
                             </p:stCondLst>
                             <p:childTnLst>
                               <p:par>
-                                <p:cTn id="5" presetID="2" presetClass="entr" presetSubtype="4" fill="hold" grpId="0" nodeType="clickEffect">
+                                <p:cTn id="5" presetID="26" presetClass="entr" presetSubtype="0" fill="hold" grpId="0" nodeType="clickEffect">
                                   <p:stCondLst>
                                     <p:cond delay="0"/>
                                   </p:stCondLst>
+                                  <p:iterate type="lt">
+                                    <p:tmPct val="0"/>
+                                  </p:iterate>
                                   <p:childTnLst>
                                     <p:set>
                                       <p:cBhvr>
@@ -11051,11 +10412,7 @@
                                           </p:stCondLst>
                                         </p:cTn>
                                         <p:tgtEl>
-                                          <p:spTgt spid="3">
-                                            <p:txEl>
-                                              <p:pRg st="0" end="0"/>
-                                            </p:txEl>
-                                          </p:spTgt>
+                                          <p:spTgt spid="3"/>
                                         </p:tgtEl>
                                         <p:attrNameLst>
                                           <p:attrName>style.visibility</p:attrName>
@@ -11065,15 +10422,27 @@
                                         <p:strVal val="visible"/>
                                       </p:to>
                                     </p:set>
+                                    <p:animEffect transition="in" filter="wipe(down)">
+                                      <p:cBhvr>
+                                        <p:cTn id="7" dur="580">
+                                          <p:stCondLst>
+                                            <p:cond delay="0"/>
+                                          </p:stCondLst>
+                                        </p:cTn>
+                                        <p:tgtEl>
+                                          <p:spTgt spid="3"/>
+                                        </p:tgtEl>
+                                      </p:cBhvr>
+                                    </p:animEffect>
                                     <p:anim calcmode="lin" valueType="num">
-                                      <p:cBhvr additive="base">
-                                        <p:cTn id="7" dur="500" fill="hold"/>
-                                        <p:tgtEl>
-                                          <p:spTgt spid="3">
-                                            <p:txEl>
-                                              <p:pRg st="0" end="0"/>
-                                            </p:txEl>
-                                          </p:spTgt>
+                                      <p:cBhvr>
+                                        <p:cTn id="8" dur="1822" tmFilter="0,0; 0.14,0.36; 0.43,0.73; 0.71,0.91; 1.0,1.0">
+                                          <p:stCondLst>
+                                            <p:cond delay="0"/>
+                                          </p:stCondLst>
+                                        </p:cTn>
+                                        <p:tgtEl>
+                                          <p:spTgt spid="3"/>
                                         </p:tgtEl>
                                         <p:attrNameLst>
                                           <p:attrName>ppt_x</p:attrName>
@@ -11082,7 +10451,7 @@
                                       <p:tavLst>
                                         <p:tav tm="0">
                                           <p:val>
-                                            <p:strVal val="#ppt_x"/>
+                                            <p:strVal val="#ppt_x-0.25"/>
                                           </p:val>
                                         </p:tav>
                                         <p:tav tm="100000">
@@ -11093,650 +10462,217 @@
                                       </p:tavLst>
                                     </p:anim>
                                     <p:anim calcmode="lin" valueType="num">
-                                      <p:cBhvr additive="base">
-                                        <p:cTn id="8" dur="500" fill="hold"/>
-                                        <p:tgtEl>
-                                          <p:spTgt spid="3">
-                                            <p:txEl>
-                                              <p:pRg st="0" end="0"/>
-                                            </p:txEl>
-                                          </p:spTgt>
+                                      <p:cBhvr>
+                                        <p:cTn id="9" dur="664" tmFilter="0.0,0.0; 0.25,0.07; 0.50,0.2; 0.75,0.467; 1.0,1.0">
+                                          <p:stCondLst>
+                                            <p:cond delay="0"/>
+                                          </p:stCondLst>
+                                        </p:cTn>
+                                        <p:tgtEl>
+                                          <p:spTgt spid="3"/>
                                         </p:tgtEl>
                                         <p:attrNameLst>
                                           <p:attrName>ppt_y</p:attrName>
                                         </p:attrNameLst>
                                       </p:cBhvr>
                                       <p:tavLst>
-                                        <p:tav tm="0">
-                                          <p:val>
-                                            <p:strVal val="1+#ppt_h/2"/>
+                                        <p:tav tm="0" fmla="#ppt_y-sin(pi*$)/3">
+                                          <p:val>
+                                            <p:fltVal val="0.5"/>
                                           </p:val>
                                         </p:tav>
                                         <p:tav tm="100000">
                                           <p:val>
-                                            <p:strVal val="#ppt_y"/>
-                                          </p:val>
-                                        </p:tav>
-                                      </p:tavLst>
-                                    </p:anim>
-                                  </p:childTnLst>
-                                </p:cTn>
-                              </p:par>
-                            </p:childTnLst>
-                          </p:cTn>
-                        </p:par>
-                      </p:childTnLst>
-                    </p:cTn>
-                  </p:par>
-                  <p:par>
-                    <p:cTn id="9" fill="hold">
-                      <p:stCondLst>
-                        <p:cond delay="indefinite"/>
-                      </p:stCondLst>
-                      <p:childTnLst>
-                        <p:par>
-                          <p:cTn id="10" fill="hold">
-                            <p:stCondLst>
-                              <p:cond delay="0"/>
-                            </p:stCondLst>
-                            <p:childTnLst>
-                              <p:par>
-                                <p:cTn id="11" presetID="2" presetClass="entr" presetSubtype="4" fill="hold" grpId="0" nodeType="clickEffect">
-                                  <p:stCondLst>
-                                    <p:cond delay="0"/>
-                                  </p:stCondLst>
-                                  <p:childTnLst>
-                                    <p:set>
-                                      <p:cBhvr>
-                                        <p:cTn id="12" dur="1" fill="hold">
-                                          <p:stCondLst>
-                                            <p:cond delay="0"/>
-                                          </p:stCondLst>
-                                        </p:cTn>
-                                        <p:tgtEl>
-                                          <p:spTgt spid="3">
-                                            <p:txEl>
-                                              <p:pRg st="2" end="2"/>
-                                            </p:txEl>
-                                          </p:spTgt>
-                                        </p:tgtEl>
-                                        <p:attrNameLst>
-                                          <p:attrName>style.visibility</p:attrName>
-                                        </p:attrNameLst>
-                                      </p:cBhvr>
-                                      <p:to>
-                                        <p:strVal val="visible"/>
-                                      </p:to>
-                                    </p:set>
-                                    <p:anim calcmode="lin" valueType="num">
-                                      <p:cBhvr additive="base">
-                                        <p:cTn id="13" dur="500" fill="hold"/>
-                                        <p:tgtEl>
-                                          <p:spTgt spid="3">
-                                            <p:txEl>
-                                              <p:pRg st="2" end="2"/>
-                                            </p:txEl>
-                                          </p:spTgt>
-                                        </p:tgtEl>
-                                        <p:attrNameLst>
-                                          <p:attrName>ppt_x</p:attrName>
-                                        </p:attrNameLst>
-                                      </p:cBhvr>
-                                      <p:tavLst>
-                                        <p:tav tm="0">
-                                          <p:val>
-                                            <p:strVal val="#ppt_x"/>
-                                          </p:val>
-                                        </p:tav>
-                                        <p:tav tm="100000">
-                                          <p:val>
-                                            <p:strVal val="#ppt_x"/>
+                                            <p:fltVal val="1"/>
                                           </p:val>
                                         </p:tav>
                                       </p:tavLst>
                                     </p:anim>
                                     <p:anim calcmode="lin" valueType="num">
-                                      <p:cBhvr additive="base">
-                                        <p:cTn id="14" dur="500" fill="hold"/>
-                                        <p:tgtEl>
-                                          <p:spTgt spid="3">
-                                            <p:txEl>
-                                              <p:pRg st="2" end="2"/>
-                                            </p:txEl>
-                                          </p:spTgt>
+                                      <p:cBhvr>
+                                        <p:cTn id="10" dur="664" tmFilter="0, 0; 0.125,0.2665; 0.25,0.4; 0.375,0.465; 0.5,0.5;  0.625,0.535; 0.75,0.6; 0.875,0.7335; 1,1">
+                                          <p:stCondLst>
+                                            <p:cond delay="664"/>
+                                          </p:stCondLst>
+                                        </p:cTn>
+                                        <p:tgtEl>
+                                          <p:spTgt spid="3"/>
                                         </p:tgtEl>
                                         <p:attrNameLst>
                                           <p:attrName>ppt_y</p:attrName>
                                         </p:attrNameLst>
                                       </p:cBhvr>
                                       <p:tavLst>
-                                        <p:tav tm="0">
-                                          <p:val>
-                                            <p:strVal val="1+#ppt_h/2"/>
+                                        <p:tav tm="0" fmla="#ppt_y-sin(pi*$)/9">
+                                          <p:val>
+                                            <p:fltVal val="0"/>
                                           </p:val>
                                         </p:tav>
                                         <p:tav tm="100000">
                                           <p:val>
-                                            <p:strVal val="#ppt_y"/>
-                                          </p:val>
-                                        </p:tav>
-                                      </p:tavLst>
-                                    </p:anim>
-                                  </p:childTnLst>
-                                </p:cTn>
-                              </p:par>
-                            </p:childTnLst>
-                          </p:cTn>
-                        </p:par>
-                      </p:childTnLst>
-                    </p:cTn>
-                  </p:par>
-                  <p:par>
-                    <p:cTn id="15" fill="hold">
-                      <p:stCondLst>
-                        <p:cond delay="indefinite"/>
-                      </p:stCondLst>
-                      <p:childTnLst>
-                        <p:par>
-                          <p:cTn id="16" fill="hold">
-                            <p:stCondLst>
-                              <p:cond delay="0"/>
-                            </p:stCondLst>
-                            <p:childTnLst>
-                              <p:par>
-                                <p:cTn id="17" presetID="2" presetClass="entr" presetSubtype="4" fill="hold" grpId="0" nodeType="clickEffect">
-                                  <p:stCondLst>
-                                    <p:cond delay="0"/>
-                                  </p:stCondLst>
-                                  <p:childTnLst>
-                                    <p:set>
-                                      <p:cBhvr>
-                                        <p:cTn id="18" dur="1" fill="hold">
-                                          <p:stCondLst>
-                                            <p:cond delay="0"/>
-                                          </p:stCondLst>
-                                        </p:cTn>
-                                        <p:tgtEl>
-                                          <p:spTgt spid="3">
-                                            <p:txEl>
-                                              <p:pRg st="3" end="3"/>
-                                            </p:txEl>
-                                          </p:spTgt>
-                                        </p:tgtEl>
-                                        <p:attrNameLst>
-                                          <p:attrName>style.visibility</p:attrName>
-                                        </p:attrNameLst>
-                                      </p:cBhvr>
-                                      <p:to>
-                                        <p:strVal val="visible"/>
-                                      </p:to>
-                                    </p:set>
-                                    <p:anim calcmode="lin" valueType="num">
-                                      <p:cBhvr additive="base">
-                                        <p:cTn id="19" dur="500" fill="hold"/>
-                                        <p:tgtEl>
-                                          <p:spTgt spid="3">
-                                            <p:txEl>
-                                              <p:pRg st="3" end="3"/>
-                                            </p:txEl>
-                                          </p:spTgt>
-                                        </p:tgtEl>
-                                        <p:attrNameLst>
-                                          <p:attrName>ppt_x</p:attrName>
-                                        </p:attrNameLst>
-                                      </p:cBhvr>
-                                      <p:tavLst>
-                                        <p:tav tm="0">
-                                          <p:val>
-                                            <p:strVal val="#ppt_x"/>
-                                          </p:val>
-                                        </p:tav>
-                                        <p:tav tm="100000">
-                                          <p:val>
-                                            <p:strVal val="#ppt_x"/>
+                                            <p:fltVal val="1"/>
                                           </p:val>
                                         </p:tav>
                                       </p:tavLst>
                                     </p:anim>
                                     <p:anim calcmode="lin" valueType="num">
-                                      <p:cBhvr additive="base">
-                                        <p:cTn id="20" dur="500" fill="hold"/>
-                                        <p:tgtEl>
-                                          <p:spTgt spid="3">
-                                            <p:txEl>
-                                              <p:pRg st="3" end="3"/>
-                                            </p:txEl>
-                                          </p:spTgt>
+                                      <p:cBhvr>
+                                        <p:cTn id="11" dur="332" tmFilter="0, 0; 0.125,0.2665; 0.25,0.4; 0.375,0.465; 0.5,0.5;  0.625,0.535; 0.75,0.6; 0.875,0.7335; 1,1">
+                                          <p:stCondLst>
+                                            <p:cond delay="1324"/>
+                                          </p:stCondLst>
+                                        </p:cTn>
+                                        <p:tgtEl>
+                                          <p:spTgt spid="3"/>
                                         </p:tgtEl>
                                         <p:attrNameLst>
                                           <p:attrName>ppt_y</p:attrName>
                                         </p:attrNameLst>
                                       </p:cBhvr>
                                       <p:tavLst>
-                                        <p:tav tm="0">
-                                          <p:val>
-                                            <p:strVal val="1+#ppt_h/2"/>
+                                        <p:tav tm="0" fmla="#ppt_y-sin(pi*$)/27">
+                                          <p:val>
+                                            <p:fltVal val="0"/>
                                           </p:val>
                                         </p:tav>
                                         <p:tav tm="100000">
                                           <p:val>
-                                            <p:strVal val="#ppt_y"/>
-                                          </p:val>
-                                        </p:tav>
-                                      </p:tavLst>
-                                    </p:anim>
-                                  </p:childTnLst>
-                                </p:cTn>
-                              </p:par>
-                            </p:childTnLst>
-                          </p:cTn>
-                        </p:par>
-                      </p:childTnLst>
-                    </p:cTn>
-                  </p:par>
-                  <p:par>
-                    <p:cTn id="21" fill="hold">
-                      <p:stCondLst>
-                        <p:cond delay="indefinite"/>
-                      </p:stCondLst>
-                      <p:childTnLst>
-                        <p:par>
-                          <p:cTn id="22" fill="hold">
-                            <p:stCondLst>
-                              <p:cond delay="0"/>
-                            </p:stCondLst>
-                            <p:childTnLst>
-                              <p:par>
-                                <p:cTn id="23" presetID="2" presetClass="entr" presetSubtype="4" fill="hold" grpId="0" nodeType="clickEffect">
-                                  <p:stCondLst>
-                                    <p:cond delay="0"/>
-                                  </p:stCondLst>
-                                  <p:childTnLst>
-                                    <p:set>
-                                      <p:cBhvr>
-                                        <p:cTn id="24" dur="1" fill="hold">
-                                          <p:stCondLst>
-                                            <p:cond delay="0"/>
-                                          </p:stCondLst>
-                                        </p:cTn>
-                                        <p:tgtEl>
-                                          <p:spTgt spid="3">
-                                            <p:txEl>
-                                              <p:pRg st="4" end="4"/>
-                                            </p:txEl>
-                                          </p:spTgt>
-                                        </p:tgtEl>
-                                        <p:attrNameLst>
-                                          <p:attrName>style.visibility</p:attrName>
-                                        </p:attrNameLst>
-                                      </p:cBhvr>
-                                      <p:to>
-                                        <p:strVal val="visible"/>
-                                      </p:to>
-                                    </p:set>
-                                    <p:anim calcmode="lin" valueType="num">
-                                      <p:cBhvr additive="base">
-                                        <p:cTn id="25" dur="500" fill="hold"/>
-                                        <p:tgtEl>
-                                          <p:spTgt spid="3">
-                                            <p:txEl>
-                                              <p:pRg st="4" end="4"/>
-                                            </p:txEl>
-                                          </p:spTgt>
-                                        </p:tgtEl>
-                                        <p:attrNameLst>
-                                          <p:attrName>ppt_x</p:attrName>
-                                        </p:attrNameLst>
-                                      </p:cBhvr>
-                                      <p:tavLst>
-                                        <p:tav tm="0">
-                                          <p:val>
-                                            <p:strVal val="#ppt_x"/>
-                                          </p:val>
-                                        </p:tav>
-                                        <p:tav tm="100000">
-                                          <p:val>
-                                            <p:strVal val="#ppt_x"/>
+                                            <p:fltVal val="1"/>
                                           </p:val>
                                         </p:tav>
                                       </p:tavLst>
                                     </p:anim>
                                     <p:anim calcmode="lin" valueType="num">
-                                      <p:cBhvr additive="base">
-                                        <p:cTn id="26" dur="500" fill="hold"/>
-                                        <p:tgtEl>
-                                          <p:spTgt spid="3">
-                                            <p:txEl>
-                                              <p:pRg st="4" end="4"/>
-                                            </p:txEl>
-                                          </p:spTgt>
+                                      <p:cBhvr>
+                                        <p:cTn id="12" dur="164" tmFilter="0, 0; 0.125,0.2665; 0.25,0.4; 0.375,0.465; 0.5,0.5;  0.625,0.535; 0.75,0.6; 0.875,0.7335; 1,1">
+                                          <p:stCondLst>
+                                            <p:cond delay="1656"/>
+                                          </p:stCondLst>
+                                        </p:cTn>
+                                        <p:tgtEl>
+                                          <p:spTgt spid="3"/>
                                         </p:tgtEl>
                                         <p:attrNameLst>
                                           <p:attrName>ppt_y</p:attrName>
                                         </p:attrNameLst>
                                       </p:cBhvr>
                                       <p:tavLst>
-                                        <p:tav tm="0">
-                                          <p:val>
-                                            <p:strVal val="1+#ppt_h/2"/>
+                                        <p:tav tm="0" fmla="#ppt_y-sin(pi*$)/81">
+                                          <p:val>
+                                            <p:fltVal val="0"/>
                                           </p:val>
                                         </p:tav>
                                         <p:tav tm="100000">
                                           <p:val>
-                                            <p:strVal val="#ppt_y"/>
+                                            <p:fltVal val="1"/>
                                           </p:val>
                                         </p:tav>
                                       </p:tavLst>
                                     </p:anim>
-                                  </p:childTnLst>
-                                </p:cTn>
-                              </p:par>
-                            </p:childTnLst>
-                          </p:cTn>
-                        </p:par>
-                      </p:childTnLst>
-                    </p:cTn>
-                  </p:par>
-                  <p:par>
-                    <p:cTn id="27" fill="hold">
-                      <p:stCondLst>
-                        <p:cond delay="indefinite"/>
-                      </p:stCondLst>
-                      <p:childTnLst>
-                        <p:par>
-                          <p:cTn id="28" fill="hold">
-                            <p:stCondLst>
-                              <p:cond delay="0"/>
-                            </p:stCondLst>
-                            <p:childTnLst>
-                              <p:par>
-                                <p:cTn id="29" presetID="2" presetClass="entr" presetSubtype="4" fill="hold" grpId="0" nodeType="clickEffect">
-                                  <p:stCondLst>
-                                    <p:cond delay="0"/>
-                                  </p:stCondLst>
-                                  <p:childTnLst>
-                                    <p:set>
-                                      <p:cBhvr>
-                                        <p:cTn id="30" dur="1" fill="hold">
-                                          <p:stCondLst>
-                                            <p:cond delay="0"/>
-                                          </p:stCondLst>
-                                        </p:cTn>
-                                        <p:tgtEl>
-                                          <p:spTgt spid="3">
-                                            <p:txEl>
-                                              <p:pRg st="5" end="5"/>
-                                            </p:txEl>
-                                          </p:spTgt>
-                                        </p:tgtEl>
-                                        <p:attrNameLst>
-                                          <p:attrName>style.visibility</p:attrName>
-                                        </p:attrNameLst>
-                                      </p:cBhvr>
-                                      <p:to>
-                                        <p:strVal val="visible"/>
-                                      </p:to>
-                                    </p:set>
-                                    <p:anim calcmode="lin" valueType="num">
-                                      <p:cBhvr additive="base">
-                                        <p:cTn id="31" dur="500" fill="hold"/>
-                                        <p:tgtEl>
-                                          <p:spTgt spid="3">
-                                            <p:txEl>
-                                              <p:pRg st="5" end="5"/>
-                                            </p:txEl>
-                                          </p:spTgt>
-                                        </p:tgtEl>
-                                        <p:attrNameLst>
-                                          <p:attrName>ppt_x</p:attrName>
-                                        </p:attrNameLst>
-                                      </p:cBhvr>
-                                      <p:tavLst>
-                                        <p:tav tm="0">
-                                          <p:val>
-                                            <p:strVal val="#ppt_x"/>
-                                          </p:val>
-                                        </p:tav>
-                                        <p:tav tm="100000">
-                                          <p:val>
-                                            <p:strVal val="#ppt_x"/>
-                                          </p:val>
-                                        </p:tav>
-                                      </p:tavLst>
-                                    </p:anim>
-                                    <p:anim calcmode="lin" valueType="num">
-                                      <p:cBhvr additive="base">
-                                        <p:cTn id="32" dur="500" fill="hold"/>
-                                        <p:tgtEl>
-                                          <p:spTgt spid="3">
-                                            <p:txEl>
-                                              <p:pRg st="5" end="5"/>
-                                            </p:txEl>
-                                          </p:spTgt>
-                                        </p:tgtEl>
-                                        <p:attrNameLst>
-                                          <p:attrName>ppt_y</p:attrName>
-                                        </p:attrNameLst>
-                                      </p:cBhvr>
-                                      <p:tavLst>
-                                        <p:tav tm="0">
-                                          <p:val>
-                                            <p:strVal val="1+#ppt_h/2"/>
-                                          </p:val>
-                                        </p:tav>
-                                        <p:tav tm="100000">
-                                          <p:val>
-                                            <p:strVal val="#ppt_y"/>
-                                          </p:val>
-                                        </p:tav>
-                                      </p:tavLst>
-                                    </p:anim>
-                                  </p:childTnLst>
-                                </p:cTn>
-                              </p:par>
-                            </p:childTnLst>
-                          </p:cTn>
-                        </p:par>
-                      </p:childTnLst>
-                    </p:cTn>
-                  </p:par>
-                  <p:par>
-                    <p:cTn id="33" fill="hold">
-                      <p:stCondLst>
-                        <p:cond delay="indefinite"/>
-                      </p:stCondLst>
-                      <p:childTnLst>
-                        <p:par>
-                          <p:cTn id="34" fill="hold">
-                            <p:stCondLst>
-                              <p:cond delay="0"/>
-                            </p:stCondLst>
-                            <p:childTnLst>
-                              <p:par>
-                                <p:cTn id="35" presetID="2" presetClass="entr" presetSubtype="4" fill="hold" grpId="0" nodeType="clickEffect">
-                                  <p:stCondLst>
-                                    <p:cond delay="0"/>
-                                  </p:stCondLst>
-                                  <p:childTnLst>
-                                    <p:set>
-                                      <p:cBhvr>
-                                        <p:cTn id="36" dur="1" fill="hold">
-                                          <p:stCondLst>
-                                            <p:cond delay="0"/>
-                                          </p:stCondLst>
-                                        </p:cTn>
-                                        <p:tgtEl>
-                                          <p:spTgt spid="3">
-                                            <p:txEl>
-                                              <p:pRg st="6" end="6"/>
-                                            </p:txEl>
-                                          </p:spTgt>
-                                        </p:tgtEl>
-                                        <p:attrNameLst>
-                                          <p:attrName>style.visibility</p:attrName>
-                                        </p:attrNameLst>
-                                      </p:cBhvr>
-                                      <p:to>
-                                        <p:strVal val="visible"/>
-                                      </p:to>
-                                    </p:set>
-                                    <p:anim calcmode="lin" valueType="num">
-                                      <p:cBhvr additive="base">
-                                        <p:cTn id="37" dur="500" fill="hold"/>
-                                        <p:tgtEl>
-                                          <p:spTgt spid="3">
-                                            <p:txEl>
-                                              <p:pRg st="6" end="6"/>
-                                            </p:txEl>
-                                          </p:spTgt>
-                                        </p:tgtEl>
-                                        <p:attrNameLst>
-                                          <p:attrName>ppt_x</p:attrName>
-                                        </p:attrNameLst>
-                                      </p:cBhvr>
-                                      <p:tavLst>
-                                        <p:tav tm="0">
-                                          <p:val>
-                                            <p:strVal val="#ppt_x"/>
-                                          </p:val>
-                                        </p:tav>
-                                        <p:tav tm="100000">
-                                          <p:val>
-                                            <p:strVal val="#ppt_x"/>
-                                          </p:val>
-                                        </p:tav>
-                                      </p:tavLst>
-                                    </p:anim>
-                                    <p:anim calcmode="lin" valueType="num">
-                                      <p:cBhvr additive="base">
-                                        <p:cTn id="38" dur="500" fill="hold"/>
-                                        <p:tgtEl>
-                                          <p:spTgt spid="3">
-                                            <p:txEl>
-                                              <p:pRg st="6" end="6"/>
-                                            </p:txEl>
-                                          </p:spTgt>
-                                        </p:tgtEl>
-                                        <p:attrNameLst>
-                                          <p:attrName>ppt_y</p:attrName>
-                                        </p:attrNameLst>
-                                      </p:cBhvr>
-                                      <p:tavLst>
-                                        <p:tav tm="0">
-                                          <p:val>
-                                            <p:strVal val="1+#ppt_h/2"/>
-                                          </p:val>
-                                        </p:tav>
-                                        <p:tav tm="100000">
-                                          <p:val>
-                                            <p:strVal val="#ppt_y"/>
-                                          </p:val>
-                                        </p:tav>
-                                      </p:tavLst>
-                                    </p:anim>
-                                  </p:childTnLst>
-                                </p:cTn>
-                              </p:par>
-                            </p:childTnLst>
-                          </p:cTn>
-                        </p:par>
-                      </p:childTnLst>
-                    </p:cTn>
-                  </p:par>
-                  <p:par>
-                    <p:cTn id="39" fill="hold">
-                      <p:stCondLst>
-                        <p:cond delay="indefinite"/>
-                      </p:stCondLst>
-                      <p:childTnLst>
-                        <p:par>
-                          <p:cTn id="40" fill="hold">
-                            <p:stCondLst>
-                              <p:cond delay="0"/>
-                            </p:stCondLst>
-                            <p:childTnLst>
-                              <p:par>
-                                <p:cTn id="41" presetID="2" presetClass="entr" presetSubtype="4" fill="hold" grpId="0" nodeType="clickEffect">
-                                  <p:stCondLst>
-                                    <p:cond delay="0"/>
-                                  </p:stCondLst>
-                                  <p:childTnLst>
-                                    <p:set>
-                                      <p:cBhvr>
-                                        <p:cTn id="42" dur="1" fill="hold">
-                                          <p:stCondLst>
-                                            <p:cond delay="0"/>
-                                          </p:stCondLst>
-                                        </p:cTn>
-                                        <p:tgtEl>
-                                          <p:spTgt spid="3">
-                                            <p:txEl>
-                                              <p:pRg st="7" end="7"/>
-                                            </p:txEl>
-                                          </p:spTgt>
-                                        </p:tgtEl>
-                                        <p:attrNameLst>
-                                          <p:attrName>style.visibility</p:attrName>
-                                        </p:attrNameLst>
-                                      </p:cBhvr>
-                                      <p:to>
-                                        <p:strVal val="visible"/>
-                                      </p:to>
-                                    </p:set>
-                                    <p:anim calcmode="lin" valueType="num">
-                                      <p:cBhvr additive="base">
-                                        <p:cTn id="43" dur="500" fill="hold"/>
-                                        <p:tgtEl>
-                                          <p:spTgt spid="3">
-                                            <p:txEl>
-                                              <p:pRg st="7" end="7"/>
-                                            </p:txEl>
-                                          </p:spTgt>
-                                        </p:tgtEl>
-                                        <p:attrNameLst>
-                                          <p:attrName>ppt_x</p:attrName>
-                                        </p:attrNameLst>
-                                      </p:cBhvr>
-                                      <p:tavLst>
-                                        <p:tav tm="0">
-                                          <p:val>
-                                            <p:strVal val="#ppt_x"/>
-                                          </p:val>
-                                        </p:tav>
-                                        <p:tav tm="100000">
-                                          <p:val>
-                                            <p:strVal val="#ppt_x"/>
-                                          </p:val>
-                                        </p:tav>
-                                      </p:tavLst>
-                                    </p:anim>
-                                    <p:anim calcmode="lin" valueType="num">
-                                      <p:cBhvr additive="base">
-                                        <p:cTn id="44" dur="500" fill="hold"/>
-                                        <p:tgtEl>
-                                          <p:spTgt spid="3">
-                                            <p:txEl>
-                                              <p:pRg st="7" end="7"/>
-                                            </p:txEl>
-                                          </p:spTgt>
-                                        </p:tgtEl>
-                                        <p:attrNameLst>
-                                          <p:attrName>ppt_y</p:attrName>
-                                        </p:attrNameLst>
-                                      </p:cBhvr>
-                                      <p:tavLst>
-                                        <p:tav tm="0">
-                                          <p:val>
-                                            <p:strVal val="1+#ppt_h/2"/>
-                                          </p:val>
-                                        </p:tav>
-                                        <p:tav tm="100000">
-                                          <p:val>
-                                            <p:strVal val="#ppt_y"/>
-                                          </p:val>
-                                        </p:tav>
-                                      </p:tavLst>
-                                    </p:anim>
+                                    <p:animScale>
+                                      <p:cBhvr>
+                                        <p:cTn id="13" dur="26">
+                                          <p:stCondLst>
+                                            <p:cond delay="650"/>
+                                          </p:stCondLst>
+                                        </p:cTn>
+                                        <p:tgtEl>
+                                          <p:spTgt spid="3"/>
+                                        </p:tgtEl>
+                                      </p:cBhvr>
+                                      <p:to x="100000" y="60000"/>
+                                    </p:animScale>
+                                    <p:animScale>
+                                      <p:cBhvr>
+                                        <p:cTn id="14" dur="166" decel="50000">
+                                          <p:stCondLst>
+                                            <p:cond delay="676"/>
+                                          </p:stCondLst>
+                                        </p:cTn>
+                                        <p:tgtEl>
+                                          <p:spTgt spid="3"/>
+                                        </p:tgtEl>
+                                      </p:cBhvr>
+                                      <p:to x="100000" y="100000"/>
+                                    </p:animScale>
+                                    <p:animScale>
+                                      <p:cBhvr>
+                                        <p:cTn id="15" dur="26">
+                                          <p:stCondLst>
+                                            <p:cond delay="1312"/>
+                                          </p:stCondLst>
+                                        </p:cTn>
+                                        <p:tgtEl>
+                                          <p:spTgt spid="3"/>
+                                        </p:tgtEl>
+                                      </p:cBhvr>
+                                      <p:to x="100000" y="80000"/>
+                                    </p:animScale>
+                                    <p:animScale>
+                                      <p:cBhvr>
+                                        <p:cTn id="16" dur="166" decel="50000">
+                                          <p:stCondLst>
+                                            <p:cond delay="1338"/>
+                                          </p:stCondLst>
+                                        </p:cTn>
+                                        <p:tgtEl>
+                                          <p:spTgt spid="3"/>
+                                        </p:tgtEl>
+                                      </p:cBhvr>
+                                      <p:to x="100000" y="100000"/>
+                                    </p:animScale>
+                                    <p:animScale>
+                                      <p:cBhvr>
+                                        <p:cTn id="17" dur="26">
+                                          <p:stCondLst>
+                                            <p:cond delay="1642"/>
+                                          </p:stCondLst>
+                                        </p:cTn>
+                                        <p:tgtEl>
+                                          <p:spTgt spid="3"/>
+                                        </p:tgtEl>
+                                      </p:cBhvr>
+                                      <p:to x="100000" y="90000"/>
+                                    </p:animScale>
+                                    <p:animScale>
+                                      <p:cBhvr>
+                                        <p:cTn id="18" dur="166" decel="50000">
+                                          <p:stCondLst>
+                                            <p:cond delay="1668"/>
+                                          </p:stCondLst>
+                                        </p:cTn>
+                                        <p:tgtEl>
+                                          <p:spTgt spid="3"/>
+                                        </p:tgtEl>
+                                      </p:cBhvr>
+                                      <p:to x="100000" y="100000"/>
+                                    </p:animScale>
+                                    <p:animScale>
+                                      <p:cBhvr>
+                                        <p:cTn id="19" dur="26">
+                                          <p:stCondLst>
+                                            <p:cond delay="1808"/>
+                                          </p:stCondLst>
+                                        </p:cTn>
+                                        <p:tgtEl>
+                                          <p:spTgt spid="3"/>
+                                        </p:tgtEl>
+                                      </p:cBhvr>
+                                      <p:to x="100000" y="95000"/>
+                                    </p:animScale>
+                                    <p:animScale>
+                                      <p:cBhvr>
+                                        <p:cTn id="20" dur="166" decel="50000">
+                                          <p:stCondLst>
+                                            <p:cond delay="1834"/>
+                                          </p:stCondLst>
+                                        </p:cTn>
+                                        <p:tgtEl>
+                                          <p:spTgt spid="3"/>
+                                        </p:tgtEl>
+                                      </p:cBhvr>
+                                      <p:to x="100000" y="100000"/>
+                                    </p:animScale>
                                   </p:childTnLst>
                                 </p:cTn>
                               </p:par>
@@ -11768,7 +10704,7 @@
       </p:par>
     </p:tnLst>
     <p:bldLst>
-      <p:bldP spid="3" grpId="0" build="p"/>
+      <p:bldP spid="3" grpId="0"/>
     </p:bldLst>
   </p:timing>
 </p:sld>
@@ -12274,10 +11210,13 @@
                             </p:stCondLst>
                             <p:childTnLst>
                               <p:par>
-                                <p:cTn id="5" presetID="16" presetClass="entr" presetSubtype="21" fill="hold" nodeType="clickEffect">
+                                <p:cTn id="5" presetID="26" presetClass="entr" presetSubtype="0" fill="hold" nodeType="clickEffect">
                                   <p:stCondLst>
                                     <p:cond delay="0"/>
                                   </p:stCondLst>
+                                  <p:iterate type="lt">
+                                    <p:tmPct val="0"/>
+                                  </p:iterate>
                                   <p:childTnLst>
                                     <p:set>
                                       <p:cBhvr>
@@ -12297,14 +11236,257 @@
                                         <p:strVal val="visible"/>
                                       </p:to>
                                     </p:set>
-                                    <p:animEffect transition="in" filter="barn(inVertical)">
-                                      <p:cBhvr>
-                                        <p:cTn id="7" dur="500"/>
+                                    <p:animEffect transition="in" filter="wipe(down)">
+                                      <p:cBhvr>
+                                        <p:cTn id="7" dur="580">
+                                          <p:stCondLst>
+                                            <p:cond delay="0"/>
+                                          </p:stCondLst>
+                                        </p:cTn>
                                         <p:tgtEl>
                                           <p:spTgt spid="4"/>
                                         </p:tgtEl>
                                       </p:cBhvr>
                                     </p:animEffect>
+                                    <p:anim calcmode="lin" valueType="num">
+                                      <p:cBhvr>
+                                        <p:cTn id="8" dur="1822" tmFilter="0,0; 0.14,0.36; 0.43,0.73; 0.71,0.91; 1.0,1.0">
+                                          <p:stCondLst>
+                                            <p:cond delay="0"/>
+                                          </p:stCondLst>
+                                        </p:cTn>
+                                        <p:tgtEl>
+                                          <p:spTgt spid="4"/>
+                                        </p:tgtEl>
+                                        <p:attrNameLst>
+                                          <p:attrName>ppt_x</p:attrName>
+                                        </p:attrNameLst>
+                                      </p:cBhvr>
+                                      <p:tavLst>
+                                        <p:tav tm="0">
+                                          <p:val>
+                                            <p:strVal val="#ppt_x-0.25"/>
+                                          </p:val>
+                                        </p:tav>
+                                        <p:tav tm="100000">
+                                          <p:val>
+                                            <p:strVal val="#ppt_x"/>
+                                          </p:val>
+                                        </p:tav>
+                                      </p:tavLst>
+                                    </p:anim>
+                                    <p:anim calcmode="lin" valueType="num">
+                                      <p:cBhvr>
+                                        <p:cTn id="9" dur="664" tmFilter="0.0,0.0; 0.25,0.07; 0.50,0.2; 0.75,0.467; 1.0,1.0">
+                                          <p:stCondLst>
+                                            <p:cond delay="0"/>
+                                          </p:stCondLst>
+                                        </p:cTn>
+                                        <p:tgtEl>
+                                          <p:spTgt spid="4"/>
+                                        </p:tgtEl>
+                                        <p:attrNameLst>
+                                          <p:attrName>ppt_y</p:attrName>
+                                        </p:attrNameLst>
+                                      </p:cBhvr>
+                                      <p:tavLst>
+                                        <p:tav tm="0" fmla="#ppt_y-sin(pi*$)/3">
+                                          <p:val>
+                                            <p:fltVal val="0.5"/>
+                                          </p:val>
+                                        </p:tav>
+                                        <p:tav tm="100000">
+                                          <p:val>
+                                            <p:fltVal val="1"/>
+                                          </p:val>
+                                        </p:tav>
+                                      </p:tavLst>
+                                    </p:anim>
+                                    <p:anim calcmode="lin" valueType="num">
+                                      <p:cBhvr>
+                                        <p:cTn id="10" dur="664" tmFilter="0, 0; 0.125,0.2665; 0.25,0.4; 0.375,0.465; 0.5,0.5;  0.625,0.535; 0.75,0.6; 0.875,0.7335; 1,1">
+                                          <p:stCondLst>
+                                            <p:cond delay="664"/>
+                                          </p:stCondLst>
+                                        </p:cTn>
+                                        <p:tgtEl>
+                                          <p:spTgt spid="4"/>
+                                        </p:tgtEl>
+                                        <p:attrNameLst>
+                                          <p:attrName>ppt_y</p:attrName>
+                                        </p:attrNameLst>
+                                      </p:cBhvr>
+                                      <p:tavLst>
+                                        <p:tav tm="0" fmla="#ppt_y-sin(pi*$)/9">
+                                          <p:val>
+                                            <p:fltVal val="0"/>
+                                          </p:val>
+                                        </p:tav>
+                                        <p:tav tm="100000">
+                                          <p:val>
+                                            <p:fltVal val="1"/>
+                                          </p:val>
+                                        </p:tav>
+                                      </p:tavLst>
+                                    </p:anim>
+                                    <p:anim calcmode="lin" valueType="num">
+                                      <p:cBhvr>
+                                        <p:cTn id="11" dur="332" tmFilter="0, 0; 0.125,0.2665; 0.25,0.4; 0.375,0.465; 0.5,0.5;  0.625,0.535; 0.75,0.6; 0.875,0.7335; 1,1">
+                                          <p:stCondLst>
+                                            <p:cond delay="1324"/>
+                                          </p:stCondLst>
+                                        </p:cTn>
+                                        <p:tgtEl>
+                                          <p:spTgt spid="4"/>
+                                        </p:tgtEl>
+                                        <p:attrNameLst>
+                                          <p:attrName>ppt_y</p:attrName>
+                                        </p:attrNameLst>
+                                      </p:cBhvr>
+                                      <p:tavLst>
+                                        <p:tav tm="0" fmla="#ppt_y-sin(pi*$)/27">
+                                          <p:val>
+                                            <p:fltVal val="0"/>
+                                          </p:val>
+                                        </p:tav>
+                                        <p:tav tm="100000">
+                                          <p:val>
+                                            <p:fltVal val="1"/>
+                                          </p:val>
+                                        </p:tav>
+                                      </p:tavLst>
+                                    </p:anim>
+                                    <p:anim calcmode="lin" valueType="num">
+                                      <p:cBhvr>
+                                        <p:cTn id="12" dur="164" tmFilter="0, 0; 0.125,0.2665; 0.25,0.4; 0.375,0.465; 0.5,0.5;  0.625,0.535; 0.75,0.6; 0.875,0.7335; 1,1">
+                                          <p:stCondLst>
+                                            <p:cond delay="1656"/>
+                                          </p:stCondLst>
+                                        </p:cTn>
+                                        <p:tgtEl>
+                                          <p:spTgt spid="4"/>
+                                        </p:tgtEl>
+                                        <p:attrNameLst>
+                                          <p:attrName>ppt_y</p:attrName>
+                                        </p:attrNameLst>
+                                      </p:cBhvr>
+                                      <p:tavLst>
+                                        <p:tav tm="0" fmla="#ppt_y-sin(pi*$)/81">
+                                          <p:val>
+                                            <p:fltVal val="0"/>
+                                          </p:val>
+                                        </p:tav>
+                                        <p:tav tm="100000">
+                                          <p:val>
+                                            <p:fltVal val="1"/>
+                                          </p:val>
+                                        </p:tav>
+                                      </p:tavLst>
+                                    </p:anim>
+                                    <p:animScale>
+                                      <p:cBhvr>
+                                        <p:cTn id="13" dur="26">
+                                          <p:stCondLst>
+                                            <p:cond delay="650"/>
+                                          </p:stCondLst>
+                                        </p:cTn>
+                                        <p:tgtEl>
+                                          <p:spTgt spid="4"/>
+                                        </p:tgtEl>
+                                      </p:cBhvr>
+                                      <p:to x="100000" y="60000"/>
+                                    </p:animScale>
+                                    <p:animScale>
+                                      <p:cBhvr>
+                                        <p:cTn id="14" dur="166" decel="50000">
+                                          <p:stCondLst>
+                                            <p:cond delay="676"/>
+                                          </p:stCondLst>
+                                        </p:cTn>
+                                        <p:tgtEl>
+                                          <p:spTgt spid="4"/>
+                                        </p:tgtEl>
+                                      </p:cBhvr>
+                                      <p:to x="100000" y="100000"/>
+                                    </p:animScale>
+                                    <p:animScale>
+                                      <p:cBhvr>
+                                        <p:cTn id="15" dur="26">
+                                          <p:stCondLst>
+                                            <p:cond delay="1312"/>
+                                          </p:stCondLst>
+                                        </p:cTn>
+                                        <p:tgtEl>
+                                          <p:spTgt spid="4"/>
+                                        </p:tgtEl>
+                                      </p:cBhvr>
+                                      <p:to x="100000" y="80000"/>
+                                    </p:animScale>
+                                    <p:animScale>
+                                      <p:cBhvr>
+                                        <p:cTn id="16" dur="166" decel="50000">
+                                          <p:stCondLst>
+                                            <p:cond delay="1338"/>
+                                          </p:stCondLst>
+                                        </p:cTn>
+                                        <p:tgtEl>
+                                          <p:spTgt spid="4"/>
+                                        </p:tgtEl>
+                                      </p:cBhvr>
+                                      <p:to x="100000" y="100000"/>
+                                    </p:animScale>
+                                    <p:animScale>
+                                      <p:cBhvr>
+                                        <p:cTn id="17" dur="26">
+                                          <p:stCondLst>
+                                            <p:cond delay="1642"/>
+                                          </p:stCondLst>
+                                        </p:cTn>
+                                        <p:tgtEl>
+                                          <p:spTgt spid="4"/>
+                                        </p:tgtEl>
+                                      </p:cBhvr>
+                                      <p:to x="100000" y="90000"/>
+                                    </p:animScale>
+                                    <p:animScale>
+                                      <p:cBhvr>
+                                        <p:cTn id="18" dur="166" decel="50000">
+                                          <p:stCondLst>
+                                            <p:cond delay="1668"/>
+                                          </p:stCondLst>
+                                        </p:cTn>
+                                        <p:tgtEl>
+                                          <p:spTgt spid="4"/>
+                                        </p:tgtEl>
+                                      </p:cBhvr>
+                                      <p:to x="100000" y="100000"/>
+                                    </p:animScale>
+                                    <p:animScale>
+                                      <p:cBhvr>
+                                        <p:cTn id="19" dur="26">
+                                          <p:stCondLst>
+                                            <p:cond delay="1808"/>
+                                          </p:stCondLst>
+                                        </p:cTn>
+                                        <p:tgtEl>
+                                          <p:spTgt spid="4"/>
+                                        </p:tgtEl>
+                                      </p:cBhvr>
+                                      <p:to x="100000" y="95000"/>
+                                    </p:animScale>
+                                    <p:animScale>
+                                      <p:cBhvr>
+                                        <p:cTn id="20" dur="166" decel="50000">
+                                          <p:stCondLst>
+                                            <p:cond delay="1834"/>
+                                          </p:stCondLst>
+                                        </p:cTn>
+                                        <p:tgtEl>
+                                          <p:spTgt spid="4"/>
+                                        </p:tgtEl>
+                                      </p:cBhvr>
+                                      <p:to x="100000" y="100000"/>
+                                    </p:animScale>
                                   </p:childTnLst>
                                 </p:cTn>
                               </p:par>
@@ -13721,13 +12903,6 @@
               </a:rPr>
               <a:t>?</a:t>
             </a:r>
-            <a:r>
-              <a:rPr lang="en-US" sz="3200" dirty="0" smtClean="0">
-                <a:latin typeface="Calibri" panose="020F0502020204030204" pitchFamily="34" charset="0"/>
-                <a:cs typeface="Calibri" panose="020F0502020204030204" pitchFamily="34" charset="0"/>
-              </a:rPr>
-              <a:t/>
-            </a:r>
             <a:br>
               <a:rPr lang="en-US" sz="3200" dirty="0" smtClean="0">
                 <a:latin typeface="Calibri" panose="020F0502020204030204" pitchFamily="34" charset="0"/>
@@ -14196,112 +13371,6 @@
                       </p:childTnLst>
                     </p:cTn>
                   </p:par>
-                  <p:par>
-                    <p:cTn id="21" fill="hold">
-                      <p:stCondLst>
-                        <p:cond delay="indefinite"/>
-                      </p:stCondLst>
-                      <p:childTnLst>
-                        <p:par>
-                          <p:cTn id="22" fill="hold">
-                            <p:stCondLst>
-                              <p:cond delay="0"/>
-                            </p:stCondLst>
-                            <p:childTnLst>
-                              <p:par>
-                                <p:cTn id="23" presetID="34" presetClass="emph" presetSubtype="0" fill="hold" grpId="1" nodeType="clickEffect">
-                                  <p:stCondLst>
-                                    <p:cond delay="0"/>
-                                  </p:stCondLst>
-                                  <p:iterate type="lt">
-                                    <p:tmPct val="10000"/>
-                                  </p:iterate>
-                                  <p:childTnLst>
-                                    <p:animMotion origin="layout" path="M 0.0 0.0 L 0.0 -0.07213" pathEditMode="relative" ptsTypes="">
-                                      <p:cBhvr>
-                                        <p:cTn id="24" dur="250" accel="50000" decel="50000" autoRev="1" fill="hold">
-                                          <p:stCondLst>
-                                            <p:cond delay="0"/>
-                                          </p:stCondLst>
-                                        </p:cTn>
-                                        <p:tgtEl>
-                                          <p:spTgt spid="2"/>
-                                        </p:tgtEl>
-                                        <p:attrNameLst>
-                                          <p:attrName>ppt_x</p:attrName>
-                                          <p:attrName>ppt_y</p:attrName>
-                                        </p:attrNameLst>
-                                      </p:cBhvr>
-                                    </p:animMotion>
-                                    <p:animRot by="1500000">
-                                      <p:cBhvr>
-                                        <p:cTn id="25" dur="125" fill="hold">
-                                          <p:stCondLst>
-                                            <p:cond delay="0"/>
-                                          </p:stCondLst>
-                                        </p:cTn>
-                                        <p:tgtEl>
-                                          <p:spTgt spid="2"/>
-                                        </p:tgtEl>
-                                        <p:attrNameLst>
-                                          <p:attrName>r</p:attrName>
-                                        </p:attrNameLst>
-                                      </p:cBhvr>
-                                    </p:animRot>
-                                    <p:animRot by="-1500000">
-                                      <p:cBhvr>
-                                        <p:cTn id="26" dur="125" fill="hold">
-                                          <p:stCondLst>
-                                            <p:cond delay="125"/>
-                                          </p:stCondLst>
-                                        </p:cTn>
-                                        <p:tgtEl>
-                                          <p:spTgt spid="2"/>
-                                        </p:tgtEl>
-                                        <p:attrNameLst>
-                                          <p:attrName>r</p:attrName>
-                                        </p:attrNameLst>
-                                      </p:cBhvr>
-                                    </p:animRot>
-                                    <p:animRot by="-1500000">
-                                      <p:cBhvr>
-                                        <p:cTn id="27" dur="125" fill="hold">
-                                          <p:stCondLst>
-                                            <p:cond delay="250"/>
-                                          </p:stCondLst>
-                                        </p:cTn>
-                                        <p:tgtEl>
-                                          <p:spTgt spid="2"/>
-                                        </p:tgtEl>
-                                        <p:attrNameLst>
-                                          <p:attrName>r</p:attrName>
-                                        </p:attrNameLst>
-                                      </p:cBhvr>
-                                    </p:animRot>
-                                    <p:animRot by="1500000">
-                                      <p:cBhvr>
-                                        <p:cTn id="28" dur="125" fill="hold">
-                                          <p:stCondLst>
-                                            <p:cond delay="375"/>
-                                          </p:stCondLst>
-                                        </p:cTn>
-                                        <p:tgtEl>
-                                          <p:spTgt spid="2"/>
-                                        </p:tgtEl>
-                                        <p:attrNameLst>
-                                          <p:attrName>r</p:attrName>
-                                        </p:attrNameLst>
-                                      </p:cBhvr>
-                                    </p:animRot>
-                                  </p:childTnLst>
-                                </p:cTn>
-                              </p:par>
-                            </p:childTnLst>
-                          </p:cTn>
-                        </p:par>
-                      </p:childTnLst>
-                    </p:cTn>
-                  </p:par>
                 </p:childTnLst>
               </p:cTn>
               <p:prevCondLst>
@@ -14325,7 +13394,6 @@
     </p:tnLst>
     <p:bldLst>
       <p:bldP spid="2" grpId="0"/>
-      <p:bldP spid="2" grpId="1"/>
     </p:bldLst>
   </p:timing>
 </p:sld>
@@ -14741,112 +13809,6 @@
                       </p:childTnLst>
                     </p:cTn>
                   </p:par>
-                  <p:par>
-                    <p:cTn id="21" fill="hold">
-                      <p:stCondLst>
-                        <p:cond delay="indefinite"/>
-                      </p:stCondLst>
-                      <p:childTnLst>
-                        <p:par>
-                          <p:cTn id="22" fill="hold">
-                            <p:stCondLst>
-                              <p:cond delay="0"/>
-                            </p:stCondLst>
-                            <p:childTnLst>
-                              <p:par>
-                                <p:cTn id="23" presetID="34" presetClass="emph" presetSubtype="0" fill="hold" grpId="1" nodeType="clickEffect">
-                                  <p:stCondLst>
-                                    <p:cond delay="0"/>
-                                  </p:stCondLst>
-                                  <p:iterate type="lt">
-                                    <p:tmPct val="10000"/>
-                                  </p:iterate>
-                                  <p:childTnLst>
-                                    <p:animMotion origin="layout" path="M 0.0 0.0 L 0.0 -0.07213" pathEditMode="relative" ptsTypes="">
-                                      <p:cBhvr>
-                                        <p:cTn id="24" dur="250" accel="50000" decel="50000" autoRev="1" fill="hold">
-                                          <p:stCondLst>
-                                            <p:cond delay="0"/>
-                                          </p:stCondLst>
-                                        </p:cTn>
-                                        <p:tgtEl>
-                                          <p:spTgt spid="3"/>
-                                        </p:tgtEl>
-                                        <p:attrNameLst>
-                                          <p:attrName>ppt_x</p:attrName>
-                                          <p:attrName>ppt_y</p:attrName>
-                                        </p:attrNameLst>
-                                      </p:cBhvr>
-                                    </p:animMotion>
-                                    <p:animRot by="1500000">
-                                      <p:cBhvr>
-                                        <p:cTn id="25" dur="125" fill="hold">
-                                          <p:stCondLst>
-                                            <p:cond delay="0"/>
-                                          </p:stCondLst>
-                                        </p:cTn>
-                                        <p:tgtEl>
-                                          <p:spTgt spid="3"/>
-                                        </p:tgtEl>
-                                        <p:attrNameLst>
-                                          <p:attrName>r</p:attrName>
-                                        </p:attrNameLst>
-                                      </p:cBhvr>
-                                    </p:animRot>
-                                    <p:animRot by="-1500000">
-                                      <p:cBhvr>
-                                        <p:cTn id="26" dur="125" fill="hold">
-                                          <p:stCondLst>
-                                            <p:cond delay="125"/>
-                                          </p:stCondLst>
-                                        </p:cTn>
-                                        <p:tgtEl>
-                                          <p:spTgt spid="3"/>
-                                        </p:tgtEl>
-                                        <p:attrNameLst>
-                                          <p:attrName>r</p:attrName>
-                                        </p:attrNameLst>
-                                      </p:cBhvr>
-                                    </p:animRot>
-                                    <p:animRot by="-1500000">
-                                      <p:cBhvr>
-                                        <p:cTn id="27" dur="125" fill="hold">
-                                          <p:stCondLst>
-                                            <p:cond delay="250"/>
-                                          </p:stCondLst>
-                                        </p:cTn>
-                                        <p:tgtEl>
-                                          <p:spTgt spid="3"/>
-                                        </p:tgtEl>
-                                        <p:attrNameLst>
-                                          <p:attrName>r</p:attrName>
-                                        </p:attrNameLst>
-                                      </p:cBhvr>
-                                    </p:animRot>
-                                    <p:animRot by="1500000">
-                                      <p:cBhvr>
-                                        <p:cTn id="28" dur="125" fill="hold">
-                                          <p:stCondLst>
-                                            <p:cond delay="375"/>
-                                          </p:stCondLst>
-                                        </p:cTn>
-                                        <p:tgtEl>
-                                          <p:spTgt spid="3"/>
-                                        </p:tgtEl>
-                                        <p:attrNameLst>
-                                          <p:attrName>r</p:attrName>
-                                        </p:attrNameLst>
-                                      </p:cBhvr>
-                                    </p:animRot>
-                                  </p:childTnLst>
-                                </p:cTn>
-                              </p:par>
-                            </p:childTnLst>
-                          </p:cTn>
-                        </p:par>
-                      </p:childTnLst>
-                    </p:cTn>
-                  </p:par>
                 </p:childTnLst>
               </p:cTn>
               <p:prevCondLst>
@@ -14870,7 +13832,6 @@
     </p:tnLst>
     <p:bldLst>
       <p:bldP spid="3" grpId="0"/>
-      <p:bldP spid="3" grpId="1"/>
     </p:bldLst>
   </p:timing>
 </p:sld>
@@ -15348,112 +14309,6 @@
                       </p:childTnLst>
                     </p:cTn>
                   </p:par>
-                  <p:par>
-                    <p:cTn id="21" fill="hold">
-                      <p:stCondLst>
-                        <p:cond delay="indefinite"/>
-                      </p:stCondLst>
-                      <p:childTnLst>
-                        <p:par>
-                          <p:cTn id="22" fill="hold">
-                            <p:stCondLst>
-                              <p:cond delay="0"/>
-                            </p:stCondLst>
-                            <p:childTnLst>
-                              <p:par>
-                                <p:cTn id="23" presetID="34" presetClass="emph" presetSubtype="0" fill="hold" grpId="1" nodeType="clickEffect">
-                                  <p:stCondLst>
-                                    <p:cond delay="0"/>
-                                  </p:stCondLst>
-                                  <p:iterate type="lt">
-                                    <p:tmPct val="10000"/>
-                                  </p:iterate>
-                                  <p:childTnLst>
-                                    <p:animMotion origin="layout" path="M 0.0 0.0 L 0.0 -0.07213" pathEditMode="relative" ptsTypes="">
-                                      <p:cBhvr>
-                                        <p:cTn id="24" dur="250" accel="50000" decel="50000" autoRev="1" fill="hold">
-                                          <p:stCondLst>
-                                            <p:cond delay="0"/>
-                                          </p:stCondLst>
-                                        </p:cTn>
-                                        <p:tgtEl>
-                                          <p:spTgt spid="3"/>
-                                        </p:tgtEl>
-                                        <p:attrNameLst>
-                                          <p:attrName>ppt_x</p:attrName>
-                                          <p:attrName>ppt_y</p:attrName>
-                                        </p:attrNameLst>
-                                      </p:cBhvr>
-                                    </p:animMotion>
-                                    <p:animRot by="1500000">
-                                      <p:cBhvr>
-                                        <p:cTn id="25" dur="125" fill="hold">
-                                          <p:stCondLst>
-                                            <p:cond delay="0"/>
-                                          </p:stCondLst>
-                                        </p:cTn>
-                                        <p:tgtEl>
-                                          <p:spTgt spid="3"/>
-                                        </p:tgtEl>
-                                        <p:attrNameLst>
-                                          <p:attrName>r</p:attrName>
-                                        </p:attrNameLst>
-                                      </p:cBhvr>
-                                    </p:animRot>
-                                    <p:animRot by="-1500000">
-                                      <p:cBhvr>
-                                        <p:cTn id="26" dur="125" fill="hold">
-                                          <p:stCondLst>
-                                            <p:cond delay="125"/>
-                                          </p:stCondLst>
-                                        </p:cTn>
-                                        <p:tgtEl>
-                                          <p:spTgt spid="3"/>
-                                        </p:tgtEl>
-                                        <p:attrNameLst>
-                                          <p:attrName>r</p:attrName>
-                                        </p:attrNameLst>
-                                      </p:cBhvr>
-                                    </p:animRot>
-                                    <p:animRot by="-1500000">
-                                      <p:cBhvr>
-                                        <p:cTn id="27" dur="125" fill="hold">
-                                          <p:stCondLst>
-                                            <p:cond delay="250"/>
-                                          </p:stCondLst>
-                                        </p:cTn>
-                                        <p:tgtEl>
-                                          <p:spTgt spid="3"/>
-                                        </p:tgtEl>
-                                        <p:attrNameLst>
-                                          <p:attrName>r</p:attrName>
-                                        </p:attrNameLst>
-                                      </p:cBhvr>
-                                    </p:animRot>
-                                    <p:animRot by="1500000">
-                                      <p:cBhvr>
-                                        <p:cTn id="28" dur="125" fill="hold">
-                                          <p:stCondLst>
-                                            <p:cond delay="375"/>
-                                          </p:stCondLst>
-                                        </p:cTn>
-                                        <p:tgtEl>
-                                          <p:spTgt spid="3"/>
-                                        </p:tgtEl>
-                                        <p:attrNameLst>
-                                          <p:attrName>r</p:attrName>
-                                        </p:attrNameLst>
-                                      </p:cBhvr>
-                                    </p:animRot>
-                                  </p:childTnLst>
-                                </p:cTn>
-                              </p:par>
-                            </p:childTnLst>
-                          </p:cTn>
-                        </p:par>
-                      </p:childTnLst>
-                    </p:cTn>
-                  </p:par>
                 </p:childTnLst>
               </p:cTn>
               <p:prevCondLst>
@@ -15477,7 +14332,6 @@
     </p:tnLst>
     <p:bldLst>
       <p:bldP spid="3" grpId="0"/>
-      <p:bldP spid="3" grpId="1"/>
     </p:bldLst>
   </p:timing>
 </p:sld>
@@ -15521,11 +14375,7 @@
             </a:r>
             <a:r>
               <a:rPr lang="en-US" u="sng" dirty="0" smtClean="0"/>
-              <a:t> </a:t>
-            </a:r>
-            <a:r>
-              <a:rPr lang="en-US" u="sng" dirty="0" smtClean="0"/>
-              <a:t>usage</a:t>
+              <a:t> usage</a:t>
             </a:r>
             <a:endParaRPr lang="en-US" u="sng" dirty="0"/>
           </a:p>
@@ -15971,112 +14821,6 @@
                       </p:childTnLst>
                     </p:cTn>
                   </p:par>
-                  <p:par>
-                    <p:cTn id="21" fill="hold">
-                      <p:stCondLst>
-                        <p:cond delay="indefinite"/>
-                      </p:stCondLst>
-                      <p:childTnLst>
-                        <p:par>
-                          <p:cTn id="22" fill="hold">
-                            <p:stCondLst>
-                              <p:cond delay="0"/>
-                            </p:stCondLst>
-                            <p:childTnLst>
-                              <p:par>
-                                <p:cTn id="23" presetID="34" presetClass="emph" presetSubtype="0" fill="hold" grpId="1" nodeType="clickEffect">
-                                  <p:stCondLst>
-                                    <p:cond delay="0"/>
-                                  </p:stCondLst>
-                                  <p:iterate type="lt">
-                                    <p:tmPct val="10000"/>
-                                  </p:iterate>
-                                  <p:childTnLst>
-                                    <p:animMotion origin="layout" path="M 0.0 0.0 L 0.0 -0.07213" pathEditMode="relative" ptsTypes="">
-                                      <p:cBhvr>
-                                        <p:cTn id="24" dur="250" accel="50000" decel="50000" autoRev="1" fill="hold">
-                                          <p:stCondLst>
-                                            <p:cond delay="0"/>
-                                          </p:stCondLst>
-                                        </p:cTn>
-                                        <p:tgtEl>
-                                          <p:spTgt spid="3"/>
-                                        </p:tgtEl>
-                                        <p:attrNameLst>
-                                          <p:attrName>ppt_x</p:attrName>
-                                          <p:attrName>ppt_y</p:attrName>
-                                        </p:attrNameLst>
-                                      </p:cBhvr>
-                                    </p:animMotion>
-                                    <p:animRot by="1500000">
-                                      <p:cBhvr>
-                                        <p:cTn id="25" dur="125" fill="hold">
-                                          <p:stCondLst>
-                                            <p:cond delay="0"/>
-                                          </p:stCondLst>
-                                        </p:cTn>
-                                        <p:tgtEl>
-                                          <p:spTgt spid="3"/>
-                                        </p:tgtEl>
-                                        <p:attrNameLst>
-                                          <p:attrName>r</p:attrName>
-                                        </p:attrNameLst>
-                                      </p:cBhvr>
-                                    </p:animRot>
-                                    <p:animRot by="-1500000">
-                                      <p:cBhvr>
-                                        <p:cTn id="26" dur="125" fill="hold">
-                                          <p:stCondLst>
-                                            <p:cond delay="125"/>
-                                          </p:stCondLst>
-                                        </p:cTn>
-                                        <p:tgtEl>
-                                          <p:spTgt spid="3"/>
-                                        </p:tgtEl>
-                                        <p:attrNameLst>
-                                          <p:attrName>r</p:attrName>
-                                        </p:attrNameLst>
-                                      </p:cBhvr>
-                                    </p:animRot>
-                                    <p:animRot by="-1500000">
-                                      <p:cBhvr>
-                                        <p:cTn id="27" dur="125" fill="hold">
-                                          <p:stCondLst>
-                                            <p:cond delay="250"/>
-                                          </p:stCondLst>
-                                        </p:cTn>
-                                        <p:tgtEl>
-                                          <p:spTgt spid="3"/>
-                                        </p:tgtEl>
-                                        <p:attrNameLst>
-                                          <p:attrName>r</p:attrName>
-                                        </p:attrNameLst>
-                                      </p:cBhvr>
-                                    </p:animRot>
-                                    <p:animRot by="1500000">
-                                      <p:cBhvr>
-                                        <p:cTn id="28" dur="125" fill="hold">
-                                          <p:stCondLst>
-                                            <p:cond delay="375"/>
-                                          </p:stCondLst>
-                                        </p:cTn>
-                                        <p:tgtEl>
-                                          <p:spTgt spid="3"/>
-                                        </p:tgtEl>
-                                        <p:attrNameLst>
-                                          <p:attrName>r</p:attrName>
-                                        </p:attrNameLst>
-                                      </p:cBhvr>
-                                    </p:animRot>
-                                  </p:childTnLst>
-                                </p:cTn>
-                              </p:par>
-                            </p:childTnLst>
-                          </p:cTn>
-                        </p:par>
-                      </p:childTnLst>
-                    </p:cTn>
-                  </p:par>
                 </p:childTnLst>
               </p:cTn>
               <p:prevCondLst>
@@ -16100,7 +14844,6 @@
     </p:tnLst>
     <p:bldLst>
       <p:bldP spid="3" grpId="0"/>
-      <p:bldP spid="3" grpId="1"/>
     </p:bldLst>
   </p:timing>
 </p:sld>
@@ -16583,112 +15326,6 @@
                       </p:childTnLst>
                     </p:cTn>
                   </p:par>
-                  <p:par>
-                    <p:cTn id="21" fill="hold">
-                      <p:stCondLst>
-                        <p:cond delay="indefinite"/>
-                      </p:stCondLst>
-                      <p:childTnLst>
-                        <p:par>
-                          <p:cTn id="22" fill="hold">
-                            <p:stCondLst>
-                              <p:cond delay="0"/>
-                            </p:stCondLst>
-                            <p:childTnLst>
-                              <p:par>
-                                <p:cTn id="23" presetID="34" presetClass="emph" presetSubtype="0" fill="hold" grpId="1" nodeType="clickEffect">
-                                  <p:stCondLst>
-                                    <p:cond delay="0"/>
-                                  </p:stCondLst>
-                                  <p:iterate type="lt">
-                                    <p:tmPct val="10000"/>
-                                  </p:iterate>
-                                  <p:childTnLst>
-                                    <p:animMotion origin="layout" path="M 0.0 0.0 L 0.0 -0.07213" pathEditMode="relative" ptsTypes="">
-                                      <p:cBhvr>
-                                        <p:cTn id="24" dur="250" accel="50000" decel="50000" autoRev="1" fill="hold">
-                                          <p:stCondLst>
-                                            <p:cond delay="0"/>
-                                          </p:stCondLst>
-                                        </p:cTn>
-                                        <p:tgtEl>
-                                          <p:spTgt spid="3"/>
-                                        </p:tgtEl>
-                                        <p:attrNameLst>
-                                          <p:attrName>ppt_x</p:attrName>
-                                          <p:attrName>ppt_y</p:attrName>
-                                        </p:attrNameLst>
-                                      </p:cBhvr>
-                                    </p:animMotion>
-                                    <p:animRot by="1500000">
-                                      <p:cBhvr>
-                                        <p:cTn id="25" dur="125" fill="hold">
-                                          <p:stCondLst>
-                                            <p:cond delay="0"/>
-                                          </p:stCondLst>
-                                        </p:cTn>
-                                        <p:tgtEl>
-                                          <p:spTgt spid="3"/>
-                                        </p:tgtEl>
-                                        <p:attrNameLst>
-                                          <p:attrName>r</p:attrName>
-                                        </p:attrNameLst>
-                                      </p:cBhvr>
-                                    </p:animRot>
-                                    <p:animRot by="-1500000">
-                                      <p:cBhvr>
-                                        <p:cTn id="26" dur="125" fill="hold">
-                                          <p:stCondLst>
-                                            <p:cond delay="125"/>
-                                          </p:stCondLst>
-                                        </p:cTn>
-                                        <p:tgtEl>
-                                          <p:spTgt spid="3"/>
-                                        </p:tgtEl>
-                                        <p:attrNameLst>
-                                          <p:attrName>r</p:attrName>
-                                        </p:attrNameLst>
-                                      </p:cBhvr>
-                                    </p:animRot>
-                                    <p:animRot by="-1500000">
-                                      <p:cBhvr>
-                                        <p:cTn id="27" dur="125" fill="hold">
-                                          <p:stCondLst>
-                                            <p:cond delay="250"/>
-                                          </p:stCondLst>
-                                        </p:cTn>
-                                        <p:tgtEl>
-                                          <p:spTgt spid="3"/>
-                                        </p:tgtEl>
-                                        <p:attrNameLst>
-                                          <p:attrName>r</p:attrName>
-                                        </p:attrNameLst>
-                                      </p:cBhvr>
-                                    </p:animRot>
-                                    <p:animRot by="1500000">
-                                      <p:cBhvr>
-                                        <p:cTn id="28" dur="125" fill="hold">
-                                          <p:stCondLst>
-                                            <p:cond delay="375"/>
-                                          </p:stCondLst>
-                                        </p:cTn>
-                                        <p:tgtEl>
-                                          <p:spTgt spid="3"/>
-                                        </p:tgtEl>
-                                        <p:attrNameLst>
-                                          <p:attrName>r</p:attrName>
-                                        </p:attrNameLst>
-                                      </p:cBhvr>
-                                    </p:animRot>
-                                  </p:childTnLst>
-                                </p:cTn>
-                              </p:par>
-                            </p:childTnLst>
-                          </p:cTn>
-                        </p:par>
-                      </p:childTnLst>
-                    </p:cTn>
-                  </p:par>
                 </p:childTnLst>
               </p:cTn>
               <p:prevCondLst>
@@ -16712,7 +15349,6 @@
     </p:tnLst>
     <p:bldLst>
       <p:bldP spid="3" grpId="0"/>
-      <p:bldP spid="3" grpId="1"/>
     </p:bldLst>
   </p:timing>
 </p:sld>
@@ -17353,112 +15989,6 @@
                       </p:childTnLst>
                     </p:cTn>
                   </p:par>
-                  <p:par>
-                    <p:cTn id="21" fill="hold">
-                      <p:stCondLst>
-                        <p:cond delay="indefinite"/>
-                      </p:stCondLst>
-                      <p:childTnLst>
-                        <p:par>
-                          <p:cTn id="22" fill="hold">
-                            <p:stCondLst>
-                              <p:cond delay="0"/>
-                            </p:stCondLst>
-                            <p:childTnLst>
-                              <p:par>
-                                <p:cTn id="23" presetID="34" presetClass="emph" presetSubtype="0" fill="hold" grpId="1" nodeType="clickEffect">
-                                  <p:stCondLst>
-                                    <p:cond delay="0"/>
-                                  </p:stCondLst>
-                                  <p:iterate type="lt">
-                                    <p:tmPct val="10000"/>
-                                  </p:iterate>
-                                  <p:childTnLst>
-                                    <p:animMotion origin="layout" path="M 0.0 0.0 L 0.0 -0.07213" pathEditMode="relative" ptsTypes="">
-                                      <p:cBhvr>
-                                        <p:cTn id="24" dur="250" accel="50000" decel="50000" autoRev="1" fill="hold">
-                                          <p:stCondLst>
-                                            <p:cond delay="0"/>
-                                          </p:stCondLst>
-                                        </p:cTn>
-                                        <p:tgtEl>
-                                          <p:spTgt spid="3"/>
-                                        </p:tgtEl>
-                                        <p:attrNameLst>
-                                          <p:attrName>ppt_x</p:attrName>
-                                          <p:attrName>ppt_y</p:attrName>
-                                        </p:attrNameLst>
-                                      </p:cBhvr>
-                                    </p:animMotion>
-                                    <p:animRot by="1500000">
-                                      <p:cBhvr>
-                                        <p:cTn id="25" dur="125" fill="hold">
-                                          <p:stCondLst>
-                                            <p:cond delay="0"/>
-                                          </p:stCondLst>
-                                        </p:cTn>
-                                        <p:tgtEl>
-                                          <p:spTgt spid="3"/>
-                                        </p:tgtEl>
-                                        <p:attrNameLst>
-                                          <p:attrName>r</p:attrName>
-                                        </p:attrNameLst>
-                                      </p:cBhvr>
-                                    </p:animRot>
-                                    <p:animRot by="-1500000">
-                                      <p:cBhvr>
-                                        <p:cTn id="26" dur="125" fill="hold">
-                                          <p:stCondLst>
-                                            <p:cond delay="125"/>
-                                          </p:stCondLst>
-                                        </p:cTn>
-                                        <p:tgtEl>
-                                          <p:spTgt spid="3"/>
-                                        </p:tgtEl>
-                                        <p:attrNameLst>
-                                          <p:attrName>r</p:attrName>
-                                        </p:attrNameLst>
-                                      </p:cBhvr>
-                                    </p:animRot>
-                                    <p:animRot by="-1500000">
-                                      <p:cBhvr>
-                                        <p:cTn id="27" dur="125" fill="hold">
-                                          <p:stCondLst>
-                                            <p:cond delay="250"/>
-                                          </p:stCondLst>
-                                        </p:cTn>
-                                        <p:tgtEl>
-                                          <p:spTgt spid="3"/>
-                                        </p:tgtEl>
-                                        <p:attrNameLst>
-                                          <p:attrName>r</p:attrName>
-                                        </p:attrNameLst>
-                                      </p:cBhvr>
-                                    </p:animRot>
-                                    <p:animRot by="1500000">
-                                      <p:cBhvr>
-                                        <p:cTn id="28" dur="125" fill="hold">
-                                          <p:stCondLst>
-                                            <p:cond delay="375"/>
-                                          </p:stCondLst>
-                                        </p:cTn>
-                                        <p:tgtEl>
-                                          <p:spTgt spid="3"/>
-                                        </p:tgtEl>
-                                        <p:attrNameLst>
-                                          <p:attrName>r</p:attrName>
-                                        </p:attrNameLst>
-                                      </p:cBhvr>
-                                    </p:animRot>
-                                  </p:childTnLst>
-                                </p:cTn>
-                              </p:par>
-                            </p:childTnLst>
-                          </p:cTn>
-                        </p:par>
-                      </p:childTnLst>
-                    </p:cTn>
-                  </p:par>
                 </p:childTnLst>
               </p:cTn>
               <p:prevCondLst>
@@ -17482,7 +16012,6 @@
     </p:tnLst>
     <p:bldLst>
       <p:bldP spid="3" grpId="0"/>
-      <p:bldP spid="3" grpId="1"/>
     </p:bldLst>
   </p:timing>
 </p:sld>
@@ -18013,112 +16542,6 @@
                       </p:childTnLst>
                     </p:cTn>
                   </p:par>
-                  <p:par>
-                    <p:cTn id="21" fill="hold">
-                      <p:stCondLst>
-                        <p:cond delay="indefinite"/>
-                      </p:stCondLst>
-                      <p:childTnLst>
-                        <p:par>
-                          <p:cTn id="22" fill="hold">
-                            <p:stCondLst>
-                              <p:cond delay="0"/>
-                            </p:stCondLst>
-                            <p:childTnLst>
-                              <p:par>
-                                <p:cTn id="23" presetID="34" presetClass="emph" presetSubtype="0" fill="hold" grpId="1" nodeType="clickEffect">
-                                  <p:stCondLst>
-                                    <p:cond delay="0"/>
-                                  </p:stCondLst>
-                                  <p:iterate type="lt">
-                                    <p:tmPct val="10000"/>
-                                  </p:iterate>
-                                  <p:childTnLst>
-                                    <p:animMotion origin="layout" path="M 0.0 0.0 L 0.0 -0.07213" pathEditMode="relative" ptsTypes="">
-                                      <p:cBhvr>
-                                        <p:cTn id="24" dur="250" accel="50000" decel="50000" autoRev="1" fill="hold">
-                                          <p:stCondLst>
-                                            <p:cond delay="0"/>
-                                          </p:stCondLst>
-                                        </p:cTn>
-                                        <p:tgtEl>
-                                          <p:spTgt spid="5"/>
-                                        </p:tgtEl>
-                                        <p:attrNameLst>
-                                          <p:attrName>ppt_x</p:attrName>
-                                          <p:attrName>ppt_y</p:attrName>
-                                        </p:attrNameLst>
-                                      </p:cBhvr>
-                                    </p:animMotion>
-                                    <p:animRot by="1500000">
-                                      <p:cBhvr>
-                                        <p:cTn id="25" dur="125" fill="hold">
-                                          <p:stCondLst>
-                                            <p:cond delay="0"/>
-                                          </p:stCondLst>
-                                        </p:cTn>
-                                        <p:tgtEl>
-                                          <p:spTgt spid="5"/>
-                                        </p:tgtEl>
-                                        <p:attrNameLst>
-                                          <p:attrName>r</p:attrName>
-                                        </p:attrNameLst>
-                                      </p:cBhvr>
-                                    </p:animRot>
-                                    <p:animRot by="-1500000">
-                                      <p:cBhvr>
-                                        <p:cTn id="26" dur="125" fill="hold">
-                                          <p:stCondLst>
-                                            <p:cond delay="125"/>
-                                          </p:stCondLst>
-                                        </p:cTn>
-                                        <p:tgtEl>
-                                          <p:spTgt spid="5"/>
-                                        </p:tgtEl>
-                                        <p:attrNameLst>
-                                          <p:attrName>r</p:attrName>
-                                        </p:attrNameLst>
-                                      </p:cBhvr>
-                                    </p:animRot>
-                                    <p:animRot by="-1500000">
-                                      <p:cBhvr>
-                                        <p:cTn id="27" dur="125" fill="hold">
-                                          <p:stCondLst>
-                                            <p:cond delay="250"/>
-                                          </p:stCondLst>
-                                        </p:cTn>
-                                        <p:tgtEl>
-                                          <p:spTgt spid="5"/>
-                                        </p:tgtEl>
-                                        <p:attrNameLst>
-                                          <p:attrName>r</p:attrName>
-                                        </p:attrNameLst>
-                                      </p:cBhvr>
-                                    </p:animRot>
-                                    <p:animRot by="1500000">
-                                      <p:cBhvr>
-                                        <p:cTn id="28" dur="125" fill="hold">
-                                          <p:stCondLst>
-                                            <p:cond delay="375"/>
-                                          </p:stCondLst>
-                                        </p:cTn>
-                                        <p:tgtEl>
-                                          <p:spTgt spid="5"/>
-                                        </p:tgtEl>
-                                        <p:attrNameLst>
-                                          <p:attrName>r</p:attrName>
-                                        </p:attrNameLst>
-                                      </p:cBhvr>
-                                    </p:animRot>
-                                  </p:childTnLst>
-                                </p:cTn>
-                              </p:par>
-                            </p:childTnLst>
-                          </p:cTn>
-                        </p:par>
-                      </p:childTnLst>
-                    </p:cTn>
-                  </p:par>
                 </p:childTnLst>
               </p:cTn>
               <p:prevCondLst>
@@ -18142,7 +16565,6 @@
     </p:tnLst>
     <p:bldLst>
       <p:bldP spid="5" grpId="0"/>
-      <p:bldP spid="5" grpId="1"/>
     </p:bldLst>
   </p:timing>
 </p:sld>

--- a/docs/TestingQunit.pptx
+++ b/docs/TestingQunit.pptx
@@ -11,20 +11,21 @@
     <p:sldId id="257" r:id="rId5"/>
     <p:sldId id="258" r:id="rId6"/>
     <p:sldId id="276" r:id="rId7"/>
-    <p:sldId id="262" r:id="rId8"/>
-    <p:sldId id="263" r:id="rId9"/>
-    <p:sldId id="264" r:id="rId10"/>
-    <p:sldId id="265" r:id="rId11"/>
-    <p:sldId id="266" r:id="rId12"/>
-    <p:sldId id="267" r:id="rId13"/>
-    <p:sldId id="268" r:id="rId14"/>
-    <p:sldId id="271" r:id="rId15"/>
-    <p:sldId id="273" r:id="rId16"/>
-    <p:sldId id="269" r:id="rId17"/>
-    <p:sldId id="274" r:id="rId18"/>
-    <p:sldId id="272" r:id="rId19"/>
-    <p:sldId id="279" r:id="rId20"/>
-    <p:sldId id="270" r:id="rId21"/>
+    <p:sldId id="280" r:id="rId8"/>
+    <p:sldId id="262" r:id="rId9"/>
+    <p:sldId id="263" r:id="rId10"/>
+    <p:sldId id="264" r:id="rId11"/>
+    <p:sldId id="265" r:id="rId12"/>
+    <p:sldId id="266" r:id="rId13"/>
+    <p:sldId id="267" r:id="rId14"/>
+    <p:sldId id="268" r:id="rId15"/>
+    <p:sldId id="271" r:id="rId16"/>
+    <p:sldId id="273" r:id="rId17"/>
+    <p:sldId id="269" r:id="rId18"/>
+    <p:sldId id="274" r:id="rId19"/>
+    <p:sldId id="272" r:id="rId20"/>
+    <p:sldId id="279" r:id="rId21"/>
+    <p:sldId id="270" r:id="rId22"/>
   </p:sldIdLst>
   <p:sldSz cx="12192000" cy="6858000"/>
   <p:notesSz cx="6858000" cy="9144000"/>
@@ -6377,7 +6378,7 @@
           <a:p>
             <a:r>
               <a:rPr lang="en-US" u="sng" dirty="0" smtClean="0"/>
-              <a:t>Dialog Boxes and Page Redirect</a:t>
+              <a:t>Functions and Events</a:t>
             </a:r>
             <a:endParaRPr lang="en-US" u="sng" dirty="0"/>
           </a:p>
@@ -6385,7 +6386,7 @@
       </p:sp>
       <p:sp>
         <p:nvSpPr>
-          <p:cNvPr id="3" name="Content Placeholder 2"/>
+          <p:cNvPr id="5" name="Content Placeholder 4"/>
           <p:cNvSpPr>
             <a:spLocks noGrp="1"/>
           </p:cNvSpPr>
@@ -6395,19 +6396,22 @@
         </p:nvSpPr>
         <p:spPr>
           <a:xfrm>
-            <a:off x="1371600" y="1854927"/>
-            <a:ext cx="9601200" cy="4012474"/>
+            <a:off x="1371600" y="1593669"/>
+            <a:ext cx="9601200" cy="4273731"/>
           </a:xfrm>
         </p:spPr>
         <p:txBody>
           <a:bodyPr>
-            <a:normAutofit lnSpcReduction="10000"/>
+            <a:normAutofit fontScale="62500" lnSpcReduction="20000"/>
           </a:bodyPr>
           <a:lstStyle/>
           <a:p>
+            <a:pPr marL="0" indent="0">
+              <a:buNone/>
+            </a:pPr>
             <a:r>
               <a:rPr lang="en-US" dirty="0" smtClean="0"/>
-              <a:t>Alert</a:t>
+              <a:t>Most commonly used Events are : </a:t>
             </a:r>
           </a:p>
           <a:p>
@@ -6415,61 +6419,170 @@
               <a:buNone/>
             </a:pPr>
             <a:r>
+              <a:rPr lang="en-US" dirty="0" err="1" smtClean="0"/>
+              <a:t>onclick</a:t>
+            </a:r>
+            <a:r>
+              <a:rPr lang="en-US" dirty="0" smtClean="0"/>
+              <a:t>()</a:t>
+            </a:r>
+          </a:p>
+          <a:p>
+            <a:pPr marL="0" indent="0">
+              <a:buNone/>
+            </a:pPr>
+            <a:r>
+              <a:rPr lang="en-US" dirty="0" err="1"/>
+              <a:t>o</a:t>
+            </a:r>
+            <a:r>
+              <a:rPr lang="en-US" dirty="0" err="1" smtClean="0"/>
+              <a:t>nsubmit</a:t>
+            </a:r>
+            <a:endParaRPr lang="en-US" dirty="0" smtClean="0"/>
+          </a:p>
+          <a:p>
+            <a:pPr marL="0" indent="0" fontAlgn="base">
+              <a:buNone/>
+            </a:pPr>
+            <a:r>
+              <a:rPr lang="en-US" dirty="0" err="1" smtClean="0"/>
+              <a:t>mouseover,mouseout</a:t>
+            </a:r>
+            <a:r>
+              <a:rPr lang="en-US" dirty="0" smtClean="0"/>
+              <a:t>,</a:t>
+            </a:r>
+            <a:r>
               <a:rPr lang="en-US" dirty="0"/>
-              <a:t>An alert dialog box is mostly used to give a warning message to the users</a:t>
+              <a:t> </a:t>
+            </a:r>
+            <a:r>
+              <a:rPr lang="en-US" dirty="0" err="1" smtClean="0"/>
+              <a:t>mousemove</a:t>
+            </a:r>
+            <a:r>
+              <a:rPr lang="en-US" dirty="0"/>
+              <a:t>, </a:t>
+            </a:r>
+            <a:r>
+              <a:rPr lang="en-US" dirty="0" err="1" smtClean="0"/>
+              <a:t>mousedown</a:t>
             </a:r>
             <a:r>
               <a:rPr lang="en-US" dirty="0" smtClean="0"/>
-              <a:t>.</a:t>
-            </a:r>
-          </a:p>
-          <a:p>
-            <a:pPr marL="0" indent="0">
+              <a:t>/up</a:t>
+            </a:r>
+            <a:endParaRPr lang="en-US" dirty="0"/>
+          </a:p>
+          <a:p>
+            <a:pPr marL="0" indent="0" fontAlgn="base">
+              <a:buNone/>
+            </a:pPr>
+            <a:r>
+              <a:rPr lang="en-US" dirty="0"/>
+              <a:t>online, offline (network events)</a:t>
+            </a:r>
+          </a:p>
+          <a:p>
+            <a:pPr marL="0" indent="0" fontAlgn="base">
+              <a:buNone/>
+            </a:pPr>
+            <a:r>
+              <a:rPr lang="en-US" dirty="0"/>
+              <a:t>reset, submit (form events)</a:t>
+            </a:r>
+          </a:p>
+          <a:p>
+            <a:pPr marL="0" indent="0" fontAlgn="base">
+              <a:buNone/>
+            </a:pPr>
+            <a:r>
+              <a:rPr lang="en-US" dirty="0"/>
+              <a:t>focus, blur (when an element gets the focus or loses it)</a:t>
+            </a:r>
+          </a:p>
+          <a:p>
+            <a:pPr marL="0" indent="0" fontAlgn="base">
+              <a:buNone/>
+            </a:pPr>
+            <a:r>
+              <a:rPr lang="en-US" dirty="0"/>
+              <a:t>drag, </a:t>
+            </a:r>
+            <a:r>
+              <a:rPr lang="en-US" dirty="0" err="1"/>
+              <a:t>dragstart,dragend</a:t>
+            </a:r>
+            <a:r>
+              <a:rPr lang="en-US" dirty="0"/>
+              <a:t>, </a:t>
+            </a:r>
+            <a:r>
+              <a:rPr lang="en-US" dirty="0" err="1"/>
+              <a:t>dragenter</a:t>
+            </a:r>
+            <a:r>
+              <a:rPr lang="en-US" dirty="0"/>
+              <a:t>, </a:t>
+            </a:r>
+            <a:r>
+              <a:rPr lang="en-US" dirty="0" err="1"/>
+              <a:t>dragleave</a:t>
+            </a:r>
+            <a:r>
+              <a:rPr lang="en-US" dirty="0"/>
+              <a:t>, </a:t>
+            </a:r>
+            <a:r>
+              <a:rPr lang="en-US" dirty="0" smtClean="0"/>
+              <a:t>drop</a:t>
+            </a:r>
+          </a:p>
+          <a:p>
+            <a:pPr marL="0" indent="0" fontAlgn="base">
+              <a:buNone/>
+            </a:pPr>
+            <a:endParaRPr lang="en-US" dirty="0"/>
+          </a:p>
+          <a:p>
+            <a:pPr marL="0" indent="0" fontAlgn="base">
               <a:buNone/>
             </a:pPr>
             <a:endParaRPr lang="en-US" dirty="0" smtClean="0"/>
           </a:p>
           <a:p>
-            <a:r>
-              <a:rPr lang="en-US" dirty="0" smtClean="0"/>
-              <a:t>Confirm</a:t>
-            </a:r>
-          </a:p>
-          <a:p>
             <a:pPr marL="0" indent="0">
               <a:buNone/>
             </a:pPr>
             <a:r>
               <a:rPr lang="en-US" dirty="0"/>
-              <a:t>A confirmation dialog box is mostly used to take user's consent on any option. It displays a dialog box with two buttons: </a:t>
-            </a:r>
-            <a:r>
-              <a:rPr lang="en-US" b="1" dirty="0"/>
-              <a:t>OK</a:t>
+              <a:t>&lt;script type = "text/</a:t>
+            </a:r>
+            <a:r>
+              <a:rPr lang="en-US" dirty="0" err="1"/>
+              <a:t>javascript</a:t>
             </a:r>
             <a:r>
               <a:rPr lang="en-US" dirty="0"/>
-              <a:t> and </a:t>
-            </a:r>
-            <a:r>
-              <a:rPr lang="en-US" b="1" dirty="0"/>
-              <a:t>Cancel</a:t>
-            </a:r>
-            <a:r>
-              <a:rPr lang="en-US" dirty="0" smtClean="0"/>
-              <a:t>.</a:t>
+              <a:t>"&gt;</a:t>
             </a:r>
           </a:p>
           <a:p>
             <a:pPr marL="0" indent="0">
               <a:buNone/>
             </a:pPr>
-            <a:endParaRPr lang="en-US" dirty="0" smtClean="0"/>
-          </a:p>
-          <a:p>
-            <a:r>
-              <a:rPr lang="en-US" dirty="0" smtClean="0"/>
-              <a:t>Prompt</a:t>
+            <a:r>
+              <a:rPr lang="en-US" dirty="0"/>
+              <a:t>function </a:t>
+            </a:r>
+            <a:r>
+              <a:rPr lang="en-US" dirty="0" err="1"/>
+              <a:t>sayHello</a:t>
+            </a:r>
+            <a:r>
+              <a:rPr lang="en-US" dirty="0"/>
+              <a:t>() {</a:t>
             </a:r>
           </a:p>
           <a:p>
@@ -6478,15 +6591,45 @@
             </a:pPr>
             <a:r>
               <a:rPr lang="en-US" dirty="0"/>
-              <a:t>The prompt dialog box is very useful when you want to pop-up a text box to get user input. Thus, it enables you to interact with the user. The user needs to fill in the field and then click OK.</a:t>
-            </a:r>
+              <a:t>alert("Hello there");</a:t>
+            </a:r>
+          </a:p>
+          <a:p>
+            <a:pPr marL="0" indent="0">
+              <a:buNone/>
+            </a:pPr>
+            <a:r>
+              <a:rPr lang="en-US" dirty="0"/>
+              <a:t>}</a:t>
+            </a:r>
+          </a:p>
+          <a:p>
+            <a:pPr marL="0" indent="0">
+              <a:buNone/>
+            </a:pPr>
+            <a:r>
+              <a:rPr lang="en-US" dirty="0"/>
+              <a:t>&lt;/script&gt; </a:t>
+            </a:r>
+          </a:p>
+          <a:p>
+            <a:pPr marL="0" indent="0">
+              <a:buNone/>
+            </a:pPr>
+            <a:endParaRPr lang="en-US" dirty="0"/>
+          </a:p>
+          <a:p>
+            <a:pPr marL="0" indent="0">
+              <a:buNone/>
+            </a:pPr>
+            <a:endParaRPr lang="en-US" dirty="0"/>
           </a:p>
         </p:txBody>
       </p:sp>
     </p:spTree>
     <p:extLst>
       <p:ext uri="{BB962C8B-B14F-4D97-AF65-F5344CB8AC3E}">
-        <p14:creationId xmlns:p14="http://schemas.microsoft.com/office/powerpoint/2010/main" val="2043156539"/>
+        <p14:creationId xmlns:p14="http://schemas.microsoft.com/office/powerpoint/2010/main" val="2954587657"/>
       </p:ext>
     </p:extLst>
   </p:cSld>
@@ -6530,7 +6673,7 @@
                                           </p:stCondLst>
                                         </p:cTn>
                                         <p:tgtEl>
-                                          <p:spTgt spid="3"/>
+                                          <p:spTgt spid="5"/>
                                         </p:tgtEl>
                                         <p:attrNameLst>
                                           <p:attrName>style.visibility</p:attrName>
@@ -6548,7 +6691,7 @@
                                           </p:stCondLst>
                                         </p:cTn>
                                         <p:tgtEl>
-                                          <p:spTgt spid="3"/>
+                                          <p:spTgt spid="5"/>
                                         </p:tgtEl>
                                       </p:cBhvr>
                                     </p:animEffect>
@@ -6560,7 +6703,7 @@
                                           </p:stCondLst>
                                         </p:cTn>
                                         <p:tgtEl>
-                                          <p:spTgt spid="3"/>
+                                          <p:spTgt spid="5"/>
                                         </p:tgtEl>
                                         <p:attrNameLst>
                                           <p:attrName>ppt_x</p:attrName>
@@ -6587,7 +6730,7 @@
                                           </p:stCondLst>
                                         </p:cTn>
                                         <p:tgtEl>
-                                          <p:spTgt spid="3"/>
+                                          <p:spTgt spid="5"/>
                                         </p:tgtEl>
                                         <p:attrNameLst>
                                           <p:attrName>ppt_y</p:attrName>
@@ -6614,7 +6757,7 @@
                                           </p:stCondLst>
                                         </p:cTn>
                                         <p:tgtEl>
-                                          <p:spTgt spid="3"/>
+                                          <p:spTgt spid="5"/>
                                         </p:tgtEl>
                                         <p:attrNameLst>
                                           <p:attrName>ppt_y</p:attrName>
@@ -6641,7 +6784,7 @@
                                           </p:stCondLst>
                                         </p:cTn>
                                         <p:tgtEl>
-                                          <p:spTgt spid="3"/>
+                                          <p:spTgt spid="5"/>
                                         </p:tgtEl>
                                         <p:attrNameLst>
                                           <p:attrName>ppt_y</p:attrName>
@@ -6668,7 +6811,7 @@
                                           </p:stCondLst>
                                         </p:cTn>
                                         <p:tgtEl>
-                                          <p:spTgt spid="3"/>
+                                          <p:spTgt spid="5"/>
                                         </p:tgtEl>
                                         <p:attrNameLst>
                                           <p:attrName>ppt_y</p:attrName>
@@ -6695,7 +6838,7 @@
                                           </p:stCondLst>
                                         </p:cTn>
                                         <p:tgtEl>
-                                          <p:spTgt spid="3"/>
+                                          <p:spTgt spid="5"/>
                                         </p:tgtEl>
                                       </p:cBhvr>
                                       <p:to x="100000" y="60000"/>
@@ -6708,7 +6851,7 @@
                                           </p:stCondLst>
                                         </p:cTn>
                                         <p:tgtEl>
-                                          <p:spTgt spid="3"/>
+                                          <p:spTgt spid="5"/>
                                         </p:tgtEl>
                                       </p:cBhvr>
                                       <p:to x="100000" y="100000"/>
@@ -6721,7 +6864,7 @@
                                           </p:stCondLst>
                                         </p:cTn>
                                         <p:tgtEl>
-                                          <p:spTgt spid="3"/>
+                                          <p:spTgt spid="5"/>
                                         </p:tgtEl>
                                       </p:cBhvr>
                                       <p:to x="100000" y="80000"/>
@@ -6734,7 +6877,7 @@
                                           </p:stCondLst>
                                         </p:cTn>
                                         <p:tgtEl>
-                                          <p:spTgt spid="3"/>
+                                          <p:spTgt spid="5"/>
                                         </p:tgtEl>
                                       </p:cBhvr>
                                       <p:to x="100000" y="100000"/>
@@ -6747,7 +6890,7 @@
                                           </p:stCondLst>
                                         </p:cTn>
                                         <p:tgtEl>
-                                          <p:spTgt spid="3"/>
+                                          <p:spTgt spid="5"/>
                                         </p:tgtEl>
                                       </p:cBhvr>
                                       <p:to x="100000" y="90000"/>
@@ -6760,7 +6903,7 @@
                                           </p:stCondLst>
                                         </p:cTn>
                                         <p:tgtEl>
-                                          <p:spTgt spid="3"/>
+                                          <p:spTgt spid="5"/>
                                         </p:tgtEl>
                                       </p:cBhvr>
                                       <p:to x="100000" y="100000"/>
@@ -6773,7 +6916,7 @@
                                           </p:stCondLst>
                                         </p:cTn>
                                         <p:tgtEl>
-                                          <p:spTgt spid="3"/>
+                                          <p:spTgt spid="5"/>
                                         </p:tgtEl>
                                       </p:cBhvr>
                                       <p:to x="100000" y="95000"/>
@@ -6786,7 +6929,7 @@
                                           </p:stCondLst>
                                         </p:cTn>
                                         <p:tgtEl>
-                                          <p:spTgt spid="3"/>
+                                          <p:spTgt spid="5"/>
                                         </p:tgtEl>
                                       </p:cBhvr>
                                       <p:to x="100000" y="100000"/>
@@ -6822,7 +6965,7 @@
       </p:par>
     </p:tnLst>
     <p:bldLst>
-      <p:bldP spid="3" grpId="0"/>
+      <p:bldP spid="5" grpId="0"/>
     </p:bldLst>
   </p:timing>
 </p:sld>
@@ -6861,12 +7004,8 @@
           <a:lstStyle/>
           <a:p>
             <a:r>
-              <a:rPr lang="en-US" u="sng" dirty="0" err="1" smtClean="0"/>
-              <a:t>Qunit</a:t>
-            </a:r>
-            <a:r>
               <a:rPr lang="en-US" u="sng" dirty="0" smtClean="0"/>
-              <a:t> Features</a:t>
+              <a:t>Dialog Boxes </a:t>
             </a:r>
             <a:endParaRPr lang="en-US" u="sng" dirty="0"/>
           </a:p>
@@ -6884,83 +7023,98 @@
         </p:nvSpPr>
         <p:spPr>
           <a:xfrm>
-            <a:off x="1371600" y="1619794"/>
-            <a:ext cx="9601200" cy="4247606"/>
+            <a:off x="1371600" y="1854927"/>
+            <a:ext cx="9601200" cy="4012474"/>
           </a:xfrm>
         </p:spPr>
         <p:txBody>
           <a:bodyPr>
-            <a:normAutofit/>
+            <a:normAutofit lnSpcReduction="10000"/>
           </a:bodyPr>
           <a:lstStyle/>
           <a:p>
             <a:r>
-              <a:rPr lang="en-US" dirty="0" err="1"/>
-              <a:t>QUnit</a:t>
-            </a:r>
+              <a:rPr lang="en-US" dirty="0" smtClean="0"/>
+              <a:t>Alert</a:t>
+            </a:r>
+          </a:p>
+          <a:p>
+            <a:pPr marL="0" indent="0">
+              <a:buNone/>
+            </a:pPr>
             <a:r>
               <a:rPr lang="en-US" dirty="0"/>
-              <a:t> provides Assertions for testing expected results.</a:t>
-            </a:r>
-          </a:p>
-          <a:p>
-            <a:r>
-              <a:rPr lang="en-US" dirty="0" err="1"/>
-              <a:t>QUnit</a:t>
+              <a:t>An alert dialog box is mostly used to give </a:t>
+            </a:r>
+            <a:r>
+              <a:rPr lang="en-US" dirty="0" smtClean="0"/>
+              <a:t>a message </a:t>
             </a:r>
             <a:r>
               <a:rPr lang="en-US" dirty="0"/>
-              <a:t> provides Test fixtures for running tests.</a:t>
-            </a:r>
-          </a:p>
-          <a:p>
-            <a:r>
-              <a:rPr lang="en-US" dirty="0" err="1"/>
-              <a:t>QUnit</a:t>
-            </a:r>
+              <a:t>to the users</a:t>
+            </a:r>
+            <a:r>
+              <a:rPr lang="en-US" dirty="0" smtClean="0"/>
+              <a:t>.</a:t>
+            </a:r>
+          </a:p>
+          <a:p>
+            <a:pPr marL="0" indent="0">
+              <a:buNone/>
+            </a:pPr>
+            <a:endParaRPr lang="en-US" dirty="0" smtClean="0"/>
+          </a:p>
+          <a:p>
+            <a:r>
+              <a:rPr lang="en-US" dirty="0" smtClean="0"/>
+              <a:t>Confirm</a:t>
+            </a:r>
+          </a:p>
+          <a:p>
+            <a:pPr marL="0" indent="0">
+              <a:buNone/>
+            </a:pPr>
             <a:r>
               <a:rPr lang="en-US" dirty="0"/>
-              <a:t> tests allow to write code faster, which increases the quality.</a:t>
-            </a:r>
-          </a:p>
-          <a:p>
-            <a:r>
-              <a:rPr lang="en-US" dirty="0" err="1"/>
-              <a:t>QUnit</a:t>
+              <a:t>A confirmation dialog box is mostly used to take user's consent on any option. It displays a dialog box with two buttons: </a:t>
+            </a:r>
+            <a:r>
+              <a:rPr lang="en-US" b="1" dirty="0"/>
+              <a:t>OK</a:t>
             </a:r>
             <a:r>
               <a:rPr lang="en-US" dirty="0"/>
-              <a:t> is elegantly simple. It is less complex and takes less time.</a:t>
-            </a:r>
-          </a:p>
-          <a:p>
-            <a:r>
-              <a:rPr lang="en-US" dirty="0" err="1"/>
-              <a:t>QUnit</a:t>
-            </a:r>
+              <a:t> and </a:t>
+            </a:r>
+            <a:r>
+              <a:rPr lang="en-US" b="1" dirty="0"/>
+              <a:t>Cancel</a:t>
+            </a:r>
+            <a:r>
+              <a:rPr lang="en-US" dirty="0" smtClean="0"/>
+              <a:t>.</a:t>
+            </a:r>
+          </a:p>
+          <a:p>
+            <a:pPr marL="0" indent="0">
+              <a:buNone/>
+            </a:pPr>
+            <a:endParaRPr lang="en-US" dirty="0" smtClean="0"/>
+          </a:p>
+          <a:p>
+            <a:r>
+              <a:rPr lang="en-US" dirty="0" smtClean="0"/>
+              <a:t>Prompt</a:t>
+            </a:r>
+          </a:p>
+          <a:p>
+            <a:pPr marL="0" indent="0">
+              <a:buNone/>
+            </a:pPr>
             <a:r>
               <a:rPr lang="en-US" dirty="0"/>
-              <a:t> tests can be run automatically and they check their own results and provide immediate feedback. There's no need to manually comb through a report of test results.</a:t>
-            </a:r>
-          </a:p>
-          <a:p>
-            <a:r>
-              <a:rPr lang="en-US" dirty="0" err="1"/>
-              <a:t>QUnit</a:t>
-            </a:r>
-            <a:r>
-              <a:rPr lang="en-US" dirty="0"/>
-              <a:t> tests can be organized into test suites containing test cases and even other test suites.</a:t>
-            </a:r>
-          </a:p>
-          <a:p>
-            <a:r>
-              <a:rPr lang="en-US" dirty="0" err="1"/>
-              <a:t>QUnit</a:t>
-            </a:r>
-            <a:r>
-              <a:rPr lang="en-US" dirty="0"/>
-              <a:t> shows test progress in a bar that is green if the test is going fine, and it turns red when a test fails.</a:t>
+              <a:t>The prompt dialog box is very useful when you want to pop-up a text box to get user input. Thus, it enables you to interact with the user. The user needs to fill in the field and then click OK.</a:t>
             </a:r>
           </a:p>
         </p:txBody>
@@ -6968,7 +7122,7 @@
     </p:spTree>
     <p:extLst>
       <p:ext uri="{BB962C8B-B14F-4D97-AF65-F5344CB8AC3E}">
-        <p14:creationId xmlns:p14="http://schemas.microsoft.com/office/powerpoint/2010/main" val="471296548"/>
+        <p14:creationId xmlns:p14="http://schemas.microsoft.com/office/powerpoint/2010/main" val="2043156539"/>
       </p:ext>
     </p:extLst>
   </p:cSld>
@@ -7343,12 +7497,494 @@
           <a:lstStyle/>
           <a:p>
             <a:r>
+              <a:rPr lang="en-US" u="sng" dirty="0" err="1" smtClean="0"/>
+              <a:t>Qunit</a:t>
+            </a:r>
+            <a:r>
+              <a:rPr lang="en-US" u="sng" dirty="0" smtClean="0"/>
+              <a:t> Features</a:t>
+            </a:r>
+            <a:endParaRPr lang="en-US" u="sng" dirty="0"/>
+          </a:p>
+        </p:txBody>
+      </p:sp>
+      <p:sp>
+        <p:nvSpPr>
+          <p:cNvPr id="3" name="Content Placeholder 2"/>
+          <p:cNvSpPr>
+            <a:spLocks noGrp="1"/>
+          </p:cNvSpPr>
+          <p:nvPr>
+            <p:ph idx="1"/>
+          </p:nvPr>
+        </p:nvSpPr>
+        <p:spPr>
+          <a:xfrm>
+            <a:off x="1371600" y="1619794"/>
+            <a:ext cx="9601200" cy="4247606"/>
+          </a:xfrm>
+        </p:spPr>
+        <p:txBody>
+          <a:bodyPr>
+            <a:normAutofit/>
+          </a:bodyPr>
+          <a:lstStyle/>
+          <a:p>
+            <a:r>
+              <a:rPr lang="en-US" dirty="0" err="1"/>
+              <a:t>QUnit</a:t>
+            </a:r>
+            <a:r>
+              <a:rPr lang="en-US" dirty="0"/>
+              <a:t> provides Assertions for testing expected results.</a:t>
+            </a:r>
+          </a:p>
+          <a:p>
+            <a:r>
+              <a:rPr lang="en-US" dirty="0" err="1"/>
+              <a:t>QUnit</a:t>
+            </a:r>
+            <a:r>
+              <a:rPr lang="en-US" dirty="0"/>
+              <a:t> provides Test fixtures for running tests.</a:t>
+            </a:r>
+          </a:p>
+          <a:p>
+            <a:r>
+              <a:rPr lang="en-US" dirty="0" err="1"/>
+              <a:t>QUnit</a:t>
+            </a:r>
+            <a:r>
+              <a:rPr lang="en-US" dirty="0"/>
+              <a:t> tests allow to write code faster, which increases the quality.</a:t>
+            </a:r>
+          </a:p>
+          <a:p>
+            <a:r>
+              <a:rPr lang="en-US" dirty="0" err="1"/>
+              <a:t>QUnit</a:t>
+            </a:r>
+            <a:r>
+              <a:rPr lang="en-US" dirty="0"/>
+              <a:t> is elegantly simple. It is less complex and takes less time.</a:t>
+            </a:r>
+          </a:p>
+          <a:p>
+            <a:r>
+              <a:rPr lang="en-US" dirty="0" err="1"/>
+              <a:t>QUnit</a:t>
+            </a:r>
+            <a:r>
+              <a:rPr lang="en-US" dirty="0"/>
+              <a:t> tests can be run automatically and they check their own results and provide immediate feedback. There's no need to manually comb through a report of test results.</a:t>
+            </a:r>
+          </a:p>
+          <a:p>
+            <a:r>
+              <a:rPr lang="en-US" dirty="0" err="1"/>
+              <a:t>QUnit</a:t>
+            </a:r>
+            <a:r>
+              <a:rPr lang="en-US" dirty="0"/>
+              <a:t> tests can be organized into test suites containing test cases and even other test suites.</a:t>
+            </a:r>
+          </a:p>
+          <a:p>
+            <a:r>
+              <a:rPr lang="en-US" dirty="0" err="1"/>
+              <a:t>QUnit</a:t>
+            </a:r>
+            <a:r>
+              <a:rPr lang="en-US" dirty="0"/>
+              <a:t> shows test progress in a bar that is green if the test is going fine, and it turns red when a test fails.</a:t>
+            </a:r>
+          </a:p>
+        </p:txBody>
+      </p:sp>
+    </p:spTree>
+    <p:extLst>
+      <p:ext uri="{BB962C8B-B14F-4D97-AF65-F5344CB8AC3E}">
+        <p14:creationId xmlns:p14="http://schemas.microsoft.com/office/powerpoint/2010/main" val="471296548"/>
+      </p:ext>
+    </p:extLst>
+  </p:cSld>
+  <p:clrMapOvr>
+    <a:masterClrMapping/>
+  </p:clrMapOvr>
+  <p:timing>
+    <p:tnLst>
+      <p:par>
+        <p:cTn id="1" dur="indefinite" restart="never" nodeType="tmRoot">
+          <p:childTnLst>
+            <p:seq concurrent="1" nextAc="seek">
+              <p:cTn id="2" dur="indefinite" nodeType="mainSeq">
+                <p:childTnLst>
+                  <p:par>
+                    <p:cTn id="3" fill="hold">
+                      <p:stCondLst>
+                        <p:cond delay="indefinite"/>
+                      </p:stCondLst>
+                      <p:childTnLst>
+                        <p:par>
+                          <p:cTn id="4" fill="hold">
+                            <p:stCondLst>
+                              <p:cond delay="0"/>
+                            </p:stCondLst>
+                            <p:childTnLst>
+                              <p:par>
+                                <p:cTn id="5" presetID="26" presetClass="entr" presetSubtype="0" fill="hold" grpId="0" nodeType="clickEffect">
+                                  <p:stCondLst>
+                                    <p:cond delay="0"/>
+                                  </p:stCondLst>
+                                  <p:iterate type="lt">
+                                    <p:tmPct val="0"/>
+                                  </p:iterate>
+                                  <p:childTnLst>
+                                    <p:set>
+                                      <p:cBhvr>
+                                        <p:cTn id="6" dur="1" fill="hold">
+                                          <p:stCondLst>
+                                            <p:cond delay="0"/>
+                                          </p:stCondLst>
+                                        </p:cTn>
+                                        <p:tgtEl>
+                                          <p:spTgt spid="3"/>
+                                        </p:tgtEl>
+                                        <p:attrNameLst>
+                                          <p:attrName>style.visibility</p:attrName>
+                                        </p:attrNameLst>
+                                      </p:cBhvr>
+                                      <p:to>
+                                        <p:strVal val="visible"/>
+                                      </p:to>
+                                    </p:set>
+                                    <p:animEffect transition="in" filter="wipe(down)">
+                                      <p:cBhvr>
+                                        <p:cTn id="7" dur="580">
+                                          <p:stCondLst>
+                                            <p:cond delay="0"/>
+                                          </p:stCondLst>
+                                        </p:cTn>
+                                        <p:tgtEl>
+                                          <p:spTgt spid="3"/>
+                                        </p:tgtEl>
+                                      </p:cBhvr>
+                                    </p:animEffect>
+                                    <p:anim calcmode="lin" valueType="num">
+                                      <p:cBhvr>
+                                        <p:cTn id="8" dur="1822" tmFilter="0,0; 0.14,0.36; 0.43,0.73; 0.71,0.91; 1.0,1.0">
+                                          <p:stCondLst>
+                                            <p:cond delay="0"/>
+                                          </p:stCondLst>
+                                        </p:cTn>
+                                        <p:tgtEl>
+                                          <p:spTgt spid="3"/>
+                                        </p:tgtEl>
+                                        <p:attrNameLst>
+                                          <p:attrName>ppt_x</p:attrName>
+                                        </p:attrNameLst>
+                                      </p:cBhvr>
+                                      <p:tavLst>
+                                        <p:tav tm="0">
+                                          <p:val>
+                                            <p:strVal val="#ppt_x-0.25"/>
+                                          </p:val>
+                                        </p:tav>
+                                        <p:tav tm="100000">
+                                          <p:val>
+                                            <p:strVal val="#ppt_x"/>
+                                          </p:val>
+                                        </p:tav>
+                                      </p:tavLst>
+                                    </p:anim>
+                                    <p:anim calcmode="lin" valueType="num">
+                                      <p:cBhvr>
+                                        <p:cTn id="9" dur="664" tmFilter="0.0,0.0; 0.25,0.07; 0.50,0.2; 0.75,0.467; 1.0,1.0">
+                                          <p:stCondLst>
+                                            <p:cond delay="0"/>
+                                          </p:stCondLst>
+                                        </p:cTn>
+                                        <p:tgtEl>
+                                          <p:spTgt spid="3"/>
+                                        </p:tgtEl>
+                                        <p:attrNameLst>
+                                          <p:attrName>ppt_y</p:attrName>
+                                        </p:attrNameLst>
+                                      </p:cBhvr>
+                                      <p:tavLst>
+                                        <p:tav tm="0" fmla="#ppt_y-sin(pi*$)/3">
+                                          <p:val>
+                                            <p:fltVal val="0.5"/>
+                                          </p:val>
+                                        </p:tav>
+                                        <p:tav tm="100000">
+                                          <p:val>
+                                            <p:fltVal val="1"/>
+                                          </p:val>
+                                        </p:tav>
+                                      </p:tavLst>
+                                    </p:anim>
+                                    <p:anim calcmode="lin" valueType="num">
+                                      <p:cBhvr>
+                                        <p:cTn id="10" dur="664" tmFilter="0, 0; 0.125,0.2665; 0.25,0.4; 0.375,0.465; 0.5,0.5;  0.625,0.535; 0.75,0.6; 0.875,0.7335; 1,1">
+                                          <p:stCondLst>
+                                            <p:cond delay="664"/>
+                                          </p:stCondLst>
+                                        </p:cTn>
+                                        <p:tgtEl>
+                                          <p:spTgt spid="3"/>
+                                        </p:tgtEl>
+                                        <p:attrNameLst>
+                                          <p:attrName>ppt_y</p:attrName>
+                                        </p:attrNameLst>
+                                      </p:cBhvr>
+                                      <p:tavLst>
+                                        <p:tav tm="0" fmla="#ppt_y-sin(pi*$)/9">
+                                          <p:val>
+                                            <p:fltVal val="0"/>
+                                          </p:val>
+                                        </p:tav>
+                                        <p:tav tm="100000">
+                                          <p:val>
+                                            <p:fltVal val="1"/>
+                                          </p:val>
+                                        </p:tav>
+                                      </p:tavLst>
+                                    </p:anim>
+                                    <p:anim calcmode="lin" valueType="num">
+                                      <p:cBhvr>
+                                        <p:cTn id="11" dur="332" tmFilter="0, 0; 0.125,0.2665; 0.25,0.4; 0.375,0.465; 0.5,0.5;  0.625,0.535; 0.75,0.6; 0.875,0.7335; 1,1">
+                                          <p:stCondLst>
+                                            <p:cond delay="1324"/>
+                                          </p:stCondLst>
+                                        </p:cTn>
+                                        <p:tgtEl>
+                                          <p:spTgt spid="3"/>
+                                        </p:tgtEl>
+                                        <p:attrNameLst>
+                                          <p:attrName>ppt_y</p:attrName>
+                                        </p:attrNameLst>
+                                      </p:cBhvr>
+                                      <p:tavLst>
+                                        <p:tav tm="0" fmla="#ppt_y-sin(pi*$)/27">
+                                          <p:val>
+                                            <p:fltVal val="0"/>
+                                          </p:val>
+                                        </p:tav>
+                                        <p:tav tm="100000">
+                                          <p:val>
+                                            <p:fltVal val="1"/>
+                                          </p:val>
+                                        </p:tav>
+                                      </p:tavLst>
+                                    </p:anim>
+                                    <p:anim calcmode="lin" valueType="num">
+                                      <p:cBhvr>
+                                        <p:cTn id="12" dur="164" tmFilter="0, 0; 0.125,0.2665; 0.25,0.4; 0.375,0.465; 0.5,0.5;  0.625,0.535; 0.75,0.6; 0.875,0.7335; 1,1">
+                                          <p:stCondLst>
+                                            <p:cond delay="1656"/>
+                                          </p:stCondLst>
+                                        </p:cTn>
+                                        <p:tgtEl>
+                                          <p:spTgt spid="3"/>
+                                        </p:tgtEl>
+                                        <p:attrNameLst>
+                                          <p:attrName>ppt_y</p:attrName>
+                                        </p:attrNameLst>
+                                      </p:cBhvr>
+                                      <p:tavLst>
+                                        <p:tav tm="0" fmla="#ppt_y-sin(pi*$)/81">
+                                          <p:val>
+                                            <p:fltVal val="0"/>
+                                          </p:val>
+                                        </p:tav>
+                                        <p:tav tm="100000">
+                                          <p:val>
+                                            <p:fltVal val="1"/>
+                                          </p:val>
+                                        </p:tav>
+                                      </p:tavLst>
+                                    </p:anim>
+                                    <p:animScale>
+                                      <p:cBhvr>
+                                        <p:cTn id="13" dur="26">
+                                          <p:stCondLst>
+                                            <p:cond delay="650"/>
+                                          </p:stCondLst>
+                                        </p:cTn>
+                                        <p:tgtEl>
+                                          <p:spTgt spid="3"/>
+                                        </p:tgtEl>
+                                      </p:cBhvr>
+                                      <p:to x="100000" y="60000"/>
+                                    </p:animScale>
+                                    <p:animScale>
+                                      <p:cBhvr>
+                                        <p:cTn id="14" dur="166" decel="50000">
+                                          <p:stCondLst>
+                                            <p:cond delay="676"/>
+                                          </p:stCondLst>
+                                        </p:cTn>
+                                        <p:tgtEl>
+                                          <p:spTgt spid="3"/>
+                                        </p:tgtEl>
+                                      </p:cBhvr>
+                                      <p:to x="100000" y="100000"/>
+                                    </p:animScale>
+                                    <p:animScale>
+                                      <p:cBhvr>
+                                        <p:cTn id="15" dur="26">
+                                          <p:stCondLst>
+                                            <p:cond delay="1312"/>
+                                          </p:stCondLst>
+                                        </p:cTn>
+                                        <p:tgtEl>
+                                          <p:spTgt spid="3"/>
+                                        </p:tgtEl>
+                                      </p:cBhvr>
+                                      <p:to x="100000" y="80000"/>
+                                    </p:animScale>
+                                    <p:animScale>
+                                      <p:cBhvr>
+                                        <p:cTn id="16" dur="166" decel="50000">
+                                          <p:stCondLst>
+                                            <p:cond delay="1338"/>
+                                          </p:stCondLst>
+                                        </p:cTn>
+                                        <p:tgtEl>
+                                          <p:spTgt spid="3"/>
+                                        </p:tgtEl>
+                                      </p:cBhvr>
+                                      <p:to x="100000" y="100000"/>
+                                    </p:animScale>
+                                    <p:animScale>
+                                      <p:cBhvr>
+                                        <p:cTn id="17" dur="26">
+                                          <p:stCondLst>
+                                            <p:cond delay="1642"/>
+                                          </p:stCondLst>
+                                        </p:cTn>
+                                        <p:tgtEl>
+                                          <p:spTgt spid="3"/>
+                                        </p:tgtEl>
+                                      </p:cBhvr>
+                                      <p:to x="100000" y="90000"/>
+                                    </p:animScale>
+                                    <p:animScale>
+                                      <p:cBhvr>
+                                        <p:cTn id="18" dur="166" decel="50000">
+                                          <p:stCondLst>
+                                            <p:cond delay="1668"/>
+                                          </p:stCondLst>
+                                        </p:cTn>
+                                        <p:tgtEl>
+                                          <p:spTgt spid="3"/>
+                                        </p:tgtEl>
+                                      </p:cBhvr>
+                                      <p:to x="100000" y="100000"/>
+                                    </p:animScale>
+                                    <p:animScale>
+                                      <p:cBhvr>
+                                        <p:cTn id="19" dur="26">
+                                          <p:stCondLst>
+                                            <p:cond delay="1808"/>
+                                          </p:stCondLst>
+                                        </p:cTn>
+                                        <p:tgtEl>
+                                          <p:spTgt spid="3"/>
+                                        </p:tgtEl>
+                                      </p:cBhvr>
+                                      <p:to x="100000" y="95000"/>
+                                    </p:animScale>
+                                    <p:animScale>
+                                      <p:cBhvr>
+                                        <p:cTn id="20" dur="166" decel="50000">
+                                          <p:stCondLst>
+                                            <p:cond delay="1834"/>
+                                          </p:stCondLst>
+                                        </p:cTn>
+                                        <p:tgtEl>
+                                          <p:spTgt spid="3"/>
+                                        </p:tgtEl>
+                                      </p:cBhvr>
+                                      <p:to x="100000" y="100000"/>
+                                    </p:animScale>
+                                  </p:childTnLst>
+                                </p:cTn>
+                              </p:par>
+                            </p:childTnLst>
+                          </p:cTn>
+                        </p:par>
+                      </p:childTnLst>
+                    </p:cTn>
+                  </p:par>
+                </p:childTnLst>
+              </p:cTn>
+              <p:prevCondLst>
+                <p:cond evt="onPrev" delay="0">
+                  <p:tgtEl>
+                    <p:sldTgt/>
+                  </p:tgtEl>
+                </p:cond>
+              </p:prevCondLst>
+              <p:nextCondLst>
+                <p:cond evt="onNext" delay="0">
+                  <p:tgtEl>
+                    <p:sldTgt/>
+                  </p:tgtEl>
+                </p:cond>
+              </p:nextCondLst>
+            </p:seq>
+          </p:childTnLst>
+        </p:cTn>
+      </p:par>
+    </p:tnLst>
+    <p:bldLst>
+      <p:bldP spid="3" grpId="0"/>
+    </p:bldLst>
+  </p:timing>
+</p:sld>
+</file>
+
+<file path=ppt/slides/slide13.xml><?xml version="1.0" encoding="utf-8"?>
+<p:sld xmlns:a="http://schemas.openxmlformats.org/drawingml/2006/main" xmlns:r="http://schemas.openxmlformats.org/officeDocument/2006/relationships" xmlns:p="http://schemas.openxmlformats.org/presentationml/2006/main">
+  <p:cSld>
+    <p:spTree>
+      <p:nvGrpSpPr>
+        <p:cNvPr id="1" name=""/>
+        <p:cNvGrpSpPr/>
+        <p:nvPr/>
+      </p:nvGrpSpPr>
+      <p:grpSpPr>
+        <a:xfrm>
+          <a:off x="0" y="0"/>
+          <a:ext cx="0" cy="0"/>
+          <a:chOff x="0" y="0"/>
+          <a:chExt cx="0" cy="0"/>
+        </a:xfrm>
+      </p:grpSpPr>
+      <p:sp>
+        <p:nvSpPr>
+          <p:cNvPr id="2" name="Title 1"/>
+          <p:cNvSpPr>
+            <a:spLocks noGrp="1"/>
+          </p:cNvSpPr>
+          <p:nvPr>
+            <p:ph type="title"/>
+          </p:nvPr>
+        </p:nvSpPr>
+        <p:spPr/>
+        <p:txBody>
+          <a:bodyPr/>
+          <a:lstStyle/>
+          <a:p>
+            <a:r>
               <a:rPr lang="en-US" dirty="0" err="1" smtClean="0"/>
               <a:t>Qunit</a:t>
             </a:r>
             <a:r>
               <a:rPr lang="en-US" dirty="0" smtClean="0"/>
-              <a:t> used in both testing cases</a:t>
+              <a:t> used in both </a:t>
             </a:r>
             <a:endParaRPr lang="en-US" dirty="0"/>
           </a:p>
@@ -8209,458 +8845,6 @@
 </p:sld>
 </file>
 
-<file path=ppt/slides/slide13.xml><?xml version="1.0" encoding="utf-8"?>
-<p:sld xmlns:a="http://schemas.openxmlformats.org/drawingml/2006/main" xmlns:r="http://schemas.openxmlformats.org/officeDocument/2006/relationships" xmlns:p="http://schemas.openxmlformats.org/presentationml/2006/main">
-  <p:cSld>
-    <p:spTree>
-      <p:nvGrpSpPr>
-        <p:cNvPr id="1" name=""/>
-        <p:cNvGrpSpPr/>
-        <p:nvPr/>
-      </p:nvGrpSpPr>
-      <p:grpSpPr>
-        <a:xfrm>
-          <a:off x="0" y="0"/>
-          <a:ext cx="0" cy="0"/>
-          <a:chOff x="0" y="0"/>
-          <a:chExt cx="0" cy="0"/>
-        </a:xfrm>
-      </p:grpSpPr>
-      <p:sp>
-        <p:nvSpPr>
-          <p:cNvPr id="2" name="Title 1"/>
-          <p:cNvSpPr>
-            <a:spLocks noGrp="1"/>
-          </p:cNvSpPr>
-          <p:nvPr>
-            <p:ph type="title"/>
-          </p:nvPr>
-        </p:nvSpPr>
-        <p:spPr/>
-        <p:txBody>
-          <a:bodyPr/>
-          <a:lstStyle/>
-          <a:p>
-            <a:r>
-              <a:rPr lang="en-US" dirty="0"/>
-              <a:t>What is a Unit Test Case?</a:t>
-            </a:r>
-          </a:p>
-        </p:txBody>
-      </p:sp>
-      <p:sp>
-        <p:nvSpPr>
-          <p:cNvPr id="3" name="Content Placeholder 2"/>
-          <p:cNvSpPr>
-            <a:spLocks noGrp="1"/>
-          </p:cNvSpPr>
-          <p:nvPr>
-            <p:ph idx="1"/>
-          </p:nvPr>
-        </p:nvSpPr>
-        <p:spPr>
-          <a:xfrm>
-            <a:off x="1371600" y="1645920"/>
-            <a:ext cx="9601200" cy="4221480"/>
-          </a:xfrm>
-        </p:spPr>
-        <p:txBody>
-          <a:bodyPr>
-            <a:normAutofit/>
-          </a:bodyPr>
-          <a:lstStyle/>
-          <a:p>
-            <a:r>
-              <a:rPr lang="en-US" dirty="0"/>
-              <a:t>A Unit Test Case is a part of code which ensures that another part of the code </a:t>
-            </a:r>
-            <a:r>
-              <a:rPr lang="en-US" dirty="0" smtClean="0"/>
-              <a:t>works </a:t>
-            </a:r>
-            <a:r>
-              <a:rPr lang="en-US" dirty="0"/>
-              <a:t>as expected. </a:t>
-            </a:r>
-            <a:endParaRPr lang="en-US" dirty="0" smtClean="0"/>
-          </a:p>
-          <a:p>
-            <a:r>
-              <a:rPr lang="en-US" dirty="0" smtClean="0"/>
-              <a:t>To </a:t>
-            </a:r>
-            <a:r>
-              <a:rPr lang="en-US" dirty="0"/>
-              <a:t>achieve the desired results quickly, test framework is required. </a:t>
-            </a:r>
-            <a:r>
-              <a:rPr lang="en-US" dirty="0" err="1"/>
-              <a:t>QUnit</a:t>
-            </a:r>
-            <a:r>
-              <a:rPr lang="en-US" dirty="0"/>
-              <a:t> is a perfect unit test framework for JavaScript programming language.</a:t>
-            </a:r>
-          </a:p>
-          <a:p>
-            <a:r>
-              <a:rPr lang="en-US" dirty="0"/>
-              <a:t>A formal written unit test case is characterized by a known input and by an expected output, which is worked out before the test is executed. The known input should test a precondition and the expected output should test a post-condition.</a:t>
-            </a:r>
-          </a:p>
-          <a:p>
-            <a:r>
-              <a:rPr lang="en-US" dirty="0"/>
-              <a:t>There must be at least two unit test cases for each requirement: one positive test and one negative test</a:t>
-            </a:r>
-          </a:p>
-        </p:txBody>
-      </p:sp>
-    </p:spTree>
-    <p:extLst>
-      <p:ext uri="{BB962C8B-B14F-4D97-AF65-F5344CB8AC3E}">
-        <p14:creationId xmlns:p14="http://schemas.microsoft.com/office/powerpoint/2010/main" val="3889099286"/>
-      </p:ext>
-    </p:extLst>
-  </p:cSld>
-  <p:clrMapOvr>
-    <a:masterClrMapping/>
-  </p:clrMapOvr>
-  <p:timing>
-    <p:tnLst>
-      <p:par>
-        <p:cTn id="1" dur="indefinite" restart="never" nodeType="tmRoot">
-          <p:childTnLst>
-            <p:seq concurrent="1" nextAc="seek">
-              <p:cTn id="2" dur="indefinite" nodeType="mainSeq">
-                <p:childTnLst>
-                  <p:par>
-                    <p:cTn id="3" fill="hold">
-                      <p:stCondLst>
-                        <p:cond delay="indefinite"/>
-                      </p:stCondLst>
-                      <p:childTnLst>
-                        <p:par>
-                          <p:cTn id="4" fill="hold">
-                            <p:stCondLst>
-                              <p:cond delay="0"/>
-                            </p:stCondLst>
-                            <p:childTnLst>
-                              <p:par>
-                                <p:cTn id="5" presetID="26" presetClass="entr" presetSubtype="0" fill="hold" grpId="0" nodeType="clickEffect">
-                                  <p:stCondLst>
-                                    <p:cond delay="0"/>
-                                  </p:stCondLst>
-                                  <p:iterate type="lt">
-                                    <p:tmPct val="0"/>
-                                  </p:iterate>
-                                  <p:childTnLst>
-                                    <p:set>
-                                      <p:cBhvr>
-                                        <p:cTn id="6" dur="1" fill="hold">
-                                          <p:stCondLst>
-                                            <p:cond delay="0"/>
-                                          </p:stCondLst>
-                                        </p:cTn>
-                                        <p:tgtEl>
-                                          <p:spTgt spid="3"/>
-                                        </p:tgtEl>
-                                        <p:attrNameLst>
-                                          <p:attrName>style.visibility</p:attrName>
-                                        </p:attrNameLst>
-                                      </p:cBhvr>
-                                      <p:to>
-                                        <p:strVal val="visible"/>
-                                      </p:to>
-                                    </p:set>
-                                    <p:animEffect transition="in" filter="wipe(down)">
-                                      <p:cBhvr>
-                                        <p:cTn id="7" dur="580">
-                                          <p:stCondLst>
-                                            <p:cond delay="0"/>
-                                          </p:stCondLst>
-                                        </p:cTn>
-                                        <p:tgtEl>
-                                          <p:spTgt spid="3"/>
-                                        </p:tgtEl>
-                                      </p:cBhvr>
-                                    </p:animEffect>
-                                    <p:anim calcmode="lin" valueType="num">
-                                      <p:cBhvr>
-                                        <p:cTn id="8" dur="1822" tmFilter="0,0; 0.14,0.36; 0.43,0.73; 0.71,0.91; 1.0,1.0">
-                                          <p:stCondLst>
-                                            <p:cond delay="0"/>
-                                          </p:stCondLst>
-                                        </p:cTn>
-                                        <p:tgtEl>
-                                          <p:spTgt spid="3"/>
-                                        </p:tgtEl>
-                                        <p:attrNameLst>
-                                          <p:attrName>ppt_x</p:attrName>
-                                        </p:attrNameLst>
-                                      </p:cBhvr>
-                                      <p:tavLst>
-                                        <p:tav tm="0">
-                                          <p:val>
-                                            <p:strVal val="#ppt_x-0.25"/>
-                                          </p:val>
-                                        </p:tav>
-                                        <p:tav tm="100000">
-                                          <p:val>
-                                            <p:strVal val="#ppt_x"/>
-                                          </p:val>
-                                        </p:tav>
-                                      </p:tavLst>
-                                    </p:anim>
-                                    <p:anim calcmode="lin" valueType="num">
-                                      <p:cBhvr>
-                                        <p:cTn id="9" dur="664" tmFilter="0.0,0.0; 0.25,0.07; 0.50,0.2; 0.75,0.467; 1.0,1.0">
-                                          <p:stCondLst>
-                                            <p:cond delay="0"/>
-                                          </p:stCondLst>
-                                        </p:cTn>
-                                        <p:tgtEl>
-                                          <p:spTgt spid="3"/>
-                                        </p:tgtEl>
-                                        <p:attrNameLst>
-                                          <p:attrName>ppt_y</p:attrName>
-                                        </p:attrNameLst>
-                                      </p:cBhvr>
-                                      <p:tavLst>
-                                        <p:tav tm="0" fmla="#ppt_y-sin(pi*$)/3">
-                                          <p:val>
-                                            <p:fltVal val="0.5"/>
-                                          </p:val>
-                                        </p:tav>
-                                        <p:tav tm="100000">
-                                          <p:val>
-                                            <p:fltVal val="1"/>
-                                          </p:val>
-                                        </p:tav>
-                                      </p:tavLst>
-                                    </p:anim>
-                                    <p:anim calcmode="lin" valueType="num">
-                                      <p:cBhvr>
-                                        <p:cTn id="10" dur="664" tmFilter="0, 0; 0.125,0.2665; 0.25,0.4; 0.375,0.465; 0.5,0.5;  0.625,0.535; 0.75,0.6; 0.875,0.7335; 1,1">
-                                          <p:stCondLst>
-                                            <p:cond delay="664"/>
-                                          </p:stCondLst>
-                                        </p:cTn>
-                                        <p:tgtEl>
-                                          <p:spTgt spid="3"/>
-                                        </p:tgtEl>
-                                        <p:attrNameLst>
-                                          <p:attrName>ppt_y</p:attrName>
-                                        </p:attrNameLst>
-                                      </p:cBhvr>
-                                      <p:tavLst>
-                                        <p:tav tm="0" fmla="#ppt_y-sin(pi*$)/9">
-                                          <p:val>
-                                            <p:fltVal val="0"/>
-                                          </p:val>
-                                        </p:tav>
-                                        <p:tav tm="100000">
-                                          <p:val>
-                                            <p:fltVal val="1"/>
-                                          </p:val>
-                                        </p:tav>
-                                      </p:tavLst>
-                                    </p:anim>
-                                    <p:anim calcmode="lin" valueType="num">
-                                      <p:cBhvr>
-                                        <p:cTn id="11" dur="332" tmFilter="0, 0; 0.125,0.2665; 0.25,0.4; 0.375,0.465; 0.5,0.5;  0.625,0.535; 0.75,0.6; 0.875,0.7335; 1,1">
-                                          <p:stCondLst>
-                                            <p:cond delay="1324"/>
-                                          </p:stCondLst>
-                                        </p:cTn>
-                                        <p:tgtEl>
-                                          <p:spTgt spid="3"/>
-                                        </p:tgtEl>
-                                        <p:attrNameLst>
-                                          <p:attrName>ppt_y</p:attrName>
-                                        </p:attrNameLst>
-                                      </p:cBhvr>
-                                      <p:tavLst>
-                                        <p:tav tm="0" fmla="#ppt_y-sin(pi*$)/27">
-                                          <p:val>
-                                            <p:fltVal val="0"/>
-                                          </p:val>
-                                        </p:tav>
-                                        <p:tav tm="100000">
-                                          <p:val>
-                                            <p:fltVal val="1"/>
-                                          </p:val>
-                                        </p:tav>
-                                      </p:tavLst>
-                                    </p:anim>
-                                    <p:anim calcmode="lin" valueType="num">
-                                      <p:cBhvr>
-                                        <p:cTn id="12" dur="164" tmFilter="0, 0; 0.125,0.2665; 0.25,0.4; 0.375,0.465; 0.5,0.5;  0.625,0.535; 0.75,0.6; 0.875,0.7335; 1,1">
-                                          <p:stCondLst>
-                                            <p:cond delay="1656"/>
-                                          </p:stCondLst>
-                                        </p:cTn>
-                                        <p:tgtEl>
-                                          <p:spTgt spid="3"/>
-                                        </p:tgtEl>
-                                        <p:attrNameLst>
-                                          <p:attrName>ppt_y</p:attrName>
-                                        </p:attrNameLst>
-                                      </p:cBhvr>
-                                      <p:tavLst>
-                                        <p:tav tm="0" fmla="#ppt_y-sin(pi*$)/81">
-                                          <p:val>
-                                            <p:fltVal val="0"/>
-                                          </p:val>
-                                        </p:tav>
-                                        <p:tav tm="100000">
-                                          <p:val>
-                                            <p:fltVal val="1"/>
-                                          </p:val>
-                                        </p:tav>
-                                      </p:tavLst>
-                                    </p:anim>
-                                    <p:animScale>
-                                      <p:cBhvr>
-                                        <p:cTn id="13" dur="26">
-                                          <p:stCondLst>
-                                            <p:cond delay="650"/>
-                                          </p:stCondLst>
-                                        </p:cTn>
-                                        <p:tgtEl>
-                                          <p:spTgt spid="3"/>
-                                        </p:tgtEl>
-                                      </p:cBhvr>
-                                      <p:to x="100000" y="60000"/>
-                                    </p:animScale>
-                                    <p:animScale>
-                                      <p:cBhvr>
-                                        <p:cTn id="14" dur="166" decel="50000">
-                                          <p:stCondLst>
-                                            <p:cond delay="676"/>
-                                          </p:stCondLst>
-                                        </p:cTn>
-                                        <p:tgtEl>
-                                          <p:spTgt spid="3"/>
-                                        </p:tgtEl>
-                                      </p:cBhvr>
-                                      <p:to x="100000" y="100000"/>
-                                    </p:animScale>
-                                    <p:animScale>
-                                      <p:cBhvr>
-                                        <p:cTn id="15" dur="26">
-                                          <p:stCondLst>
-                                            <p:cond delay="1312"/>
-                                          </p:stCondLst>
-                                        </p:cTn>
-                                        <p:tgtEl>
-                                          <p:spTgt spid="3"/>
-                                        </p:tgtEl>
-                                      </p:cBhvr>
-                                      <p:to x="100000" y="80000"/>
-                                    </p:animScale>
-                                    <p:animScale>
-                                      <p:cBhvr>
-                                        <p:cTn id="16" dur="166" decel="50000">
-                                          <p:stCondLst>
-                                            <p:cond delay="1338"/>
-                                          </p:stCondLst>
-                                        </p:cTn>
-                                        <p:tgtEl>
-                                          <p:spTgt spid="3"/>
-                                        </p:tgtEl>
-                                      </p:cBhvr>
-                                      <p:to x="100000" y="100000"/>
-                                    </p:animScale>
-                                    <p:animScale>
-                                      <p:cBhvr>
-                                        <p:cTn id="17" dur="26">
-                                          <p:stCondLst>
-                                            <p:cond delay="1642"/>
-                                          </p:stCondLst>
-                                        </p:cTn>
-                                        <p:tgtEl>
-                                          <p:spTgt spid="3"/>
-                                        </p:tgtEl>
-                                      </p:cBhvr>
-                                      <p:to x="100000" y="90000"/>
-                                    </p:animScale>
-                                    <p:animScale>
-                                      <p:cBhvr>
-                                        <p:cTn id="18" dur="166" decel="50000">
-                                          <p:stCondLst>
-                                            <p:cond delay="1668"/>
-                                          </p:stCondLst>
-                                        </p:cTn>
-                                        <p:tgtEl>
-                                          <p:spTgt spid="3"/>
-                                        </p:tgtEl>
-                                      </p:cBhvr>
-                                      <p:to x="100000" y="100000"/>
-                                    </p:animScale>
-                                    <p:animScale>
-                                      <p:cBhvr>
-                                        <p:cTn id="19" dur="26">
-                                          <p:stCondLst>
-                                            <p:cond delay="1808"/>
-                                          </p:stCondLst>
-                                        </p:cTn>
-                                        <p:tgtEl>
-                                          <p:spTgt spid="3"/>
-                                        </p:tgtEl>
-                                      </p:cBhvr>
-                                      <p:to x="100000" y="95000"/>
-                                    </p:animScale>
-                                    <p:animScale>
-                                      <p:cBhvr>
-                                        <p:cTn id="20" dur="166" decel="50000">
-                                          <p:stCondLst>
-                                            <p:cond delay="1834"/>
-                                          </p:stCondLst>
-                                        </p:cTn>
-                                        <p:tgtEl>
-                                          <p:spTgt spid="3"/>
-                                        </p:tgtEl>
-                                      </p:cBhvr>
-                                      <p:to x="100000" y="100000"/>
-                                    </p:animScale>
-                                  </p:childTnLst>
-                                </p:cTn>
-                              </p:par>
-                            </p:childTnLst>
-                          </p:cTn>
-                        </p:par>
-                      </p:childTnLst>
-                    </p:cTn>
-                  </p:par>
-                </p:childTnLst>
-              </p:cTn>
-              <p:prevCondLst>
-                <p:cond evt="onPrev" delay="0">
-                  <p:tgtEl>
-                    <p:sldTgt/>
-                  </p:tgtEl>
-                </p:cond>
-              </p:prevCondLst>
-              <p:nextCondLst>
-                <p:cond evt="onNext" delay="0">
-                  <p:tgtEl>
-                    <p:sldTgt/>
-                  </p:tgtEl>
-                </p:cond>
-              </p:nextCondLst>
-            </p:seq>
-          </p:childTnLst>
-        </p:cTn>
-      </p:par>
-    </p:tnLst>
-    <p:bldLst>
-      <p:bldP spid="3" grpId="0"/>
-    </p:bldLst>
-  </p:timing>
-</p:sld>
-</file>
-
 <file path=ppt/slides/slide14.xml><?xml version="1.0" encoding="utf-8"?>
 <p:sld xmlns:a="http://schemas.openxmlformats.org/drawingml/2006/main" xmlns:r="http://schemas.openxmlformats.org/officeDocument/2006/relationships" xmlns:p="http://schemas.openxmlformats.org/presentationml/2006/main">
   <p:cSld>
@@ -8694,10 +8878,9 @@
           <a:lstStyle/>
           <a:p>
             <a:r>
-              <a:rPr lang="en-US" u="sng" dirty="0" smtClean="0"/>
-              <a:t>Creation of Test case</a:t>
-            </a:r>
-            <a:endParaRPr lang="en-US" u="sng" dirty="0"/>
+              <a:rPr lang="en-US" dirty="0"/>
+              <a:t>What is a Unit Test Case?</a:t>
+            </a:r>
           </a:p>
         </p:txBody>
       </p:sp>
@@ -8713,8 +8896,8 @@
         </p:nvSpPr>
         <p:spPr>
           <a:xfrm>
-            <a:off x="1371600" y="1763486"/>
-            <a:ext cx="9601200" cy="4103914"/>
+            <a:off x="1371600" y="1645920"/>
+            <a:ext cx="9601200" cy="4221480"/>
           </a:xfrm>
         </p:spPr>
         <p:txBody>
@@ -8725,116 +8908,54 @@
           <a:p>
             <a:r>
               <a:rPr lang="en-US" dirty="0"/>
-              <a:t>Make a call to the </a:t>
+              <a:t>A Unit Test Case is a part of code which ensures that another part of the code </a:t>
+            </a:r>
+            <a:r>
+              <a:rPr lang="en-US" dirty="0" smtClean="0"/>
+              <a:t>works </a:t>
+            </a:r>
+            <a:r>
+              <a:rPr lang="en-US" dirty="0"/>
+              <a:t>as expected. </a:t>
+            </a:r>
+            <a:endParaRPr lang="en-US" dirty="0" smtClean="0"/>
+          </a:p>
+          <a:p>
+            <a:r>
+              <a:rPr lang="en-US" dirty="0" smtClean="0"/>
+              <a:t>To </a:t>
+            </a:r>
+            <a:r>
+              <a:rPr lang="en-US" dirty="0"/>
+              <a:t>achieve the desired results quickly, test framework is required. </a:t>
             </a:r>
             <a:r>
               <a:rPr lang="en-US" dirty="0" err="1"/>
-              <a:t>QUnit.test</a:t>
+              <a:t>QUnit</a:t>
             </a:r>
             <a:r>
               <a:rPr lang="en-US" dirty="0"/>
-              <a:t> function, with two arguments.</a:t>
-            </a:r>
-          </a:p>
-          <a:p>
-            <a:r>
-              <a:rPr lang="en-US" b="1" dirty="0"/>
-              <a:t>Name</a:t>
-            </a:r>
+              <a:t> is a perfect unit test framework for JavaScript programming language.</a:t>
+            </a:r>
+          </a:p>
+          <a:p>
             <a:r>
               <a:rPr lang="en-US" dirty="0"/>
-              <a:t> − The name of the test to display the test results.</a:t>
-            </a:r>
-          </a:p>
-          <a:p>
-            <a:r>
-              <a:rPr lang="en-US" b="1" dirty="0"/>
-              <a:t>Function</a:t>
-            </a:r>
+              <a:t>A formal written unit test case is characterized by a known input and by an expected output, which is worked out before the test is executed. The known input should test a precondition and the expected output should test a post-condition.</a:t>
+            </a:r>
+          </a:p>
+          <a:p>
             <a:r>
               <a:rPr lang="en-US" dirty="0"/>
-              <a:t> − Function testing code, having one or more assertions</a:t>
-            </a:r>
-            <a:r>
-              <a:rPr lang="en-US" dirty="0" smtClean="0"/>
-              <a:t>.</a:t>
-            </a:r>
-          </a:p>
-          <a:p>
-            <a:pPr marL="0" indent="0">
-              <a:buNone/>
-            </a:pPr>
-            <a:endParaRPr lang="en-US" dirty="0"/>
-          </a:p>
-          <a:p>
-            <a:pPr marL="0" indent="0">
-              <a:buNone/>
-            </a:pPr>
-            <a:r>
-              <a:rPr lang="en-US" dirty="0" err="1" smtClean="0"/>
-              <a:t>QUnit.test</a:t>
-            </a:r>
-            <a:r>
-              <a:rPr lang="en-US" dirty="0"/>
-              <a:t>( "</a:t>
-            </a:r>
-            <a:r>
-              <a:rPr lang="en-US" dirty="0" err="1"/>
-              <a:t>TestSquare</a:t>
-            </a:r>
-            <a:r>
-              <a:rPr lang="en-US" dirty="0"/>
-              <a:t>", function( assert ) {</a:t>
-            </a:r>
-          </a:p>
-          <a:p>
-            <a:pPr marL="0" indent="0">
-              <a:buNone/>
-            </a:pPr>
-            <a:r>
-              <a:rPr lang="en-US" dirty="0" err="1" smtClean="0"/>
-              <a:t>var</a:t>
-            </a:r>
-            <a:r>
-              <a:rPr lang="en-US" dirty="0" smtClean="0"/>
-              <a:t> </a:t>
-            </a:r>
-            <a:r>
-              <a:rPr lang="en-US" dirty="0"/>
-              <a:t>result = square(2);</a:t>
-            </a:r>
-          </a:p>
-          <a:p>
-            <a:pPr marL="0" indent="0">
-              <a:buNone/>
-            </a:pPr>
-            <a:r>
-              <a:rPr lang="en-US" dirty="0" err="1" smtClean="0"/>
-              <a:t>assert.equal</a:t>
-            </a:r>
-            <a:r>
-              <a:rPr lang="en-US" dirty="0"/>
-              <a:t>( result, "4", "square(2) should be 4." );</a:t>
-            </a:r>
-          </a:p>
-          <a:p>
-            <a:pPr marL="0" indent="0">
-              <a:buNone/>
-            </a:pPr>
-            <a:r>
-              <a:rPr lang="en-US" dirty="0"/>
-              <a:t>});</a:t>
-            </a:r>
-          </a:p>
-          <a:p>
-            <a:endParaRPr lang="en-US" dirty="0"/>
+              <a:t>There must be at least two unit test cases for each requirement: one positive test and one negative test</a:t>
+            </a:r>
           </a:p>
         </p:txBody>
       </p:sp>
     </p:spTree>
     <p:extLst>
       <p:ext uri="{BB962C8B-B14F-4D97-AF65-F5344CB8AC3E}">
-        <p14:creationId xmlns:p14="http://schemas.microsoft.com/office/powerpoint/2010/main" val="341573758"/>
+        <p14:creationId xmlns:p14="http://schemas.microsoft.com/office/powerpoint/2010/main" val="3889099286"/>
       </p:ext>
     </p:extLst>
   </p:cSld>
@@ -9209,8 +9330,8 @@
           <a:lstStyle/>
           <a:p>
             <a:r>
-              <a:rPr lang="en-US" dirty="0" smtClean="0"/>
-              <a:t>To Run the Test</a:t>
+              <a:rPr lang="en-US" u="sng" dirty="0" smtClean="0"/>
+              <a:t>Creation of Test case</a:t>
             </a:r>
             <a:endParaRPr lang="en-US" u="sng" dirty="0"/>
           </a:p>
@@ -9228,8 +9349,8 @@
         </p:nvSpPr>
         <p:spPr>
           <a:xfrm>
-            <a:off x="1371600" y="1802674"/>
-            <a:ext cx="9601200" cy="4064726"/>
+            <a:off x="1371600" y="1763486"/>
+            <a:ext cx="9601200" cy="4103914"/>
           </a:xfrm>
         </p:spPr>
         <p:txBody>
@@ -9239,117 +9360,117 @@
           <a:lstStyle/>
           <a:p>
             <a:r>
+              <a:rPr lang="en-US" dirty="0"/>
+              <a:t>Make a call to the </a:t>
+            </a:r>
+            <a:r>
+              <a:rPr lang="en-US" dirty="0" err="1"/>
+              <a:t>QUnit.test</a:t>
+            </a:r>
+            <a:r>
+              <a:rPr lang="en-US" dirty="0"/>
+              <a:t> function, with two arguments.</a:t>
+            </a:r>
+          </a:p>
+          <a:p>
+            <a:r>
+              <a:rPr lang="en-US" b="1" dirty="0"/>
+              <a:t>Name</a:t>
+            </a:r>
+            <a:r>
+              <a:rPr lang="en-US" dirty="0"/>
+              <a:t> − The name of the test to display the test results.</a:t>
+            </a:r>
+          </a:p>
+          <a:p>
+            <a:r>
+              <a:rPr lang="en-US" b="1" dirty="0"/>
+              <a:t>Function</a:t>
+            </a:r>
+            <a:r>
+              <a:rPr lang="en-US" dirty="0"/>
+              <a:t> − Function testing code, having one or more assertions</a:t>
+            </a:r>
+            <a:r>
               <a:rPr lang="en-US" dirty="0" smtClean="0"/>
-              <a:t>Along with </a:t>
-            </a:r>
+              <a:t>.</a:t>
+            </a:r>
+          </a:p>
+          <a:p>
+            <a:pPr marL="0" indent="0">
+              <a:buNone/>
+            </a:pPr>
+            <a:endParaRPr lang="en-US" dirty="0"/>
+          </a:p>
+          <a:p>
+            <a:pPr marL="0" indent="0">
+              <a:buNone/>
+            </a:pPr>
             <a:r>
               <a:rPr lang="en-US" dirty="0" err="1" smtClean="0"/>
-              <a:t>javascript</a:t>
+              <a:t>QUnit.test</a:t>
+            </a:r>
+            <a:r>
+              <a:rPr lang="en-US" dirty="0"/>
+              <a:t>( "</a:t>
+            </a:r>
+            <a:r>
+              <a:rPr lang="en-US" dirty="0" err="1"/>
+              <a:t>TestSquare</a:t>
+            </a:r>
+            <a:r>
+              <a:rPr lang="en-US" dirty="0"/>
+              <a:t>", function( assert ) {</a:t>
+            </a:r>
+          </a:p>
+          <a:p>
+            <a:pPr marL="0" indent="0">
+              <a:buNone/>
+            </a:pPr>
+            <a:r>
+              <a:rPr lang="en-US" dirty="0" err="1" smtClean="0"/>
+              <a:t>var</a:t>
             </a:r>
             <a:r>
               <a:rPr lang="en-US" dirty="0" smtClean="0"/>
-              <a:t> code and test case, We also need to import 2 important files into your </a:t>
-            </a:r>
+              <a:t> </a:t>
+            </a:r>
+            <a:r>
+              <a:rPr lang="en-US" dirty="0"/>
+              <a:t>result = square(2);</a:t>
+            </a:r>
+          </a:p>
+          <a:p>
+            <a:pPr marL="0" indent="0">
+              <a:buNone/>
+            </a:pPr>
             <a:r>
               <a:rPr lang="en-US" dirty="0" err="1" smtClean="0"/>
-              <a:t>qunit</a:t>
-            </a:r>
-            <a:r>
-              <a:rPr lang="en-US" dirty="0" smtClean="0"/>
-              <a:t> folder to run the test in browser.</a:t>
+              <a:t>assert.equal</a:t>
+            </a:r>
+            <a:r>
+              <a:rPr lang="en-US" dirty="0"/>
+              <a:t>( result, "4", "square(2) should be 4." );</a:t>
+            </a:r>
+          </a:p>
+          <a:p>
+            <a:pPr marL="0" indent="0">
+              <a:buNone/>
+            </a:pPr>
+            <a:r>
+              <a:rPr lang="en-US" dirty="0"/>
+              <a:t>});</a:t>
             </a:r>
           </a:p>
           <a:p>
             <a:endParaRPr lang="en-US" dirty="0"/>
-          </a:p>
-          <a:p>
-            <a:r>
-              <a:rPr lang="en-US" dirty="0" smtClean="0"/>
-              <a:t>Import qunit.js</a:t>
-            </a:r>
-          </a:p>
-          <a:p>
-            <a:pPr marL="0" indent="0">
-              <a:buNone/>
-            </a:pPr>
-            <a:r>
-              <a:rPr lang="en-US" dirty="0"/>
-              <a:t>&lt;script </a:t>
-            </a:r>
-            <a:r>
-              <a:rPr lang="en-US" dirty="0" err="1"/>
-              <a:t>src</a:t>
-            </a:r>
-            <a:r>
-              <a:rPr lang="en-US" dirty="0"/>
-              <a:t> = "https://</a:t>
-            </a:r>
-            <a:r>
-              <a:rPr lang="en-US" dirty="0" smtClean="0"/>
-              <a:t>code.jquery.com/</a:t>
-            </a:r>
-            <a:r>
-              <a:rPr lang="en-US" dirty="0" err="1" smtClean="0"/>
-              <a:t>qunit</a:t>
-            </a:r>
-            <a:r>
-              <a:rPr lang="en-US" dirty="0" smtClean="0"/>
-              <a:t>/qunit-2.1.9.js</a:t>
-            </a:r>
-            <a:r>
-              <a:rPr lang="en-US" dirty="0"/>
-              <a:t>"&gt;&lt;/script&gt;</a:t>
-            </a:r>
-          </a:p>
-          <a:p>
-            <a:endParaRPr lang="en-US" dirty="0" smtClean="0"/>
-          </a:p>
-          <a:p>
-            <a:r>
-              <a:rPr lang="en-US" dirty="0" smtClean="0"/>
-              <a:t>Import qunit.css</a:t>
-            </a:r>
-            <a:endParaRPr lang="en-US" dirty="0"/>
-          </a:p>
-          <a:p>
-            <a:pPr marL="0" indent="0">
-              <a:buNone/>
-            </a:pPr>
-            <a:r>
-              <a:rPr lang="en-US" dirty="0"/>
-              <a:t>&lt;script </a:t>
-            </a:r>
-            <a:r>
-              <a:rPr lang="en-US" dirty="0" err="1"/>
-              <a:t>src</a:t>
-            </a:r>
-            <a:r>
-              <a:rPr lang="en-US" dirty="0"/>
-              <a:t> = "https://</a:t>
-            </a:r>
-            <a:r>
-              <a:rPr lang="en-US" dirty="0" smtClean="0"/>
-              <a:t>code.jquery.com/</a:t>
-            </a:r>
-            <a:r>
-              <a:rPr lang="en-US" dirty="0" err="1" smtClean="0"/>
-              <a:t>qunit</a:t>
-            </a:r>
-            <a:r>
-              <a:rPr lang="en-US" dirty="0" smtClean="0"/>
-              <a:t>/qunit-2.1.9.js</a:t>
-            </a:r>
-            <a:r>
-              <a:rPr lang="en-US" dirty="0"/>
-              <a:t>"&gt;&lt;/script&gt;</a:t>
-            </a:r>
           </a:p>
         </p:txBody>
       </p:sp>
     </p:spTree>
     <p:extLst>
       <p:ext uri="{BB962C8B-B14F-4D97-AF65-F5344CB8AC3E}">
-        <p14:creationId xmlns:p14="http://schemas.microsoft.com/office/powerpoint/2010/main" val="4233838395"/>
+        <p14:creationId xmlns:p14="http://schemas.microsoft.com/office/powerpoint/2010/main" val="341573758"/>
       </p:ext>
     </p:extLst>
   </p:cSld>
@@ -9725,9 +9846,9 @@
           <a:p>
             <a:r>
               <a:rPr lang="en-US" dirty="0" smtClean="0"/>
-              <a:t>Function and Test case</a:t>
-            </a:r>
-            <a:endParaRPr lang="en-US" dirty="0"/>
+              <a:t>To Run the Test</a:t>
+            </a:r>
+            <a:endParaRPr lang="en-US" u="sng" dirty="0"/>
           </a:p>
         </p:txBody>
       </p:sp>
@@ -9743,8 +9864,8 @@
         </p:nvSpPr>
         <p:spPr>
           <a:xfrm>
-            <a:off x="1371600" y="1528354"/>
-            <a:ext cx="9601200" cy="4339046"/>
+            <a:off x="1371600" y="1802674"/>
+            <a:ext cx="9601200" cy="4064726"/>
           </a:xfrm>
         </p:spPr>
         <p:txBody>
@@ -9753,133 +9874,118 @@
           </a:bodyPr>
           <a:lstStyle/>
           <a:p>
+            <a:r>
+              <a:rPr lang="en-US" dirty="0" smtClean="0"/>
+              <a:t>Along with </a:t>
+            </a:r>
+            <a:r>
+              <a:rPr lang="en-US" dirty="0" err="1" smtClean="0"/>
+              <a:t>javascript</a:t>
+            </a:r>
+            <a:r>
+              <a:rPr lang="en-US" dirty="0" smtClean="0"/>
+              <a:t> code and test case, We also need to import 2 important files into your </a:t>
+            </a:r>
+            <a:r>
+              <a:rPr lang="en-US" dirty="0" err="1" smtClean="0"/>
+              <a:t>qunit</a:t>
+            </a:r>
+            <a:r>
+              <a:rPr lang="en-US" dirty="0" smtClean="0"/>
+              <a:t> folder to run the test in browser.</a:t>
+            </a:r>
+          </a:p>
+          <a:p>
+            <a:endParaRPr lang="en-US" dirty="0"/>
+          </a:p>
+          <a:p>
+            <a:r>
+              <a:rPr lang="en-US" dirty="0" smtClean="0"/>
+              <a:t>Import qunit.js</a:t>
+            </a:r>
+          </a:p>
+          <a:p>
             <a:pPr marL="0" indent="0">
               <a:buNone/>
             </a:pPr>
             <a:r>
               <a:rPr lang="en-US" dirty="0"/>
-              <a:t>function square(x</a:t>
+              <a:t>&lt;script </a:t>
+            </a:r>
+            <a:r>
+              <a:rPr lang="en-US" dirty="0" err="1"/>
+              <a:t>src</a:t>
+            </a:r>
+            <a:r>
+              <a:rPr lang="en-US" dirty="0"/>
+              <a:t> = "https://</a:t>
             </a:r>
             <a:r>
               <a:rPr lang="en-US" dirty="0" smtClean="0"/>
-              <a:t>)</a:t>
-            </a:r>
+              <a:t>code.jquery.com/</a:t>
+            </a:r>
+            <a:r>
+              <a:rPr lang="en-US" dirty="0" err="1" smtClean="0"/>
+              <a:t>qunit</a:t>
+            </a:r>
+            <a:r>
+              <a:rPr lang="en-US" dirty="0" smtClean="0"/>
+              <a:t>/qunit-2.1.9.js</a:t>
+            </a:r>
+            <a:r>
+              <a:rPr lang="en-US" dirty="0"/>
+              <a:t>"&gt;&lt;/script&gt;</a:t>
+            </a:r>
+          </a:p>
+          <a:p>
+            <a:endParaRPr lang="en-US" dirty="0" smtClean="0"/>
+          </a:p>
+          <a:p>
+            <a:r>
+              <a:rPr lang="en-US" dirty="0" smtClean="0"/>
+              <a:t>Import qunit.css</a:t>
+            </a:r>
+            <a:endParaRPr lang="en-US" dirty="0"/>
           </a:p>
           <a:p>
             <a:pPr marL="0" indent="0">
               <a:buNone/>
             </a:pPr>
             <a:r>
+              <a:rPr lang="en-US" dirty="0"/>
+              <a:t>&lt;script </a:t>
+            </a:r>
+            <a:r>
+              <a:rPr lang="en-US" dirty="0" err="1"/>
+              <a:t>src</a:t>
+            </a:r>
+            <a:r>
+              <a:rPr lang="en-US" dirty="0"/>
+              <a:t> = "https://</a:t>
+            </a:r>
+            <a:r>
               <a:rPr lang="en-US" dirty="0" smtClean="0"/>
-              <a:t> </a:t>
+              <a:t>code.jquery.com/</a:t>
+            </a:r>
+            <a:r>
+              <a:rPr lang="en-US" dirty="0" err="1" smtClean="0"/>
+              <a:t>qunit</a:t>
+            </a:r>
+            <a:r>
+              <a:rPr lang="en-US" dirty="0" smtClean="0"/>
+              <a:t>/qunit-2.1.9.js</a:t>
             </a:r>
             <a:r>
               <a:rPr lang="en-US" dirty="0"/>
-              <a:t>{</a:t>
-            </a:r>
-          </a:p>
-          <a:p>
-            <a:pPr marL="0" indent="0">
-              <a:buNone/>
-            </a:pPr>
-            <a:r>
-              <a:rPr lang="en-US" dirty="0" smtClean="0"/>
-              <a:t>return </a:t>
-            </a:r>
-            <a:r>
-              <a:rPr lang="en-US" dirty="0"/>
-              <a:t>x * x;</a:t>
-            </a:r>
-          </a:p>
-          <a:p>
-            <a:pPr marL="0" indent="0">
-              <a:buNone/>
-            </a:pPr>
-            <a:r>
-              <a:rPr lang="en-US" dirty="0" smtClean="0"/>
-              <a:t>}</a:t>
-            </a:r>
-          </a:p>
-          <a:p>
-            <a:pPr marL="0" indent="0">
-              <a:buNone/>
-            </a:pPr>
-            <a:endParaRPr lang="en-US" dirty="0"/>
-          </a:p>
-          <a:p>
-            <a:pPr marL="0" indent="0">
-              <a:buNone/>
-            </a:pPr>
-            <a:endParaRPr lang="en-US" dirty="0" smtClean="0"/>
-          </a:p>
-          <a:p>
-            <a:pPr marL="0" indent="0">
-              <a:buNone/>
-            </a:pPr>
-            <a:r>
-              <a:rPr lang="en-US" dirty="0" err="1"/>
-              <a:t>QUnit.test</a:t>
-            </a:r>
-            <a:r>
-              <a:rPr lang="en-US" dirty="0"/>
-              <a:t>( "</a:t>
-            </a:r>
-            <a:r>
-              <a:rPr lang="en-US" dirty="0" err="1"/>
-              <a:t>TestSquare</a:t>
-            </a:r>
-            <a:r>
-              <a:rPr lang="en-US" dirty="0"/>
-              <a:t>", function( assert ) {</a:t>
-            </a:r>
-          </a:p>
-          <a:p>
-            <a:pPr marL="0" indent="0">
-              <a:buNone/>
-            </a:pPr>
-            <a:r>
-              <a:rPr lang="en-US" dirty="0" err="1"/>
-              <a:t>var</a:t>
-            </a:r>
-            <a:r>
-              <a:rPr lang="en-US" dirty="0"/>
-              <a:t> result = square(2);</a:t>
-            </a:r>
-          </a:p>
-          <a:p>
-            <a:pPr marL="0" indent="0">
-              <a:buNone/>
-            </a:pPr>
-            <a:r>
-              <a:rPr lang="en-US" dirty="0" err="1"/>
-              <a:t>assert.equal</a:t>
-            </a:r>
-            <a:r>
-              <a:rPr lang="en-US" dirty="0"/>
-              <a:t>( result, "4", "square(2) should be 4." );</a:t>
-            </a:r>
-          </a:p>
-          <a:p>
-            <a:pPr marL="0" indent="0">
-              <a:buNone/>
-            </a:pPr>
-            <a:r>
-              <a:rPr lang="en-US" dirty="0"/>
-              <a:t>});</a:t>
-            </a:r>
-          </a:p>
-          <a:p>
-            <a:pPr marL="0" indent="0">
-              <a:buNone/>
-            </a:pPr>
-            <a:endParaRPr lang="en-US" dirty="0"/>
+              <a:t>"&gt;&lt;/script&gt;</a:t>
+            </a:r>
           </a:p>
         </p:txBody>
       </p:sp>
     </p:spTree>
     <p:extLst>
       <p:ext uri="{BB962C8B-B14F-4D97-AF65-F5344CB8AC3E}">
-        <p14:creationId xmlns:p14="http://schemas.microsoft.com/office/powerpoint/2010/main" val="3585308643"/>
+        <p14:creationId xmlns:p14="http://schemas.microsoft.com/office/powerpoint/2010/main" val="4233838395"/>
       </p:ext>
     </p:extLst>
   </p:cSld>
@@ -10254,12 +10360,8 @@
           <a:lstStyle/>
           <a:p>
             <a:r>
-              <a:rPr lang="en-US" dirty="0" err="1" smtClean="0"/>
-              <a:t>Qunit</a:t>
-            </a:r>
-            <a:r>
               <a:rPr lang="en-US" dirty="0" smtClean="0"/>
-              <a:t> using Assertions</a:t>
+              <a:t>Function and Test case</a:t>
             </a:r>
             <a:endParaRPr lang="en-US" dirty="0"/>
           </a:p>
@@ -10277,90 +10379,135 @@
         </p:nvSpPr>
         <p:spPr>
           <a:xfrm>
-            <a:off x="1371600" y="1711234"/>
-            <a:ext cx="9601200" cy="4156166"/>
+            <a:off x="1371600" y="1528354"/>
+            <a:ext cx="9601200" cy="4339046"/>
           </a:xfrm>
         </p:spPr>
         <p:txBody>
-          <a:bodyPr/>
+          <a:bodyPr>
+            <a:normAutofit/>
+          </a:bodyPr>
           <a:lstStyle/>
           <a:p>
             <a:pPr marL="0" indent="0">
               <a:buNone/>
             </a:pPr>
             <a:r>
+              <a:rPr lang="en-US" dirty="0"/>
+              <a:t>function square(x</a:t>
+            </a:r>
+            <a:r>
               <a:rPr lang="en-US" dirty="0" smtClean="0"/>
-              <a:t>Few Important Assertions which we use in the Test cases are:</a:t>
-            </a:r>
+              <a:t>)</a:t>
+            </a:r>
+          </a:p>
+          <a:p>
+            <a:pPr marL="0" indent="0">
+              <a:buNone/>
+            </a:pPr>
+            <a:r>
+              <a:rPr lang="en-US" dirty="0" smtClean="0"/>
+              <a:t> </a:t>
+            </a:r>
+            <a:r>
+              <a:rPr lang="en-US" dirty="0"/>
+              <a:t>{</a:t>
+            </a:r>
+          </a:p>
+          <a:p>
+            <a:pPr marL="0" indent="0">
+              <a:buNone/>
+            </a:pPr>
+            <a:r>
+              <a:rPr lang="en-US" dirty="0" smtClean="0"/>
+              <a:t>return </a:t>
+            </a:r>
+            <a:r>
+              <a:rPr lang="en-US" dirty="0"/>
+              <a:t>x * x;</a:t>
+            </a:r>
+          </a:p>
+          <a:p>
+            <a:pPr marL="0" indent="0">
+              <a:buNone/>
+            </a:pPr>
+            <a:r>
+              <a:rPr lang="en-US" dirty="0" smtClean="0"/>
+              <a:t>}</a:t>
+            </a:r>
+          </a:p>
+          <a:p>
+            <a:pPr marL="0" indent="0">
+              <a:buNone/>
+            </a:pPr>
             <a:endParaRPr lang="en-US" dirty="0"/>
           </a:p>
           <a:p>
+            <a:pPr marL="0" indent="0">
+              <a:buNone/>
+            </a:pPr>
             <a:endParaRPr lang="en-US" dirty="0" smtClean="0"/>
           </a:p>
           <a:p>
-            <a:r>
-              <a:rPr lang="en-US" dirty="0" smtClean="0"/>
-              <a:t>equal()</a:t>
-            </a:r>
-          </a:p>
-          <a:p>
+            <a:pPr marL="0" indent="0">
+              <a:buNone/>
+            </a:pPr>
             <a:r>
               <a:rPr lang="en-US" dirty="0" err="1"/>
-              <a:t>n</a:t>
-            </a:r>
-            <a:r>
-              <a:rPr lang="en-US" dirty="0" err="1" smtClean="0"/>
-              <a:t>otequal</a:t>
-            </a:r>
-            <a:r>
-              <a:rPr lang="en-US" dirty="0" smtClean="0"/>
-              <a:t>()</a:t>
-            </a:r>
-            <a:endParaRPr lang="en-US" dirty="0"/>
-          </a:p>
-          <a:p>
-            <a:r>
-              <a:rPr lang="en-US" dirty="0" smtClean="0"/>
-              <a:t>ok()</a:t>
-            </a:r>
-          </a:p>
-          <a:p>
+              <a:t>QUnit.test</a:t>
+            </a:r>
+            <a:r>
+              <a:rPr lang="en-US" dirty="0"/>
+              <a:t>( "</a:t>
+            </a:r>
             <a:r>
               <a:rPr lang="en-US" dirty="0" err="1"/>
-              <a:t>n</a:t>
-            </a:r>
-            <a:r>
-              <a:rPr lang="en-US" dirty="0" err="1" smtClean="0"/>
-              <a:t>otok</a:t>
-            </a:r>
-            <a:r>
-              <a:rPr lang="en-US" dirty="0" smtClean="0"/>
-              <a:t>()</a:t>
-            </a:r>
-          </a:p>
-          <a:p>
-            <a:r>
-              <a:rPr lang="en-US" dirty="0" err="1" smtClean="0"/>
-              <a:t>deepequal</a:t>
-            </a:r>
-            <a:r>
-              <a:rPr lang="en-US" dirty="0" smtClean="0"/>
-              <a:t>()</a:t>
-            </a:r>
-          </a:p>
-          <a:p>
+              <a:t>TestSquare</a:t>
+            </a:r>
+            <a:r>
+              <a:rPr lang="en-US" dirty="0"/>
+              <a:t>", function( assert ) {</a:t>
+            </a:r>
+          </a:p>
+          <a:p>
+            <a:pPr marL="0" indent="0">
+              <a:buNone/>
+            </a:pPr>
             <a:r>
               <a:rPr lang="en-US" dirty="0" err="1"/>
-              <a:t>n</a:t>
-            </a:r>
-            <a:r>
-              <a:rPr lang="en-US" dirty="0" err="1" smtClean="0"/>
-              <a:t>otdeepequal</a:t>
-            </a:r>
-            <a:r>
-              <a:rPr lang="en-US" dirty="0" smtClean="0"/>
-              <a:t>()</a:t>
-            </a:r>
+              <a:t>var</a:t>
+            </a:r>
+            <a:r>
+              <a:rPr lang="en-US" dirty="0"/>
+              <a:t> result = square(2);</a:t>
+            </a:r>
+          </a:p>
+          <a:p>
+            <a:pPr marL="0" indent="0">
+              <a:buNone/>
+            </a:pPr>
+            <a:r>
+              <a:rPr lang="en-US" dirty="0" err="1"/>
+              <a:t>assert.equal</a:t>
+            </a:r>
+            <a:r>
+              <a:rPr lang="en-US" dirty="0"/>
+              <a:t>( result, "4", "square(2) should be 4." );</a:t>
+            </a:r>
+          </a:p>
+          <a:p>
+            <a:pPr marL="0" indent="0">
+              <a:buNone/>
+            </a:pPr>
+            <a:r>
+              <a:rPr lang="en-US" dirty="0"/>
+              <a:t>});</a:t>
+            </a:r>
+          </a:p>
+          <a:p>
+            <a:pPr marL="0" indent="0">
+              <a:buNone/>
+            </a:pPr>
             <a:endParaRPr lang="en-US" dirty="0"/>
           </a:p>
         </p:txBody>
@@ -10368,7 +10515,7 @@
     </p:spTree>
     <p:extLst>
       <p:ext uri="{BB962C8B-B14F-4D97-AF65-F5344CB8AC3E}">
-        <p14:creationId xmlns:p14="http://schemas.microsoft.com/office/powerpoint/2010/main" val="4279106954"/>
+        <p14:creationId xmlns:p14="http://schemas.microsoft.com/office/powerpoint/2010/main" val="3585308643"/>
       </p:ext>
     </p:extLst>
   </p:cSld>
@@ -10739,65 +10886,125 @@
         </p:nvSpPr>
         <p:spPr/>
         <p:txBody>
-          <a:bodyPr>
-            <a:normAutofit fontScale="90000"/>
-          </a:bodyPr>
+          <a:bodyPr/>
           <a:lstStyle/>
           <a:p>
             <a:r>
-              <a:rPr lang="en-US" dirty="0" smtClean="0"/>
-              <a:t>Steps to Run the </a:t>
-            </a:r>
-            <a:r>
-              <a:rPr lang="en-US" dirty="0" err="1" smtClean="0"/>
-              <a:t>Testcase</a:t>
-            </a:r>
-            <a:r>
-              <a:rPr lang="en-US" dirty="0" smtClean="0"/>
-              <a:t> </a:t>
-            </a:r>
-            <a:br>
-              <a:rPr lang="en-US" dirty="0" smtClean="0"/>
-            </a:br>
-            <a:r>
-              <a:rPr lang="en-US" dirty="0"/>
-              <a:t/>
-            </a:r>
-            <a:br>
-              <a:rPr lang="en-US" dirty="0"/>
-            </a:br>
-            <a:endParaRPr lang="en-US" dirty="0"/>
+              <a:rPr lang="en-US" u="sng" dirty="0" err="1" smtClean="0"/>
+              <a:t>Qunit</a:t>
+            </a:r>
+            <a:r>
+              <a:rPr lang="en-US" u="sng" dirty="0" smtClean="0"/>
+              <a:t> using Assertions</a:t>
+            </a:r>
+            <a:endParaRPr lang="en-US" u="sng" dirty="0"/>
           </a:p>
         </p:txBody>
       </p:sp>
-      <p:pic>
-        <p:nvPicPr>
-          <p:cNvPr id="4" name="Picture 3"/>
-          <p:cNvPicPr>
-            <a:picLocks noChangeAspect="1"/>
-          </p:cNvPicPr>
-          <p:nvPr/>
-        </p:nvPicPr>
-        <p:blipFill>
-          <a:blip r:embed="rId2"/>
-          <a:stretch>
-            <a:fillRect/>
-          </a:stretch>
-        </p:blipFill>
+      <p:sp>
+        <p:nvSpPr>
+          <p:cNvPr id="3" name="Content Placeholder 2"/>
+          <p:cNvSpPr>
+            <a:spLocks noGrp="1"/>
+          </p:cNvSpPr>
+          <p:nvPr>
+            <p:ph idx="1"/>
+          </p:nvPr>
+        </p:nvSpPr>
         <p:spPr>
           <a:xfrm>
-            <a:off x="1528355" y="1580606"/>
-            <a:ext cx="8804365" cy="4389121"/>
+            <a:off x="1371600" y="1737360"/>
+            <a:ext cx="9601200" cy="4156166"/>
           </a:xfrm>
-          <a:prstGeom prst="rect">
-            <a:avLst/>
-          </a:prstGeom>
         </p:spPr>
-      </p:pic>
+        <p:txBody>
+          <a:bodyPr/>
+          <a:lstStyle/>
+          <a:p>
+            <a:pPr marL="0" indent="0">
+              <a:buNone/>
+            </a:pPr>
+            <a:r>
+              <a:rPr lang="en-US" dirty="0" smtClean="0"/>
+              <a:t>Few Important Assertions which we use in the Test cases are:</a:t>
+            </a:r>
+            <a:endParaRPr lang="en-US" dirty="0"/>
+          </a:p>
+          <a:p>
+            <a:endParaRPr lang="en-US" dirty="0" smtClean="0"/>
+          </a:p>
+          <a:p>
+            <a:r>
+              <a:rPr lang="en-US" dirty="0" smtClean="0"/>
+              <a:t>equal()</a:t>
+            </a:r>
+          </a:p>
+          <a:p>
+            <a:r>
+              <a:rPr lang="en-US" dirty="0" err="1"/>
+              <a:t>n</a:t>
+            </a:r>
+            <a:r>
+              <a:rPr lang="en-US" dirty="0" err="1" smtClean="0"/>
+              <a:t>otequal</a:t>
+            </a:r>
+            <a:r>
+              <a:rPr lang="en-US" dirty="0" smtClean="0"/>
+              <a:t>()</a:t>
+            </a:r>
+            <a:endParaRPr lang="en-US" dirty="0"/>
+          </a:p>
+          <a:p>
+            <a:r>
+              <a:rPr lang="en-US" dirty="0" smtClean="0"/>
+              <a:t>ok()</a:t>
+            </a:r>
+          </a:p>
+          <a:p>
+            <a:r>
+              <a:rPr lang="en-US" dirty="0" err="1"/>
+              <a:t>n</a:t>
+            </a:r>
+            <a:r>
+              <a:rPr lang="en-US" dirty="0" err="1" smtClean="0"/>
+              <a:t>otok</a:t>
+            </a:r>
+            <a:r>
+              <a:rPr lang="en-US" dirty="0" smtClean="0"/>
+              <a:t>()</a:t>
+            </a:r>
+          </a:p>
+          <a:p>
+            <a:r>
+              <a:rPr lang="en-US" dirty="0" err="1" smtClean="0"/>
+              <a:t>deepequal</a:t>
+            </a:r>
+            <a:r>
+              <a:rPr lang="en-US" dirty="0" smtClean="0"/>
+              <a:t>()</a:t>
+            </a:r>
+          </a:p>
+          <a:p>
+            <a:r>
+              <a:rPr lang="en-US" dirty="0" err="1"/>
+              <a:t>n</a:t>
+            </a:r>
+            <a:r>
+              <a:rPr lang="en-US" dirty="0" err="1" smtClean="0"/>
+              <a:t>otdeepequal</a:t>
+            </a:r>
+            <a:r>
+              <a:rPr lang="en-US" dirty="0" smtClean="0"/>
+              <a:t>()</a:t>
+            </a:r>
+            <a:endParaRPr lang="en-US" dirty="0"/>
+          </a:p>
+        </p:txBody>
+      </p:sp>
     </p:spTree>
     <p:extLst>
       <p:ext uri="{BB962C8B-B14F-4D97-AF65-F5344CB8AC3E}">
-        <p14:creationId xmlns:p14="http://schemas.microsoft.com/office/powerpoint/2010/main" val="1894201102"/>
+        <p14:creationId xmlns:p14="http://schemas.microsoft.com/office/powerpoint/2010/main" val="4279106954"/>
       </p:ext>
     </p:extLst>
   </p:cSld>
@@ -10825,7 +11032,7 @@
                             </p:stCondLst>
                             <p:childTnLst>
                               <p:par>
-                                <p:cTn id="5" presetID="26" presetClass="entr" presetSubtype="0" fill="hold" nodeType="clickEffect">
+                                <p:cTn id="5" presetID="26" presetClass="entr" presetSubtype="0" fill="hold" grpId="0" nodeType="clickEffect">
                                   <p:stCondLst>
                                     <p:cond delay="0"/>
                                   </p:stCondLst>
@@ -10841,7 +11048,7 @@
                                           </p:stCondLst>
                                         </p:cTn>
                                         <p:tgtEl>
-                                          <p:spTgt spid="4"/>
+                                          <p:spTgt spid="3"/>
                                         </p:tgtEl>
                                         <p:attrNameLst>
                                           <p:attrName>style.visibility</p:attrName>
@@ -10859,7 +11066,7 @@
                                           </p:stCondLst>
                                         </p:cTn>
                                         <p:tgtEl>
-                                          <p:spTgt spid="4"/>
+                                          <p:spTgt spid="3"/>
                                         </p:tgtEl>
                                       </p:cBhvr>
                                     </p:animEffect>
@@ -10871,7 +11078,7 @@
                                           </p:stCondLst>
                                         </p:cTn>
                                         <p:tgtEl>
-                                          <p:spTgt spid="4"/>
+                                          <p:spTgt spid="3"/>
                                         </p:tgtEl>
                                         <p:attrNameLst>
                                           <p:attrName>ppt_x</p:attrName>
@@ -10898,7 +11105,7 @@
                                           </p:stCondLst>
                                         </p:cTn>
                                         <p:tgtEl>
-                                          <p:spTgt spid="4"/>
+                                          <p:spTgt spid="3"/>
                                         </p:tgtEl>
                                         <p:attrNameLst>
                                           <p:attrName>ppt_y</p:attrName>
@@ -10925,7 +11132,7 @@
                                           </p:stCondLst>
                                         </p:cTn>
                                         <p:tgtEl>
-                                          <p:spTgt spid="4"/>
+                                          <p:spTgt spid="3"/>
                                         </p:tgtEl>
                                         <p:attrNameLst>
                                           <p:attrName>ppt_y</p:attrName>
@@ -10952,7 +11159,7 @@
                                           </p:stCondLst>
                                         </p:cTn>
                                         <p:tgtEl>
-                                          <p:spTgt spid="4"/>
+                                          <p:spTgt spid="3"/>
                                         </p:tgtEl>
                                         <p:attrNameLst>
                                           <p:attrName>ppt_y</p:attrName>
@@ -10979,7 +11186,7 @@
                                           </p:stCondLst>
                                         </p:cTn>
                                         <p:tgtEl>
-                                          <p:spTgt spid="4"/>
+                                          <p:spTgt spid="3"/>
                                         </p:tgtEl>
                                         <p:attrNameLst>
                                           <p:attrName>ppt_y</p:attrName>
@@ -11006,7 +11213,7 @@
                                           </p:stCondLst>
                                         </p:cTn>
                                         <p:tgtEl>
-                                          <p:spTgt spid="4"/>
+                                          <p:spTgt spid="3"/>
                                         </p:tgtEl>
                                       </p:cBhvr>
                                       <p:to x="100000" y="60000"/>
@@ -11019,7 +11226,7 @@
                                           </p:stCondLst>
                                         </p:cTn>
                                         <p:tgtEl>
-                                          <p:spTgt spid="4"/>
+                                          <p:spTgt spid="3"/>
                                         </p:tgtEl>
                                       </p:cBhvr>
                                       <p:to x="100000" y="100000"/>
@@ -11032,7 +11239,7 @@
                                           </p:stCondLst>
                                         </p:cTn>
                                         <p:tgtEl>
-                                          <p:spTgt spid="4"/>
+                                          <p:spTgt spid="3"/>
                                         </p:tgtEl>
                                       </p:cBhvr>
                                       <p:to x="100000" y="80000"/>
@@ -11045,7 +11252,7 @@
                                           </p:stCondLst>
                                         </p:cTn>
                                         <p:tgtEl>
-                                          <p:spTgt spid="4"/>
+                                          <p:spTgt spid="3"/>
                                         </p:tgtEl>
                                       </p:cBhvr>
                                       <p:to x="100000" y="100000"/>
@@ -11058,7 +11265,7 @@
                                           </p:stCondLst>
                                         </p:cTn>
                                         <p:tgtEl>
-                                          <p:spTgt spid="4"/>
+                                          <p:spTgt spid="3"/>
                                         </p:tgtEl>
                                       </p:cBhvr>
                                       <p:to x="100000" y="90000"/>
@@ -11071,7 +11278,7 @@
                                           </p:stCondLst>
                                         </p:cTn>
                                         <p:tgtEl>
-                                          <p:spTgt spid="4"/>
+                                          <p:spTgt spid="3"/>
                                         </p:tgtEl>
                                       </p:cBhvr>
                                       <p:to x="100000" y="100000"/>
@@ -11084,7 +11291,7 @@
                                           </p:stCondLst>
                                         </p:cTn>
                                         <p:tgtEl>
-                                          <p:spTgt spid="4"/>
+                                          <p:spTgt spid="3"/>
                                         </p:tgtEl>
                                       </p:cBhvr>
                                       <p:to x="100000" y="95000"/>
@@ -11097,7 +11304,7 @@
                                           </p:stCondLst>
                                         </p:cTn>
                                         <p:tgtEl>
-                                          <p:spTgt spid="4"/>
+                                          <p:spTgt spid="3"/>
                                         </p:tgtEl>
                                       </p:cBhvr>
                                       <p:to x="100000" y="100000"/>
@@ -11132,6 +11339,9 @@
         </p:cTn>
       </p:par>
     </p:tnLst>
+    <p:bldLst>
+      <p:bldP spid="3" grpId="0"/>
+    </p:bldLst>
   </p:timing>
 </p:sld>
 </file>
@@ -11153,15 +11363,56 @@
           <a:chExt cx="0" cy="0"/>
         </a:xfrm>
       </p:grpSpPr>
+      <p:sp>
+        <p:nvSpPr>
+          <p:cNvPr id="2" name="Title 1"/>
+          <p:cNvSpPr>
+            <a:spLocks noGrp="1"/>
+          </p:cNvSpPr>
+          <p:nvPr>
+            <p:ph type="title"/>
+          </p:nvPr>
+        </p:nvSpPr>
+        <p:spPr/>
+        <p:txBody>
+          <a:bodyPr>
+            <a:normAutofit fontScale="90000"/>
+          </a:bodyPr>
+          <a:lstStyle/>
+          <a:p>
+            <a:r>
+              <a:rPr lang="en-US" dirty="0" smtClean="0"/>
+              <a:t>Steps to Run the </a:t>
+            </a:r>
+            <a:r>
+              <a:rPr lang="en-US" dirty="0" err="1" smtClean="0"/>
+              <a:t>Testcase</a:t>
+            </a:r>
+            <a:r>
+              <a:rPr lang="en-US" dirty="0" smtClean="0"/>
+              <a:t> </a:t>
+            </a:r>
+            <a:br>
+              <a:rPr lang="en-US" dirty="0" smtClean="0"/>
+            </a:br>
+            <a:r>
+              <a:rPr lang="en-US" dirty="0"/>
+              <a:t/>
+            </a:r>
+            <a:br>
+              <a:rPr lang="en-US" dirty="0"/>
+            </a:br>
+            <a:endParaRPr lang="en-US" dirty="0"/>
+          </a:p>
+        </p:txBody>
+      </p:sp>
       <p:pic>
         <p:nvPicPr>
-          <p:cNvPr id="4" name="Content Placeholder 3"/>
+          <p:cNvPr id="4" name="Picture 3"/>
           <p:cNvPicPr>
-            <a:picLocks noGrp="1" noChangeAspect="1"/>
+            <a:picLocks noChangeAspect="1"/>
           </p:cNvPicPr>
-          <p:nvPr>
-            <p:ph idx="1"/>
-          </p:nvPr>
+          <p:nvPr/>
         </p:nvPicPr>
         <p:blipFill>
           <a:blip r:embed="rId2"/>
@@ -11171,8 +11422,8 @@
         </p:blipFill>
         <p:spPr>
           <a:xfrm>
-            <a:off x="1541417" y="1567543"/>
-            <a:ext cx="8739052" cy="4680857"/>
+            <a:off x="1528355" y="1580606"/>
+            <a:ext cx="8804365" cy="4389121"/>
           </a:xfrm>
           <a:prstGeom prst="rect">
             <a:avLst/>
@@ -11182,7 +11433,7 @@
     </p:spTree>
     <p:extLst>
       <p:ext uri="{BB962C8B-B14F-4D97-AF65-F5344CB8AC3E}">
-        <p14:creationId xmlns:p14="http://schemas.microsoft.com/office/powerpoint/2010/main" val="2380593278"/>
+        <p14:creationId xmlns:p14="http://schemas.microsoft.com/office/powerpoint/2010/main" val="1894201102"/>
       </p:ext>
     </p:extLst>
   </p:cSld>
@@ -12338,6 +12589,391 @@
           <a:chExt cx="0" cy="0"/>
         </a:xfrm>
       </p:grpSpPr>
+      <p:pic>
+        <p:nvPicPr>
+          <p:cNvPr id="4" name="Content Placeholder 3"/>
+          <p:cNvPicPr>
+            <a:picLocks noGrp="1" noChangeAspect="1"/>
+          </p:cNvPicPr>
+          <p:nvPr>
+            <p:ph idx="1"/>
+          </p:nvPr>
+        </p:nvPicPr>
+        <p:blipFill>
+          <a:blip r:embed="rId2"/>
+          <a:stretch>
+            <a:fillRect/>
+          </a:stretch>
+        </p:blipFill>
+        <p:spPr>
+          <a:xfrm>
+            <a:off x="1541417" y="1567543"/>
+            <a:ext cx="8739052" cy="4680857"/>
+          </a:xfrm>
+          <a:prstGeom prst="rect">
+            <a:avLst/>
+          </a:prstGeom>
+        </p:spPr>
+      </p:pic>
+    </p:spTree>
+    <p:extLst>
+      <p:ext uri="{BB962C8B-B14F-4D97-AF65-F5344CB8AC3E}">
+        <p14:creationId xmlns:p14="http://schemas.microsoft.com/office/powerpoint/2010/main" val="2380593278"/>
+      </p:ext>
+    </p:extLst>
+  </p:cSld>
+  <p:clrMapOvr>
+    <a:masterClrMapping/>
+  </p:clrMapOvr>
+  <p:timing>
+    <p:tnLst>
+      <p:par>
+        <p:cTn id="1" dur="indefinite" restart="never" nodeType="tmRoot">
+          <p:childTnLst>
+            <p:seq concurrent="1" nextAc="seek">
+              <p:cTn id="2" dur="indefinite" nodeType="mainSeq">
+                <p:childTnLst>
+                  <p:par>
+                    <p:cTn id="3" fill="hold">
+                      <p:stCondLst>
+                        <p:cond delay="indefinite"/>
+                      </p:stCondLst>
+                      <p:childTnLst>
+                        <p:par>
+                          <p:cTn id="4" fill="hold">
+                            <p:stCondLst>
+                              <p:cond delay="0"/>
+                            </p:stCondLst>
+                            <p:childTnLst>
+                              <p:par>
+                                <p:cTn id="5" presetID="26" presetClass="entr" presetSubtype="0" fill="hold" nodeType="clickEffect">
+                                  <p:stCondLst>
+                                    <p:cond delay="0"/>
+                                  </p:stCondLst>
+                                  <p:iterate type="lt">
+                                    <p:tmPct val="0"/>
+                                  </p:iterate>
+                                  <p:childTnLst>
+                                    <p:set>
+                                      <p:cBhvr>
+                                        <p:cTn id="6" dur="1" fill="hold">
+                                          <p:stCondLst>
+                                            <p:cond delay="0"/>
+                                          </p:stCondLst>
+                                        </p:cTn>
+                                        <p:tgtEl>
+                                          <p:spTgt spid="4"/>
+                                        </p:tgtEl>
+                                        <p:attrNameLst>
+                                          <p:attrName>style.visibility</p:attrName>
+                                        </p:attrNameLst>
+                                      </p:cBhvr>
+                                      <p:to>
+                                        <p:strVal val="visible"/>
+                                      </p:to>
+                                    </p:set>
+                                    <p:animEffect transition="in" filter="wipe(down)">
+                                      <p:cBhvr>
+                                        <p:cTn id="7" dur="580">
+                                          <p:stCondLst>
+                                            <p:cond delay="0"/>
+                                          </p:stCondLst>
+                                        </p:cTn>
+                                        <p:tgtEl>
+                                          <p:spTgt spid="4"/>
+                                        </p:tgtEl>
+                                      </p:cBhvr>
+                                    </p:animEffect>
+                                    <p:anim calcmode="lin" valueType="num">
+                                      <p:cBhvr>
+                                        <p:cTn id="8" dur="1822" tmFilter="0,0; 0.14,0.36; 0.43,0.73; 0.71,0.91; 1.0,1.0">
+                                          <p:stCondLst>
+                                            <p:cond delay="0"/>
+                                          </p:stCondLst>
+                                        </p:cTn>
+                                        <p:tgtEl>
+                                          <p:spTgt spid="4"/>
+                                        </p:tgtEl>
+                                        <p:attrNameLst>
+                                          <p:attrName>ppt_x</p:attrName>
+                                        </p:attrNameLst>
+                                      </p:cBhvr>
+                                      <p:tavLst>
+                                        <p:tav tm="0">
+                                          <p:val>
+                                            <p:strVal val="#ppt_x-0.25"/>
+                                          </p:val>
+                                        </p:tav>
+                                        <p:tav tm="100000">
+                                          <p:val>
+                                            <p:strVal val="#ppt_x"/>
+                                          </p:val>
+                                        </p:tav>
+                                      </p:tavLst>
+                                    </p:anim>
+                                    <p:anim calcmode="lin" valueType="num">
+                                      <p:cBhvr>
+                                        <p:cTn id="9" dur="664" tmFilter="0.0,0.0; 0.25,0.07; 0.50,0.2; 0.75,0.467; 1.0,1.0">
+                                          <p:stCondLst>
+                                            <p:cond delay="0"/>
+                                          </p:stCondLst>
+                                        </p:cTn>
+                                        <p:tgtEl>
+                                          <p:spTgt spid="4"/>
+                                        </p:tgtEl>
+                                        <p:attrNameLst>
+                                          <p:attrName>ppt_y</p:attrName>
+                                        </p:attrNameLst>
+                                      </p:cBhvr>
+                                      <p:tavLst>
+                                        <p:tav tm="0" fmla="#ppt_y-sin(pi*$)/3">
+                                          <p:val>
+                                            <p:fltVal val="0.5"/>
+                                          </p:val>
+                                        </p:tav>
+                                        <p:tav tm="100000">
+                                          <p:val>
+                                            <p:fltVal val="1"/>
+                                          </p:val>
+                                        </p:tav>
+                                      </p:tavLst>
+                                    </p:anim>
+                                    <p:anim calcmode="lin" valueType="num">
+                                      <p:cBhvr>
+                                        <p:cTn id="10" dur="664" tmFilter="0, 0; 0.125,0.2665; 0.25,0.4; 0.375,0.465; 0.5,0.5;  0.625,0.535; 0.75,0.6; 0.875,0.7335; 1,1">
+                                          <p:stCondLst>
+                                            <p:cond delay="664"/>
+                                          </p:stCondLst>
+                                        </p:cTn>
+                                        <p:tgtEl>
+                                          <p:spTgt spid="4"/>
+                                        </p:tgtEl>
+                                        <p:attrNameLst>
+                                          <p:attrName>ppt_y</p:attrName>
+                                        </p:attrNameLst>
+                                      </p:cBhvr>
+                                      <p:tavLst>
+                                        <p:tav tm="0" fmla="#ppt_y-sin(pi*$)/9">
+                                          <p:val>
+                                            <p:fltVal val="0"/>
+                                          </p:val>
+                                        </p:tav>
+                                        <p:tav tm="100000">
+                                          <p:val>
+                                            <p:fltVal val="1"/>
+                                          </p:val>
+                                        </p:tav>
+                                      </p:tavLst>
+                                    </p:anim>
+                                    <p:anim calcmode="lin" valueType="num">
+                                      <p:cBhvr>
+                                        <p:cTn id="11" dur="332" tmFilter="0, 0; 0.125,0.2665; 0.25,0.4; 0.375,0.465; 0.5,0.5;  0.625,0.535; 0.75,0.6; 0.875,0.7335; 1,1">
+                                          <p:stCondLst>
+                                            <p:cond delay="1324"/>
+                                          </p:stCondLst>
+                                        </p:cTn>
+                                        <p:tgtEl>
+                                          <p:spTgt spid="4"/>
+                                        </p:tgtEl>
+                                        <p:attrNameLst>
+                                          <p:attrName>ppt_y</p:attrName>
+                                        </p:attrNameLst>
+                                      </p:cBhvr>
+                                      <p:tavLst>
+                                        <p:tav tm="0" fmla="#ppt_y-sin(pi*$)/27">
+                                          <p:val>
+                                            <p:fltVal val="0"/>
+                                          </p:val>
+                                        </p:tav>
+                                        <p:tav tm="100000">
+                                          <p:val>
+                                            <p:fltVal val="1"/>
+                                          </p:val>
+                                        </p:tav>
+                                      </p:tavLst>
+                                    </p:anim>
+                                    <p:anim calcmode="lin" valueType="num">
+                                      <p:cBhvr>
+                                        <p:cTn id="12" dur="164" tmFilter="0, 0; 0.125,0.2665; 0.25,0.4; 0.375,0.465; 0.5,0.5;  0.625,0.535; 0.75,0.6; 0.875,0.7335; 1,1">
+                                          <p:stCondLst>
+                                            <p:cond delay="1656"/>
+                                          </p:stCondLst>
+                                        </p:cTn>
+                                        <p:tgtEl>
+                                          <p:spTgt spid="4"/>
+                                        </p:tgtEl>
+                                        <p:attrNameLst>
+                                          <p:attrName>ppt_y</p:attrName>
+                                        </p:attrNameLst>
+                                      </p:cBhvr>
+                                      <p:tavLst>
+                                        <p:tav tm="0" fmla="#ppt_y-sin(pi*$)/81">
+                                          <p:val>
+                                            <p:fltVal val="0"/>
+                                          </p:val>
+                                        </p:tav>
+                                        <p:tav tm="100000">
+                                          <p:val>
+                                            <p:fltVal val="1"/>
+                                          </p:val>
+                                        </p:tav>
+                                      </p:tavLst>
+                                    </p:anim>
+                                    <p:animScale>
+                                      <p:cBhvr>
+                                        <p:cTn id="13" dur="26">
+                                          <p:stCondLst>
+                                            <p:cond delay="650"/>
+                                          </p:stCondLst>
+                                        </p:cTn>
+                                        <p:tgtEl>
+                                          <p:spTgt spid="4"/>
+                                        </p:tgtEl>
+                                      </p:cBhvr>
+                                      <p:to x="100000" y="60000"/>
+                                    </p:animScale>
+                                    <p:animScale>
+                                      <p:cBhvr>
+                                        <p:cTn id="14" dur="166" decel="50000">
+                                          <p:stCondLst>
+                                            <p:cond delay="676"/>
+                                          </p:stCondLst>
+                                        </p:cTn>
+                                        <p:tgtEl>
+                                          <p:spTgt spid="4"/>
+                                        </p:tgtEl>
+                                      </p:cBhvr>
+                                      <p:to x="100000" y="100000"/>
+                                    </p:animScale>
+                                    <p:animScale>
+                                      <p:cBhvr>
+                                        <p:cTn id="15" dur="26">
+                                          <p:stCondLst>
+                                            <p:cond delay="1312"/>
+                                          </p:stCondLst>
+                                        </p:cTn>
+                                        <p:tgtEl>
+                                          <p:spTgt spid="4"/>
+                                        </p:tgtEl>
+                                      </p:cBhvr>
+                                      <p:to x="100000" y="80000"/>
+                                    </p:animScale>
+                                    <p:animScale>
+                                      <p:cBhvr>
+                                        <p:cTn id="16" dur="166" decel="50000">
+                                          <p:stCondLst>
+                                            <p:cond delay="1338"/>
+                                          </p:stCondLst>
+                                        </p:cTn>
+                                        <p:tgtEl>
+                                          <p:spTgt spid="4"/>
+                                        </p:tgtEl>
+                                      </p:cBhvr>
+                                      <p:to x="100000" y="100000"/>
+                                    </p:animScale>
+                                    <p:animScale>
+                                      <p:cBhvr>
+                                        <p:cTn id="17" dur="26">
+                                          <p:stCondLst>
+                                            <p:cond delay="1642"/>
+                                          </p:stCondLst>
+                                        </p:cTn>
+                                        <p:tgtEl>
+                                          <p:spTgt spid="4"/>
+                                        </p:tgtEl>
+                                      </p:cBhvr>
+                                      <p:to x="100000" y="90000"/>
+                                    </p:animScale>
+                                    <p:animScale>
+                                      <p:cBhvr>
+                                        <p:cTn id="18" dur="166" decel="50000">
+                                          <p:stCondLst>
+                                            <p:cond delay="1668"/>
+                                          </p:stCondLst>
+                                        </p:cTn>
+                                        <p:tgtEl>
+                                          <p:spTgt spid="4"/>
+                                        </p:tgtEl>
+                                      </p:cBhvr>
+                                      <p:to x="100000" y="100000"/>
+                                    </p:animScale>
+                                    <p:animScale>
+                                      <p:cBhvr>
+                                        <p:cTn id="19" dur="26">
+                                          <p:stCondLst>
+                                            <p:cond delay="1808"/>
+                                          </p:stCondLst>
+                                        </p:cTn>
+                                        <p:tgtEl>
+                                          <p:spTgt spid="4"/>
+                                        </p:tgtEl>
+                                      </p:cBhvr>
+                                      <p:to x="100000" y="95000"/>
+                                    </p:animScale>
+                                    <p:animScale>
+                                      <p:cBhvr>
+                                        <p:cTn id="20" dur="166" decel="50000">
+                                          <p:stCondLst>
+                                            <p:cond delay="1834"/>
+                                          </p:stCondLst>
+                                        </p:cTn>
+                                        <p:tgtEl>
+                                          <p:spTgt spid="4"/>
+                                        </p:tgtEl>
+                                      </p:cBhvr>
+                                      <p:to x="100000" y="100000"/>
+                                    </p:animScale>
+                                  </p:childTnLst>
+                                </p:cTn>
+                              </p:par>
+                            </p:childTnLst>
+                          </p:cTn>
+                        </p:par>
+                      </p:childTnLst>
+                    </p:cTn>
+                  </p:par>
+                </p:childTnLst>
+              </p:cTn>
+              <p:prevCondLst>
+                <p:cond evt="onPrev" delay="0">
+                  <p:tgtEl>
+                    <p:sldTgt/>
+                  </p:tgtEl>
+                </p:cond>
+              </p:prevCondLst>
+              <p:nextCondLst>
+                <p:cond evt="onNext" delay="0">
+                  <p:tgtEl>
+                    <p:sldTgt/>
+                  </p:tgtEl>
+                </p:cond>
+              </p:nextCondLst>
+            </p:seq>
+          </p:childTnLst>
+        </p:cTn>
+      </p:par>
+    </p:tnLst>
+  </p:timing>
+</p:sld>
+</file>
+
+<file path=ppt/slides/slide21.xml><?xml version="1.0" encoding="utf-8"?>
+<p:sld xmlns:a="http://schemas.openxmlformats.org/drawingml/2006/main" xmlns:r="http://schemas.openxmlformats.org/officeDocument/2006/relationships" xmlns:p="http://schemas.openxmlformats.org/presentationml/2006/main">
+  <p:cSld>
+    <p:spTree>
+      <p:nvGrpSpPr>
+        <p:cNvPr id="1" name=""/>
+        <p:cNvGrpSpPr/>
+        <p:nvPr/>
+      </p:nvGrpSpPr>
+      <p:grpSpPr>
+        <a:xfrm>
+          <a:off x="0" y="0"/>
+          <a:ext cx="0" cy="0"/>
+          <a:chOff x="0" y="0"/>
+          <a:chExt cx="0" cy="0"/>
+        </a:xfrm>
+      </p:grpSpPr>
       <p:sp>
         <p:nvSpPr>
           <p:cNvPr id="3" name="Content Placeholder 2"/>
@@ -13479,10 +14115,28 @@
             </a:r>
           </a:p>
           <a:p>
+            <a:pPr fontAlgn="base"/>
             <a:r>
               <a:rPr lang="en-US" dirty="0"/>
-              <a:t>Open and cross-platform</a:t>
-            </a:r>
+              <a:t>react to events &amp; create new events</a:t>
+            </a:r>
+          </a:p>
+          <a:p>
+            <a:pPr fontAlgn="base"/>
+            <a:r>
+              <a:rPr lang="en-US" dirty="0"/>
+              <a:t>Modify the DOM: change/remove/add all HTML elements &amp; attributes &amp; CSS styles </a:t>
+            </a:r>
+          </a:p>
+          <a:p>
+            <a:pPr fontAlgn="base"/>
+            <a:r>
+              <a:rPr lang="en-US" dirty="0"/>
+              <a:t>provide logic, animations, calculations</a:t>
+            </a:r>
+          </a:p>
+          <a:p>
+            <a:endParaRPr lang="en-US" dirty="0"/>
           </a:p>
           <a:p>
             <a:endParaRPr lang="en-US" dirty="0" smtClean="0"/>
@@ -14375,7 +15029,7 @@
             </a:r>
             <a:r>
               <a:rPr lang="en-US" u="sng" dirty="0" smtClean="0"/>
-              <a:t> usage</a:t>
+              <a:t> code</a:t>
             </a:r>
             <a:endParaRPr lang="en-US" u="sng" dirty="0"/>
           </a:p>
@@ -14883,7 +15537,7 @@
           <a:p>
             <a:r>
               <a:rPr lang="en-US" u="sng" dirty="0" smtClean="0"/>
-              <a:t>Operators </a:t>
+              <a:t>Variables Declaration </a:t>
             </a:r>
             <a:endParaRPr lang="en-US" u="sng" dirty="0"/>
           </a:p>
@@ -14901,456 +15555,166 @@
         </p:nvSpPr>
         <p:spPr>
           <a:xfrm>
-            <a:off x="1371600" y="1685109"/>
-            <a:ext cx="9601200" cy="4182291"/>
+            <a:off x="1103312" y="1853248"/>
+            <a:ext cx="8946541" cy="4395151"/>
           </a:xfrm>
         </p:spPr>
         <p:txBody>
-          <a:bodyPr>
-            <a:normAutofit fontScale="85000" lnSpcReduction="20000"/>
-          </a:bodyPr>
+          <a:bodyPr/>
           <a:lstStyle/>
           <a:p>
             <a:r>
+              <a:rPr lang="en-US" i="1" dirty="0"/>
+              <a:t>`</a:t>
+            </a:r>
+            <a:r>
+              <a:rPr lang="en-US" i="1" dirty="0" err="1"/>
+              <a:t>const</a:t>
+            </a:r>
+            <a:r>
+              <a:rPr lang="en-US" i="1" dirty="0"/>
+              <a:t>`</a:t>
+            </a:r>
+            <a:r>
               <a:rPr lang="en-US" dirty="0"/>
-              <a:t>Arithmetic Operators</a:t>
-            </a:r>
-          </a:p>
-          <a:p>
+              <a:t> </a:t>
+            </a:r>
+            <a:r>
+              <a:rPr lang="en-US" dirty="0" smtClean="0"/>
+              <a:t>indicates </a:t>
+            </a:r>
             <a:r>
               <a:rPr lang="en-US" dirty="0"/>
-              <a:t>Comparison Operators</a:t>
-            </a:r>
-          </a:p>
-          <a:p>
+              <a:t>that the identifier won’t be reassigned</a:t>
+            </a:r>
+            <a:r>
+              <a:rPr lang="en-US" dirty="0" smtClean="0"/>
+              <a:t>.</a:t>
+            </a:r>
+          </a:p>
+          <a:p>
+            <a:pPr marL="0" indent="0">
+              <a:buNone/>
+            </a:pPr>
+            <a:r>
+              <a:rPr lang="en-US" dirty="0" err="1"/>
+              <a:t>const</a:t>
+            </a:r>
             <a:r>
               <a:rPr lang="en-US" dirty="0"/>
-              <a:t>Logical (or Relational) Operators</a:t>
-            </a:r>
-          </a:p>
-          <a:p>
+              <a:t> x = 2;</a:t>
+            </a:r>
+          </a:p>
+          <a:p>
+            <a:r>
+              <a:rPr lang="en-US" i="1" dirty="0"/>
+              <a:t>`let`,</a:t>
+            </a:r>
             <a:r>
               <a:rPr lang="en-US" dirty="0"/>
-              <a:t>Assignment Operators</a:t>
-            </a:r>
-          </a:p>
-          <a:p>
+              <a:t> </a:t>
+            </a:r>
+            <a:r>
+              <a:rPr lang="en-US" dirty="0" smtClean="0"/>
+              <a:t>indicates that</a:t>
+            </a:r>
             <a:r>
               <a:rPr lang="en-US" dirty="0"/>
-              <a:t>Conditional (or ternary) </a:t>
+              <a:t> the variable may be reassigned, such as a counter in a loop, or a value swap in an algorithm. It also signals that the variable will be used only in the block it’s defined in, which is not always the entire containing function</a:t>
             </a:r>
             <a:r>
               <a:rPr lang="en-US" dirty="0" smtClean="0"/>
-              <a:t>Operators</a:t>
+              <a:t>.</a:t>
             </a:r>
           </a:p>
           <a:p>
             <a:pPr marL="0" indent="0">
               <a:buNone/>
             </a:pPr>
-            <a:endParaRPr lang="en-US" dirty="0" smtClean="0"/>
+            <a:r>
+              <a:rPr lang="en-US" dirty="0"/>
+              <a:t>let greeting = "say Hi</a:t>
+            </a:r>
+            <a:r>
+              <a:rPr lang="en-US" dirty="0" smtClean="0"/>
+              <a:t>";</a:t>
+            </a:r>
           </a:p>
           <a:p>
             <a:pPr marL="0" indent="0">
               <a:buNone/>
             </a:pPr>
             <a:r>
-              <a:rPr lang="en-US" sz="4700" dirty="0" smtClean="0">
-                <a:latin typeface="Calibri" panose="020F0502020204030204" pitchFamily="34" charset="0"/>
-                <a:cs typeface="Calibri" panose="020F0502020204030204" pitchFamily="34" charset="0"/>
-              </a:rPr>
-              <a:t>Control Structures</a:t>
-            </a:r>
-          </a:p>
-          <a:p>
-            <a:r>
-              <a:rPr lang="en-US" sz="2600" dirty="0" smtClean="0">
-                <a:latin typeface="Calibri" panose="020F0502020204030204" pitchFamily="34" charset="0"/>
-                <a:cs typeface="Calibri" panose="020F0502020204030204" pitchFamily="34" charset="0"/>
-              </a:rPr>
-              <a:t>If else</a:t>
-            </a:r>
-          </a:p>
-          <a:p>
+              <a:rPr lang="en-US" i="1" dirty="0" smtClean="0"/>
+              <a:t>    `</a:t>
+            </a:r>
+            <a:r>
+              <a:rPr lang="en-US" i="1" dirty="0" err="1"/>
+              <a:t>var</a:t>
+            </a:r>
+            <a:r>
+              <a:rPr lang="en-US" i="1" dirty="0"/>
+              <a:t>`</a:t>
+            </a:r>
+            <a:r>
+              <a:rPr lang="en-US" dirty="0"/>
+              <a:t> </a:t>
+            </a:r>
             <a:r>
               <a:rPr lang="en-US" dirty="0" smtClean="0"/>
-              <a:t>Switch</a:t>
-            </a:r>
-          </a:p>
-          <a:p>
+              <a:t>indicates</a:t>
+            </a:r>
+            <a:r>
+              <a:rPr lang="en-US" dirty="0"/>
+              <a:t> the weakest signal available when you define a </a:t>
+            </a:r>
             <a:r>
               <a:rPr lang="en-US" dirty="0" smtClean="0"/>
-              <a:t>While loop</a:t>
-            </a:r>
-          </a:p>
-          <a:p>
+              <a:t>                  variable </a:t>
+            </a:r>
+            <a:r>
+              <a:rPr lang="en-US" dirty="0"/>
+              <a:t>in JavaScript. The variable may or may not be reassigned, and </a:t>
+            </a:r>
+            <a:r>
+              <a:rPr lang="en-US" dirty="0"/>
+              <a:t> </a:t>
+            </a:r>
             <a:r>
               <a:rPr lang="en-US" dirty="0" smtClean="0"/>
-              <a:t>For loop</a:t>
-            </a:r>
-          </a:p>
-          <a:p>
-            <a:pPr marL="0" indent="0">
-              <a:buNone/>
-            </a:pPr>
-            <a:endParaRPr lang="en-US" dirty="0" smtClean="0"/>
-          </a:p>
-          <a:p>
-            <a:pPr marL="0" indent="0">
-              <a:buNone/>
-            </a:pPr>
-            <a:endParaRPr lang="en-US" dirty="0" smtClean="0"/>
-          </a:p>
-          <a:p>
-            <a:pPr marL="0" indent="0">
-              <a:buNone/>
-            </a:pPr>
-            <a:endParaRPr lang="en-US" dirty="0"/>
+              <a:t> </a:t>
+            </a:r>
+            <a:r>
+              <a:rPr lang="en-US" dirty="0"/>
+              <a:t>variable may or may not be used for an entire function, or just for the purpose of a block or loop</a:t>
+            </a:r>
+            <a:r>
+              <a:rPr lang="en-US" dirty="0" smtClean="0"/>
+              <a:t>.</a:t>
+            </a:r>
+          </a:p>
+          <a:p>
+            <a:r>
+              <a:rPr lang="en-US" dirty="0" err="1" smtClean="0"/>
+              <a:t>var</a:t>
+            </a:r>
+            <a:r>
+              <a:rPr lang="en-US" dirty="0"/>
+              <a:t> x = 2;</a:t>
+            </a:r>
           </a:p>
         </p:txBody>
       </p:sp>
     </p:spTree>
     <p:extLst>
       <p:ext uri="{BB962C8B-B14F-4D97-AF65-F5344CB8AC3E}">
-        <p14:creationId xmlns:p14="http://schemas.microsoft.com/office/powerpoint/2010/main" val="4027862555"/>
+        <p14:creationId xmlns:p14="http://schemas.microsoft.com/office/powerpoint/2010/main" val="833056401"/>
       </p:ext>
     </p:extLst>
   </p:cSld>
   <p:clrMapOvr>
     <a:masterClrMapping/>
   </p:clrMapOvr>
-  <p:timing>
-    <p:tnLst>
-      <p:par>
-        <p:cTn id="1" dur="indefinite" restart="never" nodeType="tmRoot">
-          <p:childTnLst>
-            <p:seq concurrent="1" nextAc="seek">
-              <p:cTn id="2" dur="indefinite" nodeType="mainSeq">
-                <p:childTnLst>
-                  <p:par>
-                    <p:cTn id="3" fill="hold">
-                      <p:stCondLst>
-                        <p:cond delay="indefinite"/>
-                      </p:stCondLst>
-                      <p:childTnLst>
-                        <p:par>
-                          <p:cTn id="4" fill="hold">
-                            <p:stCondLst>
-                              <p:cond delay="0"/>
-                            </p:stCondLst>
-                            <p:childTnLst>
-                              <p:par>
-                                <p:cTn id="5" presetID="26" presetClass="entr" presetSubtype="0" fill="hold" grpId="0" nodeType="clickEffect">
-                                  <p:stCondLst>
-                                    <p:cond delay="0"/>
-                                  </p:stCondLst>
-                                  <p:iterate type="lt">
-                                    <p:tmPct val="0"/>
-                                  </p:iterate>
-                                  <p:childTnLst>
-                                    <p:set>
-                                      <p:cBhvr>
-                                        <p:cTn id="6" dur="1" fill="hold">
-                                          <p:stCondLst>
-                                            <p:cond delay="0"/>
-                                          </p:stCondLst>
-                                        </p:cTn>
-                                        <p:tgtEl>
-                                          <p:spTgt spid="3"/>
-                                        </p:tgtEl>
-                                        <p:attrNameLst>
-                                          <p:attrName>style.visibility</p:attrName>
-                                        </p:attrNameLst>
-                                      </p:cBhvr>
-                                      <p:to>
-                                        <p:strVal val="visible"/>
-                                      </p:to>
-                                    </p:set>
-                                    <p:animEffect transition="in" filter="wipe(down)">
-                                      <p:cBhvr>
-                                        <p:cTn id="7" dur="580">
-                                          <p:stCondLst>
-                                            <p:cond delay="0"/>
-                                          </p:stCondLst>
-                                        </p:cTn>
-                                        <p:tgtEl>
-                                          <p:spTgt spid="3"/>
-                                        </p:tgtEl>
-                                      </p:cBhvr>
-                                    </p:animEffect>
-                                    <p:anim calcmode="lin" valueType="num">
-                                      <p:cBhvr>
-                                        <p:cTn id="8" dur="1822" tmFilter="0,0; 0.14,0.36; 0.43,0.73; 0.71,0.91; 1.0,1.0">
-                                          <p:stCondLst>
-                                            <p:cond delay="0"/>
-                                          </p:stCondLst>
-                                        </p:cTn>
-                                        <p:tgtEl>
-                                          <p:spTgt spid="3"/>
-                                        </p:tgtEl>
-                                        <p:attrNameLst>
-                                          <p:attrName>ppt_x</p:attrName>
-                                        </p:attrNameLst>
-                                      </p:cBhvr>
-                                      <p:tavLst>
-                                        <p:tav tm="0">
-                                          <p:val>
-                                            <p:strVal val="#ppt_x-0.25"/>
-                                          </p:val>
-                                        </p:tav>
-                                        <p:tav tm="100000">
-                                          <p:val>
-                                            <p:strVal val="#ppt_x"/>
-                                          </p:val>
-                                        </p:tav>
-                                      </p:tavLst>
-                                    </p:anim>
-                                    <p:anim calcmode="lin" valueType="num">
-                                      <p:cBhvr>
-                                        <p:cTn id="9" dur="664" tmFilter="0.0,0.0; 0.25,0.07; 0.50,0.2; 0.75,0.467; 1.0,1.0">
-                                          <p:stCondLst>
-                                            <p:cond delay="0"/>
-                                          </p:stCondLst>
-                                        </p:cTn>
-                                        <p:tgtEl>
-                                          <p:spTgt spid="3"/>
-                                        </p:tgtEl>
-                                        <p:attrNameLst>
-                                          <p:attrName>ppt_y</p:attrName>
-                                        </p:attrNameLst>
-                                      </p:cBhvr>
-                                      <p:tavLst>
-                                        <p:tav tm="0" fmla="#ppt_y-sin(pi*$)/3">
-                                          <p:val>
-                                            <p:fltVal val="0.5"/>
-                                          </p:val>
-                                        </p:tav>
-                                        <p:tav tm="100000">
-                                          <p:val>
-                                            <p:fltVal val="1"/>
-                                          </p:val>
-                                        </p:tav>
-                                      </p:tavLst>
-                                    </p:anim>
-                                    <p:anim calcmode="lin" valueType="num">
-                                      <p:cBhvr>
-                                        <p:cTn id="10" dur="664" tmFilter="0, 0; 0.125,0.2665; 0.25,0.4; 0.375,0.465; 0.5,0.5;  0.625,0.535; 0.75,0.6; 0.875,0.7335; 1,1">
-                                          <p:stCondLst>
-                                            <p:cond delay="664"/>
-                                          </p:stCondLst>
-                                        </p:cTn>
-                                        <p:tgtEl>
-                                          <p:spTgt spid="3"/>
-                                        </p:tgtEl>
-                                        <p:attrNameLst>
-                                          <p:attrName>ppt_y</p:attrName>
-                                        </p:attrNameLst>
-                                      </p:cBhvr>
-                                      <p:tavLst>
-                                        <p:tav tm="0" fmla="#ppt_y-sin(pi*$)/9">
-                                          <p:val>
-                                            <p:fltVal val="0"/>
-                                          </p:val>
-                                        </p:tav>
-                                        <p:tav tm="100000">
-                                          <p:val>
-                                            <p:fltVal val="1"/>
-                                          </p:val>
-                                        </p:tav>
-                                      </p:tavLst>
-                                    </p:anim>
-                                    <p:anim calcmode="lin" valueType="num">
-                                      <p:cBhvr>
-                                        <p:cTn id="11" dur="332" tmFilter="0, 0; 0.125,0.2665; 0.25,0.4; 0.375,0.465; 0.5,0.5;  0.625,0.535; 0.75,0.6; 0.875,0.7335; 1,1">
-                                          <p:stCondLst>
-                                            <p:cond delay="1324"/>
-                                          </p:stCondLst>
-                                        </p:cTn>
-                                        <p:tgtEl>
-                                          <p:spTgt spid="3"/>
-                                        </p:tgtEl>
-                                        <p:attrNameLst>
-                                          <p:attrName>ppt_y</p:attrName>
-                                        </p:attrNameLst>
-                                      </p:cBhvr>
-                                      <p:tavLst>
-                                        <p:tav tm="0" fmla="#ppt_y-sin(pi*$)/27">
-                                          <p:val>
-                                            <p:fltVal val="0"/>
-                                          </p:val>
-                                        </p:tav>
-                                        <p:tav tm="100000">
-                                          <p:val>
-                                            <p:fltVal val="1"/>
-                                          </p:val>
-                                        </p:tav>
-                                      </p:tavLst>
-                                    </p:anim>
-                                    <p:anim calcmode="lin" valueType="num">
-                                      <p:cBhvr>
-                                        <p:cTn id="12" dur="164" tmFilter="0, 0; 0.125,0.2665; 0.25,0.4; 0.375,0.465; 0.5,0.5;  0.625,0.535; 0.75,0.6; 0.875,0.7335; 1,1">
-                                          <p:stCondLst>
-                                            <p:cond delay="1656"/>
-                                          </p:stCondLst>
-                                        </p:cTn>
-                                        <p:tgtEl>
-                                          <p:spTgt spid="3"/>
-                                        </p:tgtEl>
-                                        <p:attrNameLst>
-                                          <p:attrName>ppt_y</p:attrName>
-                                        </p:attrNameLst>
-                                      </p:cBhvr>
-                                      <p:tavLst>
-                                        <p:tav tm="0" fmla="#ppt_y-sin(pi*$)/81">
-                                          <p:val>
-                                            <p:fltVal val="0"/>
-                                          </p:val>
-                                        </p:tav>
-                                        <p:tav tm="100000">
-                                          <p:val>
-                                            <p:fltVal val="1"/>
-                                          </p:val>
-                                        </p:tav>
-                                      </p:tavLst>
-                                    </p:anim>
-                                    <p:animScale>
-                                      <p:cBhvr>
-                                        <p:cTn id="13" dur="26">
-                                          <p:stCondLst>
-                                            <p:cond delay="650"/>
-                                          </p:stCondLst>
-                                        </p:cTn>
-                                        <p:tgtEl>
-                                          <p:spTgt spid="3"/>
-                                        </p:tgtEl>
-                                      </p:cBhvr>
-                                      <p:to x="100000" y="60000"/>
-                                    </p:animScale>
-                                    <p:animScale>
-                                      <p:cBhvr>
-                                        <p:cTn id="14" dur="166" decel="50000">
-                                          <p:stCondLst>
-                                            <p:cond delay="676"/>
-                                          </p:stCondLst>
-                                        </p:cTn>
-                                        <p:tgtEl>
-                                          <p:spTgt spid="3"/>
-                                        </p:tgtEl>
-                                      </p:cBhvr>
-                                      <p:to x="100000" y="100000"/>
-                                    </p:animScale>
-                                    <p:animScale>
-                                      <p:cBhvr>
-                                        <p:cTn id="15" dur="26">
-                                          <p:stCondLst>
-                                            <p:cond delay="1312"/>
-                                          </p:stCondLst>
-                                        </p:cTn>
-                                        <p:tgtEl>
-                                          <p:spTgt spid="3"/>
-                                        </p:tgtEl>
-                                      </p:cBhvr>
-                                      <p:to x="100000" y="80000"/>
-                                    </p:animScale>
-                                    <p:animScale>
-                                      <p:cBhvr>
-                                        <p:cTn id="16" dur="166" decel="50000">
-                                          <p:stCondLst>
-                                            <p:cond delay="1338"/>
-                                          </p:stCondLst>
-                                        </p:cTn>
-                                        <p:tgtEl>
-                                          <p:spTgt spid="3"/>
-                                        </p:tgtEl>
-                                      </p:cBhvr>
-                                      <p:to x="100000" y="100000"/>
-                                    </p:animScale>
-                                    <p:animScale>
-                                      <p:cBhvr>
-                                        <p:cTn id="17" dur="26">
-                                          <p:stCondLst>
-                                            <p:cond delay="1642"/>
-                                          </p:stCondLst>
-                                        </p:cTn>
-                                        <p:tgtEl>
-                                          <p:spTgt spid="3"/>
-                                        </p:tgtEl>
-                                      </p:cBhvr>
-                                      <p:to x="100000" y="90000"/>
-                                    </p:animScale>
-                                    <p:animScale>
-                                      <p:cBhvr>
-                                        <p:cTn id="18" dur="166" decel="50000">
-                                          <p:stCondLst>
-                                            <p:cond delay="1668"/>
-                                          </p:stCondLst>
-                                        </p:cTn>
-                                        <p:tgtEl>
-                                          <p:spTgt spid="3"/>
-                                        </p:tgtEl>
-                                      </p:cBhvr>
-                                      <p:to x="100000" y="100000"/>
-                                    </p:animScale>
-                                    <p:animScale>
-                                      <p:cBhvr>
-                                        <p:cTn id="19" dur="26">
-                                          <p:stCondLst>
-                                            <p:cond delay="1808"/>
-                                          </p:stCondLst>
-                                        </p:cTn>
-                                        <p:tgtEl>
-                                          <p:spTgt spid="3"/>
-                                        </p:tgtEl>
-                                      </p:cBhvr>
-                                      <p:to x="100000" y="95000"/>
-                                    </p:animScale>
-                                    <p:animScale>
-                                      <p:cBhvr>
-                                        <p:cTn id="20" dur="166" decel="50000">
-                                          <p:stCondLst>
-                                            <p:cond delay="1834"/>
-                                          </p:stCondLst>
-                                        </p:cTn>
-                                        <p:tgtEl>
-                                          <p:spTgt spid="3"/>
-                                        </p:tgtEl>
-                                      </p:cBhvr>
-                                      <p:to x="100000" y="100000"/>
-                                    </p:animScale>
-                                  </p:childTnLst>
-                                </p:cTn>
-                              </p:par>
-                            </p:childTnLst>
-                          </p:cTn>
-                        </p:par>
-                      </p:childTnLst>
-                    </p:cTn>
-                  </p:par>
-                </p:childTnLst>
-              </p:cTn>
-              <p:prevCondLst>
-                <p:cond evt="onPrev" delay="0">
-                  <p:tgtEl>
-                    <p:sldTgt/>
-                  </p:tgtEl>
-                </p:cond>
-              </p:prevCondLst>
-              <p:nextCondLst>
-                <p:cond evt="onNext" delay="0">
-                  <p:tgtEl>
-                    <p:sldTgt/>
-                  </p:tgtEl>
-                </p:cond>
-              </p:nextCondLst>
-            </p:seq>
-          </p:childTnLst>
-        </p:cTn>
-      </p:par>
-    </p:tnLst>
-    <p:bldLst>
-      <p:bldP spid="3" grpId="0"/>
-    </p:bldLst>
-  </p:timing>
 </p:sld>
 </file>
 
@@ -15388,7 +15752,7 @@
           <a:p>
             <a:r>
               <a:rPr lang="en-US" u="sng" dirty="0" smtClean="0"/>
-              <a:t>Example </a:t>
+              <a:t>Operators </a:t>
             </a:r>
             <a:endParaRPr lang="en-US" u="sng" dirty="0"/>
           </a:p>
@@ -15406,276 +15770,118 @@
         </p:nvSpPr>
         <p:spPr>
           <a:xfrm>
-            <a:off x="1371600" y="1881051"/>
-            <a:ext cx="9601200" cy="4454435"/>
+            <a:off x="1371600" y="1685109"/>
+            <a:ext cx="9601200" cy="4182291"/>
           </a:xfrm>
         </p:spPr>
         <p:txBody>
           <a:bodyPr>
-            <a:normAutofit fontScale="32500" lnSpcReduction="20000"/>
+            <a:normAutofit fontScale="85000" lnSpcReduction="20000"/>
           </a:bodyPr>
           <a:lstStyle/>
           <a:p>
+            <a:r>
+              <a:rPr lang="en-US" dirty="0"/>
+              <a:t>Arithmetic Operators</a:t>
+            </a:r>
+          </a:p>
+          <a:p>
+            <a:r>
+              <a:rPr lang="en-US" dirty="0"/>
+              <a:t>Comparison Operators</a:t>
+            </a:r>
+          </a:p>
+          <a:p>
+            <a:r>
+              <a:rPr lang="en-US" dirty="0"/>
+              <a:t>Logical (or Relational) Operators</a:t>
+            </a:r>
+          </a:p>
+          <a:p>
+            <a:r>
+              <a:rPr lang="en-US" dirty="0"/>
+              <a:t>Assignment Operators</a:t>
+            </a:r>
+          </a:p>
+          <a:p>
+            <a:r>
+              <a:rPr lang="en-US" dirty="0"/>
+              <a:t>Conditional (or ternary) </a:t>
+            </a:r>
+            <a:r>
+              <a:rPr lang="en-US" dirty="0" smtClean="0"/>
+              <a:t>Operators</a:t>
+            </a:r>
+          </a:p>
+          <a:p>
             <a:pPr marL="0" indent="0">
               <a:buNone/>
             </a:pPr>
-            <a:r>
-              <a:rPr lang="en-US" sz="4800" dirty="0" smtClean="0"/>
-              <a:t>     &lt;</a:t>
-            </a:r>
-            <a:r>
-              <a:rPr lang="en-US" sz="4800" dirty="0"/>
-              <a:t>html</a:t>
-            </a:r>
-            <a:r>
-              <a:rPr lang="en-US" sz="4800" dirty="0" smtClean="0"/>
-              <a:t>&gt;</a:t>
-            </a:r>
+            <a:endParaRPr lang="en-US" dirty="0" smtClean="0"/>
           </a:p>
           <a:p>
             <a:pPr marL="0" indent="0">
               <a:buNone/>
             </a:pPr>
             <a:r>
-              <a:rPr lang="en-US" sz="4800" dirty="0" smtClean="0"/>
-              <a:t>    &lt;</a:t>
-            </a:r>
-            <a:r>
-              <a:rPr lang="en-US" sz="4800" dirty="0"/>
-              <a:t>body&gt;   </a:t>
-            </a:r>
-            <a:r>
-              <a:rPr lang="en-US" sz="4800" dirty="0" smtClean="0"/>
-              <a:t>    </a:t>
+              <a:rPr lang="en-US" sz="4700" dirty="0" smtClean="0">
+                <a:latin typeface="Calibri" panose="020F0502020204030204" pitchFamily="34" charset="0"/>
+                <a:cs typeface="Calibri" panose="020F0502020204030204" pitchFamily="34" charset="0"/>
+              </a:rPr>
+              <a:t>Control Structures and Loops</a:t>
+            </a:r>
+          </a:p>
+          <a:p>
+            <a:r>
+              <a:rPr lang="en-US" sz="2600" dirty="0" smtClean="0">
+                <a:latin typeface="Calibri" panose="020F0502020204030204" pitchFamily="34" charset="0"/>
+                <a:cs typeface="Calibri" panose="020F0502020204030204" pitchFamily="34" charset="0"/>
+              </a:rPr>
+              <a:t>If else</a:t>
+            </a:r>
+          </a:p>
+          <a:p>
+            <a:r>
+              <a:rPr lang="en-US" dirty="0" smtClean="0"/>
+              <a:t>Switch</a:t>
+            </a:r>
+          </a:p>
+          <a:p>
+            <a:r>
+              <a:rPr lang="en-US" dirty="0" smtClean="0"/>
+              <a:t>While loop</a:t>
+            </a:r>
+          </a:p>
+          <a:p>
+            <a:r>
+              <a:rPr lang="en-US" dirty="0" smtClean="0"/>
+              <a:t>For loop</a:t>
             </a:r>
           </a:p>
           <a:p>
             <a:pPr marL="0" indent="0">
               <a:buNone/>
             </a:pPr>
-            <a:r>
-              <a:rPr lang="en-US" sz="4800" dirty="0" smtClean="0"/>
-              <a:t>     &lt;</a:t>
-            </a:r>
-            <a:r>
-              <a:rPr lang="en-US" sz="4800" dirty="0"/>
-              <a:t>script type = "text/</a:t>
-            </a:r>
-            <a:r>
-              <a:rPr lang="en-US" sz="4800" dirty="0" err="1"/>
-              <a:t>javascript</a:t>
-            </a:r>
-            <a:r>
-              <a:rPr lang="en-US" sz="4800" dirty="0" smtClean="0"/>
-              <a:t>"&gt;</a:t>
-            </a:r>
+            <a:endParaRPr lang="en-US" dirty="0" smtClean="0"/>
           </a:p>
           <a:p>
             <a:pPr marL="0" indent="0">
               <a:buNone/>
             </a:pPr>
-            <a:r>
-              <a:rPr lang="en-US" sz="4800" dirty="0" smtClean="0"/>
-              <a:t>      </a:t>
-            </a:r>
-            <a:r>
-              <a:rPr lang="en-US" sz="4800" dirty="0" err="1"/>
-              <a:t>var</a:t>
-            </a:r>
-            <a:r>
-              <a:rPr lang="en-US" sz="4800" dirty="0"/>
-              <a:t> a = 33</a:t>
-            </a:r>
-            <a:r>
-              <a:rPr lang="en-US" sz="4800" dirty="0" smtClean="0"/>
-              <a:t>; </a:t>
-            </a:r>
-            <a:r>
-              <a:rPr lang="en-US" sz="4800" dirty="0" err="1"/>
-              <a:t>var</a:t>
-            </a:r>
-            <a:r>
-              <a:rPr lang="en-US" sz="4800" dirty="0"/>
-              <a:t> b = </a:t>
-            </a:r>
-            <a:r>
-              <a:rPr lang="en-US" sz="4800" dirty="0" smtClean="0"/>
-              <a:t>10</a:t>
-            </a:r>
-            <a:r>
-              <a:rPr lang="en-US" sz="4800" dirty="0"/>
-              <a:t>;</a:t>
-            </a:r>
-            <a:r>
-              <a:rPr lang="en-US" sz="4800" dirty="0" smtClean="0"/>
-              <a:t>  </a:t>
-            </a:r>
-            <a:r>
-              <a:rPr lang="en-US" sz="4800" dirty="0" err="1"/>
-              <a:t>var</a:t>
-            </a:r>
-            <a:r>
-              <a:rPr lang="en-US" sz="4800" dirty="0"/>
-              <a:t> c = "Test";</a:t>
-            </a:r>
+            <a:endParaRPr lang="en-US" dirty="0" smtClean="0"/>
           </a:p>
           <a:p>
             <a:pPr marL="0" indent="0">
               <a:buNone/>
             </a:pPr>
-            <a:r>
-              <a:rPr lang="en-US" sz="4800" dirty="0" smtClean="0"/>
-              <a:t>      </a:t>
-            </a:r>
-            <a:r>
-              <a:rPr lang="en-US" sz="4800" dirty="0" err="1" smtClean="0"/>
-              <a:t>var</a:t>
-            </a:r>
-            <a:r>
-              <a:rPr lang="en-US" sz="4800" dirty="0" smtClean="0"/>
-              <a:t> </a:t>
-            </a:r>
-            <a:r>
-              <a:rPr lang="en-US" sz="4800" dirty="0" err="1"/>
-              <a:t>linebreak</a:t>
-            </a:r>
-            <a:r>
-              <a:rPr lang="en-US" sz="4800" dirty="0"/>
-              <a:t> = "&lt;</a:t>
-            </a:r>
-            <a:r>
-              <a:rPr lang="en-US" sz="4800" dirty="0" err="1"/>
-              <a:t>br</a:t>
-            </a:r>
-            <a:r>
-              <a:rPr lang="en-US" sz="4800" dirty="0"/>
-              <a:t> /&gt;";</a:t>
-            </a:r>
-          </a:p>
-          <a:p>
-            <a:pPr marL="0" indent="0">
-              <a:buNone/>
-            </a:pPr>
-            <a:r>
-              <a:rPr lang="en-US" sz="4800" dirty="0" smtClean="0"/>
-              <a:t>     </a:t>
-            </a:r>
-            <a:r>
-              <a:rPr lang="en-US" sz="4800" dirty="0" err="1" smtClean="0"/>
-              <a:t>document.write</a:t>
-            </a:r>
-            <a:r>
-              <a:rPr lang="en-US" sz="4800" dirty="0"/>
-              <a:t>("a + b = </a:t>
-            </a:r>
-            <a:r>
-              <a:rPr lang="en-US" sz="4800" dirty="0" smtClean="0"/>
-              <a:t>");</a:t>
-            </a:r>
-          </a:p>
-          <a:p>
-            <a:pPr marL="0" indent="0">
-              <a:buNone/>
-            </a:pPr>
-            <a:r>
-              <a:rPr lang="en-US" sz="4800" dirty="0"/>
-              <a:t> </a:t>
-            </a:r>
-            <a:r>
-              <a:rPr lang="en-US" sz="4800" dirty="0" smtClean="0"/>
-              <a:t>     </a:t>
-            </a:r>
-            <a:r>
-              <a:rPr lang="en-US" sz="4800" dirty="0"/>
-              <a:t>result = a + </a:t>
-            </a:r>
-            <a:r>
-              <a:rPr lang="en-US" sz="4800" dirty="0" smtClean="0"/>
-              <a:t>b;</a:t>
-            </a:r>
-          </a:p>
-          <a:p>
-            <a:pPr marL="0" indent="0">
-              <a:buNone/>
-            </a:pPr>
-            <a:r>
-              <a:rPr lang="en-US" sz="4800" dirty="0"/>
-              <a:t> </a:t>
-            </a:r>
-            <a:r>
-              <a:rPr lang="en-US" sz="4800" dirty="0" smtClean="0"/>
-              <a:t>     </a:t>
-            </a:r>
-            <a:r>
-              <a:rPr lang="en-US" sz="4800" dirty="0" err="1" smtClean="0"/>
-              <a:t>document.write</a:t>
-            </a:r>
-            <a:r>
-              <a:rPr lang="en-US" sz="4800" dirty="0" smtClean="0"/>
-              <a:t>(result);</a:t>
-            </a:r>
-          </a:p>
-          <a:p>
-            <a:pPr marL="0" indent="0">
-              <a:buNone/>
-            </a:pPr>
-            <a:r>
-              <a:rPr lang="en-US" sz="4800" dirty="0"/>
-              <a:t> </a:t>
-            </a:r>
-            <a:r>
-              <a:rPr lang="en-US" sz="4800" dirty="0" smtClean="0"/>
-              <a:t>     &lt;/</a:t>
-            </a:r>
-            <a:r>
-              <a:rPr lang="en-US" sz="4800" dirty="0"/>
-              <a:t>body&gt;</a:t>
-            </a:r>
-          </a:p>
-          <a:p>
-            <a:pPr marL="0" indent="0">
-              <a:buNone/>
-            </a:pPr>
-            <a:r>
-              <a:rPr lang="en-US" sz="4800" dirty="0" smtClean="0"/>
-              <a:t>      &lt;</a:t>
-            </a:r>
-            <a:r>
-              <a:rPr lang="en-US" sz="4800" dirty="0"/>
-              <a:t>html&gt;</a:t>
-            </a:r>
-          </a:p>
-          <a:p>
             <a:endParaRPr lang="en-US" dirty="0"/>
-          </a:p>
-          <a:p>
-            <a:endParaRPr lang="en-US" dirty="0"/>
-          </a:p>
-          <a:p>
-            <a:r>
-              <a:rPr lang="en-US" sz="4800" dirty="0"/>
-              <a:t>Output</a:t>
-            </a:r>
-          </a:p>
-          <a:p>
-            <a:pPr marL="0" indent="0">
-              <a:buNone/>
-            </a:pPr>
-            <a:r>
-              <a:rPr lang="en-US" sz="4800" dirty="0" smtClean="0"/>
-              <a:t>         a </a:t>
-            </a:r>
-            <a:r>
-              <a:rPr lang="en-US" sz="4800" dirty="0"/>
-              <a:t>+ b = 43</a:t>
-            </a:r>
           </a:p>
         </p:txBody>
       </p:sp>
     </p:spTree>
     <p:extLst>
       <p:ext uri="{BB962C8B-B14F-4D97-AF65-F5344CB8AC3E}">
-        <p14:creationId xmlns:p14="http://schemas.microsoft.com/office/powerpoint/2010/main" val="2017158376"/>
+        <p14:creationId xmlns:p14="http://schemas.microsoft.com/office/powerpoint/2010/main" val="4027862555"/>
       </p:ext>
     </p:extLst>
   </p:cSld>
@@ -16051,7 +16257,7 @@
           <a:p>
             <a:r>
               <a:rPr lang="en-US" u="sng" dirty="0" smtClean="0"/>
-              <a:t>Functions and Events</a:t>
+              <a:t>Example </a:t>
             </a:r>
             <a:endParaRPr lang="en-US" u="sng" dirty="0"/>
           </a:p>
@@ -16059,7 +16265,7 @@
       </p:sp>
       <p:sp>
         <p:nvSpPr>
-          <p:cNvPr id="5" name="Content Placeholder 4"/>
+          <p:cNvPr id="3" name="Content Placeholder 2"/>
           <p:cNvSpPr>
             <a:spLocks noGrp="1"/>
           </p:cNvSpPr>
@@ -16069,13 +16275,13 @@
         </p:nvSpPr>
         <p:spPr>
           <a:xfrm>
-            <a:off x="1371600" y="1593669"/>
-            <a:ext cx="9601200" cy="4273731"/>
+            <a:off x="1371600" y="1881051"/>
+            <a:ext cx="9601200" cy="4454435"/>
           </a:xfrm>
         </p:spPr>
         <p:txBody>
           <a:bodyPr>
-            <a:normAutofit fontScale="92500" lnSpcReduction="20000"/>
+            <a:normAutofit fontScale="32500" lnSpcReduction="20000"/>
           </a:bodyPr>
           <a:lstStyle/>
           <a:p>
@@ -16083,15 +16289,53 @@
               <a:buNone/>
             </a:pPr>
             <a:r>
-              <a:rPr lang="en-US" dirty="0"/>
-              <a:t>&lt;script type = "text/</a:t>
-            </a:r>
-            <a:r>
-              <a:rPr lang="en-US" dirty="0" err="1"/>
+              <a:rPr lang="en-US" sz="4800" dirty="0" smtClean="0"/>
+              <a:t>     &lt;</a:t>
+            </a:r>
+            <a:r>
+              <a:rPr lang="en-US" sz="4800" dirty="0"/>
+              <a:t>html</a:t>
+            </a:r>
+            <a:r>
+              <a:rPr lang="en-US" sz="4800" dirty="0" smtClean="0"/>
+              <a:t>&gt;</a:t>
+            </a:r>
+          </a:p>
+          <a:p>
+            <a:pPr marL="0" indent="0">
+              <a:buNone/>
+            </a:pPr>
+            <a:r>
+              <a:rPr lang="en-US" sz="4800" dirty="0" smtClean="0"/>
+              <a:t>    &lt;</a:t>
+            </a:r>
+            <a:r>
+              <a:rPr lang="en-US" sz="4800" dirty="0"/>
+              <a:t>body&gt;   </a:t>
+            </a:r>
+            <a:r>
+              <a:rPr lang="en-US" sz="4800" dirty="0" smtClean="0"/>
+              <a:t>    </a:t>
+            </a:r>
+          </a:p>
+          <a:p>
+            <a:pPr marL="0" indent="0">
+              <a:buNone/>
+            </a:pPr>
+            <a:r>
+              <a:rPr lang="en-US" sz="4800" dirty="0" smtClean="0"/>
+              <a:t>     &lt;</a:t>
+            </a:r>
+            <a:r>
+              <a:rPr lang="en-US" sz="4800" dirty="0"/>
+              <a:t>script type = "text/</a:t>
+            </a:r>
+            <a:r>
+              <a:rPr lang="en-US" sz="4800" dirty="0" err="1"/>
               <a:t>javascript</a:t>
             </a:r>
             <a:r>
-              <a:rPr lang="en-US" dirty="0"/>
+              <a:rPr lang="en-US" sz="4800" dirty="0" smtClean="0"/>
               <a:t>"&gt;</a:t>
             </a:r>
           </a:p>
@@ -16100,16 +16344,48 @@
               <a:buNone/>
             </a:pPr>
             <a:r>
-              <a:rPr lang="en-US" dirty="0" smtClean="0"/>
-              <a:t>function </a:t>
-            </a:r>
-            <a:r>
-              <a:rPr lang="en-US" dirty="0" err="1"/>
-              <a:t>sayHello</a:t>
-            </a:r>
-            <a:r>
-              <a:rPr lang="en-US" dirty="0"/>
-              <a:t>() {</a:t>
+              <a:rPr lang="en-US" sz="4800" dirty="0" smtClean="0"/>
+              <a:t>      </a:t>
+            </a:r>
+            <a:r>
+              <a:rPr lang="en-US" sz="4800" dirty="0" err="1"/>
+              <a:t>var</a:t>
+            </a:r>
+            <a:r>
+              <a:rPr lang="en-US" sz="4800" dirty="0"/>
+              <a:t> a = 33</a:t>
+            </a:r>
+            <a:r>
+              <a:rPr lang="en-US" sz="4800" dirty="0" smtClean="0"/>
+              <a:t>; </a:t>
+            </a:r>
+            <a:r>
+              <a:rPr lang="en-US" sz="4800" dirty="0" err="1"/>
+              <a:t>var</a:t>
+            </a:r>
+            <a:r>
+              <a:rPr lang="en-US" sz="4800" dirty="0"/>
+              <a:t> b = </a:t>
+            </a:r>
+            <a:r>
+              <a:rPr lang="en-US" sz="4800" dirty="0" smtClean="0"/>
+              <a:t>10</a:t>
+            </a:r>
+            <a:r>
+              <a:rPr lang="en-US" sz="4800" dirty="0"/>
+              <a:t>;</a:t>
+            </a:r>
+            <a:r>
+              <a:rPr lang="en-US" sz="4800" dirty="0" smtClean="0"/>
+              <a:t>  </a:t>
+            </a:r>
+            <a:r>
+              <a:rPr lang="en-US" sz="4800" dirty="0" err="1"/>
+              <a:t>var</a:t>
+            </a:r>
+            <a:r>
+              <a:rPr lang="en-US" sz="4800" dirty="0"/>
+              <a:t> c = "Test";</a:t>
             </a:r>
           </a:p>
           <a:p>
@@ -16117,12 +16393,32 @@
               <a:buNone/>
             </a:pPr>
             <a:r>
-              <a:rPr lang="en-US" dirty="0" smtClean="0"/>
-              <a:t>alert</a:t>
-            </a:r>
-            <a:r>
-              <a:rPr lang="en-US" dirty="0"/>
-              <a:t>("Hello there");</a:t>
+              <a:rPr lang="en-US" sz="4800" dirty="0" smtClean="0"/>
+              <a:t>      </a:t>
+            </a:r>
+            <a:r>
+              <a:rPr lang="en-US" sz="4800" dirty="0" err="1" smtClean="0"/>
+              <a:t>var</a:t>
+            </a:r>
+            <a:r>
+              <a:rPr lang="en-US" sz="4800" dirty="0" smtClean="0"/>
+              <a:t> </a:t>
+            </a:r>
+            <a:r>
+              <a:rPr lang="en-US" sz="4800" dirty="0" err="1"/>
+              <a:t>linebreak</a:t>
+            </a:r>
+            <a:r>
+              <a:rPr lang="en-US" sz="4800" dirty="0"/>
+              <a:t> = "&lt;</a:t>
+            </a:r>
+            <a:r>
+              <a:rPr lang="en-US" sz="4800" dirty="0" err="1"/>
+              <a:t>br</a:t>
+            </a:r>
+            <a:r>
+              <a:rPr lang="en-US" sz="4800" dirty="0"/>
+              <a:t> /&gt;";</a:t>
             </a:r>
           </a:p>
           <a:p>
@@ -16130,105 +16426,125 @@
               <a:buNone/>
             </a:pPr>
             <a:r>
-              <a:rPr lang="en-US" dirty="0" smtClean="0"/>
-              <a:t>}</a:t>
-            </a:r>
+              <a:rPr lang="en-US" sz="4800" dirty="0" smtClean="0"/>
+              <a:t>     </a:t>
+            </a:r>
+            <a:r>
+              <a:rPr lang="en-US" sz="4800" dirty="0" err="1" smtClean="0"/>
+              <a:t>document.write</a:t>
+            </a:r>
+            <a:r>
+              <a:rPr lang="en-US" sz="4800" dirty="0"/>
+              <a:t>("a + b = </a:t>
+            </a:r>
+            <a:r>
+              <a:rPr lang="en-US" sz="4800" dirty="0" smtClean="0"/>
+              <a:t>");</a:t>
+            </a:r>
+          </a:p>
+          <a:p>
+            <a:pPr marL="0" indent="0">
+              <a:buNone/>
+            </a:pPr>
+            <a:r>
+              <a:rPr lang="en-US" sz="4800" dirty="0"/>
+              <a:t> </a:t>
+            </a:r>
+            <a:r>
+              <a:rPr lang="en-US" sz="4800" dirty="0" smtClean="0"/>
+              <a:t>     </a:t>
+            </a:r>
+            <a:r>
+              <a:rPr lang="en-US" sz="4800" dirty="0"/>
+              <a:t>result = a + </a:t>
+            </a:r>
+            <a:r>
+              <a:rPr lang="en-US" sz="4800" dirty="0" smtClean="0"/>
+              <a:t>b;</a:t>
+            </a:r>
+          </a:p>
+          <a:p>
+            <a:pPr marL="0" indent="0">
+              <a:buNone/>
+            </a:pPr>
+            <a:r>
+              <a:rPr lang="en-US" sz="4800" dirty="0"/>
+              <a:t> </a:t>
+            </a:r>
+            <a:r>
+              <a:rPr lang="en-US" sz="4800" dirty="0" smtClean="0"/>
+              <a:t>     </a:t>
+            </a:r>
+            <a:r>
+              <a:rPr lang="en-US" sz="4800" dirty="0" err="1" smtClean="0"/>
+              <a:t>document.write</a:t>
+            </a:r>
+            <a:r>
+              <a:rPr lang="en-US" sz="4800" dirty="0" smtClean="0"/>
+              <a:t>(result);</a:t>
+            </a:r>
+          </a:p>
+          <a:p>
+            <a:pPr marL="0" indent="0">
+              <a:buNone/>
+            </a:pPr>
+            <a:r>
+              <a:rPr lang="en-US" sz="4800" dirty="0"/>
+              <a:t> </a:t>
+            </a:r>
+            <a:r>
+              <a:rPr lang="en-US" sz="4800" dirty="0" smtClean="0"/>
+              <a:t>     &lt;/</a:t>
+            </a:r>
+            <a:r>
+              <a:rPr lang="en-US" sz="4800" dirty="0"/>
+              <a:t>body&gt;</a:t>
+            </a:r>
+          </a:p>
+          <a:p>
+            <a:pPr marL="0" indent="0">
+              <a:buNone/>
+            </a:pPr>
+            <a:r>
+              <a:rPr lang="en-US" sz="4800" dirty="0" smtClean="0"/>
+              <a:t>      &lt;</a:t>
+            </a:r>
+            <a:r>
+              <a:rPr lang="en-US" sz="4800" dirty="0"/>
+              <a:t>html&gt;</a:t>
+            </a:r>
+          </a:p>
+          <a:p>
             <a:endParaRPr lang="en-US" dirty="0"/>
           </a:p>
           <a:p>
+            <a:endParaRPr lang="en-US" dirty="0"/>
+          </a:p>
+          <a:p>
+            <a:r>
+              <a:rPr lang="en-US" sz="4800" dirty="0"/>
+              <a:t>Output</a:t>
+            </a:r>
+          </a:p>
+          <a:p>
             <a:pPr marL="0" indent="0">
               <a:buNone/>
             </a:pPr>
             <a:r>
-              <a:rPr lang="en-US" dirty="0"/>
-              <a:t>&lt;/script&gt; </a:t>
-            </a:r>
-            <a:endParaRPr lang="en-US" dirty="0" smtClean="0"/>
-          </a:p>
-          <a:p>
-            <a:pPr marL="0" indent="0">
-              <a:buNone/>
-            </a:pPr>
-            <a:endParaRPr lang="en-US" dirty="0" smtClean="0"/>
-          </a:p>
-          <a:p>
-            <a:pPr marL="0" indent="0">
-              <a:buNone/>
-            </a:pPr>
-            <a:endParaRPr lang="en-US" dirty="0" smtClean="0"/>
-          </a:p>
-          <a:p>
-            <a:pPr marL="0" indent="0">
-              <a:buNone/>
-            </a:pPr>
-            <a:r>
-              <a:rPr lang="en-US" dirty="0" smtClean="0"/>
-              <a:t>Most commonly used Events are : </a:t>
-            </a:r>
-          </a:p>
-          <a:p>
-            <a:pPr marL="0" indent="0">
-              <a:buNone/>
-            </a:pPr>
-            <a:endParaRPr lang="en-US" dirty="0" smtClean="0"/>
-          </a:p>
-          <a:p>
-            <a:pPr marL="0" indent="0">
-              <a:buNone/>
-            </a:pPr>
-            <a:r>
-              <a:rPr lang="en-US" dirty="0" err="1" smtClean="0"/>
-              <a:t>onclick</a:t>
-            </a:r>
-            <a:r>
-              <a:rPr lang="en-US" dirty="0" smtClean="0"/>
-              <a:t>()</a:t>
-            </a:r>
-          </a:p>
-          <a:p>
-            <a:pPr marL="0" indent="0">
-              <a:buNone/>
-            </a:pPr>
-            <a:r>
-              <a:rPr lang="en-US" dirty="0" err="1"/>
-              <a:t>o</a:t>
-            </a:r>
-            <a:r>
-              <a:rPr lang="en-US" dirty="0" err="1" smtClean="0"/>
-              <a:t>nsubmit</a:t>
-            </a:r>
-            <a:endParaRPr lang="en-US" dirty="0" smtClean="0"/>
-          </a:p>
-          <a:p>
-            <a:pPr marL="0" indent="0">
-              <a:buNone/>
-            </a:pPr>
-            <a:r>
-              <a:rPr lang="en-US" dirty="0" err="1"/>
-              <a:t>o</a:t>
-            </a:r>
-            <a:r>
-              <a:rPr lang="en-US" dirty="0" err="1" smtClean="0"/>
-              <a:t>nmouseover</a:t>
-            </a:r>
-            <a:r>
-              <a:rPr lang="en-US" dirty="0" smtClean="0"/>
-              <a:t>()</a:t>
-            </a:r>
-            <a:endParaRPr lang="en-US" dirty="0"/>
-          </a:p>
-          <a:p>
-            <a:pPr marL="0" indent="0">
-              <a:buNone/>
-            </a:pPr>
-            <a:endParaRPr lang="en-US" dirty="0"/>
+              <a:rPr lang="en-US" sz="4800" dirty="0" smtClean="0"/>
+              <a:t>         a </a:t>
+            </a:r>
+            <a:r>
+              <a:rPr lang="en-US" sz="4800" dirty="0"/>
+              <a:t>+ b = 43</a:t>
+            </a:r>
           </a:p>
         </p:txBody>
       </p:sp>
     </p:spTree>
     <p:extLst>
       <p:ext uri="{BB962C8B-B14F-4D97-AF65-F5344CB8AC3E}">
-        <p14:creationId xmlns:p14="http://schemas.microsoft.com/office/powerpoint/2010/main" val="2954587657"/>
+        <p14:creationId xmlns:p14="http://schemas.microsoft.com/office/powerpoint/2010/main" val="2017158376"/>
       </p:ext>
     </p:extLst>
   </p:cSld>
@@ -16272,7 +16588,7 @@
                                           </p:stCondLst>
                                         </p:cTn>
                                         <p:tgtEl>
-                                          <p:spTgt spid="5"/>
+                                          <p:spTgt spid="3"/>
                                         </p:tgtEl>
                                         <p:attrNameLst>
                                           <p:attrName>style.visibility</p:attrName>
@@ -16290,7 +16606,7 @@
                                           </p:stCondLst>
                                         </p:cTn>
                                         <p:tgtEl>
-                                          <p:spTgt spid="5"/>
+                                          <p:spTgt spid="3"/>
                                         </p:tgtEl>
                                       </p:cBhvr>
                                     </p:animEffect>
@@ -16302,7 +16618,7 @@
                                           </p:stCondLst>
                                         </p:cTn>
                                         <p:tgtEl>
-                                          <p:spTgt spid="5"/>
+                                          <p:spTgt spid="3"/>
                                         </p:tgtEl>
                                         <p:attrNameLst>
                                           <p:attrName>ppt_x</p:attrName>
@@ -16329,7 +16645,7 @@
                                           </p:stCondLst>
                                         </p:cTn>
                                         <p:tgtEl>
-                                          <p:spTgt spid="5"/>
+                                          <p:spTgt spid="3"/>
                                         </p:tgtEl>
                                         <p:attrNameLst>
                                           <p:attrName>ppt_y</p:attrName>
@@ -16356,7 +16672,7 @@
                                           </p:stCondLst>
                                         </p:cTn>
                                         <p:tgtEl>
-                                          <p:spTgt spid="5"/>
+                                          <p:spTgt spid="3"/>
                                         </p:tgtEl>
                                         <p:attrNameLst>
                                           <p:attrName>ppt_y</p:attrName>
@@ -16383,7 +16699,7 @@
                                           </p:stCondLst>
                                         </p:cTn>
                                         <p:tgtEl>
-                                          <p:spTgt spid="5"/>
+                                          <p:spTgt spid="3"/>
                                         </p:tgtEl>
                                         <p:attrNameLst>
                                           <p:attrName>ppt_y</p:attrName>
@@ -16410,7 +16726,7 @@
                                           </p:stCondLst>
                                         </p:cTn>
                                         <p:tgtEl>
-                                          <p:spTgt spid="5"/>
+                                          <p:spTgt spid="3"/>
                                         </p:tgtEl>
                                         <p:attrNameLst>
                                           <p:attrName>ppt_y</p:attrName>
@@ -16437,7 +16753,7 @@
                                           </p:stCondLst>
                                         </p:cTn>
                                         <p:tgtEl>
-                                          <p:spTgt spid="5"/>
+                                          <p:spTgt spid="3"/>
                                         </p:tgtEl>
                                       </p:cBhvr>
                                       <p:to x="100000" y="60000"/>
@@ -16450,7 +16766,7 @@
                                           </p:stCondLst>
                                         </p:cTn>
                                         <p:tgtEl>
-                                          <p:spTgt spid="5"/>
+                                          <p:spTgt spid="3"/>
                                         </p:tgtEl>
                                       </p:cBhvr>
                                       <p:to x="100000" y="100000"/>
@@ -16463,7 +16779,7 @@
                                           </p:stCondLst>
                                         </p:cTn>
                                         <p:tgtEl>
-                                          <p:spTgt spid="5"/>
+                                          <p:spTgt spid="3"/>
                                         </p:tgtEl>
                                       </p:cBhvr>
                                       <p:to x="100000" y="80000"/>
@@ -16476,7 +16792,7 @@
                                           </p:stCondLst>
                                         </p:cTn>
                                         <p:tgtEl>
-                                          <p:spTgt spid="5"/>
+                                          <p:spTgt spid="3"/>
                                         </p:tgtEl>
                                       </p:cBhvr>
                                       <p:to x="100000" y="100000"/>
@@ -16489,7 +16805,7 @@
                                           </p:stCondLst>
                                         </p:cTn>
                                         <p:tgtEl>
-                                          <p:spTgt spid="5"/>
+                                          <p:spTgt spid="3"/>
                                         </p:tgtEl>
                                       </p:cBhvr>
                                       <p:to x="100000" y="90000"/>
@@ -16502,7 +16818,7 @@
                                           </p:stCondLst>
                                         </p:cTn>
                                         <p:tgtEl>
-                                          <p:spTgt spid="5"/>
+                                          <p:spTgt spid="3"/>
                                         </p:tgtEl>
                                       </p:cBhvr>
                                       <p:to x="100000" y="100000"/>
@@ -16515,7 +16831,7 @@
                                           </p:stCondLst>
                                         </p:cTn>
                                         <p:tgtEl>
-                                          <p:spTgt spid="5"/>
+                                          <p:spTgt spid="3"/>
                                         </p:tgtEl>
                                       </p:cBhvr>
                                       <p:to x="100000" y="95000"/>
@@ -16528,7 +16844,7 @@
                                           </p:stCondLst>
                                         </p:cTn>
                                         <p:tgtEl>
-                                          <p:spTgt spid="5"/>
+                                          <p:spTgt spid="3"/>
                                         </p:tgtEl>
                                       </p:cBhvr>
                                       <p:to x="100000" y="100000"/>
@@ -16564,7 +16880,7 @@
       </p:par>
     </p:tnLst>
     <p:bldLst>
-      <p:bldP spid="5" grpId="0"/>
+      <p:bldP spid="3" grpId="0"/>
     </p:bldLst>
   </p:timing>
 </p:sld>

--- a/docs/TestingQunit.pptx
+++ b/docs/TestingQunit.pptx
@@ -11917,8 +11917,8 @@
         </p:nvSpPr>
         <p:spPr>
           <a:xfrm>
-            <a:off x="3644536" y="1265701"/>
-            <a:ext cx="1841864" cy="369332"/>
+            <a:off x="3644535" y="1265701"/>
+            <a:ext cx="2351315" cy="646331"/>
           </a:xfrm>
           <a:prstGeom prst="rect">
             <a:avLst/>
@@ -11957,7 +11957,7 @@
                 </a:effectLst>
                 <a:latin typeface="Algerian" panose="04020705040A02060702" pitchFamily="82" charset="0"/>
               </a:rPr>
-              <a:t>PRASHANTH</a:t>
+              <a:t>PRASHANTH REDDY NACHANNAFARI</a:t>
             </a:r>
             <a:endParaRPr lang="en-US" b="1" dirty="0">
               <a:ln w="0"/>
@@ -11982,7 +11982,7 @@
         <p:spPr>
           <a:xfrm>
             <a:off x="7537269" y="5055716"/>
-            <a:ext cx="2046514" cy="369332"/>
+            <a:ext cx="2046514" cy="646331"/>
           </a:xfrm>
           <a:prstGeom prst="rect">
             <a:avLst/>
@@ -12021,7 +12021,21 @@
                 </a:effectLst>
                 <a:latin typeface="Algerian" panose="04020705040A02060702" pitchFamily="82" charset="0"/>
               </a:rPr>
-              <a:t>CHAITRA</a:t>
+              <a:t>CHAITRA </a:t>
+            </a:r>
+            <a:r>
+              <a:rPr lang="en-US" b="1" dirty="0" err="1" smtClean="0">
+                <a:ln w="0"/>
+                <a:effectLst>
+                  <a:outerShdw blurRad="38100" dist="19050" dir="2700000" algn="tl" rotWithShape="0">
+                    <a:schemeClr val="dk1">
+                      <a:alpha val="40000"/>
+                    </a:schemeClr>
+                  </a:outerShdw>
+                </a:effectLst>
+                <a:latin typeface="Algerian" panose="04020705040A02060702" pitchFamily="82" charset="0"/>
+              </a:rPr>
+              <a:t>Vemula</a:t>
             </a:r>
             <a:endParaRPr lang="en-US" b="1" dirty="0">
               <a:ln w="0"/>
@@ -12045,8 +12059,8 @@
         </p:nvSpPr>
         <p:spPr>
           <a:xfrm>
-            <a:off x="7537269" y="1265702"/>
-            <a:ext cx="2046514" cy="369331"/>
+            <a:off x="7145384" y="1265701"/>
+            <a:ext cx="2438400" cy="646331"/>
           </a:xfrm>
           <a:prstGeom prst="rect">
             <a:avLst/>
@@ -12085,7 +12099,38 @@
                 </a:effectLst>
                 <a:latin typeface="Algerian" panose="04020705040A02060702" pitchFamily="82" charset="0"/>
               </a:rPr>
-              <a:t> CHITRALEKHA</a:t>
+              <a:t> </a:t>
+            </a:r>
+            <a:r>
+              <a:rPr lang="en-US" b="1" dirty="0" smtClean="0">
+                <a:ln w="0"/>
+                <a:effectLst>
+                  <a:outerShdw blurRad="38100" dist="19050" dir="2700000" algn="tl" rotWithShape="0">
+                    <a:schemeClr val="dk1">
+                      <a:alpha val="40000"/>
+                    </a:schemeClr>
+                  </a:outerShdw>
+                </a:effectLst>
+                <a:latin typeface="Algerian" panose="04020705040A02060702" pitchFamily="82" charset="0"/>
+              </a:rPr>
+              <a:t>CHITRALEKHA</a:t>
+            </a:r>
+          </a:p>
+          <a:p>
+            <a:pPr algn="ctr"/>
+            <a:r>
+              <a:rPr lang="en-US" b="1" dirty="0" smtClean="0">
+                <a:ln w="0"/>
+                <a:effectLst>
+                  <a:outerShdw blurRad="38100" dist="19050" dir="2700000" algn="tl" rotWithShape="0">
+                    <a:schemeClr val="dk1">
+                      <a:alpha val="40000"/>
+                    </a:schemeClr>
+                  </a:outerShdw>
+                </a:effectLst>
+                <a:latin typeface="Algerian" panose="04020705040A02060702" pitchFamily="82" charset="0"/>
+              </a:rPr>
+              <a:t>CHIKKU</a:t>
             </a:r>
             <a:endParaRPr lang="en-US" b="1" dirty="0">
               <a:ln w="0"/>
@@ -12110,7 +12155,7 @@
         <p:spPr>
           <a:xfrm>
             <a:off x="3631474" y="5055716"/>
-            <a:ext cx="1854926" cy="369332"/>
+            <a:ext cx="1854926" cy="646331"/>
           </a:xfrm>
           <a:prstGeom prst="rect">
             <a:avLst/>
@@ -12149,7 +12194,7 @@
                 </a:effectLst>
                 <a:latin typeface="Algerian" panose="04020705040A02060702" pitchFamily="82" charset="0"/>
               </a:rPr>
-              <a:t>MAYURI</a:t>
+              <a:t>VIJAYA RAJA MAYURI AKULA</a:t>
             </a:r>
             <a:endParaRPr lang="en-US" b="1" dirty="0">
               <a:ln w="0"/>
@@ -15674,11 +15719,7 @@
             </a:r>
             <a:r>
               <a:rPr lang="en-US" dirty="0"/>
-              <a:t>in JavaScript. The variable may or may not be reassigned, and </a:t>
-            </a:r>
-            <a:r>
-              <a:rPr lang="en-US" dirty="0"/>
-              <a:t> </a:t>
+              <a:t>in JavaScript. The variable may or may not be reassigned, and  </a:t>
             </a:r>
             <a:r>
               <a:rPr lang="en-US" dirty="0" smtClean="0"/>

--- a/docs/TestingQunit.pptx
+++ b/docs/TestingQunit.pptx
@@ -11957,7 +11957,21 @@
                 </a:effectLst>
                 <a:latin typeface="Algerian" panose="04020705040A02060702" pitchFamily="82" charset="0"/>
               </a:rPr>
-              <a:t>PRASHANTH REDDY NACHANNAFARI</a:t>
+              <a:t>PRASHANTH REDDY </a:t>
+            </a:r>
+            <a:r>
+              <a:rPr lang="en-US" b="1" dirty="0" smtClean="0">
+                <a:ln w="0"/>
+                <a:effectLst>
+                  <a:outerShdw blurRad="38100" dist="19050" dir="2700000" algn="tl" rotWithShape="0">
+                    <a:schemeClr val="dk1">
+                      <a:alpha val="40000"/>
+                    </a:schemeClr>
+                  </a:outerShdw>
+                </a:effectLst>
+                <a:latin typeface="Algerian" panose="04020705040A02060702" pitchFamily="82" charset="0"/>
+              </a:rPr>
+              <a:t>NACHANNAGARI</a:t>
             </a:r>
             <a:endParaRPr lang="en-US" b="1" dirty="0">
               <a:ln w="0"/>
@@ -12099,21 +12113,7 @@
                 </a:effectLst>
                 <a:latin typeface="Algerian" panose="04020705040A02060702" pitchFamily="82" charset="0"/>
               </a:rPr>
-              <a:t> </a:t>
-            </a:r>
-            <a:r>
-              <a:rPr lang="en-US" b="1" dirty="0" smtClean="0">
-                <a:ln w="0"/>
-                <a:effectLst>
-                  <a:outerShdw blurRad="38100" dist="19050" dir="2700000" algn="tl" rotWithShape="0">
-                    <a:schemeClr val="dk1">
-                      <a:alpha val="40000"/>
-                    </a:schemeClr>
-                  </a:outerShdw>
-                </a:effectLst>
-                <a:latin typeface="Algerian" panose="04020705040A02060702" pitchFamily="82" charset="0"/>
-              </a:rPr>
-              <a:t>CHITRALEKHA</a:t>
+              <a:t> CHITRALEKHA</a:t>
             </a:r>
           </a:p>
           <a:p>

--- a/docs/TestingQunit.pptx
+++ b/docs/TestingQunit.pptx
@@ -17,8 +17,8 @@
     <p:sldId id="264" r:id="rId11"/>
     <p:sldId id="265" r:id="rId12"/>
     <p:sldId id="266" r:id="rId13"/>
-    <p:sldId id="267" r:id="rId14"/>
-    <p:sldId id="268" r:id="rId15"/>
+    <p:sldId id="268" r:id="rId14"/>
+    <p:sldId id="267" r:id="rId15"/>
     <p:sldId id="271" r:id="rId16"/>
     <p:sldId id="273" r:id="rId17"/>
     <p:sldId id="269" r:id="rId18"/>
@@ -331,7 +331,7 @@
             <a:fld id="{87DE6118-2437-4B30-8E3C-4D2BE6020583}" type="datetimeFigureOut">
               <a:rPr lang="en-US" smtClean="0"/>
               <a:pPr/>
-              <a:t>2/11/2019</a:t>
+              <a:t>2/12/2019</a:t>
             </a:fld>
             <a:endParaRPr lang="en-US" dirty="0"/>
           </a:p>
@@ -608,7 +608,7 @@
             <a:fld id="{87DE6118-2437-4B30-8E3C-4D2BE6020583}" type="datetimeFigureOut">
               <a:rPr lang="en-US" smtClean="0"/>
               <a:pPr/>
-              <a:t>2/11/2019</a:t>
+              <a:t>2/12/2019</a:t>
             </a:fld>
             <a:endParaRPr lang="en-US" dirty="0"/>
           </a:p>
@@ -804,7 +804,7 @@
             <a:fld id="{87DE6118-2437-4B30-8E3C-4D2BE6020583}" type="datetimeFigureOut">
               <a:rPr lang="en-US" smtClean="0"/>
               <a:pPr/>
-              <a:t>2/11/2019</a:t>
+              <a:t>2/12/2019</a:t>
             </a:fld>
             <a:endParaRPr lang="en-US" dirty="0"/>
           </a:p>
@@ -1079,7 +1079,7 @@
             <a:fld id="{87DE6118-2437-4B30-8E3C-4D2BE6020583}" type="datetimeFigureOut">
               <a:rPr lang="en-US" smtClean="0"/>
               <a:pPr/>
-              <a:t>2/11/2019</a:t>
+              <a:t>2/12/2019</a:t>
             </a:fld>
             <a:endParaRPr lang="en-US" dirty="0"/>
           </a:p>
@@ -1422,7 +1422,7 @@
             <a:fld id="{87DE6118-2437-4B30-8E3C-4D2BE6020583}" type="datetimeFigureOut">
               <a:rPr lang="en-US" smtClean="0"/>
               <a:pPr/>
-              <a:t>2/11/2019</a:t>
+              <a:t>2/12/2019</a:t>
             </a:fld>
             <a:endParaRPr lang="en-US" dirty="0"/>
           </a:p>
@@ -2047,7 +2047,7 @@
             <a:fld id="{87DE6118-2437-4B30-8E3C-4D2BE6020583}" type="datetimeFigureOut">
               <a:rPr lang="en-US" smtClean="0"/>
               <a:pPr/>
-              <a:t>2/11/2019</a:t>
+              <a:t>2/12/2019</a:t>
             </a:fld>
             <a:endParaRPr lang="en-US" dirty="0"/>
           </a:p>
@@ -2909,7 +2909,7 @@
             <a:fld id="{87DE6118-2437-4B30-8E3C-4D2BE6020583}" type="datetimeFigureOut">
               <a:rPr lang="en-US" smtClean="0"/>
               <a:pPr/>
-              <a:t>2/11/2019</a:t>
+              <a:t>2/12/2019</a:t>
             </a:fld>
             <a:endParaRPr lang="en-US" dirty="0"/>
           </a:p>
@@ -3080,7 +3080,7 @@
           <a:p>
             <a:fld id="{87DE6118-2437-4B30-8E3C-4D2BE6020583}" type="datetimeFigureOut">
               <a:rPr lang="en-US" smtClean="0"/>
-              <a:t>2/11/2019</a:t>
+              <a:t>2/12/2019</a:t>
             </a:fld>
             <a:endParaRPr lang="en-US" dirty="0"/>
           </a:p>
@@ -3260,7 +3260,7 @@
           <a:p>
             <a:fld id="{87DE6118-2437-4B30-8E3C-4D2BE6020583}" type="datetimeFigureOut">
               <a:rPr lang="en-US" smtClean="0"/>
-              <a:t>2/11/2019</a:t>
+              <a:t>2/12/2019</a:t>
             </a:fld>
             <a:endParaRPr lang="en-US" dirty="0"/>
           </a:p>
@@ -3430,7 +3430,7 @@
           <a:p>
             <a:fld id="{87DE6118-2437-4B30-8E3C-4D2BE6020583}" type="datetimeFigureOut">
               <a:rPr lang="en-US" smtClean="0"/>
-              <a:t>2/11/2019</a:t>
+              <a:t>2/12/2019</a:t>
             </a:fld>
             <a:endParaRPr lang="en-US" dirty="0"/>
           </a:p>
@@ -3678,7 +3678,7 @@
             <a:fld id="{87DE6118-2437-4B30-8E3C-4D2BE6020583}" type="datetimeFigureOut">
               <a:rPr lang="en-US" smtClean="0"/>
               <a:pPr/>
-              <a:t>2/11/2019</a:t>
+              <a:t>2/12/2019</a:t>
             </a:fld>
             <a:endParaRPr lang="en-US" dirty="0"/>
           </a:p>
@@ -3971,7 +3971,7 @@
           <a:p>
             <a:fld id="{87DE6118-2437-4B30-8E3C-4D2BE6020583}" type="datetimeFigureOut">
               <a:rPr lang="en-US" smtClean="0"/>
-              <a:t>2/11/2019</a:t>
+              <a:t>2/12/2019</a:t>
             </a:fld>
             <a:endParaRPr lang="en-US" dirty="0"/>
           </a:p>
@@ -4415,7 +4415,7 @@
           <a:p>
             <a:fld id="{87DE6118-2437-4B30-8E3C-4D2BE6020583}" type="datetimeFigureOut">
               <a:rPr lang="en-US" smtClean="0"/>
-              <a:t>2/11/2019</a:t>
+              <a:t>2/12/2019</a:t>
             </a:fld>
             <a:endParaRPr lang="en-US" dirty="0"/>
           </a:p>
@@ -4533,7 +4533,7 @@
           <a:p>
             <a:fld id="{87DE6118-2437-4B30-8E3C-4D2BE6020583}" type="datetimeFigureOut">
               <a:rPr lang="en-US" smtClean="0"/>
-              <a:t>2/11/2019</a:t>
+              <a:t>2/12/2019</a:t>
             </a:fld>
             <a:endParaRPr lang="en-US" dirty="0"/>
           </a:p>
@@ -4628,7 +4628,7 @@
           <a:p>
             <a:fld id="{87DE6118-2437-4B30-8E3C-4D2BE6020583}" type="datetimeFigureOut">
               <a:rPr lang="en-US" smtClean="0"/>
-              <a:t>2/11/2019</a:t>
+              <a:t>2/12/2019</a:t>
             </a:fld>
             <a:endParaRPr lang="en-US" dirty="0"/>
           </a:p>
@@ -4908,7 +4908,7 @@
             <a:fld id="{87DE6118-2437-4B30-8E3C-4D2BE6020583}" type="datetimeFigureOut">
               <a:rPr lang="en-US" smtClean="0"/>
               <a:pPr/>
-              <a:t>2/11/2019</a:t>
+              <a:t>2/12/2019</a:t>
             </a:fld>
             <a:endParaRPr lang="en-US" dirty="0"/>
           </a:p>
@@ -5185,7 +5185,7 @@
             <a:fld id="{87DE6118-2437-4B30-8E3C-4D2BE6020583}" type="datetimeFigureOut">
               <a:rPr lang="en-US" smtClean="0"/>
               <a:pPr/>
-              <a:t>2/11/2019</a:t>
+              <a:t>2/12/2019</a:t>
             </a:fld>
             <a:endParaRPr lang="en-US" dirty="0"/>
           </a:p>
@@ -5616,7 +5616,7 @@
             <a:fld id="{87DE6118-2437-4B30-8E3C-4D2BE6020583}" type="datetimeFigureOut">
               <a:rPr lang="en-US" smtClean="0"/>
               <a:pPr/>
-              <a:t>2/11/2019</a:t>
+              <a:t>2/12/2019</a:t>
             </a:fld>
             <a:endParaRPr lang="en-US" dirty="0"/>
           </a:p>
@@ -7979,905 +7979,6 @@
           <a:lstStyle/>
           <a:p>
             <a:r>
-              <a:rPr lang="en-US" dirty="0" err="1" smtClean="0"/>
-              <a:t>Qunit</a:t>
-            </a:r>
-            <a:r>
-              <a:rPr lang="en-US" dirty="0" smtClean="0"/>
-              <a:t> used in both </a:t>
-            </a:r>
-            <a:endParaRPr lang="en-US" dirty="0"/>
-          </a:p>
-        </p:txBody>
-      </p:sp>
-      <p:graphicFrame>
-        <p:nvGraphicFramePr>
-          <p:cNvPr id="4" name="Content Placeholder 3"/>
-          <p:cNvGraphicFramePr>
-            <a:graphicFrameLocks noGrp="1"/>
-          </p:cNvGraphicFramePr>
-          <p:nvPr>
-            <p:ph idx="1"/>
-            <p:extLst>
-              <p:ext uri="{D42A27DB-BD31-4B8C-83A1-F6EECF244321}">
-                <p14:modId xmlns:p14="http://schemas.microsoft.com/office/powerpoint/2010/main" val="2493619926"/>
-              </p:ext>
-            </p:extLst>
-          </p:nvPr>
-        </p:nvGraphicFramePr>
-        <p:xfrm>
-          <a:off x="2651759" y="2273360"/>
-          <a:ext cx="5581384" cy="3819480"/>
-        </p:xfrm>
-        <a:graphic>
-          <a:graphicData uri="http://schemas.openxmlformats.org/drawingml/2006/table">
-            <a:tbl>
-              <a:tblPr/>
-              <a:tblGrid>
-                <a:gridCol w="2790692">
-                  <a:extLst>
-                    <a:ext uri="{9D8B030D-6E8A-4147-A177-3AD203B41FA5}">
-                      <a16:colId xmlns:a16="http://schemas.microsoft.com/office/drawing/2014/main" val="2267838453"/>
-                    </a:ext>
-                  </a:extLst>
-                </a:gridCol>
-                <a:gridCol w="2790692">
-                  <a:extLst>
-                    <a:ext uri="{9D8B030D-6E8A-4147-A177-3AD203B41FA5}">
-                      <a16:colId xmlns:a16="http://schemas.microsoft.com/office/drawing/2014/main" val="3748769534"/>
-                    </a:ext>
-                  </a:extLst>
-                </a:gridCol>
-              </a:tblGrid>
-              <a:tr h="305729">
-                <a:tc>
-                  <a:txBody>
-                    <a:bodyPr/>
-                    <a:lstStyle/>
-                    <a:p>
-                      <a:pPr algn="ctr" fontAlgn="t"/>
-                      <a:r>
-                        <a:rPr lang="en-US" sz="1300">
-                          <a:effectLst/>
-                        </a:rPr>
-                        <a:t>Manual testing</a:t>
-                      </a:r>
-                    </a:p>
-                  </a:txBody>
-                  <a:tcPr marL="54595" marR="54595" marT="54595" marB="54595">
-                    <a:lnL w="9525" cap="flat" cmpd="sng" algn="ctr">
-                      <a:solidFill>
-                        <a:srgbClr val="DDDDDD"/>
-                      </a:solidFill>
-                      <a:prstDash val="solid"/>
-                      <a:round/>
-                      <a:headEnd type="none" w="med" len="med"/>
-                      <a:tailEnd type="none" w="med" len="med"/>
-                    </a:lnL>
-                    <a:lnR w="9525" cap="flat" cmpd="sng" algn="ctr">
-                      <a:solidFill>
-                        <a:srgbClr val="DDDDDD"/>
-                      </a:solidFill>
-                      <a:prstDash val="solid"/>
-                      <a:round/>
-                      <a:headEnd type="none" w="med" len="med"/>
-                      <a:tailEnd type="none" w="med" len="med"/>
-                    </a:lnR>
-                    <a:lnT w="9525" cap="flat" cmpd="sng" algn="ctr">
-                      <a:solidFill>
-                        <a:srgbClr val="DDDDDD"/>
-                      </a:solidFill>
-                      <a:prstDash val="solid"/>
-                      <a:round/>
-                      <a:headEnd type="none" w="med" len="med"/>
-                      <a:tailEnd type="none" w="med" len="med"/>
-                    </a:lnT>
-                    <a:lnB w="9525" cap="flat" cmpd="sng" algn="ctr">
-                      <a:solidFill>
-                        <a:srgbClr val="DDDDDD"/>
-                      </a:solidFill>
-                      <a:prstDash val="solid"/>
-                      <a:round/>
-                      <a:headEnd type="none" w="med" len="med"/>
-                      <a:tailEnd type="none" w="med" len="med"/>
-                    </a:lnB>
-                    <a:solidFill>
-                      <a:srgbClr val="EEEEEE"/>
-                    </a:solidFill>
-                  </a:tcPr>
-                </a:tc>
-                <a:tc>
-                  <a:txBody>
-                    <a:bodyPr/>
-                    <a:lstStyle/>
-                    <a:p>
-                      <a:pPr algn="ctr" fontAlgn="t"/>
-                      <a:r>
-                        <a:rPr lang="en-US" sz="1300">
-                          <a:effectLst/>
-                        </a:rPr>
-                        <a:t>Automated testing</a:t>
-                      </a:r>
-                    </a:p>
-                  </a:txBody>
-                  <a:tcPr marL="54595" marR="54595" marT="54595" marB="54595">
-                    <a:lnL w="9525" cap="flat" cmpd="sng" algn="ctr">
-                      <a:solidFill>
-                        <a:srgbClr val="DDDDDD"/>
-                      </a:solidFill>
-                      <a:prstDash val="solid"/>
-                      <a:round/>
-                      <a:headEnd type="none" w="med" len="med"/>
-                      <a:tailEnd type="none" w="med" len="med"/>
-                    </a:lnL>
-                    <a:lnR w="9525" cap="flat" cmpd="sng" algn="ctr">
-                      <a:solidFill>
-                        <a:srgbClr val="DDDDDD"/>
-                      </a:solidFill>
-                      <a:prstDash val="solid"/>
-                      <a:round/>
-                      <a:headEnd type="none" w="med" len="med"/>
-                      <a:tailEnd type="none" w="med" len="med"/>
-                    </a:lnR>
-                    <a:lnT w="9525" cap="flat" cmpd="sng" algn="ctr">
-                      <a:solidFill>
-                        <a:srgbClr val="DDDDDD"/>
-                      </a:solidFill>
-                      <a:prstDash val="solid"/>
-                      <a:round/>
-                      <a:headEnd type="none" w="med" len="med"/>
-                      <a:tailEnd type="none" w="med" len="med"/>
-                    </a:lnT>
-                    <a:lnB w="9525" cap="flat" cmpd="sng" algn="ctr">
-                      <a:solidFill>
-                        <a:srgbClr val="DDDDDD"/>
-                      </a:solidFill>
-                      <a:prstDash val="solid"/>
-                      <a:round/>
-                      <a:headEnd type="none" w="med" len="med"/>
-                      <a:tailEnd type="none" w="med" len="med"/>
-                    </a:lnB>
-                    <a:solidFill>
-                      <a:srgbClr val="EEEEEE"/>
-                    </a:solidFill>
-                  </a:tcPr>
-                </a:tc>
-                <a:extLst>
-                  <a:ext uri="{0D108BD9-81ED-4DB2-BD59-A6C34878D82A}">
-                    <a16:rowId xmlns:a16="http://schemas.microsoft.com/office/drawing/2014/main" val="1188084988"/>
-                  </a:ext>
-                </a:extLst>
-              </a:tr>
-              <a:tr h="1091890">
-                <a:tc>
-                  <a:txBody>
-                    <a:bodyPr/>
-                    <a:lstStyle/>
-                    <a:p>
-                      <a:pPr fontAlgn="t"/>
-                      <a:r>
-                        <a:rPr lang="en-US" sz="1600" dirty="0">
-                          <a:effectLst/>
-                          <a:latin typeface="Calibri" panose="020F0502020204030204" pitchFamily="34" charset="0"/>
-                          <a:cs typeface="Calibri" panose="020F0502020204030204" pitchFamily="34" charset="0"/>
-                        </a:rPr>
-                        <a:t>Executing the test cases manually without any tool support is known as manual testing.</a:t>
-                      </a:r>
-                    </a:p>
-                  </a:txBody>
-                  <a:tcPr marL="54595" marR="54595" marT="54595" marB="54595">
-                    <a:lnL w="9525" cap="flat" cmpd="sng" algn="ctr">
-                      <a:solidFill>
-                        <a:srgbClr val="DDDDDD"/>
-                      </a:solidFill>
-                      <a:prstDash val="solid"/>
-                      <a:round/>
-                      <a:headEnd type="none" w="med" len="med"/>
-                      <a:tailEnd type="none" w="med" len="med"/>
-                    </a:lnL>
-                    <a:lnR w="9525" cap="flat" cmpd="sng" algn="ctr">
-                      <a:solidFill>
-                        <a:srgbClr val="DDDDDD"/>
-                      </a:solidFill>
-                      <a:prstDash val="solid"/>
-                      <a:round/>
-                      <a:headEnd type="none" w="med" len="med"/>
-                      <a:tailEnd type="none" w="med" len="med"/>
-                    </a:lnR>
-                    <a:lnT w="9525" cap="flat" cmpd="sng" algn="ctr">
-                      <a:solidFill>
-                        <a:srgbClr val="DDDDDD"/>
-                      </a:solidFill>
-                      <a:prstDash val="solid"/>
-                      <a:round/>
-                      <a:headEnd type="none" w="med" len="med"/>
-                      <a:tailEnd type="none" w="med" len="med"/>
-                    </a:lnT>
-                    <a:lnB w="9525" cap="flat" cmpd="sng" algn="ctr">
-                      <a:solidFill>
-                        <a:srgbClr val="DDDDDD"/>
-                      </a:solidFill>
-                      <a:prstDash val="solid"/>
-                      <a:round/>
-                      <a:headEnd type="none" w="med" len="med"/>
-                      <a:tailEnd type="none" w="med" len="med"/>
-                    </a:lnB>
-                  </a:tcPr>
-                </a:tc>
-                <a:tc>
-                  <a:txBody>
-                    <a:bodyPr/>
-                    <a:lstStyle/>
-                    <a:p>
-                      <a:pPr fontAlgn="t"/>
-                      <a:r>
-                        <a:rPr lang="en-US" sz="1600" dirty="0">
-                          <a:effectLst/>
-                          <a:latin typeface="Calibri" panose="020F0502020204030204" pitchFamily="34" charset="0"/>
-                          <a:cs typeface="Calibri" panose="020F0502020204030204" pitchFamily="34" charset="0"/>
-                        </a:rPr>
-                        <a:t>Taking tool support and executing the test cases using automation tool is known as automation testing.</a:t>
-                      </a:r>
-                    </a:p>
-                  </a:txBody>
-                  <a:tcPr marL="54595" marR="54595" marT="54595" marB="54595">
-                    <a:lnL w="9525" cap="flat" cmpd="sng" algn="ctr">
-                      <a:solidFill>
-                        <a:srgbClr val="DDDDDD"/>
-                      </a:solidFill>
-                      <a:prstDash val="solid"/>
-                      <a:round/>
-                      <a:headEnd type="none" w="med" len="med"/>
-                      <a:tailEnd type="none" w="med" len="med"/>
-                    </a:lnL>
-                    <a:lnR w="9525" cap="flat" cmpd="sng" algn="ctr">
-                      <a:solidFill>
-                        <a:srgbClr val="DDDDDD"/>
-                      </a:solidFill>
-                      <a:prstDash val="solid"/>
-                      <a:round/>
-                      <a:headEnd type="none" w="med" len="med"/>
-                      <a:tailEnd type="none" w="med" len="med"/>
-                    </a:lnR>
-                    <a:lnT w="9525" cap="flat" cmpd="sng" algn="ctr">
-                      <a:solidFill>
-                        <a:srgbClr val="DDDDDD"/>
-                      </a:solidFill>
-                      <a:prstDash val="solid"/>
-                      <a:round/>
-                      <a:headEnd type="none" w="med" len="med"/>
-                      <a:tailEnd type="none" w="med" len="med"/>
-                    </a:lnT>
-                    <a:lnB w="9525" cap="flat" cmpd="sng" algn="ctr">
-                      <a:solidFill>
-                        <a:srgbClr val="DDDDDD"/>
-                      </a:solidFill>
-                      <a:prstDash val="solid"/>
-                      <a:round/>
-                      <a:headEnd type="none" w="med" len="med"/>
-                      <a:tailEnd type="none" w="med" len="med"/>
-                    </a:lnB>
-                  </a:tcPr>
-                </a:tc>
-                <a:extLst>
-                  <a:ext uri="{0D108BD9-81ED-4DB2-BD59-A6C34878D82A}">
-                    <a16:rowId xmlns:a16="http://schemas.microsoft.com/office/drawing/2014/main" val="4252266682"/>
-                  </a:ext>
-                </a:extLst>
-              </a:tr>
-              <a:tr h="1091890">
-                <a:tc>
-                  <a:txBody>
-                    <a:bodyPr/>
-                    <a:lstStyle/>
-                    <a:p>
-                      <a:pPr fontAlgn="t"/>
-                      <a:r>
-                        <a:rPr lang="en-US" sz="1600">
-                          <a:effectLst/>
-                          <a:latin typeface="Calibri" panose="020F0502020204030204" pitchFamily="34" charset="0"/>
-                          <a:cs typeface="Calibri" panose="020F0502020204030204" pitchFamily="34" charset="0"/>
-                        </a:rPr>
-                        <a:t>Time consuming and tedious. Since the test cases are executed by human resources, it is very slow and tedious.</a:t>
-                      </a:r>
-                    </a:p>
-                  </a:txBody>
-                  <a:tcPr marL="54595" marR="54595" marT="54595" marB="54595">
-                    <a:lnL w="9525" cap="flat" cmpd="sng" algn="ctr">
-                      <a:solidFill>
-                        <a:srgbClr val="DDDDDD"/>
-                      </a:solidFill>
-                      <a:prstDash val="solid"/>
-                      <a:round/>
-                      <a:headEnd type="none" w="med" len="med"/>
-                      <a:tailEnd type="none" w="med" len="med"/>
-                    </a:lnL>
-                    <a:lnR w="9525" cap="flat" cmpd="sng" algn="ctr">
-                      <a:solidFill>
-                        <a:srgbClr val="DDDDDD"/>
-                      </a:solidFill>
-                      <a:prstDash val="solid"/>
-                      <a:round/>
-                      <a:headEnd type="none" w="med" len="med"/>
-                      <a:tailEnd type="none" w="med" len="med"/>
-                    </a:lnR>
-                    <a:lnT w="9525" cap="flat" cmpd="sng" algn="ctr">
-                      <a:solidFill>
-                        <a:srgbClr val="DDDDDD"/>
-                      </a:solidFill>
-                      <a:prstDash val="solid"/>
-                      <a:round/>
-                      <a:headEnd type="none" w="med" len="med"/>
-                      <a:tailEnd type="none" w="med" len="med"/>
-                    </a:lnT>
-                    <a:lnB w="9525" cap="flat" cmpd="sng" algn="ctr">
-                      <a:solidFill>
-                        <a:srgbClr val="DDDDDD"/>
-                      </a:solidFill>
-                      <a:prstDash val="solid"/>
-                      <a:round/>
-                      <a:headEnd type="none" w="med" len="med"/>
-                      <a:tailEnd type="none" w="med" len="med"/>
-                    </a:lnB>
-                  </a:tcPr>
-                </a:tc>
-                <a:tc>
-                  <a:txBody>
-                    <a:bodyPr/>
-                    <a:lstStyle/>
-                    <a:p>
-                      <a:pPr fontAlgn="t"/>
-                      <a:r>
-                        <a:rPr lang="en-US" sz="1600">
-                          <a:effectLst/>
-                          <a:latin typeface="Calibri" panose="020F0502020204030204" pitchFamily="34" charset="0"/>
-                          <a:cs typeface="Calibri" panose="020F0502020204030204" pitchFamily="34" charset="0"/>
-                        </a:rPr>
-                        <a:t>Fast Automation. Runs test cases significantly faster than human resources.</a:t>
-                      </a:r>
-                    </a:p>
-                  </a:txBody>
-                  <a:tcPr marL="54595" marR="54595" marT="54595" marB="54595">
-                    <a:lnL w="9525" cap="flat" cmpd="sng" algn="ctr">
-                      <a:solidFill>
-                        <a:srgbClr val="DDDDDD"/>
-                      </a:solidFill>
-                      <a:prstDash val="solid"/>
-                      <a:round/>
-                      <a:headEnd type="none" w="med" len="med"/>
-                      <a:tailEnd type="none" w="med" len="med"/>
-                    </a:lnL>
-                    <a:lnR w="9525" cap="flat" cmpd="sng" algn="ctr">
-                      <a:solidFill>
-                        <a:srgbClr val="DDDDDD"/>
-                      </a:solidFill>
-                      <a:prstDash val="solid"/>
-                      <a:round/>
-                      <a:headEnd type="none" w="med" len="med"/>
-                      <a:tailEnd type="none" w="med" len="med"/>
-                    </a:lnR>
-                    <a:lnT w="9525" cap="flat" cmpd="sng" algn="ctr">
-                      <a:solidFill>
-                        <a:srgbClr val="DDDDDD"/>
-                      </a:solidFill>
-                      <a:prstDash val="solid"/>
-                      <a:round/>
-                      <a:headEnd type="none" w="med" len="med"/>
-                      <a:tailEnd type="none" w="med" len="med"/>
-                    </a:lnT>
-                    <a:lnB w="9525" cap="flat" cmpd="sng" algn="ctr">
-                      <a:solidFill>
-                        <a:srgbClr val="DDDDDD"/>
-                      </a:solidFill>
-                      <a:prstDash val="solid"/>
-                      <a:round/>
-                      <a:headEnd type="none" w="med" len="med"/>
-                      <a:tailEnd type="none" w="med" len="med"/>
-                    </a:lnB>
-                  </a:tcPr>
-                </a:tc>
-                <a:extLst>
-                  <a:ext uri="{0D108BD9-81ED-4DB2-BD59-A6C34878D82A}">
-                    <a16:rowId xmlns:a16="http://schemas.microsoft.com/office/drawing/2014/main" val="176435846"/>
-                  </a:ext>
-                </a:extLst>
-              </a:tr>
-              <a:tr h="1091890">
-                <a:tc>
-                  <a:txBody>
-                    <a:bodyPr/>
-                    <a:lstStyle/>
-                    <a:p>
-                      <a:pPr fontAlgn="t"/>
-                      <a:r>
-                        <a:rPr lang="en-US" sz="1600">
-                          <a:effectLst/>
-                          <a:latin typeface="Calibri" panose="020F0502020204030204" pitchFamily="34" charset="0"/>
-                          <a:cs typeface="Calibri" panose="020F0502020204030204" pitchFamily="34" charset="0"/>
-                        </a:rPr>
-                        <a:t>Huge investment in human resources. As test cases need to be executed manually, more number of testers are required.</a:t>
-                      </a:r>
-                    </a:p>
-                  </a:txBody>
-                  <a:tcPr marL="54595" marR="54595" marT="54595" marB="54595">
-                    <a:lnL w="9525" cap="flat" cmpd="sng" algn="ctr">
-                      <a:solidFill>
-                        <a:srgbClr val="DDDDDD"/>
-                      </a:solidFill>
-                      <a:prstDash val="solid"/>
-                      <a:round/>
-                      <a:headEnd type="none" w="med" len="med"/>
-                      <a:tailEnd type="none" w="med" len="med"/>
-                    </a:lnL>
-                    <a:lnR w="9525" cap="flat" cmpd="sng" algn="ctr">
-                      <a:solidFill>
-                        <a:srgbClr val="DDDDDD"/>
-                      </a:solidFill>
-                      <a:prstDash val="solid"/>
-                      <a:round/>
-                      <a:headEnd type="none" w="med" len="med"/>
-                      <a:tailEnd type="none" w="med" len="med"/>
-                    </a:lnR>
-                    <a:lnT w="9525" cap="flat" cmpd="sng" algn="ctr">
-                      <a:solidFill>
-                        <a:srgbClr val="DDDDDD"/>
-                      </a:solidFill>
-                      <a:prstDash val="solid"/>
-                      <a:round/>
-                      <a:headEnd type="none" w="med" len="med"/>
-                      <a:tailEnd type="none" w="med" len="med"/>
-                    </a:lnT>
-                    <a:lnB w="9525" cap="flat" cmpd="sng" algn="ctr">
-                      <a:solidFill>
-                        <a:srgbClr val="DDDDDD"/>
-                      </a:solidFill>
-                      <a:prstDash val="solid"/>
-                      <a:round/>
-                      <a:headEnd type="none" w="med" len="med"/>
-                      <a:tailEnd type="none" w="med" len="med"/>
-                    </a:lnB>
-                  </a:tcPr>
-                </a:tc>
-                <a:tc>
-                  <a:txBody>
-                    <a:bodyPr/>
-                    <a:lstStyle/>
-                    <a:p>
-                      <a:pPr fontAlgn="t"/>
-                      <a:r>
-                        <a:rPr lang="en-US" sz="1600" dirty="0">
-                          <a:effectLst/>
-                          <a:latin typeface="Calibri" panose="020F0502020204030204" pitchFamily="34" charset="0"/>
-                          <a:cs typeface="Calibri" panose="020F0502020204030204" pitchFamily="34" charset="0"/>
-                        </a:rPr>
-                        <a:t>Less investment in human resources. Test cases are executed using automation tool hence, less number of testers are required.</a:t>
-                      </a:r>
-                    </a:p>
-                  </a:txBody>
-                  <a:tcPr marL="54595" marR="54595" marT="54595" marB="54595">
-                    <a:lnL w="9525" cap="flat" cmpd="sng" algn="ctr">
-                      <a:solidFill>
-                        <a:srgbClr val="DDDDDD"/>
-                      </a:solidFill>
-                      <a:prstDash val="solid"/>
-                      <a:round/>
-                      <a:headEnd type="none" w="med" len="med"/>
-                      <a:tailEnd type="none" w="med" len="med"/>
-                    </a:lnL>
-                    <a:lnR w="9525" cap="flat" cmpd="sng" algn="ctr">
-                      <a:solidFill>
-                        <a:srgbClr val="DDDDDD"/>
-                      </a:solidFill>
-                      <a:prstDash val="solid"/>
-                      <a:round/>
-                      <a:headEnd type="none" w="med" len="med"/>
-                      <a:tailEnd type="none" w="med" len="med"/>
-                    </a:lnR>
-                    <a:lnT w="9525" cap="flat" cmpd="sng" algn="ctr">
-                      <a:solidFill>
-                        <a:srgbClr val="DDDDDD"/>
-                      </a:solidFill>
-                      <a:prstDash val="solid"/>
-                      <a:round/>
-                      <a:headEnd type="none" w="med" len="med"/>
-                      <a:tailEnd type="none" w="med" len="med"/>
-                    </a:lnT>
-                    <a:lnB w="9525" cap="flat" cmpd="sng" algn="ctr">
-                      <a:solidFill>
-                        <a:srgbClr val="DDDDDD"/>
-                      </a:solidFill>
-                      <a:prstDash val="solid"/>
-                      <a:round/>
-                      <a:headEnd type="none" w="med" len="med"/>
-                      <a:tailEnd type="none" w="med" len="med"/>
-                    </a:lnB>
-                  </a:tcPr>
-                </a:tc>
-                <a:extLst>
-                  <a:ext uri="{0D108BD9-81ED-4DB2-BD59-A6C34878D82A}">
-                    <a16:rowId xmlns:a16="http://schemas.microsoft.com/office/drawing/2014/main" val="1085384478"/>
-                  </a:ext>
-                </a:extLst>
-              </a:tr>
-            </a:tbl>
-          </a:graphicData>
-        </a:graphic>
-      </p:graphicFrame>
-    </p:spTree>
-    <p:extLst>
-      <p:ext uri="{BB962C8B-B14F-4D97-AF65-F5344CB8AC3E}">
-        <p14:creationId xmlns:p14="http://schemas.microsoft.com/office/powerpoint/2010/main" val="1888750934"/>
-      </p:ext>
-    </p:extLst>
-  </p:cSld>
-  <p:clrMapOvr>
-    <a:masterClrMapping/>
-  </p:clrMapOvr>
-  <p:timing>
-    <p:tnLst>
-      <p:par>
-        <p:cTn id="1" dur="indefinite" restart="never" nodeType="tmRoot">
-          <p:childTnLst>
-            <p:seq concurrent="1" nextAc="seek">
-              <p:cTn id="2" dur="indefinite" nodeType="mainSeq">
-                <p:childTnLst>
-                  <p:par>
-                    <p:cTn id="3" fill="hold">
-                      <p:stCondLst>
-                        <p:cond delay="indefinite"/>
-                      </p:stCondLst>
-                      <p:childTnLst>
-                        <p:par>
-                          <p:cTn id="4" fill="hold">
-                            <p:stCondLst>
-                              <p:cond delay="0"/>
-                            </p:stCondLst>
-                            <p:childTnLst>
-                              <p:par>
-                                <p:cTn id="5" presetID="26" presetClass="entr" presetSubtype="0" fill="hold" nodeType="clickEffect">
-                                  <p:stCondLst>
-                                    <p:cond delay="0"/>
-                                  </p:stCondLst>
-                                  <p:iterate type="lt">
-                                    <p:tmPct val="0"/>
-                                  </p:iterate>
-                                  <p:childTnLst>
-                                    <p:set>
-                                      <p:cBhvr>
-                                        <p:cTn id="6" dur="1" fill="hold">
-                                          <p:stCondLst>
-                                            <p:cond delay="0"/>
-                                          </p:stCondLst>
-                                        </p:cTn>
-                                        <p:tgtEl>
-                                          <p:spTgt spid="4"/>
-                                        </p:tgtEl>
-                                        <p:attrNameLst>
-                                          <p:attrName>style.visibility</p:attrName>
-                                        </p:attrNameLst>
-                                      </p:cBhvr>
-                                      <p:to>
-                                        <p:strVal val="visible"/>
-                                      </p:to>
-                                    </p:set>
-                                    <p:animEffect transition="in" filter="wipe(down)">
-                                      <p:cBhvr>
-                                        <p:cTn id="7" dur="580">
-                                          <p:stCondLst>
-                                            <p:cond delay="0"/>
-                                          </p:stCondLst>
-                                        </p:cTn>
-                                        <p:tgtEl>
-                                          <p:spTgt spid="4"/>
-                                        </p:tgtEl>
-                                      </p:cBhvr>
-                                    </p:animEffect>
-                                    <p:anim calcmode="lin" valueType="num">
-                                      <p:cBhvr>
-                                        <p:cTn id="8" dur="1822" tmFilter="0,0; 0.14,0.36; 0.43,0.73; 0.71,0.91; 1.0,1.0">
-                                          <p:stCondLst>
-                                            <p:cond delay="0"/>
-                                          </p:stCondLst>
-                                        </p:cTn>
-                                        <p:tgtEl>
-                                          <p:spTgt spid="4"/>
-                                        </p:tgtEl>
-                                        <p:attrNameLst>
-                                          <p:attrName>ppt_x</p:attrName>
-                                        </p:attrNameLst>
-                                      </p:cBhvr>
-                                      <p:tavLst>
-                                        <p:tav tm="0">
-                                          <p:val>
-                                            <p:strVal val="#ppt_x-0.25"/>
-                                          </p:val>
-                                        </p:tav>
-                                        <p:tav tm="100000">
-                                          <p:val>
-                                            <p:strVal val="#ppt_x"/>
-                                          </p:val>
-                                        </p:tav>
-                                      </p:tavLst>
-                                    </p:anim>
-                                    <p:anim calcmode="lin" valueType="num">
-                                      <p:cBhvr>
-                                        <p:cTn id="9" dur="664" tmFilter="0.0,0.0; 0.25,0.07; 0.50,0.2; 0.75,0.467; 1.0,1.0">
-                                          <p:stCondLst>
-                                            <p:cond delay="0"/>
-                                          </p:stCondLst>
-                                        </p:cTn>
-                                        <p:tgtEl>
-                                          <p:spTgt spid="4"/>
-                                        </p:tgtEl>
-                                        <p:attrNameLst>
-                                          <p:attrName>ppt_y</p:attrName>
-                                        </p:attrNameLst>
-                                      </p:cBhvr>
-                                      <p:tavLst>
-                                        <p:tav tm="0" fmla="#ppt_y-sin(pi*$)/3">
-                                          <p:val>
-                                            <p:fltVal val="0.5"/>
-                                          </p:val>
-                                        </p:tav>
-                                        <p:tav tm="100000">
-                                          <p:val>
-                                            <p:fltVal val="1"/>
-                                          </p:val>
-                                        </p:tav>
-                                      </p:tavLst>
-                                    </p:anim>
-                                    <p:anim calcmode="lin" valueType="num">
-                                      <p:cBhvr>
-                                        <p:cTn id="10" dur="664" tmFilter="0, 0; 0.125,0.2665; 0.25,0.4; 0.375,0.465; 0.5,0.5;  0.625,0.535; 0.75,0.6; 0.875,0.7335; 1,1">
-                                          <p:stCondLst>
-                                            <p:cond delay="664"/>
-                                          </p:stCondLst>
-                                        </p:cTn>
-                                        <p:tgtEl>
-                                          <p:spTgt spid="4"/>
-                                        </p:tgtEl>
-                                        <p:attrNameLst>
-                                          <p:attrName>ppt_y</p:attrName>
-                                        </p:attrNameLst>
-                                      </p:cBhvr>
-                                      <p:tavLst>
-                                        <p:tav tm="0" fmla="#ppt_y-sin(pi*$)/9">
-                                          <p:val>
-                                            <p:fltVal val="0"/>
-                                          </p:val>
-                                        </p:tav>
-                                        <p:tav tm="100000">
-                                          <p:val>
-                                            <p:fltVal val="1"/>
-                                          </p:val>
-                                        </p:tav>
-                                      </p:tavLst>
-                                    </p:anim>
-                                    <p:anim calcmode="lin" valueType="num">
-                                      <p:cBhvr>
-                                        <p:cTn id="11" dur="332" tmFilter="0, 0; 0.125,0.2665; 0.25,0.4; 0.375,0.465; 0.5,0.5;  0.625,0.535; 0.75,0.6; 0.875,0.7335; 1,1">
-                                          <p:stCondLst>
-                                            <p:cond delay="1324"/>
-                                          </p:stCondLst>
-                                        </p:cTn>
-                                        <p:tgtEl>
-                                          <p:spTgt spid="4"/>
-                                        </p:tgtEl>
-                                        <p:attrNameLst>
-                                          <p:attrName>ppt_y</p:attrName>
-                                        </p:attrNameLst>
-                                      </p:cBhvr>
-                                      <p:tavLst>
-                                        <p:tav tm="0" fmla="#ppt_y-sin(pi*$)/27">
-                                          <p:val>
-                                            <p:fltVal val="0"/>
-                                          </p:val>
-                                        </p:tav>
-                                        <p:tav tm="100000">
-                                          <p:val>
-                                            <p:fltVal val="1"/>
-                                          </p:val>
-                                        </p:tav>
-                                      </p:tavLst>
-                                    </p:anim>
-                                    <p:anim calcmode="lin" valueType="num">
-                                      <p:cBhvr>
-                                        <p:cTn id="12" dur="164" tmFilter="0, 0; 0.125,0.2665; 0.25,0.4; 0.375,0.465; 0.5,0.5;  0.625,0.535; 0.75,0.6; 0.875,0.7335; 1,1">
-                                          <p:stCondLst>
-                                            <p:cond delay="1656"/>
-                                          </p:stCondLst>
-                                        </p:cTn>
-                                        <p:tgtEl>
-                                          <p:spTgt spid="4"/>
-                                        </p:tgtEl>
-                                        <p:attrNameLst>
-                                          <p:attrName>ppt_y</p:attrName>
-                                        </p:attrNameLst>
-                                      </p:cBhvr>
-                                      <p:tavLst>
-                                        <p:tav tm="0" fmla="#ppt_y-sin(pi*$)/81">
-                                          <p:val>
-                                            <p:fltVal val="0"/>
-                                          </p:val>
-                                        </p:tav>
-                                        <p:tav tm="100000">
-                                          <p:val>
-                                            <p:fltVal val="1"/>
-                                          </p:val>
-                                        </p:tav>
-                                      </p:tavLst>
-                                    </p:anim>
-                                    <p:animScale>
-                                      <p:cBhvr>
-                                        <p:cTn id="13" dur="26">
-                                          <p:stCondLst>
-                                            <p:cond delay="650"/>
-                                          </p:stCondLst>
-                                        </p:cTn>
-                                        <p:tgtEl>
-                                          <p:spTgt spid="4"/>
-                                        </p:tgtEl>
-                                      </p:cBhvr>
-                                      <p:to x="100000" y="60000"/>
-                                    </p:animScale>
-                                    <p:animScale>
-                                      <p:cBhvr>
-                                        <p:cTn id="14" dur="166" decel="50000">
-                                          <p:stCondLst>
-                                            <p:cond delay="676"/>
-                                          </p:stCondLst>
-                                        </p:cTn>
-                                        <p:tgtEl>
-                                          <p:spTgt spid="4"/>
-                                        </p:tgtEl>
-                                      </p:cBhvr>
-                                      <p:to x="100000" y="100000"/>
-                                    </p:animScale>
-                                    <p:animScale>
-                                      <p:cBhvr>
-                                        <p:cTn id="15" dur="26">
-                                          <p:stCondLst>
-                                            <p:cond delay="1312"/>
-                                          </p:stCondLst>
-                                        </p:cTn>
-                                        <p:tgtEl>
-                                          <p:spTgt spid="4"/>
-                                        </p:tgtEl>
-                                      </p:cBhvr>
-                                      <p:to x="100000" y="80000"/>
-                                    </p:animScale>
-                                    <p:animScale>
-                                      <p:cBhvr>
-                                        <p:cTn id="16" dur="166" decel="50000">
-                                          <p:stCondLst>
-                                            <p:cond delay="1338"/>
-                                          </p:stCondLst>
-                                        </p:cTn>
-                                        <p:tgtEl>
-                                          <p:spTgt spid="4"/>
-                                        </p:tgtEl>
-                                      </p:cBhvr>
-                                      <p:to x="100000" y="100000"/>
-                                    </p:animScale>
-                                    <p:animScale>
-                                      <p:cBhvr>
-                                        <p:cTn id="17" dur="26">
-                                          <p:stCondLst>
-                                            <p:cond delay="1642"/>
-                                          </p:stCondLst>
-                                        </p:cTn>
-                                        <p:tgtEl>
-                                          <p:spTgt spid="4"/>
-                                        </p:tgtEl>
-                                      </p:cBhvr>
-                                      <p:to x="100000" y="90000"/>
-                                    </p:animScale>
-                                    <p:animScale>
-                                      <p:cBhvr>
-                                        <p:cTn id="18" dur="166" decel="50000">
-                                          <p:stCondLst>
-                                            <p:cond delay="1668"/>
-                                          </p:stCondLst>
-                                        </p:cTn>
-                                        <p:tgtEl>
-                                          <p:spTgt spid="4"/>
-                                        </p:tgtEl>
-                                      </p:cBhvr>
-                                      <p:to x="100000" y="100000"/>
-                                    </p:animScale>
-                                    <p:animScale>
-                                      <p:cBhvr>
-                                        <p:cTn id="19" dur="26">
-                                          <p:stCondLst>
-                                            <p:cond delay="1808"/>
-                                          </p:stCondLst>
-                                        </p:cTn>
-                                        <p:tgtEl>
-                                          <p:spTgt spid="4"/>
-                                        </p:tgtEl>
-                                      </p:cBhvr>
-                                      <p:to x="100000" y="95000"/>
-                                    </p:animScale>
-                                    <p:animScale>
-                                      <p:cBhvr>
-                                        <p:cTn id="20" dur="166" decel="50000">
-                                          <p:stCondLst>
-                                            <p:cond delay="1834"/>
-                                          </p:stCondLst>
-                                        </p:cTn>
-                                        <p:tgtEl>
-                                          <p:spTgt spid="4"/>
-                                        </p:tgtEl>
-                                      </p:cBhvr>
-                                      <p:to x="100000" y="100000"/>
-                                    </p:animScale>
-                                  </p:childTnLst>
-                                </p:cTn>
-                              </p:par>
-                            </p:childTnLst>
-                          </p:cTn>
-                        </p:par>
-                      </p:childTnLst>
-                    </p:cTn>
-                  </p:par>
-                </p:childTnLst>
-              </p:cTn>
-              <p:prevCondLst>
-                <p:cond evt="onPrev" delay="0">
-                  <p:tgtEl>
-                    <p:sldTgt/>
-                  </p:tgtEl>
-                </p:cond>
-              </p:prevCondLst>
-              <p:nextCondLst>
-                <p:cond evt="onNext" delay="0">
-                  <p:tgtEl>
-                    <p:sldTgt/>
-                  </p:tgtEl>
-                </p:cond>
-              </p:nextCondLst>
-            </p:seq>
-          </p:childTnLst>
-        </p:cTn>
-      </p:par>
-    </p:tnLst>
-  </p:timing>
-</p:sld>
-</file>
-
-<file path=ppt/slides/slide14.xml><?xml version="1.0" encoding="utf-8"?>
-<p:sld xmlns:a="http://schemas.openxmlformats.org/drawingml/2006/main" xmlns:r="http://schemas.openxmlformats.org/officeDocument/2006/relationships" xmlns:p="http://schemas.openxmlformats.org/presentationml/2006/main">
-  <p:cSld>
-    <p:spTree>
-      <p:nvGrpSpPr>
-        <p:cNvPr id="1" name=""/>
-        <p:cNvGrpSpPr/>
-        <p:nvPr/>
-      </p:nvGrpSpPr>
-      <p:grpSpPr>
-        <a:xfrm>
-          <a:off x="0" y="0"/>
-          <a:ext cx="0" cy="0"/>
-          <a:chOff x="0" y="0"/>
-          <a:chExt cx="0" cy="0"/>
-        </a:xfrm>
-      </p:grpSpPr>
-      <p:sp>
-        <p:nvSpPr>
-          <p:cNvPr id="2" name="Title 1"/>
-          <p:cNvSpPr>
-            <a:spLocks noGrp="1"/>
-          </p:cNvSpPr>
-          <p:nvPr>
-            <p:ph type="title"/>
-          </p:nvPr>
-        </p:nvSpPr>
-        <p:spPr/>
-        <p:txBody>
-          <a:bodyPr/>
-          <a:lstStyle/>
-          <a:p>
-            <a:r>
               <a:rPr lang="en-US" dirty="0"/>
               <a:t>What is a Unit Test Case?</a:t>
             </a:r>
@@ -8927,7 +8028,17 @@
             </a:r>
             <a:r>
               <a:rPr lang="en-US" dirty="0"/>
-              <a:t>achieve the desired results quickly, test framework is required. </a:t>
+              <a:t>achieve the desired results quickly, test framework is required</a:t>
+            </a:r>
+            <a:r>
+              <a:rPr lang="en-US" dirty="0" smtClean="0"/>
+              <a:t>.</a:t>
+            </a:r>
+          </a:p>
+          <a:p>
+            <a:r>
+              <a:rPr lang="en-US" dirty="0" smtClean="0"/>
+              <a:t> </a:t>
             </a:r>
             <a:r>
               <a:rPr lang="en-US" dirty="0" err="1"/>
@@ -8940,14 +8051,12 @@
           </a:p>
           <a:p>
             <a:r>
+              <a:rPr lang="en-US" dirty="0" smtClean="0"/>
+              <a:t>There </a:t>
+            </a:r>
+            <a:r>
               <a:rPr lang="en-US" dirty="0"/>
-              <a:t>A formal written unit test case is characterized by a known input and by an expected output, which is worked out before the test is executed. The known input should test a precondition and the expected output should test a post-condition.</a:t>
-            </a:r>
-          </a:p>
-          <a:p>
-            <a:r>
-              <a:rPr lang="en-US" dirty="0"/>
-              <a:t>There must be at least two unit test cases for each requirement: one positive test and one negative test</a:t>
+              <a:t>must be at least two unit test cases for each requirement: one positive test and one negative test</a:t>
             </a:r>
           </a:p>
         </p:txBody>
@@ -9293,6 +8402,165 @@
     <p:bldLst>
       <p:bldP spid="3" grpId="0"/>
     </p:bldLst>
+  </p:timing>
+</p:sld>
+</file>
+
+<file path=ppt/slides/slide14.xml><?xml version="1.0" encoding="utf-8"?>
+<p:sld xmlns:a="http://schemas.openxmlformats.org/drawingml/2006/main" xmlns:r="http://schemas.openxmlformats.org/officeDocument/2006/relationships" xmlns:p="http://schemas.openxmlformats.org/presentationml/2006/main">
+  <p:cSld>
+    <p:spTree>
+      <p:nvGrpSpPr>
+        <p:cNvPr id="1" name=""/>
+        <p:cNvGrpSpPr/>
+        <p:nvPr/>
+      </p:nvGrpSpPr>
+      <p:grpSpPr>
+        <a:xfrm>
+          <a:off x="0" y="0"/>
+          <a:ext cx="0" cy="0"/>
+          <a:chOff x="0" y="0"/>
+          <a:chExt cx="0" cy="0"/>
+        </a:xfrm>
+      </p:grpSpPr>
+      <p:sp>
+        <p:nvSpPr>
+          <p:cNvPr id="2" name="Title 1"/>
+          <p:cNvSpPr>
+            <a:spLocks noGrp="1"/>
+          </p:cNvSpPr>
+          <p:nvPr>
+            <p:ph type="title"/>
+          </p:nvPr>
+        </p:nvSpPr>
+        <p:spPr/>
+        <p:txBody>
+          <a:bodyPr/>
+          <a:lstStyle/>
+          <a:p>
+            <a:r>
+              <a:rPr lang="en-US" u="sng" dirty="0" err="1" smtClean="0"/>
+              <a:t>Qunit</a:t>
+            </a:r>
+            <a:r>
+              <a:rPr lang="en-US" u="sng" dirty="0" smtClean="0"/>
+              <a:t>- Skip Test and only test</a:t>
+            </a:r>
+            <a:r>
+              <a:rPr lang="en-US" u="sng" dirty="0" smtClean="0"/>
+              <a:t> </a:t>
+            </a:r>
+            <a:endParaRPr lang="en-US" u="sng" dirty="0"/>
+          </a:p>
+        </p:txBody>
+      </p:sp>
+      <p:sp>
+        <p:nvSpPr>
+          <p:cNvPr id="3" name="Content Placeholder 2"/>
+          <p:cNvSpPr>
+            <a:spLocks noGrp="1"/>
+          </p:cNvSpPr>
+          <p:nvPr>
+            <p:ph idx="1"/>
+          </p:nvPr>
+        </p:nvSpPr>
+        <p:spPr/>
+        <p:txBody>
+          <a:bodyPr/>
+          <a:lstStyle/>
+          <a:p>
+            <a:r>
+              <a:rPr lang="en-US" b="1" u="sng" dirty="0" err="1" smtClean="0"/>
+              <a:t>Qunit.skip</a:t>
+            </a:r>
+            <a:endParaRPr lang="en-US" b="1" u="sng" dirty="0" smtClean="0"/>
+          </a:p>
+          <a:p>
+            <a:endParaRPr lang="en-US" dirty="0" smtClean="0"/>
+          </a:p>
+          <a:p>
+            <a:r>
+              <a:rPr lang="en-US" dirty="0"/>
+              <a:t> A test method written using Skip method will not be executed</a:t>
+            </a:r>
+            <a:r>
+              <a:rPr lang="en-US" dirty="0" smtClean="0"/>
+              <a:t>.</a:t>
+            </a:r>
+          </a:p>
+          <a:p>
+            <a:r>
+              <a:rPr lang="en-US" dirty="0" smtClean="0"/>
+              <a:t>We can use this to avoid running of test cases which shows errors.</a:t>
+            </a:r>
+          </a:p>
+          <a:p>
+            <a:endParaRPr lang="en-US" dirty="0"/>
+          </a:p>
+          <a:p>
+            <a:r>
+              <a:rPr lang="en-US" b="1" u="sng" dirty="0" err="1" smtClean="0"/>
+              <a:t>Qunit.only</a:t>
+            </a:r>
+            <a:endParaRPr lang="en-US" b="1" u="sng" dirty="0"/>
+          </a:p>
+          <a:p>
+            <a:endParaRPr lang="en-US" dirty="0"/>
+          </a:p>
+          <a:p>
+            <a:r>
+              <a:rPr lang="en-US" dirty="0"/>
+              <a:t> A test method written using </a:t>
+            </a:r>
+            <a:r>
+              <a:rPr lang="en-US" dirty="0" smtClean="0"/>
+              <a:t>Only </a:t>
+            </a:r>
+            <a:r>
+              <a:rPr lang="en-US" dirty="0"/>
+              <a:t>method </a:t>
+            </a:r>
+            <a:r>
+              <a:rPr lang="en-US" dirty="0" smtClean="0"/>
+              <a:t>will only </a:t>
+            </a:r>
+            <a:r>
+              <a:rPr lang="en-US" dirty="0"/>
+              <a:t>executed.</a:t>
+            </a:r>
+          </a:p>
+          <a:p>
+            <a:r>
+              <a:rPr lang="en-US" dirty="0"/>
+              <a:t>We can use this </a:t>
+            </a:r>
+            <a:r>
+              <a:rPr lang="en-US" dirty="0" smtClean="0"/>
+              <a:t>to run only a particular test case instead of others.</a:t>
+            </a:r>
+            <a:endParaRPr lang="en-US" dirty="0"/>
+          </a:p>
+          <a:p>
+            <a:endParaRPr lang="en-US" dirty="0"/>
+          </a:p>
+        </p:txBody>
+      </p:sp>
+    </p:spTree>
+    <p:extLst>
+      <p:ext uri="{BB962C8B-B14F-4D97-AF65-F5344CB8AC3E}">
+        <p14:creationId xmlns:p14="http://schemas.microsoft.com/office/powerpoint/2010/main" val="1888750934"/>
+      </p:ext>
+    </p:extLst>
+  </p:cSld>
+  <p:clrMapOvr>
+    <a:masterClrMapping/>
+  </p:clrMapOvr>
+  <p:timing>
+    <p:tnLst>
+      <p:par>
+        <p:cTn id="1" dur="indefinite" restart="never" nodeType="tmRoot"/>
+      </p:par>
+    </p:tnLst>
   </p:timing>
 </p:sld>
 </file>
@@ -11957,21 +11225,7 @@
                 </a:effectLst>
                 <a:latin typeface="Algerian" panose="04020705040A02060702" pitchFamily="82" charset="0"/>
               </a:rPr>
-              <a:t>PRASHANTH REDDY </a:t>
-            </a:r>
-            <a:r>
-              <a:rPr lang="en-US" b="1" dirty="0" smtClean="0">
-                <a:ln w="0"/>
-                <a:effectLst>
-                  <a:outerShdw blurRad="38100" dist="19050" dir="2700000" algn="tl" rotWithShape="0">
-                    <a:schemeClr val="dk1">
-                      <a:alpha val="40000"/>
-                    </a:schemeClr>
-                  </a:outerShdw>
-                </a:effectLst>
-                <a:latin typeface="Algerian" panose="04020705040A02060702" pitchFamily="82" charset="0"/>
-              </a:rPr>
-              <a:t>NACHANNAGARI</a:t>
+              <a:t>PRASHANTH REDDY NACHANNAGARI</a:t>
             </a:r>
             <a:endParaRPr lang="en-US" b="1" dirty="0">
               <a:ln w="0"/>
@@ -14568,10 +13822,12 @@
           <a:bodyPr/>
           <a:lstStyle/>
           <a:p>
-            <a:r>
-              <a:rPr lang="en-US" u="sng" dirty="0"/>
-              <a:t>Advantages of JavaScript</a:t>
-            </a:r>
+            <a:pPr algn="ctr"/>
+            <a:r>
+              <a:rPr lang="en-US" u="sng" dirty="0" smtClean="0"/>
+              <a:t>JAVASCRIPT</a:t>
+            </a:r>
+            <a:endParaRPr lang="en-US" u="sng" dirty="0"/>
           </a:p>
         </p:txBody>
       </p:sp>
@@ -15756,6 +15012,13 @@
   <p:clrMapOvr>
     <a:masterClrMapping/>
   </p:clrMapOvr>
+  <p:timing>
+    <p:tnLst>
+      <p:par>
+        <p:cTn id="1" dur="indefinite" restart="never" nodeType="tmRoot"/>
+      </p:par>
+    </p:tnLst>
+  </p:timing>
 </p:sld>
 </file>
 
@@ -16369,16 +15632,21 @@
             </a:r>
             <a:r>
               <a:rPr lang="en-US" sz="4800" dirty="0"/>
-              <a:t>script type = "text/</a:t>
-            </a:r>
-            <a:r>
-              <a:rPr lang="en-US" sz="4800" dirty="0" err="1"/>
+              <a:t>script type = "</a:t>
+            </a:r>
+            <a:r>
+              <a:rPr lang="en-US" sz="4800" dirty="0" smtClean="0"/>
+              <a:t>text/</a:t>
+            </a:r>
+            <a:r>
+              <a:rPr lang="en-US" sz="4800" dirty="0" err="1" smtClean="0"/>
               <a:t>javascript</a:t>
             </a:r>
             <a:r>
               <a:rPr lang="en-US" sz="4800" dirty="0" smtClean="0"/>
-              <a:t>"&gt;</a:t>
-            </a:r>
+              <a:t>“/&gt;</a:t>
+            </a:r>
+            <a:endParaRPr lang="en-US" sz="4800" dirty="0" smtClean="0"/>
           </a:p>
           <a:p>
             <a:pPr marL="0" indent="0">

--- a/docs/TestingQunit.pptx
+++ b/docs/TestingQunit.pptx
@@ -7,25 +7,26 @@
   <p:sldIdLst>
     <p:sldId id="256" r:id="rId2"/>
     <p:sldId id="278" r:id="rId3"/>
-    <p:sldId id="275" r:id="rId4"/>
-    <p:sldId id="257" r:id="rId5"/>
-    <p:sldId id="258" r:id="rId6"/>
-    <p:sldId id="276" r:id="rId7"/>
-    <p:sldId id="280" r:id="rId8"/>
-    <p:sldId id="262" r:id="rId9"/>
-    <p:sldId id="263" r:id="rId10"/>
-    <p:sldId id="264" r:id="rId11"/>
-    <p:sldId id="265" r:id="rId12"/>
-    <p:sldId id="266" r:id="rId13"/>
-    <p:sldId id="268" r:id="rId14"/>
-    <p:sldId id="267" r:id="rId15"/>
-    <p:sldId id="271" r:id="rId16"/>
-    <p:sldId id="273" r:id="rId17"/>
-    <p:sldId id="269" r:id="rId18"/>
-    <p:sldId id="274" r:id="rId19"/>
-    <p:sldId id="272" r:id="rId20"/>
-    <p:sldId id="279" r:id="rId21"/>
-    <p:sldId id="270" r:id="rId22"/>
+    <p:sldId id="281" r:id="rId4"/>
+    <p:sldId id="275" r:id="rId5"/>
+    <p:sldId id="257" r:id="rId6"/>
+    <p:sldId id="258" r:id="rId7"/>
+    <p:sldId id="276" r:id="rId8"/>
+    <p:sldId id="280" r:id="rId9"/>
+    <p:sldId id="262" r:id="rId10"/>
+    <p:sldId id="263" r:id="rId11"/>
+    <p:sldId id="264" r:id="rId12"/>
+    <p:sldId id="265" r:id="rId13"/>
+    <p:sldId id="266" r:id="rId14"/>
+    <p:sldId id="268" r:id="rId15"/>
+    <p:sldId id="267" r:id="rId16"/>
+    <p:sldId id="271" r:id="rId17"/>
+    <p:sldId id="273" r:id="rId18"/>
+    <p:sldId id="269" r:id="rId19"/>
+    <p:sldId id="274" r:id="rId20"/>
+    <p:sldId id="272" r:id="rId21"/>
+    <p:sldId id="279" r:id="rId22"/>
+    <p:sldId id="270" r:id="rId23"/>
   </p:sldIdLst>
   <p:sldSz cx="12192000" cy="6858000"/>
   <p:notesSz cx="6858000" cy="9144000"/>
@@ -6171,17 +6172,37 @@
           <a:lstStyle/>
           <a:p>
             <a:r>
-              <a:rPr lang="en-US" sz="5400" dirty="0" smtClean="0"/>
+              <a:rPr lang="en-US" sz="5400" b="1" dirty="0" smtClean="0">
+                <a:solidFill>
+                  <a:srgbClr val="FFFF00"/>
+                </a:solidFill>
+                <a:latin typeface="Algerian" panose="04020705040A02060702" pitchFamily="82" charset="0"/>
+              </a:rPr>
               <a:t>TESTING calculations</a:t>
             </a:r>
             <a:br>
-              <a:rPr lang="en-US" sz="5400" dirty="0" smtClean="0"/>
+              <a:rPr lang="en-US" sz="5400" b="1" dirty="0" smtClean="0">
+                <a:solidFill>
+                  <a:srgbClr val="FFFF00"/>
+                </a:solidFill>
+                <a:latin typeface="Algerian" panose="04020705040A02060702" pitchFamily="82" charset="0"/>
+              </a:rPr>
             </a:br>
             <a:r>
-              <a:rPr lang="en-US" sz="5400" dirty="0" smtClean="0"/>
+              <a:rPr lang="en-US" sz="5400" b="1" dirty="0" smtClean="0">
+                <a:solidFill>
+                  <a:srgbClr val="FFFF00"/>
+                </a:solidFill>
+                <a:latin typeface="Algerian" panose="04020705040A02060702" pitchFamily="82" charset="0"/>
+              </a:rPr>
               <a:t> WITH QUNIT </a:t>
             </a:r>
-            <a:endParaRPr lang="en-US" sz="5400" dirty="0"/>
+            <a:endParaRPr lang="en-US" sz="5400" b="1" dirty="0">
+              <a:solidFill>
+                <a:srgbClr val="FFFF00"/>
+              </a:solidFill>
+              <a:latin typeface="Algerian" panose="04020705040A02060702" pitchFamily="82" charset="0"/>
+            </a:endParaRPr>
           </a:p>
         </p:txBody>
       </p:sp>
@@ -6378,634 +6399,7 @@
           <a:p>
             <a:r>
               <a:rPr lang="en-US" u="sng" dirty="0" smtClean="0"/>
-              <a:t>Functions and Events</a:t>
-            </a:r>
-            <a:endParaRPr lang="en-US" u="sng" dirty="0"/>
-          </a:p>
-        </p:txBody>
-      </p:sp>
-      <p:sp>
-        <p:nvSpPr>
-          <p:cNvPr id="5" name="Content Placeholder 4"/>
-          <p:cNvSpPr>
-            <a:spLocks noGrp="1"/>
-          </p:cNvSpPr>
-          <p:nvPr>
-            <p:ph idx="1"/>
-          </p:nvPr>
-        </p:nvSpPr>
-        <p:spPr>
-          <a:xfrm>
-            <a:off x="1371600" y="1593669"/>
-            <a:ext cx="9601200" cy="4273731"/>
-          </a:xfrm>
-        </p:spPr>
-        <p:txBody>
-          <a:bodyPr>
-            <a:normAutofit fontScale="62500" lnSpcReduction="20000"/>
-          </a:bodyPr>
-          <a:lstStyle/>
-          <a:p>
-            <a:pPr marL="0" indent="0">
-              <a:buNone/>
-            </a:pPr>
-            <a:r>
-              <a:rPr lang="en-US" dirty="0" smtClean="0"/>
-              <a:t>Most commonly used Events are : </a:t>
-            </a:r>
-          </a:p>
-          <a:p>
-            <a:pPr marL="0" indent="0">
-              <a:buNone/>
-            </a:pPr>
-            <a:r>
-              <a:rPr lang="en-US" dirty="0" err="1" smtClean="0"/>
-              <a:t>onclick</a:t>
-            </a:r>
-            <a:r>
-              <a:rPr lang="en-US" dirty="0" smtClean="0"/>
-              <a:t>()</a:t>
-            </a:r>
-          </a:p>
-          <a:p>
-            <a:pPr marL="0" indent="0">
-              <a:buNone/>
-            </a:pPr>
-            <a:r>
-              <a:rPr lang="en-US" dirty="0" err="1"/>
-              <a:t>o</a:t>
-            </a:r>
-            <a:r>
-              <a:rPr lang="en-US" dirty="0" err="1" smtClean="0"/>
-              <a:t>nsubmit</a:t>
-            </a:r>
-            <a:endParaRPr lang="en-US" dirty="0" smtClean="0"/>
-          </a:p>
-          <a:p>
-            <a:pPr marL="0" indent="0" fontAlgn="base">
-              <a:buNone/>
-            </a:pPr>
-            <a:r>
-              <a:rPr lang="en-US" dirty="0" err="1" smtClean="0"/>
-              <a:t>mouseover,mouseout</a:t>
-            </a:r>
-            <a:r>
-              <a:rPr lang="en-US" dirty="0" smtClean="0"/>
-              <a:t>,</a:t>
-            </a:r>
-            <a:r>
-              <a:rPr lang="en-US" dirty="0"/>
-              <a:t> </a:t>
-            </a:r>
-            <a:r>
-              <a:rPr lang="en-US" dirty="0" err="1" smtClean="0"/>
-              <a:t>mousemove</a:t>
-            </a:r>
-            <a:r>
-              <a:rPr lang="en-US" dirty="0"/>
-              <a:t>, </a:t>
-            </a:r>
-            <a:r>
-              <a:rPr lang="en-US" dirty="0" err="1" smtClean="0"/>
-              <a:t>mousedown</a:t>
-            </a:r>
-            <a:r>
-              <a:rPr lang="en-US" dirty="0" smtClean="0"/>
-              <a:t>/up</a:t>
-            </a:r>
-            <a:endParaRPr lang="en-US" dirty="0"/>
-          </a:p>
-          <a:p>
-            <a:pPr marL="0" indent="0" fontAlgn="base">
-              <a:buNone/>
-            </a:pPr>
-            <a:r>
-              <a:rPr lang="en-US" dirty="0"/>
-              <a:t>online, offline (network events)</a:t>
-            </a:r>
-          </a:p>
-          <a:p>
-            <a:pPr marL="0" indent="0" fontAlgn="base">
-              <a:buNone/>
-            </a:pPr>
-            <a:r>
-              <a:rPr lang="en-US" dirty="0"/>
-              <a:t>reset, submit (form events)</a:t>
-            </a:r>
-          </a:p>
-          <a:p>
-            <a:pPr marL="0" indent="0" fontAlgn="base">
-              <a:buNone/>
-            </a:pPr>
-            <a:r>
-              <a:rPr lang="en-US" dirty="0"/>
-              <a:t>focus, blur (when an element gets the focus or loses it)</a:t>
-            </a:r>
-          </a:p>
-          <a:p>
-            <a:pPr marL="0" indent="0" fontAlgn="base">
-              <a:buNone/>
-            </a:pPr>
-            <a:r>
-              <a:rPr lang="en-US" dirty="0"/>
-              <a:t>drag, </a:t>
-            </a:r>
-            <a:r>
-              <a:rPr lang="en-US" dirty="0" err="1"/>
-              <a:t>dragstart,dragend</a:t>
-            </a:r>
-            <a:r>
-              <a:rPr lang="en-US" dirty="0"/>
-              <a:t>, </a:t>
-            </a:r>
-            <a:r>
-              <a:rPr lang="en-US" dirty="0" err="1"/>
-              <a:t>dragenter</a:t>
-            </a:r>
-            <a:r>
-              <a:rPr lang="en-US" dirty="0"/>
-              <a:t>, </a:t>
-            </a:r>
-            <a:r>
-              <a:rPr lang="en-US" dirty="0" err="1"/>
-              <a:t>dragleave</a:t>
-            </a:r>
-            <a:r>
-              <a:rPr lang="en-US" dirty="0"/>
-              <a:t>, </a:t>
-            </a:r>
-            <a:r>
-              <a:rPr lang="en-US" dirty="0" smtClean="0"/>
-              <a:t>drop</a:t>
-            </a:r>
-          </a:p>
-          <a:p>
-            <a:pPr marL="0" indent="0" fontAlgn="base">
-              <a:buNone/>
-            </a:pPr>
-            <a:endParaRPr lang="en-US" dirty="0"/>
-          </a:p>
-          <a:p>
-            <a:pPr marL="0" indent="0" fontAlgn="base">
-              <a:buNone/>
-            </a:pPr>
-            <a:endParaRPr lang="en-US" dirty="0" smtClean="0"/>
-          </a:p>
-          <a:p>
-            <a:pPr marL="0" indent="0">
-              <a:buNone/>
-            </a:pPr>
-            <a:r>
-              <a:rPr lang="en-US" dirty="0"/>
-              <a:t>&lt;script type = "text/</a:t>
-            </a:r>
-            <a:r>
-              <a:rPr lang="en-US" dirty="0" err="1"/>
-              <a:t>javascript</a:t>
-            </a:r>
-            <a:r>
-              <a:rPr lang="en-US" dirty="0"/>
-              <a:t>"&gt;</a:t>
-            </a:r>
-          </a:p>
-          <a:p>
-            <a:pPr marL="0" indent="0">
-              <a:buNone/>
-            </a:pPr>
-            <a:r>
-              <a:rPr lang="en-US" dirty="0"/>
-              <a:t>function </a:t>
-            </a:r>
-            <a:r>
-              <a:rPr lang="en-US" dirty="0" err="1"/>
-              <a:t>sayHello</a:t>
-            </a:r>
-            <a:r>
-              <a:rPr lang="en-US" dirty="0"/>
-              <a:t>() {</a:t>
-            </a:r>
-          </a:p>
-          <a:p>
-            <a:pPr marL="0" indent="0">
-              <a:buNone/>
-            </a:pPr>
-            <a:r>
-              <a:rPr lang="en-US" dirty="0"/>
-              <a:t>alert("Hello there");</a:t>
-            </a:r>
-          </a:p>
-          <a:p>
-            <a:pPr marL="0" indent="0">
-              <a:buNone/>
-            </a:pPr>
-            <a:r>
-              <a:rPr lang="en-US" dirty="0"/>
-              <a:t>}</a:t>
-            </a:r>
-          </a:p>
-          <a:p>
-            <a:pPr marL="0" indent="0">
-              <a:buNone/>
-            </a:pPr>
-            <a:r>
-              <a:rPr lang="en-US" dirty="0"/>
-              <a:t>&lt;/script&gt; </a:t>
-            </a:r>
-          </a:p>
-          <a:p>
-            <a:pPr marL="0" indent="0">
-              <a:buNone/>
-            </a:pPr>
-            <a:endParaRPr lang="en-US" dirty="0"/>
-          </a:p>
-          <a:p>
-            <a:pPr marL="0" indent="0">
-              <a:buNone/>
-            </a:pPr>
-            <a:endParaRPr lang="en-US" dirty="0"/>
-          </a:p>
-        </p:txBody>
-      </p:sp>
-    </p:spTree>
-    <p:extLst>
-      <p:ext uri="{BB962C8B-B14F-4D97-AF65-F5344CB8AC3E}">
-        <p14:creationId xmlns:p14="http://schemas.microsoft.com/office/powerpoint/2010/main" val="2954587657"/>
-      </p:ext>
-    </p:extLst>
-  </p:cSld>
-  <p:clrMapOvr>
-    <a:masterClrMapping/>
-  </p:clrMapOvr>
-  <p:timing>
-    <p:tnLst>
-      <p:par>
-        <p:cTn id="1" dur="indefinite" restart="never" nodeType="tmRoot">
-          <p:childTnLst>
-            <p:seq concurrent="1" nextAc="seek">
-              <p:cTn id="2" dur="indefinite" nodeType="mainSeq">
-                <p:childTnLst>
-                  <p:par>
-                    <p:cTn id="3" fill="hold">
-                      <p:stCondLst>
-                        <p:cond delay="indefinite"/>
-                      </p:stCondLst>
-                      <p:childTnLst>
-                        <p:par>
-                          <p:cTn id="4" fill="hold">
-                            <p:stCondLst>
-                              <p:cond delay="0"/>
-                            </p:stCondLst>
-                            <p:childTnLst>
-                              <p:par>
-                                <p:cTn id="5" presetID="26" presetClass="entr" presetSubtype="0" fill="hold" grpId="0" nodeType="clickEffect">
-                                  <p:stCondLst>
-                                    <p:cond delay="0"/>
-                                  </p:stCondLst>
-                                  <p:iterate type="lt">
-                                    <p:tmPct val="0"/>
-                                  </p:iterate>
-                                  <p:childTnLst>
-                                    <p:set>
-                                      <p:cBhvr>
-                                        <p:cTn id="6" dur="1" fill="hold">
-                                          <p:stCondLst>
-                                            <p:cond delay="0"/>
-                                          </p:stCondLst>
-                                        </p:cTn>
-                                        <p:tgtEl>
-                                          <p:spTgt spid="5"/>
-                                        </p:tgtEl>
-                                        <p:attrNameLst>
-                                          <p:attrName>style.visibility</p:attrName>
-                                        </p:attrNameLst>
-                                      </p:cBhvr>
-                                      <p:to>
-                                        <p:strVal val="visible"/>
-                                      </p:to>
-                                    </p:set>
-                                    <p:animEffect transition="in" filter="wipe(down)">
-                                      <p:cBhvr>
-                                        <p:cTn id="7" dur="580">
-                                          <p:stCondLst>
-                                            <p:cond delay="0"/>
-                                          </p:stCondLst>
-                                        </p:cTn>
-                                        <p:tgtEl>
-                                          <p:spTgt spid="5"/>
-                                        </p:tgtEl>
-                                      </p:cBhvr>
-                                    </p:animEffect>
-                                    <p:anim calcmode="lin" valueType="num">
-                                      <p:cBhvr>
-                                        <p:cTn id="8" dur="1822" tmFilter="0,0; 0.14,0.36; 0.43,0.73; 0.71,0.91; 1.0,1.0">
-                                          <p:stCondLst>
-                                            <p:cond delay="0"/>
-                                          </p:stCondLst>
-                                        </p:cTn>
-                                        <p:tgtEl>
-                                          <p:spTgt spid="5"/>
-                                        </p:tgtEl>
-                                        <p:attrNameLst>
-                                          <p:attrName>ppt_x</p:attrName>
-                                        </p:attrNameLst>
-                                      </p:cBhvr>
-                                      <p:tavLst>
-                                        <p:tav tm="0">
-                                          <p:val>
-                                            <p:strVal val="#ppt_x-0.25"/>
-                                          </p:val>
-                                        </p:tav>
-                                        <p:tav tm="100000">
-                                          <p:val>
-                                            <p:strVal val="#ppt_x"/>
-                                          </p:val>
-                                        </p:tav>
-                                      </p:tavLst>
-                                    </p:anim>
-                                    <p:anim calcmode="lin" valueType="num">
-                                      <p:cBhvr>
-                                        <p:cTn id="9" dur="664" tmFilter="0.0,0.0; 0.25,0.07; 0.50,0.2; 0.75,0.467; 1.0,1.0">
-                                          <p:stCondLst>
-                                            <p:cond delay="0"/>
-                                          </p:stCondLst>
-                                        </p:cTn>
-                                        <p:tgtEl>
-                                          <p:spTgt spid="5"/>
-                                        </p:tgtEl>
-                                        <p:attrNameLst>
-                                          <p:attrName>ppt_y</p:attrName>
-                                        </p:attrNameLst>
-                                      </p:cBhvr>
-                                      <p:tavLst>
-                                        <p:tav tm="0" fmla="#ppt_y-sin(pi*$)/3">
-                                          <p:val>
-                                            <p:fltVal val="0.5"/>
-                                          </p:val>
-                                        </p:tav>
-                                        <p:tav tm="100000">
-                                          <p:val>
-                                            <p:fltVal val="1"/>
-                                          </p:val>
-                                        </p:tav>
-                                      </p:tavLst>
-                                    </p:anim>
-                                    <p:anim calcmode="lin" valueType="num">
-                                      <p:cBhvr>
-                                        <p:cTn id="10" dur="664" tmFilter="0, 0; 0.125,0.2665; 0.25,0.4; 0.375,0.465; 0.5,0.5;  0.625,0.535; 0.75,0.6; 0.875,0.7335; 1,1">
-                                          <p:stCondLst>
-                                            <p:cond delay="664"/>
-                                          </p:stCondLst>
-                                        </p:cTn>
-                                        <p:tgtEl>
-                                          <p:spTgt spid="5"/>
-                                        </p:tgtEl>
-                                        <p:attrNameLst>
-                                          <p:attrName>ppt_y</p:attrName>
-                                        </p:attrNameLst>
-                                      </p:cBhvr>
-                                      <p:tavLst>
-                                        <p:tav tm="0" fmla="#ppt_y-sin(pi*$)/9">
-                                          <p:val>
-                                            <p:fltVal val="0"/>
-                                          </p:val>
-                                        </p:tav>
-                                        <p:tav tm="100000">
-                                          <p:val>
-                                            <p:fltVal val="1"/>
-                                          </p:val>
-                                        </p:tav>
-                                      </p:tavLst>
-                                    </p:anim>
-                                    <p:anim calcmode="lin" valueType="num">
-                                      <p:cBhvr>
-                                        <p:cTn id="11" dur="332" tmFilter="0, 0; 0.125,0.2665; 0.25,0.4; 0.375,0.465; 0.5,0.5;  0.625,0.535; 0.75,0.6; 0.875,0.7335; 1,1">
-                                          <p:stCondLst>
-                                            <p:cond delay="1324"/>
-                                          </p:stCondLst>
-                                        </p:cTn>
-                                        <p:tgtEl>
-                                          <p:spTgt spid="5"/>
-                                        </p:tgtEl>
-                                        <p:attrNameLst>
-                                          <p:attrName>ppt_y</p:attrName>
-                                        </p:attrNameLst>
-                                      </p:cBhvr>
-                                      <p:tavLst>
-                                        <p:tav tm="0" fmla="#ppt_y-sin(pi*$)/27">
-                                          <p:val>
-                                            <p:fltVal val="0"/>
-                                          </p:val>
-                                        </p:tav>
-                                        <p:tav tm="100000">
-                                          <p:val>
-                                            <p:fltVal val="1"/>
-                                          </p:val>
-                                        </p:tav>
-                                      </p:tavLst>
-                                    </p:anim>
-                                    <p:anim calcmode="lin" valueType="num">
-                                      <p:cBhvr>
-                                        <p:cTn id="12" dur="164" tmFilter="0, 0; 0.125,0.2665; 0.25,0.4; 0.375,0.465; 0.5,0.5;  0.625,0.535; 0.75,0.6; 0.875,0.7335; 1,1">
-                                          <p:stCondLst>
-                                            <p:cond delay="1656"/>
-                                          </p:stCondLst>
-                                        </p:cTn>
-                                        <p:tgtEl>
-                                          <p:spTgt spid="5"/>
-                                        </p:tgtEl>
-                                        <p:attrNameLst>
-                                          <p:attrName>ppt_y</p:attrName>
-                                        </p:attrNameLst>
-                                      </p:cBhvr>
-                                      <p:tavLst>
-                                        <p:tav tm="0" fmla="#ppt_y-sin(pi*$)/81">
-                                          <p:val>
-                                            <p:fltVal val="0"/>
-                                          </p:val>
-                                        </p:tav>
-                                        <p:tav tm="100000">
-                                          <p:val>
-                                            <p:fltVal val="1"/>
-                                          </p:val>
-                                        </p:tav>
-                                      </p:tavLst>
-                                    </p:anim>
-                                    <p:animScale>
-                                      <p:cBhvr>
-                                        <p:cTn id="13" dur="26">
-                                          <p:stCondLst>
-                                            <p:cond delay="650"/>
-                                          </p:stCondLst>
-                                        </p:cTn>
-                                        <p:tgtEl>
-                                          <p:spTgt spid="5"/>
-                                        </p:tgtEl>
-                                      </p:cBhvr>
-                                      <p:to x="100000" y="60000"/>
-                                    </p:animScale>
-                                    <p:animScale>
-                                      <p:cBhvr>
-                                        <p:cTn id="14" dur="166" decel="50000">
-                                          <p:stCondLst>
-                                            <p:cond delay="676"/>
-                                          </p:stCondLst>
-                                        </p:cTn>
-                                        <p:tgtEl>
-                                          <p:spTgt spid="5"/>
-                                        </p:tgtEl>
-                                      </p:cBhvr>
-                                      <p:to x="100000" y="100000"/>
-                                    </p:animScale>
-                                    <p:animScale>
-                                      <p:cBhvr>
-                                        <p:cTn id="15" dur="26">
-                                          <p:stCondLst>
-                                            <p:cond delay="1312"/>
-                                          </p:stCondLst>
-                                        </p:cTn>
-                                        <p:tgtEl>
-                                          <p:spTgt spid="5"/>
-                                        </p:tgtEl>
-                                      </p:cBhvr>
-                                      <p:to x="100000" y="80000"/>
-                                    </p:animScale>
-                                    <p:animScale>
-                                      <p:cBhvr>
-                                        <p:cTn id="16" dur="166" decel="50000">
-                                          <p:stCondLst>
-                                            <p:cond delay="1338"/>
-                                          </p:stCondLst>
-                                        </p:cTn>
-                                        <p:tgtEl>
-                                          <p:spTgt spid="5"/>
-                                        </p:tgtEl>
-                                      </p:cBhvr>
-                                      <p:to x="100000" y="100000"/>
-                                    </p:animScale>
-                                    <p:animScale>
-                                      <p:cBhvr>
-                                        <p:cTn id="17" dur="26">
-                                          <p:stCondLst>
-                                            <p:cond delay="1642"/>
-                                          </p:stCondLst>
-                                        </p:cTn>
-                                        <p:tgtEl>
-                                          <p:spTgt spid="5"/>
-                                        </p:tgtEl>
-                                      </p:cBhvr>
-                                      <p:to x="100000" y="90000"/>
-                                    </p:animScale>
-                                    <p:animScale>
-                                      <p:cBhvr>
-                                        <p:cTn id="18" dur="166" decel="50000">
-                                          <p:stCondLst>
-                                            <p:cond delay="1668"/>
-                                          </p:stCondLst>
-                                        </p:cTn>
-                                        <p:tgtEl>
-                                          <p:spTgt spid="5"/>
-                                        </p:tgtEl>
-                                      </p:cBhvr>
-                                      <p:to x="100000" y="100000"/>
-                                    </p:animScale>
-                                    <p:animScale>
-                                      <p:cBhvr>
-                                        <p:cTn id="19" dur="26">
-                                          <p:stCondLst>
-                                            <p:cond delay="1808"/>
-                                          </p:stCondLst>
-                                        </p:cTn>
-                                        <p:tgtEl>
-                                          <p:spTgt spid="5"/>
-                                        </p:tgtEl>
-                                      </p:cBhvr>
-                                      <p:to x="100000" y="95000"/>
-                                    </p:animScale>
-                                    <p:animScale>
-                                      <p:cBhvr>
-                                        <p:cTn id="20" dur="166" decel="50000">
-                                          <p:stCondLst>
-                                            <p:cond delay="1834"/>
-                                          </p:stCondLst>
-                                        </p:cTn>
-                                        <p:tgtEl>
-                                          <p:spTgt spid="5"/>
-                                        </p:tgtEl>
-                                      </p:cBhvr>
-                                      <p:to x="100000" y="100000"/>
-                                    </p:animScale>
-                                  </p:childTnLst>
-                                </p:cTn>
-                              </p:par>
-                            </p:childTnLst>
-                          </p:cTn>
-                        </p:par>
-                      </p:childTnLst>
-                    </p:cTn>
-                  </p:par>
-                </p:childTnLst>
-              </p:cTn>
-              <p:prevCondLst>
-                <p:cond evt="onPrev" delay="0">
-                  <p:tgtEl>
-                    <p:sldTgt/>
-                  </p:tgtEl>
-                </p:cond>
-              </p:prevCondLst>
-              <p:nextCondLst>
-                <p:cond evt="onNext" delay="0">
-                  <p:tgtEl>
-                    <p:sldTgt/>
-                  </p:tgtEl>
-                </p:cond>
-              </p:nextCondLst>
-            </p:seq>
-          </p:childTnLst>
-        </p:cTn>
-      </p:par>
-    </p:tnLst>
-    <p:bldLst>
-      <p:bldP spid="5" grpId="0"/>
-    </p:bldLst>
-  </p:timing>
-</p:sld>
-</file>
-
-<file path=ppt/slides/slide11.xml><?xml version="1.0" encoding="utf-8"?>
-<p:sld xmlns:a="http://schemas.openxmlformats.org/drawingml/2006/main" xmlns:r="http://schemas.openxmlformats.org/officeDocument/2006/relationships" xmlns:p="http://schemas.openxmlformats.org/presentationml/2006/main">
-  <p:cSld>
-    <p:spTree>
-      <p:nvGrpSpPr>
-        <p:cNvPr id="1" name=""/>
-        <p:cNvGrpSpPr/>
-        <p:nvPr/>
-      </p:nvGrpSpPr>
-      <p:grpSpPr>
-        <a:xfrm>
-          <a:off x="0" y="0"/>
-          <a:ext cx="0" cy="0"/>
-          <a:chOff x="0" y="0"/>
-          <a:chExt cx="0" cy="0"/>
-        </a:xfrm>
-      </p:grpSpPr>
-      <p:sp>
-        <p:nvSpPr>
-          <p:cNvPr id="2" name="Title 1"/>
-          <p:cNvSpPr>
-            <a:spLocks noGrp="1"/>
-          </p:cNvSpPr>
-          <p:nvPr>
-            <p:ph type="title"/>
-          </p:nvPr>
-        </p:nvSpPr>
-        <p:spPr/>
-        <p:txBody>
-          <a:bodyPr/>
-          <a:lstStyle/>
-          <a:p>
-            <a:r>
-              <a:rPr lang="en-US" u="sng" dirty="0" smtClean="0"/>
-              <a:t>Dialog Boxes </a:t>
+              <a:t>Example </a:t>
             </a:r>
             <a:endParaRPr lang="en-US" u="sng" dirty="0"/>
           </a:p>
@@ -7023,52 +6417,47 @@
         </p:nvSpPr>
         <p:spPr>
           <a:xfrm>
-            <a:off x="1371600" y="1854927"/>
-            <a:ext cx="9601200" cy="4012474"/>
+            <a:off x="1371600" y="1881051"/>
+            <a:ext cx="9601200" cy="4454435"/>
           </a:xfrm>
         </p:spPr>
         <p:txBody>
           <a:bodyPr>
-            <a:normAutofit lnSpcReduction="10000"/>
+            <a:normAutofit fontScale="32500" lnSpcReduction="20000"/>
           </a:bodyPr>
           <a:lstStyle/>
           <a:p>
-            <a:r>
-              <a:rPr lang="en-US" dirty="0" smtClean="0"/>
-              <a:t>Alert</a:t>
-            </a:r>
-          </a:p>
-          <a:p>
             <a:pPr marL="0" indent="0">
               <a:buNone/>
             </a:pPr>
             <a:r>
-              <a:rPr lang="en-US" dirty="0"/>
-              <a:t>An alert dialog box is mostly used to give </a:t>
-            </a:r>
-            <a:r>
-              <a:rPr lang="en-US" dirty="0" smtClean="0"/>
-              <a:t>a message </a:t>
-            </a:r>
-            <a:r>
-              <a:rPr lang="en-US" dirty="0"/>
-              <a:t>to the users</a:t>
-            </a:r>
-            <a:r>
-              <a:rPr lang="en-US" dirty="0" smtClean="0"/>
-              <a:t>.</a:t>
+              <a:rPr lang="en-US" sz="4800" dirty="0" smtClean="0"/>
+              <a:t>     &lt;</a:t>
+            </a:r>
+            <a:r>
+              <a:rPr lang="en-US" sz="4800" dirty="0"/>
+              <a:t>html</a:t>
+            </a:r>
+            <a:r>
+              <a:rPr lang="en-US" sz="4800" dirty="0" smtClean="0"/>
+              <a:t>&gt;</a:t>
             </a:r>
           </a:p>
           <a:p>
             <a:pPr marL="0" indent="0">
               <a:buNone/>
             </a:pPr>
-            <a:endParaRPr lang="en-US" dirty="0" smtClean="0"/>
-          </a:p>
-          <a:p>
-            <a:r>
-              <a:rPr lang="en-US" dirty="0" smtClean="0"/>
-              <a:t>Confirm</a:t>
+            <a:r>
+              <a:rPr lang="en-US" sz="4800" dirty="0" smtClean="0"/>
+              <a:t>    &lt;</a:t>
+            </a:r>
+            <a:r>
+              <a:rPr lang="en-US" sz="4800" dirty="0"/>
+              <a:t>body&gt;   </a:t>
+            </a:r>
+            <a:r>
+              <a:rPr lang="en-US" sz="4800" dirty="0" smtClean="0"/>
+              <a:t>    </a:t>
             </a:r>
           </a:p>
           <a:p>
@@ -7076,36 +6465,73 @@
               <a:buNone/>
             </a:pPr>
             <a:r>
-              <a:rPr lang="en-US" dirty="0"/>
-              <a:t>A confirmation dialog box is mostly used to take user's consent on any option. It displays a dialog box with two buttons: </a:t>
-            </a:r>
-            <a:r>
-              <a:rPr lang="en-US" b="1" dirty="0"/>
-              <a:t>OK</a:t>
-            </a:r>
-            <a:r>
-              <a:rPr lang="en-US" dirty="0"/>
-              <a:t> and </a:t>
-            </a:r>
-            <a:r>
-              <a:rPr lang="en-US" b="1" dirty="0"/>
-              <a:t>Cancel</a:t>
-            </a:r>
-            <a:r>
-              <a:rPr lang="en-US" dirty="0" smtClean="0"/>
-              <a:t>.</a:t>
+              <a:rPr lang="en-US" sz="4800" dirty="0" smtClean="0"/>
+              <a:t>     &lt;</a:t>
+            </a:r>
+            <a:r>
+              <a:rPr lang="en-US" sz="4800" dirty="0"/>
+              <a:t>script type = "</a:t>
+            </a:r>
+            <a:r>
+              <a:rPr lang="en-US" sz="4800" dirty="0" smtClean="0"/>
+              <a:t>text/</a:t>
+            </a:r>
+            <a:r>
+              <a:rPr lang="en-US" sz="4800" dirty="0" err="1" smtClean="0"/>
+              <a:t>javascript</a:t>
+            </a:r>
+            <a:r>
+              <a:rPr lang="en-US" sz="4800" dirty="0" smtClean="0"/>
+              <a:t>“/&gt;</a:t>
             </a:r>
           </a:p>
           <a:p>
             <a:pPr marL="0" indent="0">
               <a:buNone/>
             </a:pPr>
-            <a:endParaRPr lang="en-US" dirty="0" smtClean="0"/>
-          </a:p>
-          <a:p>
-            <a:r>
-              <a:rPr lang="en-US" dirty="0" smtClean="0"/>
-              <a:t>Prompt</a:t>
+            <a:r>
+              <a:rPr lang="en-US" sz="4800" dirty="0" smtClean="0"/>
+              <a:t>      </a:t>
+            </a:r>
+            <a:r>
+              <a:rPr lang="en-US" sz="4800" dirty="0" err="1"/>
+              <a:t>var</a:t>
+            </a:r>
+            <a:r>
+              <a:rPr lang="en-US" sz="4800" dirty="0"/>
+              <a:t> a = 33</a:t>
+            </a:r>
+            <a:r>
+              <a:rPr lang="en-US" sz="4800" dirty="0" smtClean="0"/>
+              <a:t>; </a:t>
+            </a:r>
+            <a:r>
+              <a:rPr lang="en-US" sz="4800" dirty="0" err="1"/>
+              <a:t>var</a:t>
+            </a:r>
+            <a:r>
+              <a:rPr lang="en-US" sz="4800" dirty="0"/>
+              <a:t> b = </a:t>
+            </a:r>
+            <a:r>
+              <a:rPr lang="en-US" sz="4800" dirty="0" smtClean="0"/>
+              <a:t>10</a:t>
+            </a:r>
+            <a:r>
+              <a:rPr lang="en-US" sz="4800" dirty="0"/>
+              <a:t>;</a:t>
+            </a:r>
+            <a:r>
+              <a:rPr lang="en-US" sz="4800" dirty="0" smtClean="0"/>
+              <a:t>  </a:t>
+            </a:r>
+            <a:r>
+              <a:rPr lang="en-US" sz="4800" dirty="0" err="1"/>
+              <a:t>var</a:t>
+            </a:r>
+            <a:r>
+              <a:rPr lang="en-US" sz="4800" dirty="0"/>
+              <a:t> c = "Test";</a:t>
             </a:r>
           </a:p>
           <a:p>
@@ -7113,8 +6539,150 @@
               <a:buNone/>
             </a:pPr>
             <a:r>
-              <a:rPr lang="en-US" dirty="0"/>
-              <a:t>The prompt dialog box is very useful when you want to pop-up a text box to get user input. Thus, it enables you to interact with the user. The user needs to fill in the field and then click OK.</a:t>
+              <a:rPr lang="en-US" sz="4800" dirty="0" smtClean="0"/>
+              <a:t>      </a:t>
+            </a:r>
+            <a:r>
+              <a:rPr lang="en-US" sz="4800" dirty="0" err="1" smtClean="0"/>
+              <a:t>var</a:t>
+            </a:r>
+            <a:r>
+              <a:rPr lang="en-US" sz="4800" dirty="0" smtClean="0"/>
+              <a:t> </a:t>
+            </a:r>
+            <a:r>
+              <a:rPr lang="en-US" sz="4800" dirty="0" err="1"/>
+              <a:t>linebreak</a:t>
+            </a:r>
+            <a:r>
+              <a:rPr lang="en-US" sz="4800" dirty="0"/>
+              <a:t> = "&lt;</a:t>
+            </a:r>
+            <a:r>
+              <a:rPr lang="en-US" sz="4800" dirty="0" err="1"/>
+              <a:t>br</a:t>
+            </a:r>
+            <a:r>
+              <a:rPr lang="en-US" sz="4800" dirty="0"/>
+              <a:t> /&gt;";</a:t>
+            </a:r>
+          </a:p>
+          <a:p>
+            <a:pPr marL="0" indent="0">
+              <a:buNone/>
+            </a:pPr>
+            <a:r>
+              <a:rPr lang="en-US" sz="4800" dirty="0" smtClean="0"/>
+              <a:t>     </a:t>
+            </a:r>
+            <a:r>
+              <a:rPr lang="en-US" sz="4800" dirty="0" err="1" smtClean="0"/>
+              <a:t>document.write</a:t>
+            </a:r>
+            <a:r>
+              <a:rPr lang="en-US" sz="4800" dirty="0"/>
+              <a:t>("a + b = </a:t>
+            </a:r>
+            <a:r>
+              <a:rPr lang="en-US" sz="4800" dirty="0" smtClean="0"/>
+              <a:t>");</a:t>
+            </a:r>
+          </a:p>
+          <a:p>
+            <a:pPr marL="0" indent="0">
+              <a:buNone/>
+            </a:pPr>
+            <a:r>
+              <a:rPr lang="en-US" sz="4800" dirty="0"/>
+              <a:t> </a:t>
+            </a:r>
+            <a:r>
+              <a:rPr lang="en-US" sz="4800" dirty="0" smtClean="0"/>
+              <a:t>     </a:t>
+            </a:r>
+            <a:r>
+              <a:rPr lang="en-US" sz="4800" dirty="0"/>
+              <a:t>result = a + </a:t>
+            </a:r>
+            <a:r>
+              <a:rPr lang="en-US" sz="4800" dirty="0" smtClean="0"/>
+              <a:t>b;</a:t>
+            </a:r>
+          </a:p>
+          <a:p>
+            <a:pPr marL="0" indent="0">
+              <a:buNone/>
+            </a:pPr>
+            <a:r>
+              <a:rPr lang="en-US" sz="4800" dirty="0"/>
+              <a:t> </a:t>
+            </a:r>
+            <a:r>
+              <a:rPr lang="en-US" sz="4800" dirty="0" smtClean="0"/>
+              <a:t>     </a:t>
+            </a:r>
+            <a:r>
+              <a:rPr lang="en-US" sz="4800" dirty="0" err="1" smtClean="0"/>
+              <a:t>document.write</a:t>
+            </a:r>
+            <a:r>
+              <a:rPr lang="en-US" sz="4800" dirty="0" smtClean="0"/>
+              <a:t>(result);</a:t>
+            </a:r>
+          </a:p>
+          <a:p>
+            <a:pPr marL="0" indent="0">
+              <a:buNone/>
+            </a:pPr>
+            <a:r>
+              <a:rPr lang="en-US" sz="4800" dirty="0"/>
+              <a:t> </a:t>
+            </a:r>
+            <a:r>
+              <a:rPr lang="en-US" sz="4800" dirty="0" smtClean="0"/>
+              <a:t>     &lt;/</a:t>
+            </a:r>
+            <a:r>
+              <a:rPr lang="en-US" sz="4800" dirty="0"/>
+              <a:t>body&gt;</a:t>
+            </a:r>
+          </a:p>
+          <a:p>
+            <a:pPr marL="0" indent="0">
+              <a:buNone/>
+            </a:pPr>
+            <a:r>
+              <a:rPr lang="en-US" sz="4800" dirty="0" smtClean="0"/>
+              <a:t>      &lt;</a:t>
+            </a:r>
+            <a:r>
+              <a:rPr lang="en-US" sz="4800" dirty="0"/>
+              <a:t>html&gt;</a:t>
+            </a:r>
+          </a:p>
+          <a:p>
+            <a:endParaRPr lang="en-US" dirty="0"/>
+          </a:p>
+          <a:p>
+            <a:endParaRPr lang="en-US" dirty="0"/>
+          </a:p>
+          <a:p>
+            <a:r>
+              <a:rPr lang="en-US" sz="4800" dirty="0"/>
+              <a:t>Output</a:t>
+            </a:r>
+          </a:p>
+          <a:p>
+            <a:pPr marL="0" indent="0">
+              <a:buNone/>
+            </a:pPr>
+            <a:r>
+              <a:rPr lang="en-US" sz="4800" dirty="0" smtClean="0"/>
+              <a:t>         a </a:t>
+            </a:r>
+            <a:r>
+              <a:rPr lang="en-US" sz="4800" dirty="0"/>
+              <a:t>+ b = 43</a:t>
             </a:r>
           </a:p>
         </p:txBody>
@@ -7122,7 +6690,7 @@
     </p:spTree>
     <p:extLst>
       <p:ext uri="{BB962C8B-B14F-4D97-AF65-F5344CB8AC3E}">
-        <p14:creationId xmlns:p14="http://schemas.microsoft.com/office/powerpoint/2010/main" val="2043156539"/>
+        <p14:creationId xmlns:p14="http://schemas.microsoft.com/office/powerpoint/2010/main" val="2017158376"/>
       </p:ext>
     </p:extLst>
   </p:cSld>
@@ -7464,6 +7032,1829 @@
 </p:sld>
 </file>
 
+<file path=ppt/slides/slide11.xml><?xml version="1.0" encoding="utf-8"?>
+<p:sld xmlns:a="http://schemas.openxmlformats.org/drawingml/2006/main" xmlns:r="http://schemas.openxmlformats.org/officeDocument/2006/relationships" xmlns:p="http://schemas.openxmlformats.org/presentationml/2006/main">
+  <p:cSld>
+    <p:spTree>
+      <p:nvGrpSpPr>
+        <p:cNvPr id="1" name=""/>
+        <p:cNvGrpSpPr/>
+        <p:nvPr/>
+      </p:nvGrpSpPr>
+      <p:grpSpPr>
+        <a:xfrm>
+          <a:off x="0" y="0"/>
+          <a:ext cx="0" cy="0"/>
+          <a:chOff x="0" y="0"/>
+          <a:chExt cx="0" cy="0"/>
+        </a:xfrm>
+      </p:grpSpPr>
+      <p:sp>
+        <p:nvSpPr>
+          <p:cNvPr id="2" name="Title 1"/>
+          <p:cNvSpPr>
+            <a:spLocks noGrp="1"/>
+          </p:cNvSpPr>
+          <p:nvPr>
+            <p:ph type="title"/>
+          </p:nvPr>
+        </p:nvSpPr>
+        <p:spPr/>
+        <p:txBody>
+          <a:bodyPr/>
+          <a:lstStyle/>
+          <a:p>
+            <a:r>
+              <a:rPr lang="en-US" u="sng" dirty="0" smtClean="0"/>
+              <a:t>Functions and Events</a:t>
+            </a:r>
+            <a:endParaRPr lang="en-US" u="sng" dirty="0"/>
+          </a:p>
+        </p:txBody>
+      </p:sp>
+      <p:sp>
+        <p:nvSpPr>
+          <p:cNvPr id="5" name="Content Placeholder 4"/>
+          <p:cNvSpPr>
+            <a:spLocks noGrp="1"/>
+          </p:cNvSpPr>
+          <p:nvPr>
+            <p:ph idx="1"/>
+          </p:nvPr>
+        </p:nvSpPr>
+        <p:spPr>
+          <a:xfrm>
+            <a:off x="1371600" y="1593669"/>
+            <a:ext cx="9601200" cy="4273731"/>
+          </a:xfrm>
+        </p:spPr>
+        <p:txBody>
+          <a:bodyPr>
+            <a:normAutofit fontScale="62500" lnSpcReduction="20000"/>
+          </a:bodyPr>
+          <a:lstStyle/>
+          <a:p>
+            <a:pPr marL="0" indent="0">
+              <a:buNone/>
+            </a:pPr>
+            <a:r>
+              <a:rPr lang="en-US" dirty="0" smtClean="0"/>
+              <a:t>Most commonly used Events are : </a:t>
+            </a:r>
+          </a:p>
+          <a:p>
+            <a:pPr marL="0" indent="0">
+              <a:buNone/>
+            </a:pPr>
+            <a:r>
+              <a:rPr lang="en-US" dirty="0" err="1" smtClean="0"/>
+              <a:t>onclick</a:t>
+            </a:r>
+            <a:r>
+              <a:rPr lang="en-US" dirty="0" smtClean="0"/>
+              <a:t>()</a:t>
+            </a:r>
+          </a:p>
+          <a:p>
+            <a:pPr marL="0" indent="0">
+              <a:buNone/>
+            </a:pPr>
+            <a:r>
+              <a:rPr lang="en-US" dirty="0" err="1"/>
+              <a:t>o</a:t>
+            </a:r>
+            <a:r>
+              <a:rPr lang="en-US" dirty="0" err="1" smtClean="0"/>
+              <a:t>nsubmit</a:t>
+            </a:r>
+            <a:endParaRPr lang="en-US" dirty="0" smtClean="0"/>
+          </a:p>
+          <a:p>
+            <a:pPr marL="0" indent="0" fontAlgn="base">
+              <a:buNone/>
+            </a:pPr>
+            <a:r>
+              <a:rPr lang="en-US" dirty="0" err="1" smtClean="0"/>
+              <a:t>mouseover,mouseout</a:t>
+            </a:r>
+            <a:r>
+              <a:rPr lang="en-US" dirty="0" smtClean="0"/>
+              <a:t>,</a:t>
+            </a:r>
+            <a:r>
+              <a:rPr lang="en-US" dirty="0"/>
+              <a:t> </a:t>
+            </a:r>
+            <a:r>
+              <a:rPr lang="en-US" dirty="0" err="1" smtClean="0"/>
+              <a:t>mousemove</a:t>
+            </a:r>
+            <a:r>
+              <a:rPr lang="en-US" dirty="0"/>
+              <a:t>, </a:t>
+            </a:r>
+            <a:r>
+              <a:rPr lang="en-US" dirty="0" err="1" smtClean="0"/>
+              <a:t>mousedown</a:t>
+            </a:r>
+            <a:r>
+              <a:rPr lang="en-US" dirty="0" smtClean="0"/>
+              <a:t>/up</a:t>
+            </a:r>
+            <a:endParaRPr lang="en-US" dirty="0"/>
+          </a:p>
+          <a:p>
+            <a:pPr marL="0" indent="0" fontAlgn="base">
+              <a:buNone/>
+            </a:pPr>
+            <a:r>
+              <a:rPr lang="en-US" dirty="0"/>
+              <a:t>online, offline (network events)</a:t>
+            </a:r>
+          </a:p>
+          <a:p>
+            <a:pPr marL="0" indent="0" fontAlgn="base">
+              <a:buNone/>
+            </a:pPr>
+            <a:r>
+              <a:rPr lang="en-US" dirty="0"/>
+              <a:t>reset, submit (form events)</a:t>
+            </a:r>
+          </a:p>
+          <a:p>
+            <a:pPr marL="0" indent="0" fontAlgn="base">
+              <a:buNone/>
+            </a:pPr>
+            <a:r>
+              <a:rPr lang="en-US" dirty="0"/>
+              <a:t>focus, blur (when an element gets the focus or loses it)</a:t>
+            </a:r>
+          </a:p>
+          <a:p>
+            <a:pPr marL="0" indent="0" fontAlgn="base">
+              <a:buNone/>
+            </a:pPr>
+            <a:r>
+              <a:rPr lang="en-US" dirty="0"/>
+              <a:t>drag, </a:t>
+            </a:r>
+            <a:r>
+              <a:rPr lang="en-US" dirty="0" err="1"/>
+              <a:t>dragstart,dragend</a:t>
+            </a:r>
+            <a:r>
+              <a:rPr lang="en-US" dirty="0"/>
+              <a:t>, </a:t>
+            </a:r>
+            <a:r>
+              <a:rPr lang="en-US" dirty="0" err="1"/>
+              <a:t>dragenter</a:t>
+            </a:r>
+            <a:r>
+              <a:rPr lang="en-US" dirty="0"/>
+              <a:t>, </a:t>
+            </a:r>
+            <a:r>
+              <a:rPr lang="en-US" dirty="0" err="1"/>
+              <a:t>dragleave</a:t>
+            </a:r>
+            <a:r>
+              <a:rPr lang="en-US" dirty="0"/>
+              <a:t>, </a:t>
+            </a:r>
+            <a:r>
+              <a:rPr lang="en-US" dirty="0" smtClean="0"/>
+              <a:t>drop</a:t>
+            </a:r>
+          </a:p>
+          <a:p>
+            <a:pPr marL="0" indent="0" fontAlgn="base">
+              <a:buNone/>
+            </a:pPr>
+            <a:endParaRPr lang="en-US" dirty="0"/>
+          </a:p>
+          <a:p>
+            <a:pPr marL="0" indent="0" fontAlgn="base">
+              <a:buNone/>
+            </a:pPr>
+            <a:endParaRPr lang="en-US" dirty="0" smtClean="0"/>
+          </a:p>
+          <a:p>
+            <a:pPr marL="0" indent="0">
+              <a:buNone/>
+            </a:pPr>
+            <a:r>
+              <a:rPr lang="en-US" dirty="0"/>
+              <a:t>&lt;script type = "text/</a:t>
+            </a:r>
+            <a:r>
+              <a:rPr lang="en-US" dirty="0" err="1"/>
+              <a:t>javascript</a:t>
+            </a:r>
+            <a:r>
+              <a:rPr lang="en-US" dirty="0"/>
+              <a:t>"&gt;</a:t>
+            </a:r>
+          </a:p>
+          <a:p>
+            <a:pPr marL="0" indent="0">
+              <a:buNone/>
+            </a:pPr>
+            <a:r>
+              <a:rPr lang="en-US" dirty="0"/>
+              <a:t>function </a:t>
+            </a:r>
+            <a:r>
+              <a:rPr lang="en-US" dirty="0" err="1"/>
+              <a:t>sayHello</a:t>
+            </a:r>
+            <a:r>
+              <a:rPr lang="en-US" dirty="0"/>
+              <a:t>() {</a:t>
+            </a:r>
+          </a:p>
+          <a:p>
+            <a:pPr marL="0" indent="0">
+              <a:buNone/>
+            </a:pPr>
+            <a:r>
+              <a:rPr lang="en-US" dirty="0"/>
+              <a:t>alert("Hello there");</a:t>
+            </a:r>
+          </a:p>
+          <a:p>
+            <a:pPr marL="0" indent="0">
+              <a:buNone/>
+            </a:pPr>
+            <a:r>
+              <a:rPr lang="en-US" dirty="0"/>
+              <a:t>}</a:t>
+            </a:r>
+          </a:p>
+          <a:p>
+            <a:pPr marL="0" indent="0">
+              <a:buNone/>
+            </a:pPr>
+            <a:r>
+              <a:rPr lang="en-US" dirty="0"/>
+              <a:t>&lt;/script&gt; </a:t>
+            </a:r>
+          </a:p>
+          <a:p>
+            <a:pPr marL="0" indent="0">
+              <a:buNone/>
+            </a:pPr>
+            <a:endParaRPr lang="en-US" dirty="0"/>
+          </a:p>
+          <a:p>
+            <a:pPr marL="0" indent="0">
+              <a:buNone/>
+            </a:pPr>
+            <a:endParaRPr lang="en-US" dirty="0"/>
+          </a:p>
+        </p:txBody>
+      </p:sp>
+    </p:spTree>
+    <p:extLst>
+      <p:ext uri="{BB962C8B-B14F-4D97-AF65-F5344CB8AC3E}">
+        <p14:creationId xmlns:p14="http://schemas.microsoft.com/office/powerpoint/2010/main" val="2954587657"/>
+      </p:ext>
+    </p:extLst>
+  </p:cSld>
+  <p:clrMapOvr>
+    <a:masterClrMapping/>
+  </p:clrMapOvr>
+  <p:timing>
+    <p:tnLst>
+      <p:par>
+        <p:cTn id="1" dur="indefinite" restart="never" nodeType="tmRoot">
+          <p:childTnLst>
+            <p:seq concurrent="1" nextAc="seek">
+              <p:cTn id="2" dur="indefinite" nodeType="mainSeq">
+                <p:childTnLst>
+                  <p:par>
+                    <p:cTn id="3" fill="hold">
+                      <p:stCondLst>
+                        <p:cond delay="indefinite"/>
+                      </p:stCondLst>
+                      <p:childTnLst>
+                        <p:par>
+                          <p:cTn id="4" fill="hold">
+                            <p:stCondLst>
+                              <p:cond delay="0"/>
+                            </p:stCondLst>
+                            <p:childTnLst>
+                              <p:par>
+                                <p:cTn id="5" presetID="45" presetClass="entr" presetSubtype="0" fill="hold" grpId="0" nodeType="clickEffect">
+                                  <p:stCondLst>
+                                    <p:cond delay="0"/>
+                                  </p:stCondLst>
+                                  <p:childTnLst>
+                                    <p:set>
+                                      <p:cBhvr>
+                                        <p:cTn id="6" dur="1" fill="hold">
+                                          <p:stCondLst>
+                                            <p:cond delay="0"/>
+                                          </p:stCondLst>
+                                        </p:cTn>
+                                        <p:tgtEl>
+                                          <p:spTgt spid="5">
+                                            <p:txEl>
+                                              <p:pRg st="0" end="0"/>
+                                            </p:txEl>
+                                          </p:spTgt>
+                                        </p:tgtEl>
+                                        <p:attrNameLst>
+                                          <p:attrName>style.visibility</p:attrName>
+                                        </p:attrNameLst>
+                                      </p:cBhvr>
+                                      <p:to>
+                                        <p:strVal val="visible"/>
+                                      </p:to>
+                                    </p:set>
+                                    <p:animEffect transition="in" filter="fade">
+                                      <p:cBhvr>
+                                        <p:cTn id="7" dur="2000"/>
+                                        <p:tgtEl>
+                                          <p:spTgt spid="5">
+                                            <p:txEl>
+                                              <p:pRg st="0" end="0"/>
+                                            </p:txEl>
+                                          </p:spTgt>
+                                        </p:tgtEl>
+                                      </p:cBhvr>
+                                    </p:animEffect>
+                                    <p:anim calcmode="lin" valueType="num">
+                                      <p:cBhvr>
+                                        <p:cTn id="8" dur="2000" fill="hold"/>
+                                        <p:tgtEl>
+                                          <p:spTgt spid="5">
+                                            <p:txEl>
+                                              <p:pRg st="0" end="0"/>
+                                            </p:txEl>
+                                          </p:spTgt>
+                                        </p:tgtEl>
+                                        <p:attrNameLst>
+                                          <p:attrName>ppt_w</p:attrName>
+                                        </p:attrNameLst>
+                                      </p:cBhvr>
+                                      <p:tavLst>
+                                        <p:tav tm="0" fmla="#ppt_w*sin(2.5*pi*$)">
+                                          <p:val>
+                                            <p:fltVal val="0"/>
+                                          </p:val>
+                                        </p:tav>
+                                        <p:tav tm="100000">
+                                          <p:val>
+                                            <p:fltVal val="1"/>
+                                          </p:val>
+                                        </p:tav>
+                                      </p:tavLst>
+                                    </p:anim>
+                                    <p:anim calcmode="lin" valueType="num">
+                                      <p:cBhvr>
+                                        <p:cTn id="9" dur="2000" fill="hold"/>
+                                        <p:tgtEl>
+                                          <p:spTgt spid="5">
+                                            <p:txEl>
+                                              <p:pRg st="0" end="0"/>
+                                            </p:txEl>
+                                          </p:spTgt>
+                                        </p:tgtEl>
+                                        <p:attrNameLst>
+                                          <p:attrName>ppt_h</p:attrName>
+                                        </p:attrNameLst>
+                                      </p:cBhvr>
+                                      <p:tavLst>
+                                        <p:tav tm="0">
+                                          <p:val>
+                                            <p:strVal val="#ppt_h"/>
+                                          </p:val>
+                                        </p:tav>
+                                        <p:tav tm="100000">
+                                          <p:val>
+                                            <p:strVal val="#ppt_h"/>
+                                          </p:val>
+                                        </p:tav>
+                                      </p:tavLst>
+                                    </p:anim>
+                                  </p:childTnLst>
+                                </p:cTn>
+                              </p:par>
+                            </p:childTnLst>
+                          </p:cTn>
+                        </p:par>
+                      </p:childTnLst>
+                    </p:cTn>
+                  </p:par>
+                  <p:par>
+                    <p:cTn id="10" fill="hold">
+                      <p:stCondLst>
+                        <p:cond delay="indefinite"/>
+                      </p:stCondLst>
+                      <p:childTnLst>
+                        <p:par>
+                          <p:cTn id="11" fill="hold">
+                            <p:stCondLst>
+                              <p:cond delay="0"/>
+                            </p:stCondLst>
+                            <p:childTnLst>
+                              <p:par>
+                                <p:cTn id="12" presetID="45" presetClass="entr" presetSubtype="0" fill="hold" grpId="0" nodeType="clickEffect">
+                                  <p:stCondLst>
+                                    <p:cond delay="0"/>
+                                  </p:stCondLst>
+                                  <p:childTnLst>
+                                    <p:set>
+                                      <p:cBhvr>
+                                        <p:cTn id="13" dur="1" fill="hold">
+                                          <p:stCondLst>
+                                            <p:cond delay="0"/>
+                                          </p:stCondLst>
+                                        </p:cTn>
+                                        <p:tgtEl>
+                                          <p:spTgt spid="5">
+                                            <p:txEl>
+                                              <p:pRg st="1" end="1"/>
+                                            </p:txEl>
+                                          </p:spTgt>
+                                        </p:tgtEl>
+                                        <p:attrNameLst>
+                                          <p:attrName>style.visibility</p:attrName>
+                                        </p:attrNameLst>
+                                      </p:cBhvr>
+                                      <p:to>
+                                        <p:strVal val="visible"/>
+                                      </p:to>
+                                    </p:set>
+                                    <p:animEffect transition="in" filter="fade">
+                                      <p:cBhvr>
+                                        <p:cTn id="14" dur="2000"/>
+                                        <p:tgtEl>
+                                          <p:spTgt spid="5">
+                                            <p:txEl>
+                                              <p:pRg st="1" end="1"/>
+                                            </p:txEl>
+                                          </p:spTgt>
+                                        </p:tgtEl>
+                                      </p:cBhvr>
+                                    </p:animEffect>
+                                    <p:anim calcmode="lin" valueType="num">
+                                      <p:cBhvr>
+                                        <p:cTn id="15" dur="2000" fill="hold"/>
+                                        <p:tgtEl>
+                                          <p:spTgt spid="5">
+                                            <p:txEl>
+                                              <p:pRg st="1" end="1"/>
+                                            </p:txEl>
+                                          </p:spTgt>
+                                        </p:tgtEl>
+                                        <p:attrNameLst>
+                                          <p:attrName>ppt_w</p:attrName>
+                                        </p:attrNameLst>
+                                      </p:cBhvr>
+                                      <p:tavLst>
+                                        <p:tav tm="0" fmla="#ppt_w*sin(2.5*pi*$)">
+                                          <p:val>
+                                            <p:fltVal val="0"/>
+                                          </p:val>
+                                        </p:tav>
+                                        <p:tav tm="100000">
+                                          <p:val>
+                                            <p:fltVal val="1"/>
+                                          </p:val>
+                                        </p:tav>
+                                      </p:tavLst>
+                                    </p:anim>
+                                    <p:anim calcmode="lin" valueType="num">
+                                      <p:cBhvr>
+                                        <p:cTn id="16" dur="2000" fill="hold"/>
+                                        <p:tgtEl>
+                                          <p:spTgt spid="5">
+                                            <p:txEl>
+                                              <p:pRg st="1" end="1"/>
+                                            </p:txEl>
+                                          </p:spTgt>
+                                        </p:tgtEl>
+                                        <p:attrNameLst>
+                                          <p:attrName>ppt_h</p:attrName>
+                                        </p:attrNameLst>
+                                      </p:cBhvr>
+                                      <p:tavLst>
+                                        <p:tav tm="0">
+                                          <p:val>
+                                            <p:strVal val="#ppt_h"/>
+                                          </p:val>
+                                        </p:tav>
+                                        <p:tav tm="100000">
+                                          <p:val>
+                                            <p:strVal val="#ppt_h"/>
+                                          </p:val>
+                                        </p:tav>
+                                      </p:tavLst>
+                                    </p:anim>
+                                  </p:childTnLst>
+                                </p:cTn>
+                              </p:par>
+                            </p:childTnLst>
+                          </p:cTn>
+                        </p:par>
+                      </p:childTnLst>
+                    </p:cTn>
+                  </p:par>
+                  <p:par>
+                    <p:cTn id="17" fill="hold">
+                      <p:stCondLst>
+                        <p:cond delay="indefinite"/>
+                      </p:stCondLst>
+                      <p:childTnLst>
+                        <p:par>
+                          <p:cTn id="18" fill="hold">
+                            <p:stCondLst>
+                              <p:cond delay="0"/>
+                            </p:stCondLst>
+                            <p:childTnLst>
+                              <p:par>
+                                <p:cTn id="19" presetID="45" presetClass="entr" presetSubtype="0" fill="hold" grpId="0" nodeType="clickEffect">
+                                  <p:stCondLst>
+                                    <p:cond delay="0"/>
+                                  </p:stCondLst>
+                                  <p:childTnLst>
+                                    <p:set>
+                                      <p:cBhvr>
+                                        <p:cTn id="20" dur="1" fill="hold">
+                                          <p:stCondLst>
+                                            <p:cond delay="0"/>
+                                          </p:stCondLst>
+                                        </p:cTn>
+                                        <p:tgtEl>
+                                          <p:spTgt spid="5">
+                                            <p:txEl>
+                                              <p:pRg st="2" end="2"/>
+                                            </p:txEl>
+                                          </p:spTgt>
+                                        </p:tgtEl>
+                                        <p:attrNameLst>
+                                          <p:attrName>style.visibility</p:attrName>
+                                        </p:attrNameLst>
+                                      </p:cBhvr>
+                                      <p:to>
+                                        <p:strVal val="visible"/>
+                                      </p:to>
+                                    </p:set>
+                                    <p:animEffect transition="in" filter="fade">
+                                      <p:cBhvr>
+                                        <p:cTn id="21" dur="2000"/>
+                                        <p:tgtEl>
+                                          <p:spTgt spid="5">
+                                            <p:txEl>
+                                              <p:pRg st="2" end="2"/>
+                                            </p:txEl>
+                                          </p:spTgt>
+                                        </p:tgtEl>
+                                      </p:cBhvr>
+                                    </p:animEffect>
+                                    <p:anim calcmode="lin" valueType="num">
+                                      <p:cBhvr>
+                                        <p:cTn id="22" dur="2000" fill="hold"/>
+                                        <p:tgtEl>
+                                          <p:spTgt spid="5">
+                                            <p:txEl>
+                                              <p:pRg st="2" end="2"/>
+                                            </p:txEl>
+                                          </p:spTgt>
+                                        </p:tgtEl>
+                                        <p:attrNameLst>
+                                          <p:attrName>ppt_w</p:attrName>
+                                        </p:attrNameLst>
+                                      </p:cBhvr>
+                                      <p:tavLst>
+                                        <p:tav tm="0" fmla="#ppt_w*sin(2.5*pi*$)">
+                                          <p:val>
+                                            <p:fltVal val="0"/>
+                                          </p:val>
+                                        </p:tav>
+                                        <p:tav tm="100000">
+                                          <p:val>
+                                            <p:fltVal val="1"/>
+                                          </p:val>
+                                        </p:tav>
+                                      </p:tavLst>
+                                    </p:anim>
+                                    <p:anim calcmode="lin" valueType="num">
+                                      <p:cBhvr>
+                                        <p:cTn id="23" dur="2000" fill="hold"/>
+                                        <p:tgtEl>
+                                          <p:spTgt spid="5">
+                                            <p:txEl>
+                                              <p:pRg st="2" end="2"/>
+                                            </p:txEl>
+                                          </p:spTgt>
+                                        </p:tgtEl>
+                                        <p:attrNameLst>
+                                          <p:attrName>ppt_h</p:attrName>
+                                        </p:attrNameLst>
+                                      </p:cBhvr>
+                                      <p:tavLst>
+                                        <p:tav tm="0">
+                                          <p:val>
+                                            <p:strVal val="#ppt_h"/>
+                                          </p:val>
+                                        </p:tav>
+                                        <p:tav tm="100000">
+                                          <p:val>
+                                            <p:strVal val="#ppt_h"/>
+                                          </p:val>
+                                        </p:tav>
+                                      </p:tavLst>
+                                    </p:anim>
+                                  </p:childTnLst>
+                                </p:cTn>
+                              </p:par>
+                            </p:childTnLst>
+                          </p:cTn>
+                        </p:par>
+                      </p:childTnLst>
+                    </p:cTn>
+                  </p:par>
+                  <p:par>
+                    <p:cTn id="24" fill="hold">
+                      <p:stCondLst>
+                        <p:cond delay="indefinite"/>
+                      </p:stCondLst>
+                      <p:childTnLst>
+                        <p:par>
+                          <p:cTn id="25" fill="hold">
+                            <p:stCondLst>
+                              <p:cond delay="0"/>
+                            </p:stCondLst>
+                            <p:childTnLst>
+                              <p:par>
+                                <p:cTn id="26" presetID="45" presetClass="entr" presetSubtype="0" fill="hold" grpId="0" nodeType="clickEffect">
+                                  <p:stCondLst>
+                                    <p:cond delay="0"/>
+                                  </p:stCondLst>
+                                  <p:childTnLst>
+                                    <p:set>
+                                      <p:cBhvr>
+                                        <p:cTn id="27" dur="1" fill="hold">
+                                          <p:stCondLst>
+                                            <p:cond delay="0"/>
+                                          </p:stCondLst>
+                                        </p:cTn>
+                                        <p:tgtEl>
+                                          <p:spTgt spid="5">
+                                            <p:txEl>
+                                              <p:pRg st="3" end="3"/>
+                                            </p:txEl>
+                                          </p:spTgt>
+                                        </p:tgtEl>
+                                        <p:attrNameLst>
+                                          <p:attrName>style.visibility</p:attrName>
+                                        </p:attrNameLst>
+                                      </p:cBhvr>
+                                      <p:to>
+                                        <p:strVal val="visible"/>
+                                      </p:to>
+                                    </p:set>
+                                    <p:animEffect transition="in" filter="fade">
+                                      <p:cBhvr>
+                                        <p:cTn id="28" dur="2000"/>
+                                        <p:tgtEl>
+                                          <p:spTgt spid="5">
+                                            <p:txEl>
+                                              <p:pRg st="3" end="3"/>
+                                            </p:txEl>
+                                          </p:spTgt>
+                                        </p:tgtEl>
+                                      </p:cBhvr>
+                                    </p:animEffect>
+                                    <p:anim calcmode="lin" valueType="num">
+                                      <p:cBhvr>
+                                        <p:cTn id="29" dur="2000" fill="hold"/>
+                                        <p:tgtEl>
+                                          <p:spTgt spid="5">
+                                            <p:txEl>
+                                              <p:pRg st="3" end="3"/>
+                                            </p:txEl>
+                                          </p:spTgt>
+                                        </p:tgtEl>
+                                        <p:attrNameLst>
+                                          <p:attrName>ppt_w</p:attrName>
+                                        </p:attrNameLst>
+                                      </p:cBhvr>
+                                      <p:tavLst>
+                                        <p:tav tm="0" fmla="#ppt_w*sin(2.5*pi*$)">
+                                          <p:val>
+                                            <p:fltVal val="0"/>
+                                          </p:val>
+                                        </p:tav>
+                                        <p:tav tm="100000">
+                                          <p:val>
+                                            <p:fltVal val="1"/>
+                                          </p:val>
+                                        </p:tav>
+                                      </p:tavLst>
+                                    </p:anim>
+                                    <p:anim calcmode="lin" valueType="num">
+                                      <p:cBhvr>
+                                        <p:cTn id="30" dur="2000" fill="hold"/>
+                                        <p:tgtEl>
+                                          <p:spTgt spid="5">
+                                            <p:txEl>
+                                              <p:pRg st="3" end="3"/>
+                                            </p:txEl>
+                                          </p:spTgt>
+                                        </p:tgtEl>
+                                        <p:attrNameLst>
+                                          <p:attrName>ppt_h</p:attrName>
+                                        </p:attrNameLst>
+                                      </p:cBhvr>
+                                      <p:tavLst>
+                                        <p:tav tm="0">
+                                          <p:val>
+                                            <p:strVal val="#ppt_h"/>
+                                          </p:val>
+                                        </p:tav>
+                                        <p:tav tm="100000">
+                                          <p:val>
+                                            <p:strVal val="#ppt_h"/>
+                                          </p:val>
+                                        </p:tav>
+                                      </p:tavLst>
+                                    </p:anim>
+                                  </p:childTnLst>
+                                </p:cTn>
+                              </p:par>
+                            </p:childTnLst>
+                          </p:cTn>
+                        </p:par>
+                      </p:childTnLst>
+                    </p:cTn>
+                  </p:par>
+                  <p:par>
+                    <p:cTn id="31" fill="hold">
+                      <p:stCondLst>
+                        <p:cond delay="indefinite"/>
+                      </p:stCondLst>
+                      <p:childTnLst>
+                        <p:par>
+                          <p:cTn id="32" fill="hold">
+                            <p:stCondLst>
+                              <p:cond delay="0"/>
+                            </p:stCondLst>
+                            <p:childTnLst>
+                              <p:par>
+                                <p:cTn id="33" presetID="45" presetClass="entr" presetSubtype="0" fill="hold" grpId="0" nodeType="clickEffect">
+                                  <p:stCondLst>
+                                    <p:cond delay="0"/>
+                                  </p:stCondLst>
+                                  <p:childTnLst>
+                                    <p:set>
+                                      <p:cBhvr>
+                                        <p:cTn id="34" dur="1" fill="hold">
+                                          <p:stCondLst>
+                                            <p:cond delay="0"/>
+                                          </p:stCondLst>
+                                        </p:cTn>
+                                        <p:tgtEl>
+                                          <p:spTgt spid="5">
+                                            <p:txEl>
+                                              <p:pRg st="4" end="4"/>
+                                            </p:txEl>
+                                          </p:spTgt>
+                                        </p:tgtEl>
+                                        <p:attrNameLst>
+                                          <p:attrName>style.visibility</p:attrName>
+                                        </p:attrNameLst>
+                                      </p:cBhvr>
+                                      <p:to>
+                                        <p:strVal val="visible"/>
+                                      </p:to>
+                                    </p:set>
+                                    <p:animEffect transition="in" filter="fade">
+                                      <p:cBhvr>
+                                        <p:cTn id="35" dur="2000"/>
+                                        <p:tgtEl>
+                                          <p:spTgt spid="5">
+                                            <p:txEl>
+                                              <p:pRg st="4" end="4"/>
+                                            </p:txEl>
+                                          </p:spTgt>
+                                        </p:tgtEl>
+                                      </p:cBhvr>
+                                    </p:animEffect>
+                                    <p:anim calcmode="lin" valueType="num">
+                                      <p:cBhvr>
+                                        <p:cTn id="36" dur="2000" fill="hold"/>
+                                        <p:tgtEl>
+                                          <p:spTgt spid="5">
+                                            <p:txEl>
+                                              <p:pRg st="4" end="4"/>
+                                            </p:txEl>
+                                          </p:spTgt>
+                                        </p:tgtEl>
+                                        <p:attrNameLst>
+                                          <p:attrName>ppt_w</p:attrName>
+                                        </p:attrNameLst>
+                                      </p:cBhvr>
+                                      <p:tavLst>
+                                        <p:tav tm="0" fmla="#ppt_w*sin(2.5*pi*$)">
+                                          <p:val>
+                                            <p:fltVal val="0"/>
+                                          </p:val>
+                                        </p:tav>
+                                        <p:tav tm="100000">
+                                          <p:val>
+                                            <p:fltVal val="1"/>
+                                          </p:val>
+                                        </p:tav>
+                                      </p:tavLst>
+                                    </p:anim>
+                                    <p:anim calcmode="lin" valueType="num">
+                                      <p:cBhvr>
+                                        <p:cTn id="37" dur="2000" fill="hold"/>
+                                        <p:tgtEl>
+                                          <p:spTgt spid="5">
+                                            <p:txEl>
+                                              <p:pRg st="4" end="4"/>
+                                            </p:txEl>
+                                          </p:spTgt>
+                                        </p:tgtEl>
+                                        <p:attrNameLst>
+                                          <p:attrName>ppt_h</p:attrName>
+                                        </p:attrNameLst>
+                                      </p:cBhvr>
+                                      <p:tavLst>
+                                        <p:tav tm="0">
+                                          <p:val>
+                                            <p:strVal val="#ppt_h"/>
+                                          </p:val>
+                                        </p:tav>
+                                        <p:tav tm="100000">
+                                          <p:val>
+                                            <p:strVal val="#ppt_h"/>
+                                          </p:val>
+                                        </p:tav>
+                                      </p:tavLst>
+                                    </p:anim>
+                                  </p:childTnLst>
+                                </p:cTn>
+                              </p:par>
+                            </p:childTnLst>
+                          </p:cTn>
+                        </p:par>
+                      </p:childTnLst>
+                    </p:cTn>
+                  </p:par>
+                  <p:par>
+                    <p:cTn id="38" fill="hold">
+                      <p:stCondLst>
+                        <p:cond delay="indefinite"/>
+                      </p:stCondLst>
+                      <p:childTnLst>
+                        <p:par>
+                          <p:cTn id="39" fill="hold">
+                            <p:stCondLst>
+                              <p:cond delay="0"/>
+                            </p:stCondLst>
+                            <p:childTnLst>
+                              <p:par>
+                                <p:cTn id="40" presetID="45" presetClass="entr" presetSubtype="0" fill="hold" grpId="0" nodeType="clickEffect">
+                                  <p:stCondLst>
+                                    <p:cond delay="0"/>
+                                  </p:stCondLst>
+                                  <p:childTnLst>
+                                    <p:set>
+                                      <p:cBhvr>
+                                        <p:cTn id="41" dur="1" fill="hold">
+                                          <p:stCondLst>
+                                            <p:cond delay="0"/>
+                                          </p:stCondLst>
+                                        </p:cTn>
+                                        <p:tgtEl>
+                                          <p:spTgt spid="5">
+                                            <p:txEl>
+                                              <p:pRg st="5" end="5"/>
+                                            </p:txEl>
+                                          </p:spTgt>
+                                        </p:tgtEl>
+                                        <p:attrNameLst>
+                                          <p:attrName>style.visibility</p:attrName>
+                                        </p:attrNameLst>
+                                      </p:cBhvr>
+                                      <p:to>
+                                        <p:strVal val="visible"/>
+                                      </p:to>
+                                    </p:set>
+                                    <p:animEffect transition="in" filter="fade">
+                                      <p:cBhvr>
+                                        <p:cTn id="42" dur="2000"/>
+                                        <p:tgtEl>
+                                          <p:spTgt spid="5">
+                                            <p:txEl>
+                                              <p:pRg st="5" end="5"/>
+                                            </p:txEl>
+                                          </p:spTgt>
+                                        </p:tgtEl>
+                                      </p:cBhvr>
+                                    </p:animEffect>
+                                    <p:anim calcmode="lin" valueType="num">
+                                      <p:cBhvr>
+                                        <p:cTn id="43" dur="2000" fill="hold"/>
+                                        <p:tgtEl>
+                                          <p:spTgt spid="5">
+                                            <p:txEl>
+                                              <p:pRg st="5" end="5"/>
+                                            </p:txEl>
+                                          </p:spTgt>
+                                        </p:tgtEl>
+                                        <p:attrNameLst>
+                                          <p:attrName>ppt_w</p:attrName>
+                                        </p:attrNameLst>
+                                      </p:cBhvr>
+                                      <p:tavLst>
+                                        <p:tav tm="0" fmla="#ppt_w*sin(2.5*pi*$)">
+                                          <p:val>
+                                            <p:fltVal val="0"/>
+                                          </p:val>
+                                        </p:tav>
+                                        <p:tav tm="100000">
+                                          <p:val>
+                                            <p:fltVal val="1"/>
+                                          </p:val>
+                                        </p:tav>
+                                      </p:tavLst>
+                                    </p:anim>
+                                    <p:anim calcmode="lin" valueType="num">
+                                      <p:cBhvr>
+                                        <p:cTn id="44" dur="2000" fill="hold"/>
+                                        <p:tgtEl>
+                                          <p:spTgt spid="5">
+                                            <p:txEl>
+                                              <p:pRg st="5" end="5"/>
+                                            </p:txEl>
+                                          </p:spTgt>
+                                        </p:tgtEl>
+                                        <p:attrNameLst>
+                                          <p:attrName>ppt_h</p:attrName>
+                                        </p:attrNameLst>
+                                      </p:cBhvr>
+                                      <p:tavLst>
+                                        <p:tav tm="0">
+                                          <p:val>
+                                            <p:strVal val="#ppt_h"/>
+                                          </p:val>
+                                        </p:tav>
+                                        <p:tav tm="100000">
+                                          <p:val>
+                                            <p:strVal val="#ppt_h"/>
+                                          </p:val>
+                                        </p:tav>
+                                      </p:tavLst>
+                                    </p:anim>
+                                  </p:childTnLst>
+                                </p:cTn>
+                              </p:par>
+                            </p:childTnLst>
+                          </p:cTn>
+                        </p:par>
+                      </p:childTnLst>
+                    </p:cTn>
+                  </p:par>
+                  <p:par>
+                    <p:cTn id="45" fill="hold">
+                      <p:stCondLst>
+                        <p:cond delay="indefinite"/>
+                      </p:stCondLst>
+                      <p:childTnLst>
+                        <p:par>
+                          <p:cTn id="46" fill="hold">
+                            <p:stCondLst>
+                              <p:cond delay="0"/>
+                            </p:stCondLst>
+                            <p:childTnLst>
+                              <p:par>
+                                <p:cTn id="47" presetID="45" presetClass="entr" presetSubtype="0" fill="hold" grpId="0" nodeType="clickEffect">
+                                  <p:stCondLst>
+                                    <p:cond delay="0"/>
+                                  </p:stCondLst>
+                                  <p:childTnLst>
+                                    <p:set>
+                                      <p:cBhvr>
+                                        <p:cTn id="48" dur="1" fill="hold">
+                                          <p:stCondLst>
+                                            <p:cond delay="0"/>
+                                          </p:stCondLst>
+                                        </p:cTn>
+                                        <p:tgtEl>
+                                          <p:spTgt spid="5">
+                                            <p:txEl>
+                                              <p:pRg st="6" end="6"/>
+                                            </p:txEl>
+                                          </p:spTgt>
+                                        </p:tgtEl>
+                                        <p:attrNameLst>
+                                          <p:attrName>style.visibility</p:attrName>
+                                        </p:attrNameLst>
+                                      </p:cBhvr>
+                                      <p:to>
+                                        <p:strVal val="visible"/>
+                                      </p:to>
+                                    </p:set>
+                                    <p:animEffect transition="in" filter="fade">
+                                      <p:cBhvr>
+                                        <p:cTn id="49" dur="2000"/>
+                                        <p:tgtEl>
+                                          <p:spTgt spid="5">
+                                            <p:txEl>
+                                              <p:pRg st="6" end="6"/>
+                                            </p:txEl>
+                                          </p:spTgt>
+                                        </p:tgtEl>
+                                      </p:cBhvr>
+                                    </p:animEffect>
+                                    <p:anim calcmode="lin" valueType="num">
+                                      <p:cBhvr>
+                                        <p:cTn id="50" dur="2000" fill="hold"/>
+                                        <p:tgtEl>
+                                          <p:spTgt spid="5">
+                                            <p:txEl>
+                                              <p:pRg st="6" end="6"/>
+                                            </p:txEl>
+                                          </p:spTgt>
+                                        </p:tgtEl>
+                                        <p:attrNameLst>
+                                          <p:attrName>ppt_w</p:attrName>
+                                        </p:attrNameLst>
+                                      </p:cBhvr>
+                                      <p:tavLst>
+                                        <p:tav tm="0" fmla="#ppt_w*sin(2.5*pi*$)">
+                                          <p:val>
+                                            <p:fltVal val="0"/>
+                                          </p:val>
+                                        </p:tav>
+                                        <p:tav tm="100000">
+                                          <p:val>
+                                            <p:fltVal val="1"/>
+                                          </p:val>
+                                        </p:tav>
+                                      </p:tavLst>
+                                    </p:anim>
+                                    <p:anim calcmode="lin" valueType="num">
+                                      <p:cBhvr>
+                                        <p:cTn id="51" dur="2000" fill="hold"/>
+                                        <p:tgtEl>
+                                          <p:spTgt spid="5">
+                                            <p:txEl>
+                                              <p:pRg st="6" end="6"/>
+                                            </p:txEl>
+                                          </p:spTgt>
+                                        </p:tgtEl>
+                                        <p:attrNameLst>
+                                          <p:attrName>ppt_h</p:attrName>
+                                        </p:attrNameLst>
+                                      </p:cBhvr>
+                                      <p:tavLst>
+                                        <p:tav tm="0">
+                                          <p:val>
+                                            <p:strVal val="#ppt_h"/>
+                                          </p:val>
+                                        </p:tav>
+                                        <p:tav tm="100000">
+                                          <p:val>
+                                            <p:strVal val="#ppt_h"/>
+                                          </p:val>
+                                        </p:tav>
+                                      </p:tavLst>
+                                    </p:anim>
+                                  </p:childTnLst>
+                                </p:cTn>
+                              </p:par>
+                            </p:childTnLst>
+                          </p:cTn>
+                        </p:par>
+                      </p:childTnLst>
+                    </p:cTn>
+                  </p:par>
+                  <p:par>
+                    <p:cTn id="52" fill="hold">
+                      <p:stCondLst>
+                        <p:cond delay="indefinite"/>
+                      </p:stCondLst>
+                      <p:childTnLst>
+                        <p:par>
+                          <p:cTn id="53" fill="hold">
+                            <p:stCondLst>
+                              <p:cond delay="0"/>
+                            </p:stCondLst>
+                            <p:childTnLst>
+                              <p:par>
+                                <p:cTn id="54" presetID="45" presetClass="entr" presetSubtype="0" fill="hold" grpId="0" nodeType="clickEffect">
+                                  <p:stCondLst>
+                                    <p:cond delay="0"/>
+                                  </p:stCondLst>
+                                  <p:childTnLst>
+                                    <p:set>
+                                      <p:cBhvr>
+                                        <p:cTn id="55" dur="1" fill="hold">
+                                          <p:stCondLst>
+                                            <p:cond delay="0"/>
+                                          </p:stCondLst>
+                                        </p:cTn>
+                                        <p:tgtEl>
+                                          <p:spTgt spid="5">
+                                            <p:txEl>
+                                              <p:pRg st="7" end="7"/>
+                                            </p:txEl>
+                                          </p:spTgt>
+                                        </p:tgtEl>
+                                        <p:attrNameLst>
+                                          <p:attrName>style.visibility</p:attrName>
+                                        </p:attrNameLst>
+                                      </p:cBhvr>
+                                      <p:to>
+                                        <p:strVal val="visible"/>
+                                      </p:to>
+                                    </p:set>
+                                    <p:animEffect transition="in" filter="fade">
+                                      <p:cBhvr>
+                                        <p:cTn id="56" dur="2000"/>
+                                        <p:tgtEl>
+                                          <p:spTgt spid="5">
+                                            <p:txEl>
+                                              <p:pRg st="7" end="7"/>
+                                            </p:txEl>
+                                          </p:spTgt>
+                                        </p:tgtEl>
+                                      </p:cBhvr>
+                                    </p:animEffect>
+                                    <p:anim calcmode="lin" valueType="num">
+                                      <p:cBhvr>
+                                        <p:cTn id="57" dur="2000" fill="hold"/>
+                                        <p:tgtEl>
+                                          <p:spTgt spid="5">
+                                            <p:txEl>
+                                              <p:pRg st="7" end="7"/>
+                                            </p:txEl>
+                                          </p:spTgt>
+                                        </p:tgtEl>
+                                        <p:attrNameLst>
+                                          <p:attrName>ppt_w</p:attrName>
+                                        </p:attrNameLst>
+                                      </p:cBhvr>
+                                      <p:tavLst>
+                                        <p:tav tm="0" fmla="#ppt_w*sin(2.5*pi*$)">
+                                          <p:val>
+                                            <p:fltVal val="0"/>
+                                          </p:val>
+                                        </p:tav>
+                                        <p:tav tm="100000">
+                                          <p:val>
+                                            <p:fltVal val="1"/>
+                                          </p:val>
+                                        </p:tav>
+                                      </p:tavLst>
+                                    </p:anim>
+                                    <p:anim calcmode="lin" valueType="num">
+                                      <p:cBhvr>
+                                        <p:cTn id="58" dur="2000" fill="hold"/>
+                                        <p:tgtEl>
+                                          <p:spTgt spid="5">
+                                            <p:txEl>
+                                              <p:pRg st="7" end="7"/>
+                                            </p:txEl>
+                                          </p:spTgt>
+                                        </p:tgtEl>
+                                        <p:attrNameLst>
+                                          <p:attrName>ppt_h</p:attrName>
+                                        </p:attrNameLst>
+                                      </p:cBhvr>
+                                      <p:tavLst>
+                                        <p:tav tm="0">
+                                          <p:val>
+                                            <p:strVal val="#ppt_h"/>
+                                          </p:val>
+                                        </p:tav>
+                                        <p:tav tm="100000">
+                                          <p:val>
+                                            <p:strVal val="#ppt_h"/>
+                                          </p:val>
+                                        </p:tav>
+                                      </p:tavLst>
+                                    </p:anim>
+                                  </p:childTnLst>
+                                </p:cTn>
+                              </p:par>
+                            </p:childTnLst>
+                          </p:cTn>
+                        </p:par>
+                      </p:childTnLst>
+                    </p:cTn>
+                  </p:par>
+                  <p:par>
+                    <p:cTn id="59" fill="hold">
+                      <p:stCondLst>
+                        <p:cond delay="indefinite"/>
+                      </p:stCondLst>
+                      <p:childTnLst>
+                        <p:par>
+                          <p:cTn id="60" fill="hold">
+                            <p:stCondLst>
+                              <p:cond delay="0"/>
+                            </p:stCondLst>
+                            <p:childTnLst>
+                              <p:par>
+                                <p:cTn id="61" presetID="45" presetClass="entr" presetSubtype="0" fill="hold" grpId="0" nodeType="clickEffect">
+                                  <p:stCondLst>
+                                    <p:cond delay="0"/>
+                                  </p:stCondLst>
+                                  <p:childTnLst>
+                                    <p:set>
+                                      <p:cBhvr>
+                                        <p:cTn id="62" dur="1" fill="hold">
+                                          <p:stCondLst>
+                                            <p:cond delay="0"/>
+                                          </p:stCondLst>
+                                        </p:cTn>
+                                        <p:tgtEl>
+                                          <p:spTgt spid="5">
+                                            <p:txEl>
+                                              <p:pRg st="10" end="10"/>
+                                            </p:txEl>
+                                          </p:spTgt>
+                                        </p:tgtEl>
+                                        <p:attrNameLst>
+                                          <p:attrName>style.visibility</p:attrName>
+                                        </p:attrNameLst>
+                                      </p:cBhvr>
+                                      <p:to>
+                                        <p:strVal val="visible"/>
+                                      </p:to>
+                                    </p:set>
+                                    <p:animEffect transition="in" filter="fade">
+                                      <p:cBhvr>
+                                        <p:cTn id="63" dur="2000"/>
+                                        <p:tgtEl>
+                                          <p:spTgt spid="5">
+                                            <p:txEl>
+                                              <p:pRg st="10" end="10"/>
+                                            </p:txEl>
+                                          </p:spTgt>
+                                        </p:tgtEl>
+                                      </p:cBhvr>
+                                    </p:animEffect>
+                                    <p:anim calcmode="lin" valueType="num">
+                                      <p:cBhvr>
+                                        <p:cTn id="64" dur="2000" fill="hold"/>
+                                        <p:tgtEl>
+                                          <p:spTgt spid="5">
+                                            <p:txEl>
+                                              <p:pRg st="10" end="10"/>
+                                            </p:txEl>
+                                          </p:spTgt>
+                                        </p:tgtEl>
+                                        <p:attrNameLst>
+                                          <p:attrName>ppt_w</p:attrName>
+                                        </p:attrNameLst>
+                                      </p:cBhvr>
+                                      <p:tavLst>
+                                        <p:tav tm="0" fmla="#ppt_w*sin(2.5*pi*$)">
+                                          <p:val>
+                                            <p:fltVal val="0"/>
+                                          </p:val>
+                                        </p:tav>
+                                        <p:tav tm="100000">
+                                          <p:val>
+                                            <p:fltVal val="1"/>
+                                          </p:val>
+                                        </p:tav>
+                                      </p:tavLst>
+                                    </p:anim>
+                                    <p:anim calcmode="lin" valueType="num">
+                                      <p:cBhvr>
+                                        <p:cTn id="65" dur="2000" fill="hold"/>
+                                        <p:tgtEl>
+                                          <p:spTgt spid="5">
+                                            <p:txEl>
+                                              <p:pRg st="10" end="10"/>
+                                            </p:txEl>
+                                          </p:spTgt>
+                                        </p:tgtEl>
+                                        <p:attrNameLst>
+                                          <p:attrName>ppt_h</p:attrName>
+                                        </p:attrNameLst>
+                                      </p:cBhvr>
+                                      <p:tavLst>
+                                        <p:tav tm="0">
+                                          <p:val>
+                                            <p:strVal val="#ppt_h"/>
+                                          </p:val>
+                                        </p:tav>
+                                        <p:tav tm="100000">
+                                          <p:val>
+                                            <p:strVal val="#ppt_h"/>
+                                          </p:val>
+                                        </p:tav>
+                                      </p:tavLst>
+                                    </p:anim>
+                                  </p:childTnLst>
+                                </p:cTn>
+                              </p:par>
+                            </p:childTnLst>
+                          </p:cTn>
+                        </p:par>
+                      </p:childTnLst>
+                    </p:cTn>
+                  </p:par>
+                  <p:par>
+                    <p:cTn id="66" fill="hold">
+                      <p:stCondLst>
+                        <p:cond delay="indefinite"/>
+                      </p:stCondLst>
+                      <p:childTnLst>
+                        <p:par>
+                          <p:cTn id="67" fill="hold">
+                            <p:stCondLst>
+                              <p:cond delay="0"/>
+                            </p:stCondLst>
+                            <p:childTnLst>
+                              <p:par>
+                                <p:cTn id="68" presetID="45" presetClass="entr" presetSubtype="0" fill="hold" grpId="0" nodeType="clickEffect">
+                                  <p:stCondLst>
+                                    <p:cond delay="0"/>
+                                  </p:stCondLst>
+                                  <p:childTnLst>
+                                    <p:set>
+                                      <p:cBhvr>
+                                        <p:cTn id="69" dur="1" fill="hold">
+                                          <p:stCondLst>
+                                            <p:cond delay="0"/>
+                                          </p:stCondLst>
+                                        </p:cTn>
+                                        <p:tgtEl>
+                                          <p:spTgt spid="5">
+                                            <p:txEl>
+                                              <p:pRg st="11" end="11"/>
+                                            </p:txEl>
+                                          </p:spTgt>
+                                        </p:tgtEl>
+                                        <p:attrNameLst>
+                                          <p:attrName>style.visibility</p:attrName>
+                                        </p:attrNameLst>
+                                      </p:cBhvr>
+                                      <p:to>
+                                        <p:strVal val="visible"/>
+                                      </p:to>
+                                    </p:set>
+                                    <p:animEffect transition="in" filter="fade">
+                                      <p:cBhvr>
+                                        <p:cTn id="70" dur="2000"/>
+                                        <p:tgtEl>
+                                          <p:spTgt spid="5">
+                                            <p:txEl>
+                                              <p:pRg st="11" end="11"/>
+                                            </p:txEl>
+                                          </p:spTgt>
+                                        </p:tgtEl>
+                                      </p:cBhvr>
+                                    </p:animEffect>
+                                    <p:anim calcmode="lin" valueType="num">
+                                      <p:cBhvr>
+                                        <p:cTn id="71" dur="2000" fill="hold"/>
+                                        <p:tgtEl>
+                                          <p:spTgt spid="5">
+                                            <p:txEl>
+                                              <p:pRg st="11" end="11"/>
+                                            </p:txEl>
+                                          </p:spTgt>
+                                        </p:tgtEl>
+                                        <p:attrNameLst>
+                                          <p:attrName>ppt_w</p:attrName>
+                                        </p:attrNameLst>
+                                      </p:cBhvr>
+                                      <p:tavLst>
+                                        <p:tav tm="0" fmla="#ppt_w*sin(2.5*pi*$)">
+                                          <p:val>
+                                            <p:fltVal val="0"/>
+                                          </p:val>
+                                        </p:tav>
+                                        <p:tav tm="100000">
+                                          <p:val>
+                                            <p:fltVal val="1"/>
+                                          </p:val>
+                                        </p:tav>
+                                      </p:tavLst>
+                                    </p:anim>
+                                    <p:anim calcmode="lin" valueType="num">
+                                      <p:cBhvr>
+                                        <p:cTn id="72" dur="2000" fill="hold"/>
+                                        <p:tgtEl>
+                                          <p:spTgt spid="5">
+                                            <p:txEl>
+                                              <p:pRg st="11" end="11"/>
+                                            </p:txEl>
+                                          </p:spTgt>
+                                        </p:tgtEl>
+                                        <p:attrNameLst>
+                                          <p:attrName>ppt_h</p:attrName>
+                                        </p:attrNameLst>
+                                      </p:cBhvr>
+                                      <p:tavLst>
+                                        <p:tav tm="0">
+                                          <p:val>
+                                            <p:strVal val="#ppt_h"/>
+                                          </p:val>
+                                        </p:tav>
+                                        <p:tav tm="100000">
+                                          <p:val>
+                                            <p:strVal val="#ppt_h"/>
+                                          </p:val>
+                                        </p:tav>
+                                      </p:tavLst>
+                                    </p:anim>
+                                  </p:childTnLst>
+                                </p:cTn>
+                              </p:par>
+                            </p:childTnLst>
+                          </p:cTn>
+                        </p:par>
+                      </p:childTnLst>
+                    </p:cTn>
+                  </p:par>
+                  <p:par>
+                    <p:cTn id="73" fill="hold">
+                      <p:stCondLst>
+                        <p:cond delay="indefinite"/>
+                      </p:stCondLst>
+                      <p:childTnLst>
+                        <p:par>
+                          <p:cTn id="74" fill="hold">
+                            <p:stCondLst>
+                              <p:cond delay="0"/>
+                            </p:stCondLst>
+                            <p:childTnLst>
+                              <p:par>
+                                <p:cTn id="75" presetID="45" presetClass="entr" presetSubtype="0" fill="hold" grpId="0" nodeType="clickEffect">
+                                  <p:stCondLst>
+                                    <p:cond delay="0"/>
+                                  </p:stCondLst>
+                                  <p:childTnLst>
+                                    <p:set>
+                                      <p:cBhvr>
+                                        <p:cTn id="76" dur="1" fill="hold">
+                                          <p:stCondLst>
+                                            <p:cond delay="0"/>
+                                          </p:stCondLst>
+                                        </p:cTn>
+                                        <p:tgtEl>
+                                          <p:spTgt spid="5">
+                                            <p:txEl>
+                                              <p:pRg st="12" end="12"/>
+                                            </p:txEl>
+                                          </p:spTgt>
+                                        </p:tgtEl>
+                                        <p:attrNameLst>
+                                          <p:attrName>style.visibility</p:attrName>
+                                        </p:attrNameLst>
+                                      </p:cBhvr>
+                                      <p:to>
+                                        <p:strVal val="visible"/>
+                                      </p:to>
+                                    </p:set>
+                                    <p:animEffect transition="in" filter="fade">
+                                      <p:cBhvr>
+                                        <p:cTn id="77" dur="2000"/>
+                                        <p:tgtEl>
+                                          <p:spTgt spid="5">
+                                            <p:txEl>
+                                              <p:pRg st="12" end="12"/>
+                                            </p:txEl>
+                                          </p:spTgt>
+                                        </p:tgtEl>
+                                      </p:cBhvr>
+                                    </p:animEffect>
+                                    <p:anim calcmode="lin" valueType="num">
+                                      <p:cBhvr>
+                                        <p:cTn id="78" dur="2000" fill="hold"/>
+                                        <p:tgtEl>
+                                          <p:spTgt spid="5">
+                                            <p:txEl>
+                                              <p:pRg st="12" end="12"/>
+                                            </p:txEl>
+                                          </p:spTgt>
+                                        </p:tgtEl>
+                                        <p:attrNameLst>
+                                          <p:attrName>ppt_w</p:attrName>
+                                        </p:attrNameLst>
+                                      </p:cBhvr>
+                                      <p:tavLst>
+                                        <p:tav tm="0" fmla="#ppt_w*sin(2.5*pi*$)">
+                                          <p:val>
+                                            <p:fltVal val="0"/>
+                                          </p:val>
+                                        </p:tav>
+                                        <p:tav tm="100000">
+                                          <p:val>
+                                            <p:fltVal val="1"/>
+                                          </p:val>
+                                        </p:tav>
+                                      </p:tavLst>
+                                    </p:anim>
+                                    <p:anim calcmode="lin" valueType="num">
+                                      <p:cBhvr>
+                                        <p:cTn id="79" dur="2000" fill="hold"/>
+                                        <p:tgtEl>
+                                          <p:spTgt spid="5">
+                                            <p:txEl>
+                                              <p:pRg st="12" end="12"/>
+                                            </p:txEl>
+                                          </p:spTgt>
+                                        </p:tgtEl>
+                                        <p:attrNameLst>
+                                          <p:attrName>ppt_h</p:attrName>
+                                        </p:attrNameLst>
+                                      </p:cBhvr>
+                                      <p:tavLst>
+                                        <p:tav tm="0">
+                                          <p:val>
+                                            <p:strVal val="#ppt_h"/>
+                                          </p:val>
+                                        </p:tav>
+                                        <p:tav tm="100000">
+                                          <p:val>
+                                            <p:strVal val="#ppt_h"/>
+                                          </p:val>
+                                        </p:tav>
+                                      </p:tavLst>
+                                    </p:anim>
+                                  </p:childTnLst>
+                                </p:cTn>
+                              </p:par>
+                            </p:childTnLst>
+                          </p:cTn>
+                        </p:par>
+                      </p:childTnLst>
+                    </p:cTn>
+                  </p:par>
+                  <p:par>
+                    <p:cTn id="80" fill="hold">
+                      <p:stCondLst>
+                        <p:cond delay="indefinite"/>
+                      </p:stCondLst>
+                      <p:childTnLst>
+                        <p:par>
+                          <p:cTn id="81" fill="hold">
+                            <p:stCondLst>
+                              <p:cond delay="0"/>
+                            </p:stCondLst>
+                            <p:childTnLst>
+                              <p:par>
+                                <p:cTn id="82" presetID="45" presetClass="entr" presetSubtype="0" fill="hold" grpId="0" nodeType="clickEffect">
+                                  <p:stCondLst>
+                                    <p:cond delay="0"/>
+                                  </p:stCondLst>
+                                  <p:childTnLst>
+                                    <p:set>
+                                      <p:cBhvr>
+                                        <p:cTn id="83" dur="1" fill="hold">
+                                          <p:stCondLst>
+                                            <p:cond delay="0"/>
+                                          </p:stCondLst>
+                                        </p:cTn>
+                                        <p:tgtEl>
+                                          <p:spTgt spid="5">
+                                            <p:txEl>
+                                              <p:pRg st="13" end="13"/>
+                                            </p:txEl>
+                                          </p:spTgt>
+                                        </p:tgtEl>
+                                        <p:attrNameLst>
+                                          <p:attrName>style.visibility</p:attrName>
+                                        </p:attrNameLst>
+                                      </p:cBhvr>
+                                      <p:to>
+                                        <p:strVal val="visible"/>
+                                      </p:to>
+                                    </p:set>
+                                    <p:animEffect transition="in" filter="fade">
+                                      <p:cBhvr>
+                                        <p:cTn id="84" dur="2000"/>
+                                        <p:tgtEl>
+                                          <p:spTgt spid="5">
+                                            <p:txEl>
+                                              <p:pRg st="13" end="13"/>
+                                            </p:txEl>
+                                          </p:spTgt>
+                                        </p:tgtEl>
+                                      </p:cBhvr>
+                                    </p:animEffect>
+                                    <p:anim calcmode="lin" valueType="num">
+                                      <p:cBhvr>
+                                        <p:cTn id="85" dur="2000" fill="hold"/>
+                                        <p:tgtEl>
+                                          <p:spTgt spid="5">
+                                            <p:txEl>
+                                              <p:pRg st="13" end="13"/>
+                                            </p:txEl>
+                                          </p:spTgt>
+                                        </p:tgtEl>
+                                        <p:attrNameLst>
+                                          <p:attrName>ppt_w</p:attrName>
+                                        </p:attrNameLst>
+                                      </p:cBhvr>
+                                      <p:tavLst>
+                                        <p:tav tm="0" fmla="#ppt_w*sin(2.5*pi*$)">
+                                          <p:val>
+                                            <p:fltVal val="0"/>
+                                          </p:val>
+                                        </p:tav>
+                                        <p:tav tm="100000">
+                                          <p:val>
+                                            <p:fltVal val="1"/>
+                                          </p:val>
+                                        </p:tav>
+                                      </p:tavLst>
+                                    </p:anim>
+                                    <p:anim calcmode="lin" valueType="num">
+                                      <p:cBhvr>
+                                        <p:cTn id="86" dur="2000" fill="hold"/>
+                                        <p:tgtEl>
+                                          <p:spTgt spid="5">
+                                            <p:txEl>
+                                              <p:pRg st="13" end="13"/>
+                                            </p:txEl>
+                                          </p:spTgt>
+                                        </p:tgtEl>
+                                        <p:attrNameLst>
+                                          <p:attrName>ppt_h</p:attrName>
+                                        </p:attrNameLst>
+                                      </p:cBhvr>
+                                      <p:tavLst>
+                                        <p:tav tm="0">
+                                          <p:val>
+                                            <p:strVal val="#ppt_h"/>
+                                          </p:val>
+                                        </p:tav>
+                                        <p:tav tm="100000">
+                                          <p:val>
+                                            <p:strVal val="#ppt_h"/>
+                                          </p:val>
+                                        </p:tav>
+                                      </p:tavLst>
+                                    </p:anim>
+                                  </p:childTnLst>
+                                </p:cTn>
+                              </p:par>
+                            </p:childTnLst>
+                          </p:cTn>
+                        </p:par>
+                      </p:childTnLst>
+                    </p:cTn>
+                  </p:par>
+                  <p:par>
+                    <p:cTn id="87" fill="hold">
+                      <p:stCondLst>
+                        <p:cond delay="indefinite"/>
+                      </p:stCondLst>
+                      <p:childTnLst>
+                        <p:par>
+                          <p:cTn id="88" fill="hold">
+                            <p:stCondLst>
+                              <p:cond delay="0"/>
+                            </p:stCondLst>
+                            <p:childTnLst>
+                              <p:par>
+                                <p:cTn id="89" presetID="45" presetClass="entr" presetSubtype="0" fill="hold" grpId="0" nodeType="clickEffect">
+                                  <p:stCondLst>
+                                    <p:cond delay="0"/>
+                                  </p:stCondLst>
+                                  <p:childTnLst>
+                                    <p:set>
+                                      <p:cBhvr>
+                                        <p:cTn id="90" dur="1" fill="hold">
+                                          <p:stCondLst>
+                                            <p:cond delay="0"/>
+                                          </p:stCondLst>
+                                        </p:cTn>
+                                        <p:tgtEl>
+                                          <p:spTgt spid="5">
+                                            <p:txEl>
+                                              <p:pRg st="14" end="14"/>
+                                            </p:txEl>
+                                          </p:spTgt>
+                                        </p:tgtEl>
+                                        <p:attrNameLst>
+                                          <p:attrName>style.visibility</p:attrName>
+                                        </p:attrNameLst>
+                                      </p:cBhvr>
+                                      <p:to>
+                                        <p:strVal val="visible"/>
+                                      </p:to>
+                                    </p:set>
+                                    <p:animEffect transition="in" filter="fade">
+                                      <p:cBhvr>
+                                        <p:cTn id="91" dur="2000"/>
+                                        <p:tgtEl>
+                                          <p:spTgt spid="5">
+                                            <p:txEl>
+                                              <p:pRg st="14" end="14"/>
+                                            </p:txEl>
+                                          </p:spTgt>
+                                        </p:tgtEl>
+                                      </p:cBhvr>
+                                    </p:animEffect>
+                                    <p:anim calcmode="lin" valueType="num">
+                                      <p:cBhvr>
+                                        <p:cTn id="92" dur="2000" fill="hold"/>
+                                        <p:tgtEl>
+                                          <p:spTgt spid="5">
+                                            <p:txEl>
+                                              <p:pRg st="14" end="14"/>
+                                            </p:txEl>
+                                          </p:spTgt>
+                                        </p:tgtEl>
+                                        <p:attrNameLst>
+                                          <p:attrName>ppt_w</p:attrName>
+                                        </p:attrNameLst>
+                                      </p:cBhvr>
+                                      <p:tavLst>
+                                        <p:tav tm="0" fmla="#ppt_w*sin(2.5*pi*$)">
+                                          <p:val>
+                                            <p:fltVal val="0"/>
+                                          </p:val>
+                                        </p:tav>
+                                        <p:tav tm="100000">
+                                          <p:val>
+                                            <p:fltVal val="1"/>
+                                          </p:val>
+                                        </p:tav>
+                                      </p:tavLst>
+                                    </p:anim>
+                                    <p:anim calcmode="lin" valueType="num">
+                                      <p:cBhvr>
+                                        <p:cTn id="93" dur="2000" fill="hold"/>
+                                        <p:tgtEl>
+                                          <p:spTgt spid="5">
+                                            <p:txEl>
+                                              <p:pRg st="14" end="14"/>
+                                            </p:txEl>
+                                          </p:spTgt>
+                                        </p:tgtEl>
+                                        <p:attrNameLst>
+                                          <p:attrName>ppt_h</p:attrName>
+                                        </p:attrNameLst>
+                                      </p:cBhvr>
+                                      <p:tavLst>
+                                        <p:tav tm="0">
+                                          <p:val>
+                                            <p:strVal val="#ppt_h"/>
+                                          </p:val>
+                                        </p:tav>
+                                        <p:tav tm="100000">
+                                          <p:val>
+                                            <p:strVal val="#ppt_h"/>
+                                          </p:val>
+                                        </p:tav>
+                                      </p:tavLst>
+                                    </p:anim>
+                                  </p:childTnLst>
+                                </p:cTn>
+                              </p:par>
+                            </p:childTnLst>
+                          </p:cTn>
+                        </p:par>
+                      </p:childTnLst>
+                    </p:cTn>
+                  </p:par>
+                </p:childTnLst>
+              </p:cTn>
+              <p:prevCondLst>
+                <p:cond evt="onPrev" delay="0">
+                  <p:tgtEl>
+                    <p:sldTgt/>
+                  </p:tgtEl>
+                </p:cond>
+              </p:prevCondLst>
+              <p:nextCondLst>
+                <p:cond evt="onNext" delay="0">
+                  <p:tgtEl>
+                    <p:sldTgt/>
+                  </p:tgtEl>
+                </p:cond>
+              </p:nextCondLst>
+            </p:seq>
+          </p:childTnLst>
+        </p:cTn>
+      </p:par>
+    </p:tnLst>
+    <p:bldLst>
+      <p:bldP spid="5" grpId="0" build="p"/>
+    </p:bldLst>
+  </p:timing>
+</p:sld>
+</file>
+
 <file path=ppt/slides/slide12.xml><?xml version="1.0" encoding="utf-8"?>
 <p:sld xmlns:a="http://schemas.openxmlformats.org/drawingml/2006/main" xmlns:r="http://schemas.openxmlformats.org/officeDocument/2006/relationships" xmlns:p="http://schemas.openxmlformats.org/presentationml/2006/main">
   <p:cSld>
@@ -7497,12 +8888,8 @@
           <a:lstStyle/>
           <a:p>
             <a:r>
-              <a:rPr lang="en-US" u="sng" dirty="0" err="1" smtClean="0"/>
-              <a:t>Qunit</a:t>
-            </a:r>
-            <a:r>
               <a:rPr lang="en-US" u="sng" dirty="0" smtClean="0"/>
-              <a:t> Features</a:t>
+              <a:t>Dialog Boxes </a:t>
             </a:r>
             <a:endParaRPr lang="en-US" u="sng" dirty="0"/>
           </a:p>
@@ -7520,83 +8907,98 @@
         </p:nvSpPr>
         <p:spPr>
           <a:xfrm>
-            <a:off x="1371600" y="1619794"/>
-            <a:ext cx="9601200" cy="4247606"/>
+            <a:off x="1371600" y="1854927"/>
+            <a:ext cx="9601200" cy="4012474"/>
           </a:xfrm>
         </p:spPr>
         <p:txBody>
           <a:bodyPr>
-            <a:normAutofit/>
+            <a:normAutofit lnSpcReduction="10000"/>
           </a:bodyPr>
           <a:lstStyle/>
           <a:p>
             <a:r>
-              <a:rPr lang="en-US" dirty="0" err="1"/>
-              <a:t>QUnit</a:t>
-            </a:r>
+              <a:rPr lang="en-US" dirty="0" smtClean="0"/>
+              <a:t>Alert</a:t>
+            </a:r>
+          </a:p>
+          <a:p>
+            <a:pPr marL="0" indent="0">
+              <a:buNone/>
+            </a:pPr>
             <a:r>
               <a:rPr lang="en-US" dirty="0"/>
-              <a:t> provides Assertions for testing expected results.</a:t>
-            </a:r>
-          </a:p>
-          <a:p>
-            <a:r>
-              <a:rPr lang="en-US" dirty="0" err="1"/>
-              <a:t>QUnit</a:t>
+              <a:t>An alert dialog box is mostly used to give </a:t>
+            </a:r>
+            <a:r>
+              <a:rPr lang="en-US" dirty="0" smtClean="0"/>
+              <a:t>a message </a:t>
             </a:r>
             <a:r>
               <a:rPr lang="en-US" dirty="0"/>
-              <a:t> provides Test fixtures for running tests.</a:t>
-            </a:r>
-          </a:p>
-          <a:p>
-            <a:r>
-              <a:rPr lang="en-US" dirty="0" err="1"/>
-              <a:t>QUnit</a:t>
-            </a:r>
+              <a:t>to the users</a:t>
+            </a:r>
+            <a:r>
+              <a:rPr lang="en-US" dirty="0" smtClean="0"/>
+              <a:t>.</a:t>
+            </a:r>
+          </a:p>
+          <a:p>
+            <a:pPr marL="0" indent="0">
+              <a:buNone/>
+            </a:pPr>
+            <a:endParaRPr lang="en-US" dirty="0" smtClean="0"/>
+          </a:p>
+          <a:p>
+            <a:r>
+              <a:rPr lang="en-US" dirty="0" smtClean="0"/>
+              <a:t>Confirm</a:t>
+            </a:r>
+          </a:p>
+          <a:p>
+            <a:pPr marL="0" indent="0">
+              <a:buNone/>
+            </a:pPr>
             <a:r>
               <a:rPr lang="en-US" dirty="0"/>
-              <a:t> tests allow to write code faster, which increases the quality.</a:t>
-            </a:r>
-          </a:p>
-          <a:p>
-            <a:r>
-              <a:rPr lang="en-US" dirty="0" err="1"/>
-              <a:t>QUnit</a:t>
+              <a:t>A confirmation dialog box is mostly used to take user's consent on any option. It displays a dialog box with two buttons: </a:t>
+            </a:r>
+            <a:r>
+              <a:rPr lang="en-US" b="1" dirty="0"/>
+              <a:t>OK</a:t>
             </a:r>
             <a:r>
               <a:rPr lang="en-US" dirty="0"/>
-              <a:t> is elegantly simple. It is less complex and takes less time.</a:t>
-            </a:r>
-          </a:p>
-          <a:p>
-            <a:r>
-              <a:rPr lang="en-US" dirty="0" err="1"/>
-              <a:t>QUnit</a:t>
-            </a:r>
+              <a:t> and </a:t>
+            </a:r>
+            <a:r>
+              <a:rPr lang="en-US" b="1" dirty="0"/>
+              <a:t>Cancel</a:t>
+            </a:r>
+            <a:r>
+              <a:rPr lang="en-US" dirty="0" smtClean="0"/>
+              <a:t>.</a:t>
+            </a:r>
+          </a:p>
+          <a:p>
+            <a:pPr marL="0" indent="0">
+              <a:buNone/>
+            </a:pPr>
+            <a:endParaRPr lang="en-US" dirty="0" smtClean="0"/>
+          </a:p>
+          <a:p>
+            <a:r>
+              <a:rPr lang="en-US" dirty="0" smtClean="0"/>
+              <a:t>Prompt</a:t>
+            </a:r>
+          </a:p>
+          <a:p>
+            <a:pPr marL="0" indent="0">
+              <a:buNone/>
+            </a:pPr>
             <a:r>
               <a:rPr lang="en-US" dirty="0"/>
-              <a:t> tests can be run automatically and they check their own results and provide immediate feedback. There's no need to manually comb through a report of test results.</a:t>
-            </a:r>
-          </a:p>
-          <a:p>
-            <a:r>
-              <a:rPr lang="en-US" dirty="0" err="1"/>
-              <a:t>QUnit</a:t>
-            </a:r>
-            <a:r>
-              <a:rPr lang="en-US" dirty="0"/>
-              <a:t> tests can be organized into test suites containing test cases and even other test suites.</a:t>
-            </a:r>
-          </a:p>
-          <a:p>
-            <a:r>
-              <a:rPr lang="en-US" dirty="0" err="1"/>
-              <a:t>QUnit</a:t>
-            </a:r>
-            <a:r>
-              <a:rPr lang="en-US" dirty="0"/>
-              <a:t> shows test progress in a bar that is green if the test is going fine, and it turns red when a test fails.</a:t>
+              <a:t>The prompt dialog box is very useful when you want to pop-up a text box to get user input. Thus, it enables you to interact with the user. The user needs to fill in the field and then click OK.</a:t>
             </a:r>
           </a:p>
         </p:txBody>
@@ -7604,7 +9006,7 @@
     </p:spTree>
     <p:extLst>
       <p:ext uri="{BB962C8B-B14F-4D97-AF65-F5344CB8AC3E}">
-        <p14:creationId xmlns:p14="http://schemas.microsoft.com/office/powerpoint/2010/main" val="471296548"/>
+        <p14:creationId xmlns:p14="http://schemas.microsoft.com/office/powerpoint/2010/main" val="2043156539"/>
       </p:ext>
     </p:extLst>
   </p:cSld>
@@ -7979,9 +9381,14 @@
           <a:lstStyle/>
           <a:p>
             <a:r>
-              <a:rPr lang="en-US" dirty="0"/>
-              <a:t>What is a Unit Test Case?</a:t>
-            </a:r>
+              <a:rPr lang="en-US" u="sng" dirty="0" err="1" smtClean="0"/>
+              <a:t>Qunit</a:t>
+            </a:r>
+            <a:r>
+              <a:rPr lang="en-US" u="sng" dirty="0" smtClean="0"/>
+              <a:t> Features</a:t>
+            </a:r>
+            <a:endParaRPr lang="en-US" u="sng" dirty="0"/>
           </a:p>
         </p:txBody>
       </p:sp>
@@ -7997,8 +9404,8 @@
         </p:nvSpPr>
         <p:spPr>
           <a:xfrm>
-            <a:off x="1371600" y="1645920"/>
-            <a:ext cx="9601200" cy="4221480"/>
+            <a:off x="1371600" y="1619794"/>
+            <a:ext cx="9601200" cy="4247606"/>
           </a:xfrm>
         </p:spPr>
         <p:txBody>
@@ -8008,55 +9415,72 @@
           <a:lstStyle/>
           <a:p>
             <a:r>
-              <a:rPr lang="en-US" dirty="0"/>
-              <a:t>A Unit Test Case is a part of code which ensures that another part of the code </a:t>
-            </a:r>
-            <a:r>
-              <a:rPr lang="en-US" dirty="0" smtClean="0"/>
-              <a:t>works </a:t>
-            </a:r>
-            <a:r>
-              <a:rPr lang="en-US" dirty="0"/>
-              <a:t>as expected. </a:t>
-            </a:r>
-            <a:endParaRPr lang="en-US" dirty="0" smtClean="0"/>
-          </a:p>
-          <a:p>
-            <a:r>
-              <a:rPr lang="en-US" dirty="0" smtClean="0"/>
-              <a:t>To </a:t>
-            </a:r>
-            <a:r>
-              <a:rPr lang="en-US" dirty="0"/>
-              <a:t>achieve the desired results quickly, test framework is required</a:t>
-            </a:r>
-            <a:r>
-              <a:rPr lang="en-US" dirty="0" smtClean="0"/>
-              <a:t>.</a:t>
-            </a:r>
-          </a:p>
-          <a:p>
-            <a:r>
-              <a:rPr lang="en-US" dirty="0" smtClean="0"/>
-              <a:t> </a:t>
-            </a:r>
-            <a:r>
               <a:rPr lang="en-US" dirty="0" err="1"/>
               <a:t>QUnit</a:t>
             </a:r>
             <a:r>
               <a:rPr lang="en-US" dirty="0"/>
-              <a:t> is a perfect unit test framework for JavaScript programming language.</a:t>
-            </a:r>
-          </a:p>
-          <a:p>
-            <a:r>
-              <a:rPr lang="en-US" dirty="0" smtClean="0"/>
-              <a:t>There </a:t>
+              <a:t> provides Assertions for testing expected results.</a:t>
+            </a:r>
+          </a:p>
+          <a:p>
+            <a:r>
+              <a:rPr lang="en-US" dirty="0" err="1"/>
+              <a:t>QUnit</a:t>
             </a:r>
             <a:r>
               <a:rPr lang="en-US" dirty="0"/>
-              <a:t>must be at least two unit test cases for each requirement: one positive test and one negative test</a:t>
+              <a:t> provides Test fixtures for running tests.</a:t>
+            </a:r>
+          </a:p>
+          <a:p>
+            <a:r>
+              <a:rPr lang="en-US" dirty="0" err="1"/>
+              <a:t>QUnit</a:t>
+            </a:r>
+            <a:r>
+              <a:rPr lang="en-US" dirty="0"/>
+              <a:t> tests allow to write code faster, which increases the quality.</a:t>
+            </a:r>
+          </a:p>
+          <a:p>
+            <a:r>
+              <a:rPr lang="en-US" dirty="0" err="1"/>
+              <a:t>QUnit</a:t>
+            </a:r>
+            <a:r>
+              <a:rPr lang="en-US" dirty="0"/>
+              <a:t> is elegantly simple. It is less complex and takes less time.</a:t>
+            </a:r>
+          </a:p>
+          <a:p>
+            <a:r>
+              <a:rPr lang="en-US" dirty="0" err="1"/>
+              <a:t>QUnit</a:t>
+            </a:r>
+            <a:r>
+              <a:rPr lang="en-US" dirty="0"/>
+              <a:t> tests can be run automatically and they check their own results and provide immediate feedback. There's no need to manually comb through a report of test results.</a:t>
+            </a:r>
+          </a:p>
+          <a:p>
+            <a:r>
+              <a:rPr lang="en-US" dirty="0" err="1"/>
+              <a:t>QUnit</a:t>
+            </a:r>
+            <a:r>
+              <a:rPr lang="en-US" dirty="0"/>
+              <a:t> tests can be organized into test suites containing test cases and even other test suites.</a:t>
+            </a:r>
+          </a:p>
+          <a:p>
+            <a:r>
+              <a:rPr lang="en-US" dirty="0" err="1"/>
+              <a:t>QUnit</a:t>
+            </a:r>
+            <a:r>
+              <a:rPr lang="en-US" dirty="0"/>
+              <a:t> shows test progress in a bar that is green if the test is going fine, and it turns red when a test fails.</a:t>
             </a:r>
           </a:p>
         </p:txBody>
@@ -8064,7 +9488,7 @@
     </p:spTree>
     <p:extLst>
       <p:ext uri="{BB962C8B-B14F-4D97-AF65-F5344CB8AC3E}">
-        <p14:creationId xmlns:p14="http://schemas.microsoft.com/office/powerpoint/2010/main" val="3889099286"/>
+        <p14:creationId xmlns:p14="http://schemas.microsoft.com/office/powerpoint/2010/main" val="471296548"/>
       </p:ext>
     </p:extLst>
   </p:cSld>
@@ -8439,169 +9863,9 @@
           <a:lstStyle/>
           <a:p>
             <a:r>
-              <a:rPr lang="en-US" u="sng" dirty="0" err="1" smtClean="0"/>
-              <a:t>Qunit</a:t>
-            </a:r>
-            <a:r>
-              <a:rPr lang="en-US" u="sng" dirty="0" smtClean="0"/>
-              <a:t>- Skip Test and only test</a:t>
-            </a:r>
-            <a:r>
-              <a:rPr lang="en-US" u="sng" dirty="0" smtClean="0"/>
-              <a:t> </a:t>
-            </a:r>
-            <a:endParaRPr lang="en-US" u="sng" dirty="0"/>
-          </a:p>
-        </p:txBody>
-      </p:sp>
-      <p:sp>
-        <p:nvSpPr>
-          <p:cNvPr id="3" name="Content Placeholder 2"/>
-          <p:cNvSpPr>
-            <a:spLocks noGrp="1"/>
-          </p:cNvSpPr>
-          <p:nvPr>
-            <p:ph idx="1"/>
-          </p:nvPr>
-        </p:nvSpPr>
-        <p:spPr/>
-        <p:txBody>
-          <a:bodyPr/>
-          <a:lstStyle/>
-          <a:p>
-            <a:r>
-              <a:rPr lang="en-US" b="1" u="sng" dirty="0" err="1" smtClean="0"/>
-              <a:t>Qunit.skip</a:t>
-            </a:r>
-            <a:endParaRPr lang="en-US" b="1" u="sng" dirty="0" smtClean="0"/>
-          </a:p>
-          <a:p>
-            <a:endParaRPr lang="en-US" dirty="0" smtClean="0"/>
-          </a:p>
-          <a:p>
-            <a:r>
               <a:rPr lang="en-US" dirty="0"/>
-              <a:t> A test method written using Skip method will not be executed</a:t>
-            </a:r>
-            <a:r>
-              <a:rPr lang="en-US" dirty="0" smtClean="0"/>
-              <a:t>.</a:t>
-            </a:r>
-          </a:p>
-          <a:p>
-            <a:r>
-              <a:rPr lang="en-US" dirty="0" smtClean="0"/>
-              <a:t>We can use this to avoid running of test cases which shows errors.</a:t>
-            </a:r>
-          </a:p>
-          <a:p>
-            <a:endParaRPr lang="en-US" dirty="0"/>
-          </a:p>
-          <a:p>
-            <a:r>
-              <a:rPr lang="en-US" b="1" u="sng" dirty="0" err="1" smtClean="0"/>
-              <a:t>Qunit.only</a:t>
-            </a:r>
-            <a:endParaRPr lang="en-US" b="1" u="sng" dirty="0"/>
-          </a:p>
-          <a:p>
-            <a:endParaRPr lang="en-US" dirty="0"/>
-          </a:p>
-          <a:p>
-            <a:r>
-              <a:rPr lang="en-US" dirty="0"/>
-              <a:t> A test method written using </a:t>
-            </a:r>
-            <a:r>
-              <a:rPr lang="en-US" dirty="0" smtClean="0"/>
-              <a:t>Only </a:t>
-            </a:r>
-            <a:r>
-              <a:rPr lang="en-US" dirty="0"/>
-              <a:t>method </a:t>
-            </a:r>
-            <a:r>
-              <a:rPr lang="en-US" dirty="0" smtClean="0"/>
-              <a:t>will only </a:t>
-            </a:r>
-            <a:r>
-              <a:rPr lang="en-US" dirty="0"/>
-              <a:t>executed.</a:t>
-            </a:r>
-          </a:p>
-          <a:p>
-            <a:r>
-              <a:rPr lang="en-US" dirty="0"/>
-              <a:t>We can use this </a:t>
-            </a:r>
-            <a:r>
-              <a:rPr lang="en-US" dirty="0" smtClean="0"/>
-              <a:t>to run only a particular test case instead of others.</a:t>
-            </a:r>
-            <a:endParaRPr lang="en-US" dirty="0"/>
-          </a:p>
-          <a:p>
-            <a:endParaRPr lang="en-US" dirty="0"/>
-          </a:p>
-        </p:txBody>
-      </p:sp>
-    </p:spTree>
-    <p:extLst>
-      <p:ext uri="{BB962C8B-B14F-4D97-AF65-F5344CB8AC3E}">
-        <p14:creationId xmlns:p14="http://schemas.microsoft.com/office/powerpoint/2010/main" val="1888750934"/>
-      </p:ext>
-    </p:extLst>
-  </p:cSld>
-  <p:clrMapOvr>
-    <a:masterClrMapping/>
-  </p:clrMapOvr>
-  <p:timing>
-    <p:tnLst>
-      <p:par>
-        <p:cTn id="1" dur="indefinite" restart="never" nodeType="tmRoot"/>
-      </p:par>
-    </p:tnLst>
-  </p:timing>
-</p:sld>
-</file>
-
-<file path=ppt/slides/slide15.xml><?xml version="1.0" encoding="utf-8"?>
-<p:sld xmlns:a="http://schemas.openxmlformats.org/drawingml/2006/main" xmlns:r="http://schemas.openxmlformats.org/officeDocument/2006/relationships" xmlns:p="http://schemas.openxmlformats.org/presentationml/2006/main">
-  <p:cSld>
-    <p:spTree>
-      <p:nvGrpSpPr>
-        <p:cNvPr id="1" name=""/>
-        <p:cNvGrpSpPr/>
-        <p:nvPr/>
-      </p:nvGrpSpPr>
-      <p:grpSpPr>
-        <a:xfrm>
-          <a:off x="0" y="0"/>
-          <a:ext cx="0" cy="0"/>
-          <a:chOff x="0" y="0"/>
-          <a:chExt cx="0" cy="0"/>
-        </a:xfrm>
-      </p:grpSpPr>
-      <p:sp>
-        <p:nvSpPr>
-          <p:cNvPr id="2" name="Title 1"/>
-          <p:cNvSpPr>
-            <a:spLocks noGrp="1"/>
-          </p:cNvSpPr>
-          <p:nvPr>
-            <p:ph type="title"/>
-          </p:nvPr>
-        </p:nvSpPr>
-        <p:spPr/>
-        <p:txBody>
-          <a:bodyPr/>
-          <a:lstStyle/>
-          <a:p>
-            <a:r>
-              <a:rPr lang="en-US" u="sng" dirty="0" smtClean="0"/>
-              <a:t>Creation of Test case</a:t>
-            </a:r>
-            <a:endParaRPr lang="en-US" u="sng" dirty="0"/>
+              <a:t>What is a Unit Test Case?</a:t>
+            </a:r>
           </a:p>
         </p:txBody>
       </p:sp>
@@ -8617,8 +9881,8 @@
         </p:nvSpPr>
         <p:spPr>
           <a:xfrm>
-            <a:off x="1371600" y="1763486"/>
-            <a:ext cx="9601200" cy="4103914"/>
+            <a:off x="1371600" y="1645920"/>
+            <a:ext cx="9601200" cy="4221480"/>
           </a:xfrm>
         </p:spPr>
         <p:txBody>
@@ -8629,35 +9893,26 @@
           <a:p>
             <a:r>
               <a:rPr lang="en-US" dirty="0"/>
-              <a:t>Make a call to the </a:t>
-            </a:r>
-            <a:r>
-              <a:rPr lang="en-US" dirty="0" err="1"/>
-              <a:t>QUnit.test</a:t>
+              <a:t>A Unit Test Case is a part of code which ensures that another part of the code </a:t>
+            </a:r>
+            <a:r>
+              <a:rPr lang="en-US" dirty="0" smtClean="0"/>
+              <a:t>works </a:t>
             </a:r>
             <a:r>
               <a:rPr lang="en-US" dirty="0"/>
-              <a:t> function, with two arguments.</a:t>
-            </a:r>
-          </a:p>
-          <a:p>
-            <a:r>
-              <a:rPr lang="en-US" b="1" dirty="0"/>
-              <a:t>Name</a:t>
+              <a:t>as expected. </a:t>
+            </a:r>
+            <a:endParaRPr lang="en-US" dirty="0" smtClean="0"/>
+          </a:p>
+          <a:p>
+            <a:r>
+              <a:rPr lang="en-US" dirty="0" smtClean="0"/>
+              <a:t>To </a:t>
             </a:r>
             <a:r>
               <a:rPr lang="en-US" dirty="0"/>
-              <a:t> − The name of the test to display the test results.</a:t>
-            </a:r>
-          </a:p>
-          <a:p>
-            <a:r>
-              <a:rPr lang="en-US" b="1" dirty="0"/>
-              <a:t>Function</a:t>
-            </a:r>
-            <a:r>
-              <a:rPr lang="en-US" dirty="0"/>
-              <a:t> − Function testing code, having one or more assertions</a:t>
+              <a:t>achieve the desired results quickly, test framework is required</a:t>
             </a:r>
             <a:r>
               <a:rPr lang="en-US" dirty="0" smtClean="0"/>
@@ -8665,80 +9920,35 @@
             </a:r>
           </a:p>
           <a:p>
-            <a:pPr marL="0" indent="0">
-              <a:buNone/>
-            </a:pPr>
-            <a:endParaRPr lang="en-US" dirty="0"/>
-          </a:p>
-          <a:p>
-            <a:pPr marL="0" indent="0">
-              <a:buNone/>
-            </a:pPr>
-            <a:r>
-              <a:rPr lang="en-US" dirty="0" err="1" smtClean="0"/>
-              <a:t>QUnit.test</a:t>
-            </a:r>
-            <a:r>
-              <a:rPr lang="en-US" dirty="0"/>
-              <a:t>( "</a:t>
-            </a:r>
-            <a:r>
-              <a:rPr lang="en-US" dirty="0" err="1"/>
-              <a:t>TestSquare</a:t>
-            </a:r>
-            <a:r>
-              <a:rPr lang="en-US" dirty="0"/>
-              <a:t>", function( assert ) {</a:t>
-            </a:r>
-          </a:p>
-          <a:p>
-            <a:pPr marL="0" indent="0">
-              <a:buNone/>
-            </a:pPr>
-            <a:r>
-              <a:rPr lang="en-US" dirty="0" err="1" smtClean="0"/>
-              <a:t>var</a:t>
-            </a:r>
             <a:r>
               <a:rPr lang="en-US" dirty="0" smtClean="0"/>
               <a:t> </a:t>
             </a:r>
             <a:r>
+              <a:rPr lang="en-US" dirty="0" err="1"/>
+              <a:t>QUnit</a:t>
+            </a:r>
+            <a:r>
               <a:rPr lang="en-US" dirty="0"/>
-              <a:t>result = square(2);</a:t>
-            </a:r>
-          </a:p>
-          <a:p>
-            <a:pPr marL="0" indent="0">
-              <a:buNone/>
-            </a:pPr>
-            <a:r>
-              <a:rPr lang="en-US" dirty="0" err="1" smtClean="0"/>
-              <a:t>assert.equal</a:t>
+              <a:t> is a perfect unit test framework for JavaScript programming language.</a:t>
+            </a:r>
+          </a:p>
+          <a:p>
+            <a:r>
+              <a:rPr lang="en-US" dirty="0" smtClean="0"/>
+              <a:t>There </a:t>
             </a:r>
             <a:r>
               <a:rPr lang="en-US" dirty="0"/>
-              <a:t>( result, "4", "square(2) should be 4." );</a:t>
-            </a:r>
-          </a:p>
-          <a:p>
-            <a:pPr marL="0" indent="0">
-              <a:buNone/>
-            </a:pPr>
-            <a:r>
-              <a:rPr lang="en-US" dirty="0"/>
-              <a:t>});</a:t>
-            </a:r>
-          </a:p>
-          <a:p>
-            <a:endParaRPr lang="en-US" dirty="0"/>
+              <a:t>must be at least two unit test cases for each requirement: one positive test and one negative test</a:t>
+            </a:r>
           </a:p>
         </p:txBody>
       </p:sp>
     </p:spTree>
     <p:extLst>
       <p:ext uri="{BB962C8B-B14F-4D97-AF65-F5344CB8AC3E}">
-        <p14:creationId xmlns:p14="http://schemas.microsoft.com/office/powerpoint/2010/main" val="341573758"/>
+        <p14:creationId xmlns:p14="http://schemas.microsoft.com/office/powerpoint/2010/main" val="3889099286"/>
       </p:ext>
     </p:extLst>
   </p:cSld>
@@ -9080,6 +10290,553 @@
 </p:sld>
 </file>
 
+<file path=ppt/slides/slide15.xml><?xml version="1.0" encoding="utf-8"?>
+<p:sld xmlns:a="http://schemas.openxmlformats.org/drawingml/2006/main" xmlns:r="http://schemas.openxmlformats.org/officeDocument/2006/relationships" xmlns:p="http://schemas.openxmlformats.org/presentationml/2006/main">
+  <p:cSld>
+    <p:spTree>
+      <p:nvGrpSpPr>
+        <p:cNvPr id="1" name=""/>
+        <p:cNvGrpSpPr/>
+        <p:nvPr/>
+      </p:nvGrpSpPr>
+      <p:grpSpPr>
+        <a:xfrm>
+          <a:off x="0" y="0"/>
+          <a:ext cx="0" cy="0"/>
+          <a:chOff x="0" y="0"/>
+          <a:chExt cx="0" cy="0"/>
+        </a:xfrm>
+      </p:grpSpPr>
+      <p:sp>
+        <p:nvSpPr>
+          <p:cNvPr id="2" name="Title 1"/>
+          <p:cNvSpPr>
+            <a:spLocks noGrp="1"/>
+          </p:cNvSpPr>
+          <p:nvPr>
+            <p:ph type="title"/>
+          </p:nvPr>
+        </p:nvSpPr>
+        <p:spPr/>
+        <p:txBody>
+          <a:bodyPr/>
+          <a:lstStyle/>
+          <a:p>
+            <a:r>
+              <a:rPr lang="en-US" u="sng" dirty="0" err="1" smtClean="0"/>
+              <a:t>Qunit</a:t>
+            </a:r>
+            <a:r>
+              <a:rPr lang="en-US" u="sng" dirty="0" smtClean="0"/>
+              <a:t>- Skip Test and only test </a:t>
+            </a:r>
+            <a:endParaRPr lang="en-US" u="sng" dirty="0"/>
+          </a:p>
+        </p:txBody>
+      </p:sp>
+      <p:sp>
+        <p:nvSpPr>
+          <p:cNvPr id="3" name="Content Placeholder 2"/>
+          <p:cNvSpPr>
+            <a:spLocks noGrp="1"/>
+          </p:cNvSpPr>
+          <p:nvPr>
+            <p:ph idx="1"/>
+          </p:nvPr>
+        </p:nvSpPr>
+        <p:spPr/>
+        <p:txBody>
+          <a:bodyPr/>
+          <a:lstStyle/>
+          <a:p>
+            <a:r>
+              <a:rPr lang="en-US" b="1" u="sng" dirty="0" err="1" smtClean="0"/>
+              <a:t>Qunit.skip</a:t>
+            </a:r>
+            <a:endParaRPr lang="en-US" b="1" u="sng" dirty="0" smtClean="0"/>
+          </a:p>
+          <a:p>
+            <a:endParaRPr lang="en-US" dirty="0" smtClean="0"/>
+          </a:p>
+          <a:p>
+            <a:r>
+              <a:rPr lang="en-US" dirty="0"/>
+              <a:t> A test method written using Skip method will not be executed</a:t>
+            </a:r>
+            <a:r>
+              <a:rPr lang="en-US" dirty="0" smtClean="0"/>
+              <a:t>.</a:t>
+            </a:r>
+          </a:p>
+          <a:p>
+            <a:r>
+              <a:rPr lang="en-US" dirty="0" smtClean="0"/>
+              <a:t>We can use this to avoid running of test cases which shows errors.</a:t>
+            </a:r>
+          </a:p>
+          <a:p>
+            <a:endParaRPr lang="en-US" dirty="0"/>
+          </a:p>
+          <a:p>
+            <a:r>
+              <a:rPr lang="en-US" b="1" u="sng" dirty="0" err="1" smtClean="0"/>
+              <a:t>Qunit.only</a:t>
+            </a:r>
+            <a:endParaRPr lang="en-US" b="1" u="sng" dirty="0"/>
+          </a:p>
+          <a:p>
+            <a:endParaRPr lang="en-US" dirty="0"/>
+          </a:p>
+          <a:p>
+            <a:r>
+              <a:rPr lang="en-US" dirty="0"/>
+              <a:t> A test method written using </a:t>
+            </a:r>
+            <a:r>
+              <a:rPr lang="en-US" dirty="0" smtClean="0"/>
+              <a:t>Only </a:t>
+            </a:r>
+            <a:r>
+              <a:rPr lang="en-US" dirty="0"/>
+              <a:t>method </a:t>
+            </a:r>
+            <a:r>
+              <a:rPr lang="en-US" dirty="0" smtClean="0"/>
+              <a:t>will only </a:t>
+            </a:r>
+            <a:r>
+              <a:rPr lang="en-US" dirty="0"/>
+              <a:t>executed.</a:t>
+            </a:r>
+          </a:p>
+          <a:p>
+            <a:r>
+              <a:rPr lang="en-US" dirty="0"/>
+              <a:t>We can use this </a:t>
+            </a:r>
+            <a:r>
+              <a:rPr lang="en-US" dirty="0" smtClean="0"/>
+              <a:t>to run only a particular test case instead of others.</a:t>
+            </a:r>
+            <a:endParaRPr lang="en-US" dirty="0"/>
+          </a:p>
+          <a:p>
+            <a:endParaRPr lang="en-US" dirty="0"/>
+          </a:p>
+        </p:txBody>
+      </p:sp>
+    </p:spTree>
+    <p:extLst>
+      <p:ext uri="{BB962C8B-B14F-4D97-AF65-F5344CB8AC3E}">
+        <p14:creationId xmlns:p14="http://schemas.microsoft.com/office/powerpoint/2010/main" val="1888750934"/>
+      </p:ext>
+    </p:extLst>
+  </p:cSld>
+  <p:clrMapOvr>
+    <a:masterClrMapping/>
+  </p:clrMapOvr>
+  <p:timing>
+    <p:tnLst>
+      <p:par>
+        <p:cTn id="1" dur="indefinite" restart="never" nodeType="tmRoot">
+          <p:childTnLst>
+            <p:seq concurrent="1" nextAc="seek">
+              <p:cTn id="2" dur="indefinite" nodeType="mainSeq">
+                <p:childTnLst>
+                  <p:par>
+                    <p:cTn id="3" fill="hold">
+                      <p:stCondLst>
+                        <p:cond delay="indefinite"/>
+                      </p:stCondLst>
+                      <p:childTnLst>
+                        <p:par>
+                          <p:cTn id="4" fill="hold">
+                            <p:stCondLst>
+                              <p:cond delay="0"/>
+                            </p:stCondLst>
+                            <p:childTnLst>
+                              <p:par>
+                                <p:cTn id="5" presetID="14" presetClass="entr" presetSubtype="10" fill="hold" grpId="0" nodeType="clickEffect">
+                                  <p:stCondLst>
+                                    <p:cond delay="0"/>
+                                  </p:stCondLst>
+                                  <p:childTnLst>
+                                    <p:set>
+                                      <p:cBhvr>
+                                        <p:cTn id="6" dur="1" fill="hold">
+                                          <p:stCondLst>
+                                            <p:cond delay="0"/>
+                                          </p:stCondLst>
+                                        </p:cTn>
+                                        <p:tgtEl>
+                                          <p:spTgt spid="3">
+                                            <p:txEl>
+                                              <p:pRg st="0" end="0"/>
+                                            </p:txEl>
+                                          </p:spTgt>
+                                        </p:tgtEl>
+                                        <p:attrNameLst>
+                                          <p:attrName>style.visibility</p:attrName>
+                                        </p:attrNameLst>
+                                      </p:cBhvr>
+                                      <p:to>
+                                        <p:strVal val="visible"/>
+                                      </p:to>
+                                    </p:set>
+                                    <p:animEffect transition="in" filter="randombar(horizontal)">
+                                      <p:cBhvr>
+                                        <p:cTn id="7" dur="500"/>
+                                        <p:tgtEl>
+                                          <p:spTgt spid="3">
+                                            <p:txEl>
+                                              <p:pRg st="0" end="0"/>
+                                            </p:txEl>
+                                          </p:spTgt>
+                                        </p:tgtEl>
+                                      </p:cBhvr>
+                                    </p:animEffect>
+                                  </p:childTnLst>
+                                </p:cTn>
+                              </p:par>
+                            </p:childTnLst>
+                          </p:cTn>
+                        </p:par>
+                      </p:childTnLst>
+                    </p:cTn>
+                  </p:par>
+                  <p:par>
+                    <p:cTn id="8" fill="hold">
+                      <p:stCondLst>
+                        <p:cond delay="indefinite"/>
+                      </p:stCondLst>
+                      <p:childTnLst>
+                        <p:par>
+                          <p:cTn id="9" fill="hold">
+                            <p:stCondLst>
+                              <p:cond delay="0"/>
+                            </p:stCondLst>
+                            <p:childTnLst>
+                              <p:par>
+                                <p:cTn id="10" presetID="14" presetClass="entr" presetSubtype="10" fill="hold" grpId="0" nodeType="clickEffect">
+                                  <p:stCondLst>
+                                    <p:cond delay="0"/>
+                                  </p:stCondLst>
+                                  <p:childTnLst>
+                                    <p:set>
+                                      <p:cBhvr>
+                                        <p:cTn id="11" dur="1" fill="hold">
+                                          <p:stCondLst>
+                                            <p:cond delay="0"/>
+                                          </p:stCondLst>
+                                        </p:cTn>
+                                        <p:tgtEl>
+                                          <p:spTgt spid="3">
+                                            <p:txEl>
+                                              <p:pRg st="2" end="2"/>
+                                            </p:txEl>
+                                          </p:spTgt>
+                                        </p:tgtEl>
+                                        <p:attrNameLst>
+                                          <p:attrName>style.visibility</p:attrName>
+                                        </p:attrNameLst>
+                                      </p:cBhvr>
+                                      <p:to>
+                                        <p:strVal val="visible"/>
+                                      </p:to>
+                                    </p:set>
+                                    <p:animEffect transition="in" filter="randombar(horizontal)">
+                                      <p:cBhvr>
+                                        <p:cTn id="12" dur="500"/>
+                                        <p:tgtEl>
+                                          <p:spTgt spid="3">
+                                            <p:txEl>
+                                              <p:pRg st="2" end="2"/>
+                                            </p:txEl>
+                                          </p:spTgt>
+                                        </p:tgtEl>
+                                      </p:cBhvr>
+                                    </p:animEffect>
+                                  </p:childTnLst>
+                                </p:cTn>
+                              </p:par>
+                            </p:childTnLst>
+                          </p:cTn>
+                        </p:par>
+                      </p:childTnLst>
+                    </p:cTn>
+                  </p:par>
+                  <p:par>
+                    <p:cTn id="13" fill="hold">
+                      <p:stCondLst>
+                        <p:cond delay="indefinite"/>
+                      </p:stCondLst>
+                      <p:childTnLst>
+                        <p:par>
+                          <p:cTn id="14" fill="hold">
+                            <p:stCondLst>
+                              <p:cond delay="0"/>
+                            </p:stCondLst>
+                            <p:childTnLst>
+                              <p:par>
+                                <p:cTn id="15" presetID="14" presetClass="entr" presetSubtype="10" fill="hold" grpId="0" nodeType="clickEffect">
+                                  <p:stCondLst>
+                                    <p:cond delay="0"/>
+                                  </p:stCondLst>
+                                  <p:childTnLst>
+                                    <p:set>
+                                      <p:cBhvr>
+                                        <p:cTn id="16" dur="1" fill="hold">
+                                          <p:stCondLst>
+                                            <p:cond delay="0"/>
+                                          </p:stCondLst>
+                                        </p:cTn>
+                                        <p:tgtEl>
+                                          <p:spTgt spid="3">
+                                            <p:txEl>
+                                              <p:pRg st="3" end="3"/>
+                                            </p:txEl>
+                                          </p:spTgt>
+                                        </p:tgtEl>
+                                        <p:attrNameLst>
+                                          <p:attrName>style.visibility</p:attrName>
+                                        </p:attrNameLst>
+                                      </p:cBhvr>
+                                      <p:to>
+                                        <p:strVal val="visible"/>
+                                      </p:to>
+                                    </p:set>
+                                    <p:animEffect transition="in" filter="randombar(horizontal)">
+                                      <p:cBhvr>
+                                        <p:cTn id="17" dur="500"/>
+                                        <p:tgtEl>
+                                          <p:spTgt spid="3">
+                                            <p:txEl>
+                                              <p:pRg st="3" end="3"/>
+                                            </p:txEl>
+                                          </p:spTgt>
+                                        </p:tgtEl>
+                                      </p:cBhvr>
+                                    </p:animEffect>
+                                  </p:childTnLst>
+                                </p:cTn>
+                              </p:par>
+                            </p:childTnLst>
+                          </p:cTn>
+                        </p:par>
+                      </p:childTnLst>
+                    </p:cTn>
+                  </p:par>
+                  <p:par>
+                    <p:cTn id="18" fill="hold">
+                      <p:stCondLst>
+                        <p:cond delay="indefinite"/>
+                      </p:stCondLst>
+                      <p:childTnLst>
+                        <p:par>
+                          <p:cTn id="19" fill="hold">
+                            <p:stCondLst>
+                              <p:cond delay="0"/>
+                            </p:stCondLst>
+                            <p:childTnLst>
+                              <p:par>
+                                <p:cTn id="20" presetID="14" presetClass="entr" presetSubtype="10" fill="hold" grpId="0" nodeType="clickEffect">
+                                  <p:stCondLst>
+                                    <p:cond delay="0"/>
+                                  </p:stCondLst>
+                                  <p:childTnLst>
+                                    <p:set>
+                                      <p:cBhvr>
+                                        <p:cTn id="21" dur="1" fill="hold">
+                                          <p:stCondLst>
+                                            <p:cond delay="0"/>
+                                          </p:stCondLst>
+                                        </p:cTn>
+                                        <p:tgtEl>
+                                          <p:spTgt spid="3">
+                                            <p:txEl>
+                                              <p:pRg st="5" end="5"/>
+                                            </p:txEl>
+                                          </p:spTgt>
+                                        </p:tgtEl>
+                                        <p:attrNameLst>
+                                          <p:attrName>style.visibility</p:attrName>
+                                        </p:attrNameLst>
+                                      </p:cBhvr>
+                                      <p:to>
+                                        <p:strVal val="visible"/>
+                                      </p:to>
+                                    </p:set>
+                                    <p:animEffect transition="in" filter="randombar(horizontal)">
+                                      <p:cBhvr>
+                                        <p:cTn id="22" dur="500"/>
+                                        <p:tgtEl>
+                                          <p:spTgt spid="3">
+                                            <p:txEl>
+                                              <p:pRg st="5" end="5"/>
+                                            </p:txEl>
+                                          </p:spTgt>
+                                        </p:tgtEl>
+                                      </p:cBhvr>
+                                    </p:animEffect>
+                                  </p:childTnLst>
+                                </p:cTn>
+                              </p:par>
+                            </p:childTnLst>
+                          </p:cTn>
+                        </p:par>
+                      </p:childTnLst>
+                    </p:cTn>
+                  </p:par>
+                  <p:par>
+                    <p:cTn id="23" fill="hold">
+                      <p:stCondLst>
+                        <p:cond delay="indefinite"/>
+                      </p:stCondLst>
+                      <p:childTnLst>
+                        <p:par>
+                          <p:cTn id="24" fill="hold">
+                            <p:stCondLst>
+                              <p:cond delay="0"/>
+                            </p:stCondLst>
+                            <p:childTnLst>
+                              <p:par>
+                                <p:cTn id="25" presetID="14" presetClass="entr" presetSubtype="10" fill="hold" grpId="0" nodeType="clickEffect">
+                                  <p:stCondLst>
+                                    <p:cond delay="0"/>
+                                  </p:stCondLst>
+                                  <p:childTnLst>
+                                    <p:set>
+                                      <p:cBhvr>
+                                        <p:cTn id="26" dur="1" fill="hold">
+                                          <p:stCondLst>
+                                            <p:cond delay="0"/>
+                                          </p:stCondLst>
+                                        </p:cTn>
+                                        <p:tgtEl>
+                                          <p:spTgt spid="3">
+                                            <p:txEl>
+                                              <p:pRg st="7" end="7"/>
+                                            </p:txEl>
+                                          </p:spTgt>
+                                        </p:tgtEl>
+                                        <p:attrNameLst>
+                                          <p:attrName>style.visibility</p:attrName>
+                                        </p:attrNameLst>
+                                      </p:cBhvr>
+                                      <p:to>
+                                        <p:strVal val="visible"/>
+                                      </p:to>
+                                    </p:set>
+                                    <p:animEffect transition="in" filter="randombar(horizontal)">
+                                      <p:cBhvr>
+                                        <p:cTn id="27" dur="500"/>
+                                        <p:tgtEl>
+                                          <p:spTgt spid="3">
+                                            <p:txEl>
+                                              <p:pRg st="7" end="7"/>
+                                            </p:txEl>
+                                          </p:spTgt>
+                                        </p:tgtEl>
+                                      </p:cBhvr>
+                                    </p:animEffect>
+                                  </p:childTnLst>
+                                </p:cTn>
+                              </p:par>
+                            </p:childTnLst>
+                          </p:cTn>
+                        </p:par>
+                      </p:childTnLst>
+                    </p:cTn>
+                  </p:par>
+                  <p:par>
+                    <p:cTn id="28" fill="hold">
+                      <p:stCondLst>
+                        <p:cond delay="indefinite"/>
+                      </p:stCondLst>
+                      <p:childTnLst>
+                        <p:par>
+                          <p:cTn id="29" fill="hold">
+                            <p:stCondLst>
+                              <p:cond delay="0"/>
+                            </p:stCondLst>
+                            <p:childTnLst>
+                              <p:par>
+                                <p:cTn id="30" presetID="14" presetClass="entr" presetSubtype="10" fill="hold" grpId="0" nodeType="clickEffect">
+                                  <p:stCondLst>
+                                    <p:cond delay="0"/>
+                                  </p:stCondLst>
+                                  <p:childTnLst>
+                                    <p:set>
+                                      <p:cBhvr>
+                                        <p:cTn id="31" dur="1" fill="hold">
+                                          <p:stCondLst>
+                                            <p:cond delay="0"/>
+                                          </p:stCondLst>
+                                        </p:cTn>
+                                        <p:tgtEl>
+                                          <p:spTgt spid="3">
+                                            <p:txEl>
+                                              <p:pRg st="8" end="8"/>
+                                            </p:txEl>
+                                          </p:spTgt>
+                                        </p:tgtEl>
+                                        <p:attrNameLst>
+                                          <p:attrName>style.visibility</p:attrName>
+                                        </p:attrNameLst>
+                                      </p:cBhvr>
+                                      <p:to>
+                                        <p:strVal val="visible"/>
+                                      </p:to>
+                                    </p:set>
+                                    <p:animEffect transition="in" filter="randombar(horizontal)">
+                                      <p:cBhvr>
+                                        <p:cTn id="32" dur="500"/>
+                                        <p:tgtEl>
+                                          <p:spTgt spid="3">
+                                            <p:txEl>
+                                              <p:pRg st="8" end="8"/>
+                                            </p:txEl>
+                                          </p:spTgt>
+                                        </p:tgtEl>
+                                      </p:cBhvr>
+                                    </p:animEffect>
+                                  </p:childTnLst>
+                                </p:cTn>
+                              </p:par>
+                            </p:childTnLst>
+                          </p:cTn>
+                        </p:par>
+                      </p:childTnLst>
+                    </p:cTn>
+                  </p:par>
+                </p:childTnLst>
+              </p:cTn>
+              <p:prevCondLst>
+                <p:cond evt="onPrev" delay="0">
+                  <p:tgtEl>
+                    <p:sldTgt/>
+                  </p:tgtEl>
+                </p:cond>
+              </p:prevCondLst>
+              <p:nextCondLst>
+                <p:cond evt="onNext" delay="0">
+                  <p:tgtEl>
+                    <p:sldTgt/>
+                  </p:tgtEl>
+                </p:cond>
+              </p:nextCondLst>
+            </p:seq>
+          </p:childTnLst>
+        </p:cTn>
+      </p:par>
+    </p:tnLst>
+    <p:bldLst>
+      <p:bldP spid="3" grpId="0" build="p"/>
+    </p:bldLst>
+  </p:timing>
+</p:sld>
+</file>
+
 <file path=ppt/slides/slide16.xml><?xml version="1.0" encoding="utf-8"?>
 <p:sld xmlns:a="http://schemas.openxmlformats.org/drawingml/2006/main" xmlns:r="http://schemas.openxmlformats.org/officeDocument/2006/relationships" xmlns:p="http://schemas.openxmlformats.org/presentationml/2006/main">
   <p:cSld>
@@ -9113,8 +10870,8 @@
           <a:lstStyle/>
           <a:p>
             <a:r>
-              <a:rPr lang="en-US" dirty="0" smtClean="0"/>
-              <a:t>To Run the Test</a:t>
+              <a:rPr lang="en-US" u="sng" dirty="0" smtClean="0"/>
+              <a:t>Creation of Test case</a:t>
             </a:r>
             <a:endParaRPr lang="en-US" u="sng" dirty="0"/>
           </a:p>
@@ -9132,8 +10889,8 @@
         </p:nvSpPr>
         <p:spPr>
           <a:xfrm>
-            <a:off x="1371600" y="1802674"/>
-            <a:ext cx="9601200" cy="4064726"/>
+            <a:off x="1371600" y="1763486"/>
+            <a:ext cx="9601200" cy="4103914"/>
           </a:xfrm>
         </p:spPr>
         <p:txBody>
@@ -9143,117 +10900,117 @@
           <a:lstStyle/>
           <a:p>
             <a:r>
+              <a:rPr lang="en-US" dirty="0"/>
+              <a:t>Make a call to the </a:t>
+            </a:r>
+            <a:r>
+              <a:rPr lang="en-US" dirty="0" err="1"/>
+              <a:t>QUnit.test</a:t>
+            </a:r>
+            <a:r>
+              <a:rPr lang="en-US" dirty="0"/>
+              <a:t> function, with two arguments.</a:t>
+            </a:r>
+          </a:p>
+          <a:p>
+            <a:r>
+              <a:rPr lang="en-US" b="1" dirty="0"/>
+              <a:t>Name</a:t>
+            </a:r>
+            <a:r>
+              <a:rPr lang="en-US" dirty="0"/>
+              <a:t> − The name of the test to display the test results.</a:t>
+            </a:r>
+          </a:p>
+          <a:p>
+            <a:r>
+              <a:rPr lang="en-US" b="1" dirty="0"/>
+              <a:t>Function</a:t>
+            </a:r>
+            <a:r>
+              <a:rPr lang="en-US" dirty="0"/>
+              <a:t> − Function testing code, having one or more assertions</a:t>
+            </a:r>
+            <a:r>
               <a:rPr lang="en-US" dirty="0" smtClean="0"/>
-              <a:t>Along with </a:t>
-            </a:r>
+              <a:t>.</a:t>
+            </a:r>
+          </a:p>
+          <a:p>
+            <a:pPr marL="0" indent="0">
+              <a:buNone/>
+            </a:pPr>
+            <a:endParaRPr lang="en-US" dirty="0"/>
+          </a:p>
+          <a:p>
+            <a:pPr marL="0" indent="0">
+              <a:buNone/>
+            </a:pPr>
             <a:r>
               <a:rPr lang="en-US" dirty="0" err="1" smtClean="0"/>
-              <a:t>javascript</a:t>
+              <a:t>QUnit.test</a:t>
+            </a:r>
+            <a:r>
+              <a:rPr lang="en-US" dirty="0"/>
+              <a:t>( "</a:t>
+            </a:r>
+            <a:r>
+              <a:rPr lang="en-US" dirty="0" err="1"/>
+              <a:t>TestSquare</a:t>
+            </a:r>
+            <a:r>
+              <a:rPr lang="en-US" dirty="0"/>
+              <a:t>", function( assert ) {</a:t>
+            </a:r>
+          </a:p>
+          <a:p>
+            <a:pPr marL="0" indent="0">
+              <a:buNone/>
+            </a:pPr>
+            <a:r>
+              <a:rPr lang="en-US" dirty="0" err="1" smtClean="0"/>
+              <a:t>var</a:t>
             </a:r>
             <a:r>
               <a:rPr lang="en-US" dirty="0" smtClean="0"/>
-              <a:t> code and test case, We also need to import 2 important files into your </a:t>
-            </a:r>
+              <a:t> </a:t>
+            </a:r>
+            <a:r>
+              <a:rPr lang="en-US" dirty="0"/>
+              <a:t>result = square(2);</a:t>
+            </a:r>
+          </a:p>
+          <a:p>
+            <a:pPr marL="0" indent="0">
+              <a:buNone/>
+            </a:pPr>
             <a:r>
               <a:rPr lang="en-US" dirty="0" err="1" smtClean="0"/>
-              <a:t>qunit</a:t>
-            </a:r>
-            <a:r>
-              <a:rPr lang="en-US" dirty="0" smtClean="0"/>
-              <a:t> folder to run the test in browser.</a:t>
+              <a:t>assert.equal</a:t>
+            </a:r>
+            <a:r>
+              <a:rPr lang="en-US" dirty="0"/>
+              <a:t>( result, "4", "square(2) should be 4." );</a:t>
+            </a:r>
+          </a:p>
+          <a:p>
+            <a:pPr marL="0" indent="0">
+              <a:buNone/>
+            </a:pPr>
+            <a:r>
+              <a:rPr lang="en-US" dirty="0"/>
+              <a:t>});</a:t>
             </a:r>
           </a:p>
           <a:p>
             <a:endParaRPr lang="en-US" dirty="0"/>
-          </a:p>
-          <a:p>
-            <a:r>
-              <a:rPr lang="en-US" dirty="0" smtClean="0"/>
-              <a:t>Import qunit.js</a:t>
-            </a:r>
-          </a:p>
-          <a:p>
-            <a:pPr marL="0" indent="0">
-              <a:buNone/>
-            </a:pPr>
-            <a:r>
-              <a:rPr lang="en-US" dirty="0"/>
-              <a:t>&lt;script </a:t>
-            </a:r>
-            <a:r>
-              <a:rPr lang="en-US" dirty="0" err="1"/>
-              <a:t>src</a:t>
-            </a:r>
-            <a:r>
-              <a:rPr lang="en-US" dirty="0"/>
-              <a:t> = "https://</a:t>
-            </a:r>
-            <a:r>
-              <a:rPr lang="en-US" dirty="0" smtClean="0"/>
-              <a:t>code.jquery.com/</a:t>
-            </a:r>
-            <a:r>
-              <a:rPr lang="en-US" dirty="0" err="1" smtClean="0"/>
-              <a:t>qunit</a:t>
-            </a:r>
-            <a:r>
-              <a:rPr lang="en-US" dirty="0" smtClean="0"/>
-              <a:t>/qunit-2.1.9.js</a:t>
-            </a:r>
-            <a:r>
-              <a:rPr lang="en-US" dirty="0"/>
-              <a:t>"&gt;&lt;/script&gt;</a:t>
-            </a:r>
-          </a:p>
-          <a:p>
-            <a:endParaRPr lang="en-US" dirty="0" smtClean="0"/>
-          </a:p>
-          <a:p>
-            <a:r>
-              <a:rPr lang="en-US" dirty="0" smtClean="0"/>
-              <a:t>Import qunit.css</a:t>
-            </a:r>
-            <a:endParaRPr lang="en-US" dirty="0"/>
-          </a:p>
-          <a:p>
-            <a:pPr marL="0" indent="0">
-              <a:buNone/>
-            </a:pPr>
-            <a:r>
-              <a:rPr lang="en-US" dirty="0"/>
-              <a:t>&lt;script </a:t>
-            </a:r>
-            <a:r>
-              <a:rPr lang="en-US" dirty="0" err="1"/>
-              <a:t>src</a:t>
-            </a:r>
-            <a:r>
-              <a:rPr lang="en-US" dirty="0"/>
-              <a:t> = "https://</a:t>
-            </a:r>
-            <a:r>
-              <a:rPr lang="en-US" dirty="0" smtClean="0"/>
-              <a:t>code.jquery.com/</a:t>
-            </a:r>
-            <a:r>
-              <a:rPr lang="en-US" dirty="0" err="1" smtClean="0"/>
-              <a:t>qunit</a:t>
-            </a:r>
-            <a:r>
-              <a:rPr lang="en-US" dirty="0" smtClean="0"/>
-              <a:t>/qunit-2.1.9.js</a:t>
-            </a:r>
-            <a:r>
-              <a:rPr lang="en-US" dirty="0"/>
-              <a:t>"&gt;&lt;/script&gt;</a:t>
-            </a:r>
           </a:p>
         </p:txBody>
       </p:sp>
     </p:spTree>
     <p:extLst>
       <p:ext uri="{BB962C8B-B14F-4D97-AF65-F5344CB8AC3E}">
-        <p14:creationId xmlns:p14="http://schemas.microsoft.com/office/powerpoint/2010/main" val="4233838395"/>
+        <p14:creationId xmlns:p14="http://schemas.microsoft.com/office/powerpoint/2010/main" val="341573758"/>
       </p:ext>
     </p:extLst>
   </p:cSld>
@@ -9629,9 +11386,9 @@
           <a:p>
             <a:r>
               <a:rPr lang="en-US" dirty="0" smtClean="0"/>
-              <a:t>Function and Test case</a:t>
-            </a:r>
-            <a:endParaRPr lang="en-US" dirty="0"/>
+              <a:t>To Run the Test</a:t>
+            </a:r>
+            <a:endParaRPr lang="en-US" u="sng" dirty="0"/>
           </a:p>
         </p:txBody>
       </p:sp>
@@ -9647,8 +11404,8 @@
         </p:nvSpPr>
         <p:spPr>
           <a:xfrm>
-            <a:off x="1371600" y="1528354"/>
-            <a:ext cx="9601200" cy="4339046"/>
+            <a:off x="1371600" y="1802674"/>
+            <a:ext cx="9601200" cy="4064726"/>
           </a:xfrm>
         </p:spPr>
         <p:txBody>
@@ -9657,133 +11414,118 @@
           </a:bodyPr>
           <a:lstStyle/>
           <a:p>
+            <a:r>
+              <a:rPr lang="en-US" dirty="0" smtClean="0"/>
+              <a:t>Along with </a:t>
+            </a:r>
+            <a:r>
+              <a:rPr lang="en-US" dirty="0" err="1" smtClean="0"/>
+              <a:t>javascript</a:t>
+            </a:r>
+            <a:r>
+              <a:rPr lang="en-US" dirty="0" smtClean="0"/>
+              <a:t> code and test case, We also need to import 2 important files into your </a:t>
+            </a:r>
+            <a:r>
+              <a:rPr lang="en-US" dirty="0" err="1" smtClean="0"/>
+              <a:t>qunit</a:t>
+            </a:r>
+            <a:r>
+              <a:rPr lang="en-US" dirty="0" smtClean="0"/>
+              <a:t> folder to run the test in browser.</a:t>
+            </a:r>
+          </a:p>
+          <a:p>
+            <a:endParaRPr lang="en-US" dirty="0"/>
+          </a:p>
+          <a:p>
+            <a:r>
+              <a:rPr lang="en-US" dirty="0" smtClean="0"/>
+              <a:t>Import qunit.js</a:t>
+            </a:r>
+          </a:p>
+          <a:p>
             <a:pPr marL="0" indent="0">
               <a:buNone/>
             </a:pPr>
             <a:r>
               <a:rPr lang="en-US" dirty="0"/>
-              <a:t>function square(x</a:t>
+              <a:t>&lt;script </a:t>
+            </a:r>
+            <a:r>
+              <a:rPr lang="en-US" dirty="0" err="1"/>
+              <a:t>src</a:t>
+            </a:r>
+            <a:r>
+              <a:rPr lang="en-US" dirty="0"/>
+              <a:t> = "https://</a:t>
             </a:r>
             <a:r>
               <a:rPr lang="en-US" dirty="0" smtClean="0"/>
-              <a:t>)</a:t>
-            </a:r>
+              <a:t>code.jquery.com/</a:t>
+            </a:r>
+            <a:r>
+              <a:rPr lang="en-US" dirty="0" err="1" smtClean="0"/>
+              <a:t>qunit</a:t>
+            </a:r>
+            <a:r>
+              <a:rPr lang="en-US" dirty="0" smtClean="0"/>
+              <a:t>/qunit-2.1.9.js</a:t>
+            </a:r>
+            <a:r>
+              <a:rPr lang="en-US" dirty="0"/>
+              <a:t>"&gt;&lt;/script&gt;</a:t>
+            </a:r>
+          </a:p>
+          <a:p>
+            <a:endParaRPr lang="en-US" dirty="0" smtClean="0"/>
+          </a:p>
+          <a:p>
+            <a:r>
+              <a:rPr lang="en-US" dirty="0" smtClean="0"/>
+              <a:t>Import qunit.css</a:t>
+            </a:r>
+            <a:endParaRPr lang="en-US" dirty="0"/>
           </a:p>
           <a:p>
             <a:pPr marL="0" indent="0">
               <a:buNone/>
             </a:pPr>
             <a:r>
+              <a:rPr lang="en-US" dirty="0"/>
+              <a:t>&lt;script </a:t>
+            </a:r>
+            <a:r>
+              <a:rPr lang="en-US" dirty="0" err="1"/>
+              <a:t>src</a:t>
+            </a:r>
+            <a:r>
+              <a:rPr lang="en-US" dirty="0"/>
+              <a:t> = "https://</a:t>
+            </a:r>
+            <a:r>
               <a:rPr lang="en-US" dirty="0" smtClean="0"/>
-              <a:t> </a:t>
+              <a:t>code.jquery.com/</a:t>
+            </a:r>
+            <a:r>
+              <a:rPr lang="en-US" dirty="0" err="1" smtClean="0"/>
+              <a:t>qunit</a:t>
+            </a:r>
+            <a:r>
+              <a:rPr lang="en-US" dirty="0" smtClean="0"/>
+              <a:t>/qunit-2.1.9.js</a:t>
             </a:r>
             <a:r>
               <a:rPr lang="en-US" dirty="0"/>
-              <a:t>{</a:t>
-            </a:r>
-          </a:p>
-          <a:p>
-            <a:pPr marL="0" indent="0">
-              <a:buNone/>
-            </a:pPr>
-            <a:r>
-              <a:rPr lang="en-US" dirty="0" smtClean="0"/>
-              <a:t>return </a:t>
-            </a:r>
-            <a:r>
-              <a:rPr lang="en-US" dirty="0"/>
-              <a:t>x * x;</a:t>
-            </a:r>
-          </a:p>
-          <a:p>
-            <a:pPr marL="0" indent="0">
-              <a:buNone/>
-            </a:pPr>
-            <a:r>
-              <a:rPr lang="en-US" dirty="0" smtClean="0"/>
-              <a:t>}</a:t>
-            </a:r>
-          </a:p>
-          <a:p>
-            <a:pPr marL="0" indent="0">
-              <a:buNone/>
-            </a:pPr>
-            <a:endParaRPr lang="en-US" dirty="0"/>
-          </a:p>
-          <a:p>
-            <a:pPr marL="0" indent="0">
-              <a:buNone/>
-            </a:pPr>
-            <a:endParaRPr lang="en-US" dirty="0" smtClean="0"/>
-          </a:p>
-          <a:p>
-            <a:pPr marL="0" indent="0">
-              <a:buNone/>
-            </a:pPr>
-            <a:r>
-              <a:rPr lang="en-US" dirty="0" err="1"/>
-              <a:t>QUnit.test</a:t>
-            </a:r>
-            <a:r>
-              <a:rPr lang="en-US" dirty="0"/>
-              <a:t>( "</a:t>
-            </a:r>
-            <a:r>
-              <a:rPr lang="en-US" dirty="0" err="1"/>
-              <a:t>TestSquare</a:t>
-            </a:r>
-            <a:r>
-              <a:rPr lang="en-US" dirty="0"/>
-              <a:t>", function( assert ) {</a:t>
-            </a:r>
-          </a:p>
-          <a:p>
-            <a:pPr marL="0" indent="0">
-              <a:buNone/>
-            </a:pPr>
-            <a:r>
-              <a:rPr lang="en-US" dirty="0" err="1"/>
-              <a:t>var</a:t>
-            </a:r>
-            <a:r>
-              <a:rPr lang="en-US" dirty="0"/>
-              <a:t> result = square(2);</a:t>
-            </a:r>
-          </a:p>
-          <a:p>
-            <a:pPr marL="0" indent="0">
-              <a:buNone/>
-            </a:pPr>
-            <a:r>
-              <a:rPr lang="en-US" dirty="0" err="1"/>
-              <a:t>assert.equal</a:t>
-            </a:r>
-            <a:r>
-              <a:rPr lang="en-US" dirty="0"/>
-              <a:t>( result, "4", "square(2) should be 4." );</a:t>
-            </a:r>
-          </a:p>
-          <a:p>
-            <a:pPr marL="0" indent="0">
-              <a:buNone/>
-            </a:pPr>
-            <a:r>
-              <a:rPr lang="en-US" dirty="0"/>
-              <a:t>});</a:t>
-            </a:r>
-          </a:p>
-          <a:p>
-            <a:pPr marL="0" indent="0">
-              <a:buNone/>
-            </a:pPr>
-            <a:endParaRPr lang="en-US" dirty="0"/>
+              <a:t>"&gt;&lt;/script&gt;</a:t>
+            </a:r>
           </a:p>
         </p:txBody>
       </p:sp>
     </p:spTree>
     <p:extLst>
       <p:ext uri="{BB962C8B-B14F-4D97-AF65-F5344CB8AC3E}">
-        <p14:creationId xmlns:p14="http://schemas.microsoft.com/office/powerpoint/2010/main" val="3585308643"/>
+        <p14:creationId xmlns:p14="http://schemas.microsoft.com/office/powerpoint/2010/main" val="4233838395"/>
       </p:ext>
     </p:extLst>
   </p:cSld>
@@ -10158,14 +11900,10 @@
           <a:lstStyle/>
           <a:p>
             <a:r>
-              <a:rPr lang="en-US" u="sng" dirty="0" err="1" smtClean="0"/>
-              <a:t>Qunit</a:t>
-            </a:r>
-            <a:r>
-              <a:rPr lang="en-US" u="sng" dirty="0" smtClean="0"/>
-              <a:t> using Assertions</a:t>
-            </a:r>
-            <a:endParaRPr lang="en-US" u="sng" dirty="0"/>
+              <a:rPr lang="en-US" dirty="0" smtClean="0"/>
+              <a:t>Function and Test case</a:t>
+            </a:r>
+            <a:endParaRPr lang="en-US" dirty="0"/>
           </a:p>
         </p:txBody>
       </p:sp>
@@ -10181,90 +11919,135 @@
         </p:nvSpPr>
         <p:spPr>
           <a:xfrm>
-            <a:off x="1371600" y="1737360"/>
-            <a:ext cx="9601200" cy="4156166"/>
+            <a:off x="1371600" y="1528354"/>
+            <a:ext cx="9601200" cy="4339046"/>
           </a:xfrm>
         </p:spPr>
         <p:txBody>
-          <a:bodyPr/>
+          <a:bodyPr>
+            <a:normAutofit/>
+          </a:bodyPr>
           <a:lstStyle/>
           <a:p>
             <a:pPr marL="0" indent="0">
               <a:buNone/>
             </a:pPr>
             <a:r>
+              <a:rPr lang="en-US" dirty="0"/>
+              <a:t>function square(x</a:t>
+            </a:r>
+            <a:r>
               <a:rPr lang="en-US" dirty="0" smtClean="0"/>
-              <a:t>Few Important Assertions which we use in the Test cases are:</a:t>
-            </a:r>
+              <a:t>)</a:t>
+            </a:r>
+          </a:p>
+          <a:p>
+            <a:pPr marL="0" indent="0">
+              <a:buNone/>
+            </a:pPr>
+            <a:r>
+              <a:rPr lang="en-US" dirty="0" smtClean="0"/>
+              <a:t> </a:t>
+            </a:r>
+            <a:r>
+              <a:rPr lang="en-US" dirty="0"/>
+              <a:t>{</a:t>
+            </a:r>
+          </a:p>
+          <a:p>
+            <a:pPr marL="0" indent="0">
+              <a:buNone/>
+            </a:pPr>
+            <a:r>
+              <a:rPr lang="en-US" dirty="0" smtClean="0"/>
+              <a:t>return </a:t>
+            </a:r>
+            <a:r>
+              <a:rPr lang="en-US" dirty="0"/>
+              <a:t>x * x;</a:t>
+            </a:r>
+          </a:p>
+          <a:p>
+            <a:pPr marL="0" indent="0">
+              <a:buNone/>
+            </a:pPr>
+            <a:r>
+              <a:rPr lang="en-US" dirty="0" smtClean="0"/>
+              <a:t>}</a:t>
+            </a:r>
+          </a:p>
+          <a:p>
+            <a:pPr marL="0" indent="0">
+              <a:buNone/>
+            </a:pPr>
             <a:endParaRPr lang="en-US" dirty="0"/>
           </a:p>
           <a:p>
+            <a:pPr marL="0" indent="0">
+              <a:buNone/>
+            </a:pPr>
             <a:endParaRPr lang="en-US" dirty="0" smtClean="0"/>
           </a:p>
           <a:p>
-            <a:r>
-              <a:rPr lang="en-US" dirty="0" smtClean="0"/>
-              <a:t>equal()</a:t>
-            </a:r>
-          </a:p>
-          <a:p>
+            <a:pPr marL="0" indent="0">
+              <a:buNone/>
+            </a:pPr>
             <a:r>
               <a:rPr lang="en-US" dirty="0" err="1"/>
-              <a:t>n</a:t>
-            </a:r>
-            <a:r>
-              <a:rPr lang="en-US" dirty="0" err="1" smtClean="0"/>
-              <a:t>otequal</a:t>
-            </a:r>
-            <a:r>
-              <a:rPr lang="en-US" dirty="0" smtClean="0"/>
-              <a:t>()</a:t>
-            </a:r>
-            <a:endParaRPr lang="en-US" dirty="0"/>
-          </a:p>
-          <a:p>
-            <a:r>
-              <a:rPr lang="en-US" dirty="0" smtClean="0"/>
-              <a:t>ok()</a:t>
-            </a:r>
-          </a:p>
-          <a:p>
+              <a:t>QUnit.test</a:t>
+            </a:r>
+            <a:r>
+              <a:rPr lang="en-US" dirty="0"/>
+              <a:t>( "</a:t>
+            </a:r>
             <a:r>
               <a:rPr lang="en-US" dirty="0" err="1"/>
-              <a:t>n</a:t>
-            </a:r>
-            <a:r>
-              <a:rPr lang="en-US" dirty="0" err="1" smtClean="0"/>
-              <a:t>otok</a:t>
-            </a:r>
-            <a:r>
-              <a:rPr lang="en-US" dirty="0" smtClean="0"/>
-              <a:t>()</a:t>
-            </a:r>
-          </a:p>
-          <a:p>
-            <a:r>
-              <a:rPr lang="en-US" dirty="0" err="1" smtClean="0"/>
-              <a:t>deepequal</a:t>
-            </a:r>
-            <a:r>
-              <a:rPr lang="en-US" dirty="0" smtClean="0"/>
-              <a:t>()</a:t>
-            </a:r>
-          </a:p>
-          <a:p>
+              <a:t>TestSquare</a:t>
+            </a:r>
+            <a:r>
+              <a:rPr lang="en-US" dirty="0"/>
+              <a:t>", function( assert ) {</a:t>
+            </a:r>
+          </a:p>
+          <a:p>
+            <a:pPr marL="0" indent="0">
+              <a:buNone/>
+            </a:pPr>
             <a:r>
               <a:rPr lang="en-US" dirty="0" err="1"/>
-              <a:t>n</a:t>
-            </a:r>
-            <a:r>
-              <a:rPr lang="en-US" dirty="0" err="1" smtClean="0"/>
-              <a:t>otdeepequal</a:t>
-            </a:r>
-            <a:r>
-              <a:rPr lang="en-US" dirty="0" smtClean="0"/>
-              <a:t>()</a:t>
-            </a:r>
+              <a:t>var</a:t>
+            </a:r>
+            <a:r>
+              <a:rPr lang="en-US" dirty="0"/>
+              <a:t> result = square(2);</a:t>
+            </a:r>
+          </a:p>
+          <a:p>
+            <a:pPr marL="0" indent="0">
+              <a:buNone/>
+            </a:pPr>
+            <a:r>
+              <a:rPr lang="en-US" dirty="0" err="1"/>
+              <a:t>assert.equal</a:t>
+            </a:r>
+            <a:r>
+              <a:rPr lang="en-US" dirty="0"/>
+              <a:t>( result, "4", "square(2) should be 4." );</a:t>
+            </a:r>
+          </a:p>
+          <a:p>
+            <a:pPr marL="0" indent="0">
+              <a:buNone/>
+            </a:pPr>
+            <a:r>
+              <a:rPr lang="en-US" dirty="0"/>
+              <a:t>});</a:t>
+            </a:r>
+          </a:p>
+          <a:p>
+            <a:pPr marL="0" indent="0">
+              <a:buNone/>
+            </a:pPr>
             <a:endParaRPr lang="en-US" dirty="0"/>
           </a:p>
         </p:txBody>
@@ -10272,7 +12055,7 @@
     </p:spTree>
     <p:extLst>
       <p:ext uri="{BB962C8B-B14F-4D97-AF65-F5344CB8AC3E}">
-        <p14:creationId xmlns:p14="http://schemas.microsoft.com/office/powerpoint/2010/main" val="4279106954"/>
+        <p14:creationId xmlns:p14="http://schemas.microsoft.com/office/powerpoint/2010/main" val="3585308643"/>
       </p:ext>
     </p:extLst>
   </p:cSld>
@@ -10643,65 +12426,125 @@
         </p:nvSpPr>
         <p:spPr/>
         <p:txBody>
-          <a:bodyPr>
-            <a:normAutofit fontScale="90000"/>
-          </a:bodyPr>
+          <a:bodyPr/>
           <a:lstStyle/>
           <a:p>
             <a:r>
-              <a:rPr lang="en-US" dirty="0" smtClean="0"/>
-              <a:t>Steps to Run the </a:t>
-            </a:r>
-            <a:r>
-              <a:rPr lang="en-US" dirty="0" err="1" smtClean="0"/>
-              <a:t>Testcase</a:t>
-            </a:r>
-            <a:r>
-              <a:rPr lang="en-US" dirty="0" smtClean="0"/>
-              <a:t> </a:t>
-            </a:r>
-            <a:br>
-              <a:rPr lang="en-US" dirty="0" smtClean="0"/>
-            </a:br>
-            <a:r>
-              <a:rPr lang="en-US" dirty="0"/>
-              <a:t/>
-            </a:r>
-            <a:br>
-              <a:rPr lang="en-US" dirty="0"/>
-            </a:br>
-            <a:endParaRPr lang="en-US" dirty="0"/>
+              <a:rPr lang="en-US" u="sng" dirty="0" err="1" smtClean="0"/>
+              <a:t>Qunit</a:t>
+            </a:r>
+            <a:r>
+              <a:rPr lang="en-US" u="sng" dirty="0" smtClean="0"/>
+              <a:t> using Assertions</a:t>
+            </a:r>
+            <a:endParaRPr lang="en-US" u="sng" dirty="0"/>
           </a:p>
         </p:txBody>
       </p:sp>
-      <p:pic>
-        <p:nvPicPr>
-          <p:cNvPr id="4" name="Picture 3"/>
-          <p:cNvPicPr>
-            <a:picLocks noChangeAspect="1"/>
-          </p:cNvPicPr>
-          <p:nvPr/>
-        </p:nvPicPr>
-        <p:blipFill>
-          <a:blip r:embed="rId2"/>
-          <a:stretch>
-            <a:fillRect/>
-          </a:stretch>
-        </p:blipFill>
+      <p:sp>
+        <p:nvSpPr>
+          <p:cNvPr id="3" name="Content Placeholder 2"/>
+          <p:cNvSpPr>
+            <a:spLocks noGrp="1"/>
+          </p:cNvSpPr>
+          <p:nvPr>
+            <p:ph idx="1"/>
+          </p:nvPr>
+        </p:nvSpPr>
         <p:spPr>
           <a:xfrm>
-            <a:off x="1528355" y="1580606"/>
-            <a:ext cx="8804365" cy="4389121"/>
+            <a:off x="1371600" y="1737360"/>
+            <a:ext cx="9601200" cy="4156166"/>
           </a:xfrm>
-          <a:prstGeom prst="rect">
-            <a:avLst/>
-          </a:prstGeom>
         </p:spPr>
-      </p:pic>
+        <p:txBody>
+          <a:bodyPr/>
+          <a:lstStyle/>
+          <a:p>
+            <a:pPr marL="0" indent="0">
+              <a:buNone/>
+            </a:pPr>
+            <a:r>
+              <a:rPr lang="en-US" dirty="0" smtClean="0"/>
+              <a:t>Few Important Assertions which we use in the Test cases are:</a:t>
+            </a:r>
+            <a:endParaRPr lang="en-US" dirty="0"/>
+          </a:p>
+          <a:p>
+            <a:endParaRPr lang="en-US" dirty="0" smtClean="0"/>
+          </a:p>
+          <a:p>
+            <a:r>
+              <a:rPr lang="en-US" dirty="0" smtClean="0"/>
+              <a:t>equal()</a:t>
+            </a:r>
+          </a:p>
+          <a:p>
+            <a:r>
+              <a:rPr lang="en-US" dirty="0" err="1"/>
+              <a:t>n</a:t>
+            </a:r>
+            <a:r>
+              <a:rPr lang="en-US" dirty="0" err="1" smtClean="0"/>
+              <a:t>otequal</a:t>
+            </a:r>
+            <a:r>
+              <a:rPr lang="en-US" dirty="0" smtClean="0"/>
+              <a:t>()</a:t>
+            </a:r>
+            <a:endParaRPr lang="en-US" dirty="0"/>
+          </a:p>
+          <a:p>
+            <a:r>
+              <a:rPr lang="en-US" dirty="0" smtClean="0"/>
+              <a:t>ok()</a:t>
+            </a:r>
+          </a:p>
+          <a:p>
+            <a:r>
+              <a:rPr lang="en-US" dirty="0" err="1"/>
+              <a:t>n</a:t>
+            </a:r>
+            <a:r>
+              <a:rPr lang="en-US" dirty="0" err="1" smtClean="0"/>
+              <a:t>otok</a:t>
+            </a:r>
+            <a:r>
+              <a:rPr lang="en-US" dirty="0" smtClean="0"/>
+              <a:t>()</a:t>
+            </a:r>
+          </a:p>
+          <a:p>
+            <a:r>
+              <a:rPr lang="en-US" dirty="0" err="1" smtClean="0"/>
+              <a:t>deepequal</a:t>
+            </a:r>
+            <a:r>
+              <a:rPr lang="en-US" dirty="0" smtClean="0"/>
+              <a:t>()</a:t>
+            </a:r>
+          </a:p>
+          <a:p>
+            <a:r>
+              <a:rPr lang="en-US" dirty="0" err="1"/>
+              <a:t>n</a:t>
+            </a:r>
+            <a:r>
+              <a:rPr lang="en-US" dirty="0" err="1" smtClean="0"/>
+              <a:t>otdeepequal</a:t>
+            </a:r>
+            <a:r>
+              <a:rPr lang="en-US" dirty="0" smtClean="0"/>
+              <a:t>()</a:t>
+            </a:r>
+            <a:endParaRPr lang="en-US" dirty="0"/>
+          </a:p>
+        </p:txBody>
+      </p:sp>
     </p:spTree>
     <p:extLst>
       <p:ext uri="{BB962C8B-B14F-4D97-AF65-F5344CB8AC3E}">
-        <p14:creationId xmlns:p14="http://schemas.microsoft.com/office/powerpoint/2010/main" val="1894201102"/>
+        <p14:creationId xmlns:p14="http://schemas.microsoft.com/office/powerpoint/2010/main" val="4279106954"/>
       </p:ext>
     </p:extLst>
   </p:cSld>
@@ -10729,7 +12572,7 @@
                             </p:stCondLst>
                             <p:childTnLst>
                               <p:par>
-                                <p:cTn id="5" presetID="26" presetClass="entr" presetSubtype="0" fill="hold" nodeType="clickEffect">
+                                <p:cTn id="5" presetID="26" presetClass="entr" presetSubtype="0" fill="hold" grpId="0" nodeType="clickEffect">
                                   <p:stCondLst>
                                     <p:cond delay="0"/>
                                   </p:stCondLst>
@@ -10745,7 +12588,7 @@
                                           </p:stCondLst>
                                         </p:cTn>
                                         <p:tgtEl>
-                                          <p:spTgt spid="4"/>
+                                          <p:spTgt spid="3"/>
                                         </p:tgtEl>
                                         <p:attrNameLst>
                                           <p:attrName>style.visibility</p:attrName>
@@ -10763,7 +12606,7 @@
                                           </p:stCondLst>
                                         </p:cTn>
                                         <p:tgtEl>
-                                          <p:spTgt spid="4"/>
+                                          <p:spTgt spid="3"/>
                                         </p:tgtEl>
                                       </p:cBhvr>
                                     </p:animEffect>
@@ -10775,7 +12618,7 @@
                                           </p:stCondLst>
                                         </p:cTn>
                                         <p:tgtEl>
-                                          <p:spTgt spid="4"/>
+                                          <p:spTgt spid="3"/>
                                         </p:tgtEl>
                                         <p:attrNameLst>
                                           <p:attrName>ppt_x</p:attrName>
@@ -10802,7 +12645,7 @@
                                           </p:stCondLst>
                                         </p:cTn>
                                         <p:tgtEl>
-                                          <p:spTgt spid="4"/>
+                                          <p:spTgt spid="3"/>
                                         </p:tgtEl>
                                         <p:attrNameLst>
                                           <p:attrName>ppt_y</p:attrName>
@@ -10829,7 +12672,7 @@
                                           </p:stCondLst>
                                         </p:cTn>
                                         <p:tgtEl>
-                                          <p:spTgt spid="4"/>
+                                          <p:spTgt spid="3"/>
                                         </p:tgtEl>
                                         <p:attrNameLst>
                                           <p:attrName>ppt_y</p:attrName>
@@ -10856,7 +12699,7 @@
                                           </p:stCondLst>
                                         </p:cTn>
                                         <p:tgtEl>
-                                          <p:spTgt spid="4"/>
+                                          <p:spTgt spid="3"/>
                                         </p:tgtEl>
                                         <p:attrNameLst>
                                           <p:attrName>ppt_y</p:attrName>
@@ -10883,7 +12726,7 @@
                                           </p:stCondLst>
                                         </p:cTn>
                                         <p:tgtEl>
-                                          <p:spTgt spid="4"/>
+                                          <p:spTgt spid="3"/>
                                         </p:tgtEl>
                                         <p:attrNameLst>
                                           <p:attrName>ppt_y</p:attrName>
@@ -10910,7 +12753,7 @@
                                           </p:stCondLst>
                                         </p:cTn>
                                         <p:tgtEl>
-                                          <p:spTgt spid="4"/>
+                                          <p:spTgt spid="3"/>
                                         </p:tgtEl>
                                       </p:cBhvr>
                                       <p:to x="100000" y="60000"/>
@@ -10923,7 +12766,7 @@
                                           </p:stCondLst>
                                         </p:cTn>
                                         <p:tgtEl>
-                                          <p:spTgt spid="4"/>
+                                          <p:spTgt spid="3"/>
                                         </p:tgtEl>
                                       </p:cBhvr>
                                       <p:to x="100000" y="100000"/>
@@ -10936,7 +12779,7 @@
                                           </p:stCondLst>
                                         </p:cTn>
                                         <p:tgtEl>
-                                          <p:spTgt spid="4"/>
+                                          <p:spTgt spid="3"/>
                                         </p:tgtEl>
                                       </p:cBhvr>
                                       <p:to x="100000" y="80000"/>
@@ -10949,7 +12792,7 @@
                                           </p:stCondLst>
                                         </p:cTn>
                                         <p:tgtEl>
-                                          <p:spTgt spid="4"/>
+                                          <p:spTgt spid="3"/>
                                         </p:tgtEl>
                                       </p:cBhvr>
                                       <p:to x="100000" y="100000"/>
@@ -10962,7 +12805,7 @@
                                           </p:stCondLst>
                                         </p:cTn>
                                         <p:tgtEl>
-                                          <p:spTgt spid="4"/>
+                                          <p:spTgt spid="3"/>
                                         </p:tgtEl>
                                       </p:cBhvr>
                                       <p:to x="100000" y="90000"/>
@@ -10975,7 +12818,7 @@
                                           </p:stCondLst>
                                         </p:cTn>
                                         <p:tgtEl>
-                                          <p:spTgt spid="4"/>
+                                          <p:spTgt spid="3"/>
                                         </p:tgtEl>
                                       </p:cBhvr>
                                       <p:to x="100000" y="100000"/>
@@ -10988,7 +12831,7 @@
                                           </p:stCondLst>
                                         </p:cTn>
                                         <p:tgtEl>
-                                          <p:spTgt spid="4"/>
+                                          <p:spTgt spid="3"/>
                                         </p:tgtEl>
                                       </p:cBhvr>
                                       <p:to x="100000" y="95000"/>
@@ -11001,7 +12844,7 @@
                                           </p:stCondLst>
                                         </p:cTn>
                                         <p:tgtEl>
-                                          <p:spTgt spid="4"/>
+                                          <p:spTgt spid="3"/>
                                         </p:tgtEl>
                                       </p:cBhvr>
                                       <p:to x="100000" y="100000"/>
@@ -11036,6 +12879,9 @@
         </p:cTn>
       </p:par>
     </p:tnLst>
+    <p:bldLst>
+      <p:bldP spid="3" grpId="0"/>
+    </p:bldLst>
   </p:timing>
 </p:sld>
 </file>
@@ -11888,6 +13734,432 @@
           <a:chExt cx="0" cy="0"/>
         </a:xfrm>
       </p:grpSpPr>
+      <p:sp>
+        <p:nvSpPr>
+          <p:cNvPr id="2" name="Title 1"/>
+          <p:cNvSpPr>
+            <a:spLocks noGrp="1"/>
+          </p:cNvSpPr>
+          <p:nvPr>
+            <p:ph type="title"/>
+          </p:nvPr>
+        </p:nvSpPr>
+        <p:spPr/>
+        <p:txBody>
+          <a:bodyPr>
+            <a:normAutofit fontScale="90000"/>
+          </a:bodyPr>
+          <a:lstStyle/>
+          <a:p>
+            <a:r>
+              <a:rPr lang="en-US" dirty="0" smtClean="0"/>
+              <a:t>Steps to Run the </a:t>
+            </a:r>
+            <a:r>
+              <a:rPr lang="en-US" dirty="0" err="1" smtClean="0"/>
+              <a:t>Testcase</a:t>
+            </a:r>
+            <a:r>
+              <a:rPr lang="en-US" dirty="0" smtClean="0"/>
+              <a:t> </a:t>
+            </a:r>
+            <a:br>
+              <a:rPr lang="en-US" dirty="0" smtClean="0"/>
+            </a:br>
+            <a:r>
+              <a:rPr lang="en-US" dirty="0"/>
+              <a:t/>
+            </a:r>
+            <a:br>
+              <a:rPr lang="en-US" dirty="0"/>
+            </a:br>
+            <a:endParaRPr lang="en-US" dirty="0"/>
+          </a:p>
+        </p:txBody>
+      </p:sp>
+      <p:pic>
+        <p:nvPicPr>
+          <p:cNvPr id="4" name="Picture 3"/>
+          <p:cNvPicPr>
+            <a:picLocks noChangeAspect="1"/>
+          </p:cNvPicPr>
+          <p:nvPr/>
+        </p:nvPicPr>
+        <p:blipFill>
+          <a:blip r:embed="rId2"/>
+          <a:stretch>
+            <a:fillRect/>
+          </a:stretch>
+        </p:blipFill>
+        <p:spPr>
+          <a:xfrm>
+            <a:off x="1528355" y="1580606"/>
+            <a:ext cx="8804365" cy="4389121"/>
+          </a:xfrm>
+          <a:prstGeom prst="rect">
+            <a:avLst/>
+          </a:prstGeom>
+        </p:spPr>
+      </p:pic>
+    </p:spTree>
+    <p:extLst>
+      <p:ext uri="{BB962C8B-B14F-4D97-AF65-F5344CB8AC3E}">
+        <p14:creationId xmlns:p14="http://schemas.microsoft.com/office/powerpoint/2010/main" val="1894201102"/>
+      </p:ext>
+    </p:extLst>
+  </p:cSld>
+  <p:clrMapOvr>
+    <a:masterClrMapping/>
+  </p:clrMapOvr>
+  <p:timing>
+    <p:tnLst>
+      <p:par>
+        <p:cTn id="1" dur="indefinite" restart="never" nodeType="tmRoot">
+          <p:childTnLst>
+            <p:seq concurrent="1" nextAc="seek">
+              <p:cTn id="2" dur="indefinite" nodeType="mainSeq">
+                <p:childTnLst>
+                  <p:par>
+                    <p:cTn id="3" fill="hold">
+                      <p:stCondLst>
+                        <p:cond delay="indefinite"/>
+                      </p:stCondLst>
+                      <p:childTnLst>
+                        <p:par>
+                          <p:cTn id="4" fill="hold">
+                            <p:stCondLst>
+                              <p:cond delay="0"/>
+                            </p:stCondLst>
+                            <p:childTnLst>
+                              <p:par>
+                                <p:cTn id="5" presetID="26" presetClass="entr" presetSubtype="0" fill="hold" nodeType="clickEffect">
+                                  <p:stCondLst>
+                                    <p:cond delay="0"/>
+                                  </p:stCondLst>
+                                  <p:iterate type="lt">
+                                    <p:tmPct val="0"/>
+                                  </p:iterate>
+                                  <p:childTnLst>
+                                    <p:set>
+                                      <p:cBhvr>
+                                        <p:cTn id="6" dur="1" fill="hold">
+                                          <p:stCondLst>
+                                            <p:cond delay="0"/>
+                                          </p:stCondLst>
+                                        </p:cTn>
+                                        <p:tgtEl>
+                                          <p:spTgt spid="4"/>
+                                        </p:tgtEl>
+                                        <p:attrNameLst>
+                                          <p:attrName>style.visibility</p:attrName>
+                                        </p:attrNameLst>
+                                      </p:cBhvr>
+                                      <p:to>
+                                        <p:strVal val="visible"/>
+                                      </p:to>
+                                    </p:set>
+                                    <p:animEffect transition="in" filter="wipe(down)">
+                                      <p:cBhvr>
+                                        <p:cTn id="7" dur="580">
+                                          <p:stCondLst>
+                                            <p:cond delay="0"/>
+                                          </p:stCondLst>
+                                        </p:cTn>
+                                        <p:tgtEl>
+                                          <p:spTgt spid="4"/>
+                                        </p:tgtEl>
+                                      </p:cBhvr>
+                                    </p:animEffect>
+                                    <p:anim calcmode="lin" valueType="num">
+                                      <p:cBhvr>
+                                        <p:cTn id="8" dur="1822" tmFilter="0,0; 0.14,0.36; 0.43,0.73; 0.71,0.91; 1.0,1.0">
+                                          <p:stCondLst>
+                                            <p:cond delay="0"/>
+                                          </p:stCondLst>
+                                        </p:cTn>
+                                        <p:tgtEl>
+                                          <p:spTgt spid="4"/>
+                                        </p:tgtEl>
+                                        <p:attrNameLst>
+                                          <p:attrName>ppt_x</p:attrName>
+                                        </p:attrNameLst>
+                                      </p:cBhvr>
+                                      <p:tavLst>
+                                        <p:tav tm="0">
+                                          <p:val>
+                                            <p:strVal val="#ppt_x-0.25"/>
+                                          </p:val>
+                                        </p:tav>
+                                        <p:tav tm="100000">
+                                          <p:val>
+                                            <p:strVal val="#ppt_x"/>
+                                          </p:val>
+                                        </p:tav>
+                                      </p:tavLst>
+                                    </p:anim>
+                                    <p:anim calcmode="lin" valueType="num">
+                                      <p:cBhvr>
+                                        <p:cTn id="9" dur="664" tmFilter="0.0,0.0; 0.25,0.07; 0.50,0.2; 0.75,0.467; 1.0,1.0">
+                                          <p:stCondLst>
+                                            <p:cond delay="0"/>
+                                          </p:stCondLst>
+                                        </p:cTn>
+                                        <p:tgtEl>
+                                          <p:spTgt spid="4"/>
+                                        </p:tgtEl>
+                                        <p:attrNameLst>
+                                          <p:attrName>ppt_y</p:attrName>
+                                        </p:attrNameLst>
+                                      </p:cBhvr>
+                                      <p:tavLst>
+                                        <p:tav tm="0" fmla="#ppt_y-sin(pi*$)/3">
+                                          <p:val>
+                                            <p:fltVal val="0.5"/>
+                                          </p:val>
+                                        </p:tav>
+                                        <p:tav tm="100000">
+                                          <p:val>
+                                            <p:fltVal val="1"/>
+                                          </p:val>
+                                        </p:tav>
+                                      </p:tavLst>
+                                    </p:anim>
+                                    <p:anim calcmode="lin" valueType="num">
+                                      <p:cBhvr>
+                                        <p:cTn id="10" dur="664" tmFilter="0, 0; 0.125,0.2665; 0.25,0.4; 0.375,0.465; 0.5,0.5;  0.625,0.535; 0.75,0.6; 0.875,0.7335; 1,1">
+                                          <p:stCondLst>
+                                            <p:cond delay="664"/>
+                                          </p:stCondLst>
+                                        </p:cTn>
+                                        <p:tgtEl>
+                                          <p:spTgt spid="4"/>
+                                        </p:tgtEl>
+                                        <p:attrNameLst>
+                                          <p:attrName>ppt_y</p:attrName>
+                                        </p:attrNameLst>
+                                      </p:cBhvr>
+                                      <p:tavLst>
+                                        <p:tav tm="0" fmla="#ppt_y-sin(pi*$)/9">
+                                          <p:val>
+                                            <p:fltVal val="0"/>
+                                          </p:val>
+                                        </p:tav>
+                                        <p:tav tm="100000">
+                                          <p:val>
+                                            <p:fltVal val="1"/>
+                                          </p:val>
+                                        </p:tav>
+                                      </p:tavLst>
+                                    </p:anim>
+                                    <p:anim calcmode="lin" valueType="num">
+                                      <p:cBhvr>
+                                        <p:cTn id="11" dur="332" tmFilter="0, 0; 0.125,0.2665; 0.25,0.4; 0.375,0.465; 0.5,0.5;  0.625,0.535; 0.75,0.6; 0.875,0.7335; 1,1">
+                                          <p:stCondLst>
+                                            <p:cond delay="1324"/>
+                                          </p:stCondLst>
+                                        </p:cTn>
+                                        <p:tgtEl>
+                                          <p:spTgt spid="4"/>
+                                        </p:tgtEl>
+                                        <p:attrNameLst>
+                                          <p:attrName>ppt_y</p:attrName>
+                                        </p:attrNameLst>
+                                      </p:cBhvr>
+                                      <p:tavLst>
+                                        <p:tav tm="0" fmla="#ppt_y-sin(pi*$)/27">
+                                          <p:val>
+                                            <p:fltVal val="0"/>
+                                          </p:val>
+                                        </p:tav>
+                                        <p:tav tm="100000">
+                                          <p:val>
+                                            <p:fltVal val="1"/>
+                                          </p:val>
+                                        </p:tav>
+                                      </p:tavLst>
+                                    </p:anim>
+                                    <p:anim calcmode="lin" valueType="num">
+                                      <p:cBhvr>
+                                        <p:cTn id="12" dur="164" tmFilter="0, 0; 0.125,0.2665; 0.25,0.4; 0.375,0.465; 0.5,0.5;  0.625,0.535; 0.75,0.6; 0.875,0.7335; 1,1">
+                                          <p:stCondLst>
+                                            <p:cond delay="1656"/>
+                                          </p:stCondLst>
+                                        </p:cTn>
+                                        <p:tgtEl>
+                                          <p:spTgt spid="4"/>
+                                        </p:tgtEl>
+                                        <p:attrNameLst>
+                                          <p:attrName>ppt_y</p:attrName>
+                                        </p:attrNameLst>
+                                      </p:cBhvr>
+                                      <p:tavLst>
+                                        <p:tav tm="0" fmla="#ppt_y-sin(pi*$)/81">
+                                          <p:val>
+                                            <p:fltVal val="0"/>
+                                          </p:val>
+                                        </p:tav>
+                                        <p:tav tm="100000">
+                                          <p:val>
+                                            <p:fltVal val="1"/>
+                                          </p:val>
+                                        </p:tav>
+                                      </p:tavLst>
+                                    </p:anim>
+                                    <p:animScale>
+                                      <p:cBhvr>
+                                        <p:cTn id="13" dur="26">
+                                          <p:stCondLst>
+                                            <p:cond delay="650"/>
+                                          </p:stCondLst>
+                                        </p:cTn>
+                                        <p:tgtEl>
+                                          <p:spTgt spid="4"/>
+                                        </p:tgtEl>
+                                      </p:cBhvr>
+                                      <p:to x="100000" y="60000"/>
+                                    </p:animScale>
+                                    <p:animScale>
+                                      <p:cBhvr>
+                                        <p:cTn id="14" dur="166" decel="50000">
+                                          <p:stCondLst>
+                                            <p:cond delay="676"/>
+                                          </p:stCondLst>
+                                        </p:cTn>
+                                        <p:tgtEl>
+                                          <p:spTgt spid="4"/>
+                                        </p:tgtEl>
+                                      </p:cBhvr>
+                                      <p:to x="100000" y="100000"/>
+                                    </p:animScale>
+                                    <p:animScale>
+                                      <p:cBhvr>
+                                        <p:cTn id="15" dur="26">
+                                          <p:stCondLst>
+                                            <p:cond delay="1312"/>
+                                          </p:stCondLst>
+                                        </p:cTn>
+                                        <p:tgtEl>
+                                          <p:spTgt spid="4"/>
+                                        </p:tgtEl>
+                                      </p:cBhvr>
+                                      <p:to x="100000" y="80000"/>
+                                    </p:animScale>
+                                    <p:animScale>
+                                      <p:cBhvr>
+                                        <p:cTn id="16" dur="166" decel="50000">
+                                          <p:stCondLst>
+                                            <p:cond delay="1338"/>
+                                          </p:stCondLst>
+                                        </p:cTn>
+                                        <p:tgtEl>
+                                          <p:spTgt spid="4"/>
+                                        </p:tgtEl>
+                                      </p:cBhvr>
+                                      <p:to x="100000" y="100000"/>
+                                    </p:animScale>
+                                    <p:animScale>
+                                      <p:cBhvr>
+                                        <p:cTn id="17" dur="26">
+                                          <p:stCondLst>
+                                            <p:cond delay="1642"/>
+                                          </p:stCondLst>
+                                        </p:cTn>
+                                        <p:tgtEl>
+                                          <p:spTgt spid="4"/>
+                                        </p:tgtEl>
+                                      </p:cBhvr>
+                                      <p:to x="100000" y="90000"/>
+                                    </p:animScale>
+                                    <p:animScale>
+                                      <p:cBhvr>
+                                        <p:cTn id="18" dur="166" decel="50000">
+                                          <p:stCondLst>
+                                            <p:cond delay="1668"/>
+                                          </p:stCondLst>
+                                        </p:cTn>
+                                        <p:tgtEl>
+                                          <p:spTgt spid="4"/>
+                                        </p:tgtEl>
+                                      </p:cBhvr>
+                                      <p:to x="100000" y="100000"/>
+                                    </p:animScale>
+                                    <p:animScale>
+                                      <p:cBhvr>
+                                        <p:cTn id="19" dur="26">
+                                          <p:stCondLst>
+                                            <p:cond delay="1808"/>
+                                          </p:stCondLst>
+                                        </p:cTn>
+                                        <p:tgtEl>
+                                          <p:spTgt spid="4"/>
+                                        </p:tgtEl>
+                                      </p:cBhvr>
+                                      <p:to x="100000" y="95000"/>
+                                    </p:animScale>
+                                    <p:animScale>
+                                      <p:cBhvr>
+                                        <p:cTn id="20" dur="166" decel="50000">
+                                          <p:stCondLst>
+                                            <p:cond delay="1834"/>
+                                          </p:stCondLst>
+                                        </p:cTn>
+                                        <p:tgtEl>
+                                          <p:spTgt spid="4"/>
+                                        </p:tgtEl>
+                                      </p:cBhvr>
+                                      <p:to x="100000" y="100000"/>
+                                    </p:animScale>
+                                  </p:childTnLst>
+                                </p:cTn>
+                              </p:par>
+                            </p:childTnLst>
+                          </p:cTn>
+                        </p:par>
+                      </p:childTnLst>
+                    </p:cTn>
+                  </p:par>
+                </p:childTnLst>
+              </p:cTn>
+              <p:prevCondLst>
+                <p:cond evt="onPrev" delay="0">
+                  <p:tgtEl>
+                    <p:sldTgt/>
+                  </p:tgtEl>
+                </p:cond>
+              </p:prevCondLst>
+              <p:nextCondLst>
+                <p:cond evt="onNext" delay="0">
+                  <p:tgtEl>
+                    <p:sldTgt/>
+                  </p:tgtEl>
+                </p:cond>
+              </p:nextCondLst>
+            </p:seq>
+          </p:childTnLst>
+        </p:cTn>
+      </p:par>
+    </p:tnLst>
+  </p:timing>
+</p:sld>
+</file>
+
+<file path=ppt/slides/slide21.xml><?xml version="1.0" encoding="utf-8"?>
+<p:sld xmlns:a="http://schemas.openxmlformats.org/drawingml/2006/main" xmlns:r="http://schemas.openxmlformats.org/officeDocument/2006/relationships" xmlns:p="http://schemas.openxmlformats.org/presentationml/2006/main">
+  <p:cSld>
+    <p:spTree>
+      <p:nvGrpSpPr>
+        <p:cNvPr id="1" name=""/>
+        <p:cNvGrpSpPr/>
+        <p:nvPr/>
+      </p:nvGrpSpPr>
+      <p:grpSpPr>
+        <a:xfrm>
+          <a:off x="0" y="0"/>
+          <a:ext cx="0" cy="0"/>
+          <a:chOff x="0" y="0"/>
+          <a:chExt cx="0" cy="0"/>
+        </a:xfrm>
+      </p:grpSpPr>
       <p:pic>
         <p:nvPicPr>
           <p:cNvPr id="4" name="Content Placeholder 3"/>
@@ -12256,7 +14528,7 @@
 </p:sld>
 </file>
 
-<file path=ppt/slides/slide21.xml><?xml version="1.0" encoding="utf-8"?>
+<file path=ppt/slides/slide22.xml><?xml version="1.0" encoding="utf-8"?>
 <p:sld xmlns:a="http://schemas.openxmlformats.org/drawingml/2006/main" xmlns:r="http://schemas.openxmlformats.org/officeDocument/2006/relationships" xmlns:p="http://schemas.openxmlformats.org/presentationml/2006/main">
   <p:cSld>
     <p:spTree>
@@ -12807,192 +15079,35 @@
         </p:nvSpPr>
         <p:spPr>
           <a:xfrm>
-            <a:off x="1188720" y="927463"/>
-            <a:ext cx="9784080" cy="4794068"/>
+            <a:off x="646111" y="2351314"/>
+            <a:ext cx="9404723" cy="1685108"/>
           </a:xfrm>
         </p:spPr>
         <p:txBody>
-          <a:bodyPr>
-            <a:noAutofit/>
-          </a:bodyPr>
+          <a:bodyPr/>
           <a:lstStyle/>
           <a:p>
-            <a:r>
-              <a:rPr lang="en-US" sz="3200" dirty="0" smtClean="0">
-                <a:latin typeface="Calibri" panose="020F0502020204030204" pitchFamily="34" charset="0"/>
-                <a:cs typeface="Calibri" panose="020F0502020204030204" pitchFamily="34" charset="0"/>
-              </a:rPr>
+            <a:pPr algn="ctr"/>
+            <a:r>
+              <a:rPr lang="en-US" b="1" dirty="0" smtClean="0"/>
               <a:t>What is </a:t>
             </a:r>
             <a:r>
-              <a:rPr lang="en-US" sz="3200" dirty="0" err="1" smtClean="0">
-                <a:latin typeface="Calibri" panose="020F0502020204030204" pitchFamily="34" charset="0"/>
-                <a:cs typeface="Calibri" panose="020F0502020204030204" pitchFamily="34" charset="0"/>
-              </a:rPr>
-              <a:t>QUnit</a:t>
-            </a:r>
-            <a:r>
-              <a:rPr lang="en-US" sz="3200" dirty="0" smtClean="0">
-                <a:latin typeface="Calibri" panose="020F0502020204030204" pitchFamily="34" charset="0"/>
-                <a:cs typeface="Calibri" panose="020F0502020204030204" pitchFamily="34" charset="0"/>
-              </a:rPr>
+              <a:rPr lang="en-US" b="1" dirty="0" err="1" smtClean="0"/>
+              <a:t>Qunit</a:t>
+            </a:r>
+            <a:r>
+              <a:rPr lang="en-US" b="1" dirty="0" smtClean="0"/>
               <a:t>?</a:t>
             </a:r>
-            <a:br>
-              <a:rPr lang="en-US" sz="3200" dirty="0" smtClean="0">
-                <a:latin typeface="Calibri" panose="020F0502020204030204" pitchFamily="34" charset="0"/>
-                <a:cs typeface="Calibri" panose="020F0502020204030204" pitchFamily="34" charset="0"/>
-              </a:rPr>
-            </a:br>
-            <a:r>
-              <a:rPr lang="en-US" sz="3200" dirty="0">
-                <a:latin typeface="Calibri" panose="020F0502020204030204" pitchFamily="34" charset="0"/>
-                <a:cs typeface="Calibri" panose="020F0502020204030204" pitchFamily="34" charset="0"/>
-              </a:rPr>
-              <a:t/>
-            </a:r>
-            <a:br>
-              <a:rPr lang="en-US" sz="3200" dirty="0">
-                <a:latin typeface="Calibri" panose="020F0502020204030204" pitchFamily="34" charset="0"/>
-                <a:cs typeface="Calibri" panose="020F0502020204030204" pitchFamily="34" charset="0"/>
-              </a:rPr>
-            </a:br>
-            <a:r>
-              <a:rPr lang="en-US" sz="3200" dirty="0" err="1">
-                <a:latin typeface="Calibri" panose="020F0502020204030204" pitchFamily="34" charset="0"/>
-                <a:cs typeface="Calibri" panose="020F0502020204030204" pitchFamily="34" charset="0"/>
-              </a:rPr>
-              <a:t>QUnit</a:t>
-            </a:r>
-            <a:r>
-              <a:rPr lang="en-US" sz="3200" dirty="0">
-                <a:latin typeface="Calibri" panose="020F0502020204030204" pitchFamily="34" charset="0"/>
-                <a:cs typeface="Calibri" panose="020F0502020204030204" pitchFamily="34" charset="0"/>
-              </a:rPr>
-              <a:t> is a unit testing framework for JavaScript programming language</a:t>
-            </a:r>
-            <a:r>
-              <a:rPr lang="en-US" sz="3200" dirty="0" smtClean="0">
-                <a:latin typeface="Calibri" panose="020F0502020204030204" pitchFamily="34" charset="0"/>
-                <a:cs typeface="Calibri" panose="020F0502020204030204" pitchFamily="34" charset="0"/>
-              </a:rPr>
-              <a:t>.</a:t>
-            </a:r>
-            <a:br>
-              <a:rPr lang="en-US" sz="3200" dirty="0" smtClean="0">
-                <a:latin typeface="Calibri" panose="020F0502020204030204" pitchFamily="34" charset="0"/>
-                <a:cs typeface="Calibri" panose="020F0502020204030204" pitchFamily="34" charset="0"/>
-              </a:rPr>
-            </a:br>
-            <a:r>
-              <a:rPr lang="en-US" sz="3200" dirty="0">
-                <a:latin typeface="Calibri" panose="020F0502020204030204" pitchFamily="34" charset="0"/>
-                <a:cs typeface="Calibri" panose="020F0502020204030204" pitchFamily="34" charset="0"/>
-              </a:rPr>
-              <a:t/>
-            </a:r>
-            <a:br>
-              <a:rPr lang="en-US" sz="3200" dirty="0">
-                <a:latin typeface="Calibri" panose="020F0502020204030204" pitchFamily="34" charset="0"/>
-                <a:cs typeface="Calibri" panose="020F0502020204030204" pitchFamily="34" charset="0"/>
-              </a:rPr>
-            </a:br>
-            <a:r>
-              <a:rPr lang="en-US" sz="3200" dirty="0" smtClean="0">
-                <a:latin typeface="Calibri" panose="020F0502020204030204" pitchFamily="34" charset="0"/>
-                <a:cs typeface="Calibri" panose="020F0502020204030204" pitchFamily="34" charset="0"/>
-              </a:rPr>
-              <a:t/>
-            </a:r>
-            <a:br>
-              <a:rPr lang="en-US" sz="3200" dirty="0" smtClean="0">
-                <a:latin typeface="Calibri" panose="020F0502020204030204" pitchFamily="34" charset="0"/>
-                <a:cs typeface="Calibri" panose="020F0502020204030204" pitchFamily="34" charset="0"/>
-              </a:rPr>
-            </a:br>
-            <a:r>
-              <a:rPr lang="en-US" sz="3200" dirty="0" smtClean="0">
-                <a:latin typeface="Calibri" panose="020F0502020204030204" pitchFamily="34" charset="0"/>
-                <a:cs typeface="Calibri" panose="020F0502020204030204" pitchFamily="34" charset="0"/>
-              </a:rPr>
-              <a:t>What is </a:t>
-            </a:r>
-            <a:r>
-              <a:rPr lang="en-US" sz="3200" dirty="0" err="1" smtClean="0">
-                <a:latin typeface="Calibri" panose="020F0502020204030204" pitchFamily="34" charset="0"/>
-                <a:cs typeface="Calibri" panose="020F0502020204030204" pitchFamily="34" charset="0"/>
-              </a:rPr>
-              <a:t>Javascript</a:t>
-            </a:r>
-            <a:r>
-              <a:rPr lang="en-US" sz="3200" dirty="0" smtClean="0">
-                <a:latin typeface="Calibri" panose="020F0502020204030204" pitchFamily="34" charset="0"/>
-                <a:cs typeface="Calibri" panose="020F0502020204030204" pitchFamily="34" charset="0"/>
-              </a:rPr>
-              <a:t>?</a:t>
-            </a:r>
-            <a:br>
-              <a:rPr lang="en-US" sz="3200" dirty="0" smtClean="0">
-                <a:latin typeface="Calibri" panose="020F0502020204030204" pitchFamily="34" charset="0"/>
-                <a:cs typeface="Calibri" panose="020F0502020204030204" pitchFamily="34" charset="0"/>
-              </a:rPr>
-            </a:br>
-            <a:r>
-              <a:rPr lang="en-US" sz="3200" dirty="0" smtClean="0">
-                <a:latin typeface="Calibri" panose="020F0502020204030204" pitchFamily="34" charset="0"/>
-                <a:cs typeface="Calibri" panose="020F0502020204030204" pitchFamily="34" charset="0"/>
-              </a:rPr>
-              <a:t/>
-            </a:r>
-            <a:br>
-              <a:rPr lang="en-US" sz="3200" dirty="0" smtClean="0">
-                <a:latin typeface="Calibri" panose="020F0502020204030204" pitchFamily="34" charset="0"/>
-                <a:cs typeface="Calibri" panose="020F0502020204030204" pitchFamily="34" charset="0"/>
-              </a:rPr>
-            </a:br>
-            <a:r>
-              <a:rPr lang="en-US" sz="3200" dirty="0" err="1" smtClean="0">
-                <a:latin typeface="Calibri" panose="020F0502020204030204" pitchFamily="34" charset="0"/>
-                <a:cs typeface="Calibri" panose="020F0502020204030204" pitchFamily="34" charset="0"/>
-              </a:rPr>
-              <a:t>Javascript</a:t>
-            </a:r>
-            <a:r>
-              <a:rPr lang="en-US" sz="3200" dirty="0" smtClean="0">
-                <a:latin typeface="Calibri" panose="020F0502020204030204" pitchFamily="34" charset="0"/>
-                <a:cs typeface="Calibri" panose="020F0502020204030204" pitchFamily="34" charset="0"/>
-              </a:rPr>
-              <a:t> is a client-side </a:t>
-            </a:r>
-            <a:r>
-              <a:rPr lang="en-US" sz="3200" dirty="0">
-                <a:latin typeface="Calibri" panose="020F0502020204030204" pitchFamily="34" charset="0"/>
-                <a:cs typeface="Calibri" panose="020F0502020204030204" pitchFamily="34" charset="0"/>
-              </a:rPr>
-              <a:t>script to interact with the user and make dynamic pages.</a:t>
-            </a:r>
-            <a:r>
-              <a:rPr lang="en-US" sz="3200" dirty="0" smtClean="0"/>
-              <a:t/>
-            </a:r>
-            <a:br>
-              <a:rPr lang="en-US" sz="3200" dirty="0" smtClean="0"/>
-            </a:br>
-            <a:r>
-              <a:rPr lang="en-US" sz="3200" dirty="0" smtClean="0"/>
-              <a:t/>
-            </a:r>
-            <a:br>
-              <a:rPr lang="en-US" sz="3200" dirty="0" smtClean="0"/>
-            </a:br>
-            <a:endParaRPr lang="en-US" sz="3200" dirty="0"/>
+            <a:endParaRPr lang="en-US" b="1" dirty="0"/>
           </a:p>
         </p:txBody>
       </p:sp>
     </p:spTree>
     <p:extLst>
       <p:ext uri="{BB962C8B-B14F-4D97-AF65-F5344CB8AC3E}">
-        <p14:creationId xmlns:p14="http://schemas.microsoft.com/office/powerpoint/2010/main" val="3071896046"/>
+        <p14:creationId xmlns:p14="http://schemas.microsoft.com/office/powerpoint/2010/main" val="2609068300"/>
       </p:ext>
     </p:extLst>
   </p:cSld>
@@ -13024,9 +15139,6 @@
                                   <p:stCondLst>
                                     <p:cond delay="0"/>
                                   </p:stCondLst>
-                                  <p:iterate type="lt">
-                                    <p:tmPct val="0"/>
-                                  </p:iterate>
                                   <p:childTnLst>
                                     <p:set>
                                       <p:cBhvr>
@@ -13048,7 +15160,7 @@
                                     </p:set>
                                     <p:animEffect transition="in" filter="wipe(down)">
                                       <p:cBhvr>
-                                        <p:cTn id="7" dur="580">
+                                        <p:cTn id="7" dur="1450">
                                           <p:stCondLst>
                                             <p:cond delay="0"/>
                                           </p:stCondLst>
@@ -13060,7 +15172,7 @@
                                     </p:animEffect>
                                     <p:anim calcmode="lin" valueType="num">
                                       <p:cBhvr>
-                                        <p:cTn id="8" dur="1822" tmFilter="0,0; 0.14,0.36; 0.43,0.73; 0.71,0.91; 1.0,1.0">
+                                        <p:cTn id="8" dur="4555" tmFilter="0,0; 0.14,0.36; 0.43,0.73; 0.71,0.91; 1.0,1.0">
                                           <p:stCondLst>
                                             <p:cond delay="0"/>
                                           </p:stCondLst>
@@ -13087,7 +15199,7 @@
                                     </p:anim>
                                     <p:anim calcmode="lin" valueType="num">
                                       <p:cBhvr>
-                                        <p:cTn id="9" dur="664" tmFilter="0.0,0.0; 0.25,0.07; 0.50,0.2; 0.75,0.467; 1.0,1.0">
+                                        <p:cTn id="9" dur="1660" tmFilter="0.0,0.0; 0.25,0.07; 0.50,0.2; 0.75,0.467; 1.0,1.0">
                                           <p:stCondLst>
                                             <p:cond delay="0"/>
                                           </p:stCondLst>
@@ -13114,9 +15226,9 @@
                                     </p:anim>
                                     <p:anim calcmode="lin" valueType="num">
                                       <p:cBhvr>
-                                        <p:cTn id="10" dur="664" tmFilter="0, 0; 0.125,0.2665; 0.25,0.4; 0.375,0.465; 0.5,0.5;  0.625,0.535; 0.75,0.6; 0.875,0.7335; 1,1">
-                                          <p:stCondLst>
-                                            <p:cond delay="664"/>
+                                        <p:cTn id="10" dur="1660" tmFilter="0, 0; 0.125,0.2665; 0.25,0.4; 0.375,0.465; 0.5,0.5;  0.625,0.535; 0.75,0.6; 0.875,0.7335; 1,1">
+                                          <p:stCondLst>
+                                            <p:cond delay="1660"/>
                                           </p:stCondLst>
                                         </p:cTn>
                                         <p:tgtEl>
@@ -13141,9 +15253,9 @@
                                     </p:anim>
                                     <p:anim calcmode="lin" valueType="num">
                                       <p:cBhvr>
-                                        <p:cTn id="11" dur="332" tmFilter="0, 0; 0.125,0.2665; 0.25,0.4; 0.375,0.465; 0.5,0.5;  0.625,0.535; 0.75,0.6; 0.875,0.7335; 1,1">
-                                          <p:stCondLst>
-                                            <p:cond delay="1324"/>
+                                        <p:cTn id="11" dur="830" tmFilter="0, 0; 0.125,0.2665; 0.25,0.4; 0.375,0.465; 0.5,0.5;  0.625,0.535; 0.75,0.6; 0.875,0.7335; 1,1">
+                                          <p:stCondLst>
+                                            <p:cond delay="3310"/>
                                           </p:stCondLst>
                                         </p:cTn>
                                         <p:tgtEl>
@@ -13168,9 +15280,9 @@
                                     </p:anim>
                                     <p:anim calcmode="lin" valueType="num">
                                       <p:cBhvr>
-                                        <p:cTn id="12" dur="164" tmFilter="0, 0; 0.125,0.2665; 0.25,0.4; 0.375,0.465; 0.5,0.5;  0.625,0.535; 0.75,0.6; 0.875,0.7335; 1,1">
-                                          <p:stCondLst>
-                                            <p:cond delay="1656"/>
+                                        <p:cTn id="12" dur="410" tmFilter="0, 0; 0.125,0.2665; 0.25,0.4; 0.375,0.465; 0.5,0.5;  0.625,0.535; 0.75,0.6; 0.875,0.7335; 1,1">
+                                          <p:stCondLst>
+                                            <p:cond delay="4140"/>
                                           </p:stCondLst>
                                         </p:cTn>
                                         <p:tgtEl>
@@ -13195,9 +15307,9 @@
                                     </p:anim>
                                     <p:animScale>
                                       <p:cBhvr>
-                                        <p:cTn id="13" dur="26">
-                                          <p:stCondLst>
-                                            <p:cond delay="650"/>
+                                        <p:cTn id="13" dur="65">
+                                          <p:stCondLst>
+                                            <p:cond delay="1625"/>
                                           </p:stCondLst>
                                         </p:cTn>
                                         <p:tgtEl>
@@ -13208,9 +15320,9 @@
                                     </p:animScale>
                                     <p:animScale>
                                       <p:cBhvr>
-                                        <p:cTn id="14" dur="166" decel="50000">
-                                          <p:stCondLst>
-                                            <p:cond delay="676"/>
+                                        <p:cTn id="14" dur="415" decel="50000">
+                                          <p:stCondLst>
+                                            <p:cond delay="1690"/>
                                           </p:stCondLst>
                                         </p:cTn>
                                         <p:tgtEl>
@@ -13221,9 +15333,9 @@
                                     </p:animScale>
                                     <p:animScale>
                                       <p:cBhvr>
-                                        <p:cTn id="15" dur="26">
-                                          <p:stCondLst>
-                                            <p:cond delay="1312"/>
+                                        <p:cTn id="15" dur="65">
+                                          <p:stCondLst>
+                                            <p:cond delay="3280"/>
                                           </p:stCondLst>
                                         </p:cTn>
                                         <p:tgtEl>
@@ -13234,9 +15346,9 @@
                                     </p:animScale>
                                     <p:animScale>
                                       <p:cBhvr>
-                                        <p:cTn id="16" dur="166" decel="50000">
-                                          <p:stCondLst>
-                                            <p:cond delay="1338"/>
+                                        <p:cTn id="16" dur="415" decel="50000">
+                                          <p:stCondLst>
+                                            <p:cond delay="3345"/>
                                           </p:stCondLst>
                                         </p:cTn>
                                         <p:tgtEl>
@@ -13247,9 +15359,9 @@
                                     </p:animScale>
                                     <p:animScale>
                                       <p:cBhvr>
-                                        <p:cTn id="17" dur="26">
-                                          <p:stCondLst>
-                                            <p:cond delay="1642"/>
+                                        <p:cTn id="17" dur="65">
+                                          <p:stCondLst>
+                                            <p:cond delay="4105"/>
                                           </p:stCondLst>
                                         </p:cTn>
                                         <p:tgtEl>
@@ -13260,9 +15372,9 @@
                                     </p:animScale>
                                     <p:animScale>
                                       <p:cBhvr>
-                                        <p:cTn id="18" dur="166" decel="50000">
-                                          <p:stCondLst>
-                                            <p:cond delay="1668"/>
+                                        <p:cTn id="18" dur="415" decel="50000">
+                                          <p:stCondLst>
+                                            <p:cond delay="4170"/>
                                           </p:stCondLst>
                                         </p:cTn>
                                         <p:tgtEl>
@@ -13273,9 +15385,9 @@
                                     </p:animScale>
                                     <p:animScale>
                                       <p:cBhvr>
-                                        <p:cTn id="19" dur="26">
-                                          <p:stCondLst>
-                                            <p:cond delay="1808"/>
+                                        <p:cTn id="19" dur="65">
+                                          <p:stCondLst>
+                                            <p:cond delay="4520"/>
                                           </p:stCondLst>
                                         </p:cTn>
                                         <p:tgtEl>
@@ -13286,9 +15398,9 @@
                                     </p:animScale>
                                     <p:animScale>
                                       <p:cBhvr>
-                                        <p:cTn id="20" dur="166" decel="50000">
-                                          <p:stCondLst>
-                                            <p:cond delay="1834"/>
+                                        <p:cTn id="20" dur="415" decel="50000">
+                                          <p:stCondLst>
+                                            <p:cond delay="4585"/>
                                           </p:stCondLst>
                                         </p:cTn>
                                         <p:tgtEl>
@@ -13361,6 +15473,354 @@
             <p:ph type="title"/>
           </p:nvPr>
         </p:nvSpPr>
+        <p:spPr>
+          <a:xfrm>
+            <a:off x="1188720" y="927463"/>
+            <a:ext cx="9784080" cy="4794068"/>
+          </a:xfrm>
+        </p:spPr>
+        <p:txBody>
+          <a:bodyPr>
+            <a:noAutofit/>
+          </a:bodyPr>
+          <a:lstStyle/>
+          <a:p>
+            <a:r>
+              <a:rPr lang="en-US" sz="3200" dirty="0" smtClean="0">
+                <a:latin typeface="Calibri" panose="020F0502020204030204" pitchFamily="34" charset="0"/>
+                <a:cs typeface="Calibri" panose="020F0502020204030204" pitchFamily="34" charset="0"/>
+              </a:rPr>
+              <a:t>What is </a:t>
+            </a:r>
+            <a:r>
+              <a:rPr lang="en-US" sz="3200" dirty="0" err="1" smtClean="0">
+                <a:latin typeface="Calibri" panose="020F0502020204030204" pitchFamily="34" charset="0"/>
+                <a:cs typeface="Calibri" panose="020F0502020204030204" pitchFamily="34" charset="0"/>
+              </a:rPr>
+              <a:t>QUnit</a:t>
+            </a:r>
+            <a:r>
+              <a:rPr lang="en-US" sz="3200" dirty="0" smtClean="0">
+                <a:latin typeface="Calibri" panose="020F0502020204030204" pitchFamily="34" charset="0"/>
+                <a:cs typeface="Calibri" panose="020F0502020204030204" pitchFamily="34" charset="0"/>
+              </a:rPr>
+              <a:t>?</a:t>
+            </a:r>
+            <a:br>
+              <a:rPr lang="en-US" sz="3200" dirty="0" smtClean="0">
+                <a:latin typeface="Calibri" panose="020F0502020204030204" pitchFamily="34" charset="0"/>
+                <a:cs typeface="Calibri" panose="020F0502020204030204" pitchFamily="34" charset="0"/>
+              </a:rPr>
+            </a:br>
+            <a:r>
+              <a:rPr lang="en-US" sz="3200" dirty="0">
+                <a:latin typeface="Calibri" panose="020F0502020204030204" pitchFamily="34" charset="0"/>
+                <a:cs typeface="Calibri" panose="020F0502020204030204" pitchFamily="34" charset="0"/>
+              </a:rPr>
+              <a:t/>
+            </a:r>
+            <a:br>
+              <a:rPr lang="en-US" sz="3200" dirty="0">
+                <a:latin typeface="Calibri" panose="020F0502020204030204" pitchFamily="34" charset="0"/>
+                <a:cs typeface="Calibri" panose="020F0502020204030204" pitchFamily="34" charset="0"/>
+              </a:rPr>
+            </a:br>
+            <a:r>
+              <a:rPr lang="en-US" sz="3200" dirty="0" err="1">
+                <a:latin typeface="Calibri" panose="020F0502020204030204" pitchFamily="34" charset="0"/>
+                <a:cs typeface="Calibri" panose="020F0502020204030204" pitchFamily="34" charset="0"/>
+              </a:rPr>
+              <a:t>QUnit</a:t>
+            </a:r>
+            <a:r>
+              <a:rPr lang="en-US" sz="3200" dirty="0">
+                <a:latin typeface="Calibri" panose="020F0502020204030204" pitchFamily="34" charset="0"/>
+                <a:cs typeface="Calibri" panose="020F0502020204030204" pitchFamily="34" charset="0"/>
+              </a:rPr>
+              <a:t> is a unit testing framework for JavaScript programming language</a:t>
+            </a:r>
+            <a:r>
+              <a:rPr lang="en-US" sz="3200" dirty="0" smtClean="0">
+                <a:latin typeface="Calibri" panose="020F0502020204030204" pitchFamily="34" charset="0"/>
+                <a:cs typeface="Calibri" panose="020F0502020204030204" pitchFamily="34" charset="0"/>
+              </a:rPr>
+              <a:t>.</a:t>
+            </a:r>
+            <a:br>
+              <a:rPr lang="en-US" sz="3200" dirty="0" smtClean="0">
+                <a:latin typeface="Calibri" panose="020F0502020204030204" pitchFamily="34" charset="0"/>
+                <a:cs typeface="Calibri" panose="020F0502020204030204" pitchFamily="34" charset="0"/>
+              </a:rPr>
+            </a:br>
+            <a:r>
+              <a:rPr lang="en-US" sz="3200" dirty="0">
+                <a:latin typeface="Calibri" panose="020F0502020204030204" pitchFamily="34" charset="0"/>
+                <a:cs typeface="Calibri" panose="020F0502020204030204" pitchFamily="34" charset="0"/>
+              </a:rPr>
+              <a:t/>
+            </a:r>
+            <a:br>
+              <a:rPr lang="en-US" sz="3200" dirty="0">
+                <a:latin typeface="Calibri" panose="020F0502020204030204" pitchFamily="34" charset="0"/>
+                <a:cs typeface="Calibri" panose="020F0502020204030204" pitchFamily="34" charset="0"/>
+              </a:rPr>
+            </a:br>
+            <a:r>
+              <a:rPr lang="en-US" sz="3200" dirty="0" smtClean="0">
+                <a:latin typeface="Calibri" panose="020F0502020204030204" pitchFamily="34" charset="0"/>
+                <a:cs typeface="Calibri" panose="020F0502020204030204" pitchFamily="34" charset="0"/>
+              </a:rPr>
+              <a:t/>
+            </a:r>
+            <a:br>
+              <a:rPr lang="en-US" sz="3200" dirty="0" smtClean="0">
+                <a:latin typeface="Calibri" panose="020F0502020204030204" pitchFamily="34" charset="0"/>
+                <a:cs typeface="Calibri" panose="020F0502020204030204" pitchFamily="34" charset="0"/>
+              </a:rPr>
+            </a:br>
+            <a:r>
+              <a:rPr lang="en-US" sz="3200" dirty="0" smtClean="0">
+                <a:latin typeface="Calibri" panose="020F0502020204030204" pitchFamily="34" charset="0"/>
+                <a:cs typeface="Calibri" panose="020F0502020204030204" pitchFamily="34" charset="0"/>
+              </a:rPr>
+              <a:t>What is </a:t>
+            </a:r>
+            <a:r>
+              <a:rPr lang="en-US" sz="3200" dirty="0" err="1" smtClean="0">
+                <a:latin typeface="Calibri" panose="020F0502020204030204" pitchFamily="34" charset="0"/>
+                <a:cs typeface="Calibri" panose="020F0502020204030204" pitchFamily="34" charset="0"/>
+              </a:rPr>
+              <a:t>Javascript</a:t>
+            </a:r>
+            <a:r>
+              <a:rPr lang="en-US" sz="3200" dirty="0" smtClean="0">
+                <a:latin typeface="Calibri" panose="020F0502020204030204" pitchFamily="34" charset="0"/>
+                <a:cs typeface="Calibri" panose="020F0502020204030204" pitchFamily="34" charset="0"/>
+              </a:rPr>
+              <a:t>?</a:t>
+            </a:r>
+            <a:br>
+              <a:rPr lang="en-US" sz="3200" dirty="0" smtClean="0">
+                <a:latin typeface="Calibri" panose="020F0502020204030204" pitchFamily="34" charset="0"/>
+                <a:cs typeface="Calibri" panose="020F0502020204030204" pitchFamily="34" charset="0"/>
+              </a:rPr>
+            </a:br>
+            <a:r>
+              <a:rPr lang="en-US" sz="3200" dirty="0" smtClean="0">
+                <a:latin typeface="Calibri" panose="020F0502020204030204" pitchFamily="34" charset="0"/>
+                <a:cs typeface="Calibri" panose="020F0502020204030204" pitchFamily="34" charset="0"/>
+              </a:rPr>
+              <a:t/>
+            </a:r>
+            <a:br>
+              <a:rPr lang="en-US" sz="3200" dirty="0" smtClean="0">
+                <a:latin typeface="Calibri" panose="020F0502020204030204" pitchFamily="34" charset="0"/>
+                <a:cs typeface="Calibri" panose="020F0502020204030204" pitchFamily="34" charset="0"/>
+              </a:rPr>
+            </a:br>
+            <a:r>
+              <a:rPr lang="en-US" sz="3200" dirty="0" err="1" smtClean="0">
+                <a:latin typeface="Calibri" panose="020F0502020204030204" pitchFamily="34" charset="0"/>
+                <a:cs typeface="Calibri" panose="020F0502020204030204" pitchFamily="34" charset="0"/>
+              </a:rPr>
+              <a:t>Javascript</a:t>
+            </a:r>
+            <a:r>
+              <a:rPr lang="en-US" sz="3200" dirty="0" smtClean="0">
+                <a:latin typeface="Calibri" panose="020F0502020204030204" pitchFamily="34" charset="0"/>
+                <a:cs typeface="Calibri" panose="020F0502020204030204" pitchFamily="34" charset="0"/>
+              </a:rPr>
+              <a:t> is a client-side </a:t>
+            </a:r>
+            <a:r>
+              <a:rPr lang="en-US" sz="3200" dirty="0">
+                <a:latin typeface="Calibri" panose="020F0502020204030204" pitchFamily="34" charset="0"/>
+                <a:cs typeface="Calibri" panose="020F0502020204030204" pitchFamily="34" charset="0"/>
+              </a:rPr>
+              <a:t>script to interact with the user and make dynamic pages.</a:t>
+            </a:r>
+            <a:r>
+              <a:rPr lang="en-US" sz="3200" dirty="0" smtClean="0"/>
+              <a:t/>
+            </a:r>
+            <a:br>
+              <a:rPr lang="en-US" sz="3200" dirty="0" smtClean="0"/>
+            </a:br>
+            <a:r>
+              <a:rPr lang="en-US" sz="3200" dirty="0" smtClean="0"/>
+              <a:t/>
+            </a:r>
+            <a:br>
+              <a:rPr lang="en-US" sz="3200" dirty="0" smtClean="0"/>
+            </a:br>
+            <a:endParaRPr lang="en-US" sz="3200" dirty="0"/>
+          </a:p>
+        </p:txBody>
+      </p:sp>
+    </p:spTree>
+    <p:extLst>
+      <p:ext uri="{BB962C8B-B14F-4D97-AF65-F5344CB8AC3E}">
+        <p14:creationId xmlns:p14="http://schemas.microsoft.com/office/powerpoint/2010/main" val="3071896046"/>
+      </p:ext>
+    </p:extLst>
+  </p:cSld>
+  <p:clrMapOvr>
+    <a:masterClrMapping/>
+  </p:clrMapOvr>
+  <p:timing>
+    <p:tnLst>
+      <p:par>
+        <p:cTn id="1" dur="indefinite" restart="never" nodeType="tmRoot">
+          <p:childTnLst>
+            <p:seq concurrent="1" nextAc="seek">
+              <p:cTn id="2" dur="indefinite" nodeType="mainSeq">
+                <p:childTnLst>
+                  <p:par>
+                    <p:cTn id="3" fill="hold">
+                      <p:stCondLst>
+                        <p:cond delay="indefinite"/>
+                      </p:stCondLst>
+                      <p:childTnLst>
+                        <p:par>
+                          <p:cTn id="4" fill="hold">
+                            <p:stCondLst>
+                              <p:cond delay="0"/>
+                            </p:stCondLst>
+                            <p:childTnLst>
+                              <p:par>
+                                <p:cTn id="5" presetID="2" presetClass="entr" presetSubtype="4" fill="hold" grpId="0" nodeType="clickEffect">
+                                  <p:stCondLst>
+                                    <p:cond delay="0"/>
+                                  </p:stCondLst>
+                                  <p:childTnLst>
+                                    <p:set>
+                                      <p:cBhvr>
+                                        <p:cTn id="6" dur="1" fill="hold">
+                                          <p:stCondLst>
+                                            <p:cond delay="0"/>
+                                          </p:stCondLst>
+                                        </p:cTn>
+                                        <p:tgtEl>
+                                          <p:spTgt spid="2"/>
+                                        </p:tgtEl>
+                                        <p:attrNameLst>
+                                          <p:attrName>style.visibility</p:attrName>
+                                        </p:attrNameLst>
+                                      </p:cBhvr>
+                                      <p:to>
+                                        <p:strVal val="visible"/>
+                                      </p:to>
+                                    </p:set>
+                                    <p:anim calcmode="lin" valueType="num">
+                                      <p:cBhvr additive="base">
+                                        <p:cTn id="7" dur="500" fill="hold"/>
+                                        <p:tgtEl>
+                                          <p:spTgt spid="2"/>
+                                        </p:tgtEl>
+                                        <p:attrNameLst>
+                                          <p:attrName>ppt_x</p:attrName>
+                                        </p:attrNameLst>
+                                      </p:cBhvr>
+                                      <p:tavLst>
+                                        <p:tav tm="0">
+                                          <p:val>
+                                            <p:strVal val="#ppt_x"/>
+                                          </p:val>
+                                        </p:tav>
+                                        <p:tav tm="100000">
+                                          <p:val>
+                                            <p:strVal val="#ppt_x"/>
+                                          </p:val>
+                                        </p:tav>
+                                      </p:tavLst>
+                                    </p:anim>
+                                    <p:anim calcmode="lin" valueType="num">
+                                      <p:cBhvr additive="base">
+                                        <p:cTn id="8" dur="500" fill="hold"/>
+                                        <p:tgtEl>
+                                          <p:spTgt spid="2"/>
+                                        </p:tgtEl>
+                                        <p:attrNameLst>
+                                          <p:attrName>ppt_y</p:attrName>
+                                        </p:attrNameLst>
+                                      </p:cBhvr>
+                                      <p:tavLst>
+                                        <p:tav tm="0">
+                                          <p:val>
+                                            <p:strVal val="1+#ppt_h/2"/>
+                                          </p:val>
+                                        </p:tav>
+                                        <p:tav tm="100000">
+                                          <p:val>
+                                            <p:strVal val="#ppt_y"/>
+                                          </p:val>
+                                        </p:tav>
+                                      </p:tavLst>
+                                    </p:anim>
+                                  </p:childTnLst>
+                                </p:cTn>
+                              </p:par>
+                            </p:childTnLst>
+                          </p:cTn>
+                        </p:par>
+                      </p:childTnLst>
+                    </p:cTn>
+                  </p:par>
+                </p:childTnLst>
+              </p:cTn>
+              <p:prevCondLst>
+                <p:cond evt="onPrev" delay="0">
+                  <p:tgtEl>
+                    <p:sldTgt/>
+                  </p:tgtEl>
+                </p:cond>
+              </p:prevCondLst>
+              <p:nextCondLst>
+                <p:cond evt="onNext" delay="0">
+                  <p:tgtEl>
+                    <p:sldTgt/>
+                  </p:tgtEl>
+                </p:cond>
+              </p:nextCondLst>
+            </p:seq>
+          </p:childTnLst>
+        </p:cTn>
+      </p:par>
+    </p:tnLst>
+    <p:bldLst>
+      <p:bldP spid="2" grpId="0"/>
+    </p:bldLst>
+  </p:timing>
+</p:sld>
+</file>
+
+<file path=ppt/slides/slide5.xml><?xml version="1.0" encoding="utf-8"?>
+<p:sld xmlns:a="http://schemas.openxmlformats.org/drawingml/2006/main" xmlns:r="http://schemas.openxmlformats.org/officeDocument/2006/relationships" xmlns:p="http://schemas.openxmlformats.org/presentationml/2006/main">
+  <p:cSld>
+    <p:spTree>
+      <p:nvGrpSpPr>
+        <p:cNvPr id="1" name=""/>
+        <p:cNvGrpSpPr/>
+        <p:nvPr/>
+      </p:nvGrpSpPr>
+      <p:grpSpPr>
+        <a:xfrm>
+          <a:off x="0" y="0"/>
+          <a:ext cx="0" cy="0"/>
+          <a:chOff x="0" y="0"/>
+          <a:chExt cx="0" cy="0"/>
+        </a:xfrm>
+      </p:grpSpPr>
+      <p:sp>
+        <p:nvSpPr>
+          <p:cNvPr id="2" name="Title 1"/>
+          <p:cNvSpPr>
+            <a:spLocks noGrp="1"/>
+          </p:cNvSpPr>
+          <p:nvPr>
+            <p:ph type="title"/>
+          </p:nvPr>
+        </p:nvSpPr>
         <p:spPr/>
         <p:txBody>
           <a:bodyPr/>
@@ -13504,7 +15964,7 @@
                                     </p:set>
                                     <p:animEffect transition="in" filter="wipe(down)">
                                       <p:cBhvr>
-                                        <p:cTn id="7" dur="580">
+                                        <p:cTn id="7" dur="1450">
                                           <p:stCondLst>
                                             <p:cond delay="0"/>
                                           </p:stCondLst>
@@ -13516,7 +15976,7 @@
                                     </p:animEffect>
                                     <p:anim calcmode="lin" valueType="num">
                                       <p:cBhvr>
-                                        <p:cTn id="8" dur="1822" tmFilter="0,0; 0.14,0.36; 0.43,0.73; 0.71,0.91; 1.0,1.0">
+                                        <p:cTn id="8" dur="4555" tmFilter="0,0; 0.14,0.36; 0.43,0.73; 0.71,0.91; 1.0,1.0">
                                           <p:stCondLst>
                                             <p:cond delay="0"/>
                                           </p:stCondLst>
@@ -13543,7 +16003,7 @@
                                     </p:anim>
                                     <p:anim calcmode="lin" valueType="num">
                                       <p:cBhvr>
-                                        <p:cTn id="9" dur="664" tmFilter="0.0,0.0; 0.25,0.07; 0.50,0.2; 0.75,0.467; 1.0,1.0">
+                                        <p:cTn id="9" dur="1660" tmFilter="0.0,0.0; 0.25,0.07; 0.50,0.2; 0.75,0.467; 1.0,1.0">
                                           <p:stCondLst>
                                             <p:cond delay="0"/>
                                           </p:stCondLst>
@@ -13570,9 +16030,9 @@
                                     </p:anim>
                                     <p:anim calcmode="lin" valueType="num">
                                       <p:cBhvr>
-                                        <p:cTn id="10" dur="664" tmFilter="0, 0; 0.125,0.2665; 0.25,0.4; 0.375,0.465; 0.5,0.5;  0.625,0.535; 0.75,0.6; 0.875,0.7335; 1,1">
-                                          <p:stCondLst>
-                                            <p:cond delay="664"/>
+                                        <p:cTn id="10" dur="1660" tmFilter="0, 0; 0.125,0.2665; 0.25,0.4; 0.375,0.465; 0.5,0.5;  0.625,0.535; 0.75,0.6; 0.875,0.7335; 1,1">
+                                          <p:stCondLst>
+                                            <p:cond delay="1660"/>
                                           </p:stCondLst>
                                         </p:cTn>
                                         <p:tgtEl>
@@ -13597,9 +16057,9 @@
                                     </p:anim>
                                     <p:anim calcmode="lin" valueType="num">
                                       <p:cBhvr>
-                                        <p:cTn id="11" dur="332" tmFilter="0, 0; 0.125,0.2665; 0.25,0.4; 0.375,0.465; 0.5,0.5;  0.625,0.535; 0.75,0.6; 0.875,0.7335; 1,1">
-                                          <p:stCondLst>
-                                            <p:cond delay="1324"/>
+                                        <p:cTn id="11" dur="830" tmFilter="0, 0; 0.125,0.2665; 0.25,0.4; 0.375,0.465; 0.5,0.5;  0.625,0.535; 0.75,0.6; 0.875,0.7335; 1,1">
+                                          <p:stCondLst>
+                                            <p:cond delay="3310"/>
                                           </p:stCondLst>
                                         </p:cTn>
                                         <p:tgtEl>
@@ -13624,9 +16084,9 @@
                                     </p:anim>
                                     <p:anim calcmode="lin" valueType="num">
                                       <p:cBhvr>
-                                        <p:cTn id="12" dur="164" tmFilter="0, 0; 0.125,0.2665; 0.25,0.4; 0.375,0.465; 0.5,0.5;  0.625,0.535; 0.75,0.6; 0.875,0.7335; 1,1">
-                                          <p:stCondLst>
-                                            <p:cond delay="1656"/>
+                                        <p:cTn id="12" dur="410" tmFilter="0, 0; 0.125,0.2665; 0.25,0.4; 0.375,0.465; 0.5,0.5;  0.625,0.535; 0.75,0.6; 0.875,0.7335; 1,1">
+                                          <p:stCondLst>
+                                            <p:cond delay="4140"/>
                                           </p:stCondLst>
                                         </p:cTn>
                                         <p:tgtEl>
@@ -13651,9 +16111,9 @@
                                     </p:anim>
                                     <p:animScale>
                                       <p:cBhvr>
-                                        <p:cTn id="13" dur="26">
-                                          <p:stCondLst>
-                                            <p:cond delay="650"/>
+                                        <p:cTn id="13" dur="65">
+                                          <p:stCondLst>
+                                            <p:cond delay="1625"/>
                                           </p:stCondLst>
                                         </p:cTn>
                                         <p:tgtEl>
@@ -13664,9 +16124,9 @@
                                     </p:animScale>
                                     <p:animScale>
                                       <p:cBhvr>
-                                        <p:cTn id="14" dur="166" decel="50000">
-                                          <p:stCondLst>
-                                            <p:cond delay="676"/>
+                                        <p:cTn id="14" dur="415" decel="50000">
+                                          <p:stCondLst>
+                                            <p:cond delay="1690"/>
                                           </p:stCondLst>
                                         </p:cTn>
                                         <p:tgtEl>
@@ -13677,9 +16137,9 @@
                                     </p:animScale>
                                     <p:animScale>
                                       <p:cBhvr>
-                                        <p:cTn id="15" dur="26">
-                                          <p:stCondLst>
-                                            <p:cond delay="1312"/>
+                                        <p:cTn id="15" dur="65">
+                                          <p:stCondLst>
+                                            <p:cond delay="3280"/>
                                           </p:stCondLst>
                                         </p:cTn>
                                         <p:tgtEl>
@@ -13690,9 +16150,9 @@
                                     </p:animScale>
                                     <p:animScale>
                                       <p:cBhvr>
-                                        <p:cTn id="16" dur="166" decel="50000">
-                                          <p:stCondLst>
-                                            <p:cond delay="1338"/>
+                                        <p:cTn id="16" dur="415" decel="50000">
+                                          <p:stCondLst>
+                                            <p:cond delay="3345"/>
                                           </p:stCondLst>
                                         </p:cTn>
                                         <p:tgtEl>
@@ -13703,9 +16163,9 @@
                                     </p:animScale>
                                     <p:animScale>
                                       <p:cBhvr>
-                                        <p:cTn id="17" dur="26">
-                                          <p:stCondLst>
-                                            <p:cond delay="1642"/>
+                                        <p:cTn id="17" dur="65">
+                                          <p:stCondLst>
+                                            <p:cond delay="4105"/>
                                           </p:stCondLst>
                                         </p:cTn>
                                         <p:tgtEl>
@@ -13716,9 +16176,9 @@
                                     </p:animScale>
                                     <p:animScale>
                                       <p:cBhvr>
-                                        <p:cTn id="18" dur="166" decel="50000">
-                                          <p:stCondLst>
-                                            <p:cond delay="1668"/>
+                                        <p:cTn id="18" dur="415" decel="50000">
+                                          <p:stCondLst>
+                                            <p:cond delay="4170"/>
                                           </p:stCondLst>
                                         </p:cTn>
                                         <p:tgtEl>
@@ -13729,9 +16189,9 @@
                                     </p:animScale>
                                     <p:animScale>
                                       <p:cBhvr>
-                                        <p:cTn id="19" dur="26">
-                                          <p:stCondLst>
-                                            <p:cond delay="1808"/>
+                                        <p:cTn id="19" dur="65">
+                                          <p:stCondLst>
+                                            <p:cond delay="4520"/>
                                           </p:stCondLst>
                                         </p:cTn>
                                         <p:tgtEl>
@@ -13742,511 +16202,9 @@
                                     </p:animScale>
                                     <p:animScale>
                                       <p:cBhvr>
-                                        <p:cTn id="20" dur="166" decel="50000">
-                                          <p:stCondLst>
-                                            <p:cond delay="1834"/>
-                                          </p:stCondLst>
-                                        </p:cTn>
-                                        <p:tgtEl>
-                                          <p:spTgt spid="3"/>
-                                        </p:tgtEl>
-                                      </p:cBhvr>
-                                      <p:to x="100000" y="100000"/>
-                                    </p:animScale>
-                                  </p:childTnLst>
-                                </p:cTn>
-                              </p:par>
-                            </p:childTnLst>
-                          </p:cTn>
-                        </p:par>
-                      </p:childTnLst>
-                    </p:cTn>
-                  </p:par>
-                </p:childTnLst>
-              </p:cTn>
-              <p:prevCondLst>
-                <p:cond evt="onPrev" delay="0">
-                  <p:tgtEl>
-                    <p:sldTgt/>
-                  </p:tgtEl>
-                </p:cond>
-              </p:prevCondLst>
-              <p:nextCondLst>
-                <p:cond evt="onNext" delay="0">
-                  <p:tgtEl>
-                    <p:sldTgt/>
-                  </p:tgtEl>
-                </p:cond>
-              </p:nextCondLst>
-            </p:seq>
-          </p:childTnLst>
-        </p:cTn>
-      </p:par>
-    </p:tnLst>
-    <p:bldLst>
-      <p:bldP spid="3" grpId="0"/>
-    </p:bldLst>
-  </p:timing>
-</p:sld>
-</file>
-
-<file path=ppt/slides/slide5.xml><?xml version="1.0" encoding="utf-8"?>
-<p:sld xmlns:a="http://schemas.openxmlformats.org/drawingml/2006/main" xmlns:r="http://schemas.openxmlformats.org/officeDocument/2006/relationships" xmlns:p="http://schemas.openxmlformats.org/presentationml/2006/main">
-  <p:cSld>
-    <p:spTree>
-      <p:nvGrpSpPr>
-        <p:cNvPr id="1" name=""/>
-        <p:cNvGrpSpPr/>
-        <p:nvPr/>
-      </p:nvGrpSpPr>
-      <p:grpSpPr>
-        <a:xfrm>
-          <a:off x="0" y="0"/>
-          <a:ext cx="0" cy="0"/>
-          <a:chOff x="0" y="0"/>
-          <a:chExt cx="0" cy="0"/>
-        </a:xfrm>
-      </p:grpSpPr>
-      <p:sp>
-        <p:nvSpPr>
-          <p:cNvPr id="2" name="Title 1"/>
-          <p:cNvSpPr>
-            <a:spLocks noGrp="1"/>
-          </p:cNvSpPr>
-          <p:nvPr>
-            <p:ph type="title"/>
-          </p:nvPr>
-        </p:nvSpPr>
-        <p:spPr/>
-        <p:txBody>
-          <a:bodyPr/>
-          <a:lstStyle/>
-          <a:p>
-            <a:pPr algn="ctr"/>
-            <a:r>
-              <a:rPr lang="en-US" u="sng" dirty="0" smtClean="0"/>
-              <a:t>JAVASCRIPT</a:t>
-            </a:r>
-            <a:endParaRPr lang="en-US" u="sng" dirty="0"/>
-          </a:p>
-        </p:txBody>
-      </p:sp>
-      <p:sp>
-        <p:nvSpPr>
-          <p:cNvPr id="3" name="Content Placeholder 2"/>
-          <p:cNvSpPr>
-            <a:spLocks noGrp="1"/>
-          </p:cNvSpPr>
-          <p:nvPr>
-            <p:ph idx="1"/>
-          </p:nvPr>
-        </p:nvSpPr>
-        <p:spPr>
-          <a:xfrm>
-            <a:off x="1371600" y="1894115"/>
-            <a:ext cx="9601200" cy="3973286"/>
-          </a:xfrm>
-        </p:spPr>
-        <p:txBody>
-          <a:bodyPr>
-            <a:normAutofit/>
-          </a:bodyPr>
-          <a:lstStyle/>
-          <a:p>
-            <a:pPr marL="0" indent="0">
-              <a:buNone/>
-            </a:pPr>
-            <a:endParaRPr lang="en-US" dirty="0" smtClean="0"/>
-          </a:p>
-          <a:p>
-            <a:r>
-              <a:rPr lang="en-US" dirty="0">
-                <a:latin typeface="Calibri" panose="020F0502020204030204" pitchFamily="34" charset="0"/>
-                <a:cs typeface="Calibri" panose="020F0502020204030204" pitchFamily="34" charset="0"/>
-              </a:rPr>
-              <a:t>Less server </a:t>
-            </a:r>
-            <a:r>
-              <a:rPr lang="en-US" dirty="0" smtClean="0">
-                <a:latin typeface="Calibri" panose="020F0502020204030204" pitchFamily="34" charset="0"/>
-                <a:cs typeface="Calibri" panose="020F0502020204030204" pitchFamily="34" charset="0"/>
-              </a:rPr>
-              <a:t>interaction</a:t>
-            </a:r>
-          </a:p>
-          <a:p>
-            <a:r>
-              <a:rPr lang="en-US" dirty="0">
-                <a:latin typeface="Calibri" panose="020F0502020204030204" pitchFamily="34" charset="0"/>
-                <a:cs typeface="Calibri" panose="020F0502020204030204" pitchFamily="34" charset="0"/>
-              </a:rPr>
-              <a:t>Immediate feedback to the </a:t>
-            </a:r>
-            <a:r>
-              <a:rPr lang="en-US" dirty="0" smtClean="0">
-                <a:latin typeface="Calibri" panose="020F0502020204030204" pitchFamily="34" charset="0"/>
-                <a:cs typeface="Calibri" panose="020F0502020204030204" pitchFamily="34" charset="0"/>
-              </a:rPr>
-              <a:t>visitors</a:t>
-            </a:r>
-          </a:p>
-          <a:p>
-            <a:r>
-              <a:rPr lang="en-US" dirty="0">
-                <a:latin typeface="Calibri" panose="020F0502020204030204" pitchFamily="34" charset="0"/>
-                <a:cs typeface="Calibri" panose="020F0502020204030204" pitchFamily="34" charset="0"/>
-              </a:rPr>
-              <a:t>Increased </a:t>
-            </a:r>
-            <a:r>
-              <a:rPr lang="en-US" dirty="0" smtClean="0">
-                <a:latin typeface="Calibri" panose="020F0502020204030204" pitchFamily="34" charset="0"/>
-                <a:cs typeface="Calibri" panose="020F0502020204030204" pitchFamily="34" charset="0"/>
-              </a:rPr>
-              <a:t>interactivity</a:t>
-            </a:r>
-          </a:p>
-          <a:p>
-            <a:r>
-              <a:rPr lang="en-US" dirty="0">
-                <a:latin typeface="Calibri" panose="020F0502020204030204" pitchFamily="34" charset="0"/>
-                <a:cs typeface="Calibri" panose="020F0502020204030204" pitchFamily="34" charset="0"/>
-              </a:rPr>
-              <a:t>Richer interfaces</a:t>
-            </a:r>
-            <a:endParaRPr lang="en-US" dirty="0" smtClean="0">
-              <a:latin typeface="Calibri" panose="020F0502020204030204" pitchFamily="34" charset="0"/>
-              <a:cs typeface="Calibri" panose="020F0502020204030204" pitchFamily="34" charset="0"/>
-            </a:endParaRPr>
-          </a:p>
-          <a:p>
-            <a:pPr marL="0" indent="0">
-              <a:buNone/>
-            </a:pPr>
-            <a:endParaRPr lang="en-US" dirty="0"/>
-          </a:p>
-          <a:p>
-            <a:pPr marL="0" indent="0">
-              <a:buNone/>
-            </a:pPr>
-            <a:endParaRPr lang="en-US" dirty="0" smtClean="0"/>
-          </a:p>
-          <a:p>
-            <a:pPr marL="0" indent="0">
-              <a:buNone/>
-            </a:pPr>
-            <a:r>
-              <a:rPr lang="en-US" dirty="0" err="1" smtClean="0"/>
-              <a:t>Javascript</a:t>
-            </a:r>
-            <a:r>
-              <a:rPr lang="en-US" dirty="0" smtClean="0"/>
-              <a:t> is case sensitive and always follow the proper cases while using letters.</a:t>
-            </a:r>
-            <a:endParaRPr lang="en-US" dirty="0"/>
-          </a:p>
-        </p:txBody>
-      </p:sp>
-    </p:spTree>
-    <p:extLst>
-      <p:ext uri="{BB962C8B-B14F-4D97-AF65-F5344CB8AC3E}">
-        <p14:creationId xmlns:p14="http://schemas.microsoft.com/office/powerpoint/2010/main" val="3024029427"/>
-      </p:ext>
-    </p:extLst>
-  </p:cSld>
-  <p:clrMapOvr>
-    <a:masterClrMapping/>
-  </p:clrMapOvr>
-  <p:timing>
-    <p:tnLst>
-      <p:par>
-        <p:cTn id="1" dur="indefinite" restart="never" nodeType="tmRoot">
-          <p:childTnLst>
-            <p:seq concurrent="1" nextAc="seek">
-              <p:cTn id="2" dur="indefinite" nodeType="mainSeq">
-                <p:childTnLst>
-                  <p:par>
-                    <p:cTn id="3" fill="hold">
-                      <p:stCondLst>
-                        <p:cond delay="indefinite"/>
-                      </p:stCondLst>
-                      <p:childTnLst>
-                        <p:par>
-                          <p:cTn id="4" fill="hold">
-                            <p:stCondLst>
-                              <p:cond delay="0"/>
-                            </p:stCondLst>
-                            <p:childTnLst>
-                              <p:par>
-                                <p:cTn id="5" presetID="26" presetClass="entr" presetSubtype="0" fill="hold" grpId="0" nodeType="clickEffect">
-                                  <p:stCondLst>
-                                    <p:cond delay="0"/>
-                                  </p:stCondLst>
-                                  <p:iterate type="lt">
-                                    <p:tmPct val="0"/>
-                                  </p:iterate>
-                                  <p:childTnLst>
-                                    <p:set>
-                                      <p:cBhvr>
-                                        <p:cTn id="6" dur="1" fill="hold">
-                                          <p:stCondLst>
-                                            <p:cond delay="0"/>
-                                          </p:stCondLst>
-                                        </p:cTn>
-                                        <p:tgtEl>
-                                          <p:spTgt spid="3"/>
-                                        </p:tgtEl>
-                                        <p:attrNameLst>
-                                          <p:attrName>style.visibility</p:attrName>
-                                        </p:attrNameLst>
-                                      </p:cBhvr>
-                                      <p:to>
-                                        <p:strVal val="visible"/>
-                                      </p:to>
-                                    </p:set>
-                                    <p:animEffect transition="in" filter="wipe(down)">
-                                      <p:cBhvr>
-                                        <p:cTn id="7" dur="580">
-                                          <p:stCondLst>
-                                            <p:cond delay="0"/>
-                                          </p:stCondLst>
-                                        </p:cTn>
-                                        <p:tgtEl>
-                                          <p:spTgt spid="3"/>
-                                        </p:tgtEl>
-                                      </p:cBhvr>
-                                    </p:animEffect>
-                                    <p:anim calcmode="lin" valueType="num">
-                                      <p:cBhvr>
-                                        <p:cTn id="8" dur="1822" tmFilter="0,0; 0.14,0.36; 0.43,0.73; 0.71,0.91; 1.0,1.0">
-                                          <p:stCondLst>
-                                            <p:cond delay="0"/>
-                                          </p:stCondLst>
-                                        </p:cTn>
-                                        <p:tgtEl>
-                                          <p:spTgt spid="3"/>
-                                        </p:tgtEl>
-                                        <p:attrNameLst>
-                                          <p:attrName>ppt_x</p:attrName>
-                                        </p:attrNameLst>
-                                      </p:cBhvr>
-                                      <p:tavLst>
-                                        <p:tav tm="0">
-                                          <p:val>
-                                            <p:strVal val="#ppt_x-0.25"/>
-                                          </p:val>
-                                        </p:tav>
-                                        <p:tav tm="100000">
-                                          <p:val>
-                                            <p:strVal val="#ppt_x"/>
-                                          </p:val>
-                                        </p:tav>
-                                      </p:tavLst>
-                                    </p:anim>
-                                    <p:anim calcmode="lin" valueType="num">
-                                      <p:cBhvr>
-                                        <p:cTn id="9" dur="664" tmFilter="0.0,0.0; 0.25,0.07; 0.50,0.2; 0.75,0.467; 1.0,1.0">
-                                          <p:stCondLst>
-                                            <p:cond delay="0"/>
-                                          </p:stCondLst>
-                                        </p:cTn>
-                                        <p:tgtEl>
-                                          <p:spTgt spid="3"/>
-                                        </p:tgtEl>
-                                        <p:attrNameLst>
-                                          <p:attrName>ppt_y</p:attrName>
-                                        </p:attrNameLst>
-                                      </p:cBhvr>
-                                      <p:tavLst>
-                                        <p:tav tm="0" fmla="#ppt_y-sin(pi*$)/3">
-                                          <p:val>
-                                            <p:fltVal val="0.5"/>
-                                          </p:val>
-                                        </p:tav>
-                                        <p:tav tm="100000">
-                                          <p:val>
-                                            <p:fltVal val="1"/>
-                                          </p:val>
-                                        </p:tav>
-                                      </p:tavLst>
-                                    </p:anim>
-                                    <p:anim calcmode="lin" valueType="num">
-                                      <p:cBhvr>
-                                        <p:cTn id="10" dur="664" tmFilter="0, 0; 0.125,0.2665; 0.25,0.4; 0.375,0.465; 0.5,0.5;  0.625,0.535; 0.75,0.6; 0.875,0.7335; 1,1">
-                                          <p:stCondLst>
-                                            <p:cond delay="664"/>
-                                          </p:stCondLst>
-                                        </p:cTn>
-                                        <p:tgtEl>
-                                          <p:spTgt spid="3"/>
-                                        </p:tgtEl>
-                                        <p:attrNameLst>
-                                          <p:attrName>ppt_y</p:attrName>
-                                        </p:attrNameLst>
-                                      </p:cBhvr>
-                                      <p:tavLst>
-                                        <p:tav tm="0" fmla="#ppt_y-sin(pi*$)/9">
-                                          <p:val>
-                                            <p:fltVal val="0"/>
-                                          </p:val>
-                                        </p:tav>
-                                        <p:tav tm="100000">
-                                          <p:val>
-                                            <p:fltVal val="1"/>
-                                          </p:val>
-                                        </p:tav>
-                                      </p:tavLst>
-                                    </p:anim>
-                                    <p:anim calcmode="lin" valueType="num">
-                                      <p:cBhvr>
-                                        <p:cTn id="11" dur="332" tmFilter="0, 0; 0.125,0.2665; 0.25,0.4; 0.375,0.465; 0.5,0.5;  0.625,0.535; 0.75,0.6; 0.875,0.7335; 1,1">
-                                          <p:stCondLst>
-                                            <p:cond delay="1324"/>
-                                          </p:stCondLst>
-                                        </p:cTn>
-                                        <p:tgtEl>
-                                          <p:spTgt spid="3"/>
-                                        </p:tgtEl>
-                                        <p:attrNameLst>
-                                          <p:attrName>ppt_y</p:attrName>
-                                        </p:attrNameLst>
-                                      </p:cBhvr>
-                                      <p:tavLst>
-                                        <p:tav tm="0" fmla="#ppt_y-sin(pi*$)/27">
-                                          <p:val>
-                                            <p:fltVal val="0"/>
-                                          </p:val>
-                                        </p:tav>
-                                        <p:tav tm="100000">
-                                          <p:val>
-                                            <p:fltVal val="1"/>
-                                          </p:val>
-                                        </p:tav>
-                                      </p:tavLst>
-                                    </p:anim>
-                                    <p:anim calcmode="lin" valueType="num">
-                                      <p:cBhvr>
-                                        <p:cTn id="12" dur="164" tmFilter="0, 0; 0.125,0.2665; 0.25,0.4; 0.375,0.465; 0.5,0.5;  0.625,0.535; 0.75,0.6; 0.875,0.7335; 1,1">
-                                          <p:stCondLst>
-                                            <p:cond delay="1656"/>
-                                          </p:stCondLst>
-                                        </p:cTn>
-                                        <p:tgtEl>
-                                          <p:spTgt spid="3"/>
-                                        </p:tgtEl>
-                                        <p:attrNameLst>
-                                          <p:attrName>ppt_y</p:attrName>
-                                        </p:attrNameLst>
-                                      </p:cBhvr>
-                                      <p:tavLst>
-                                        <p:tav tm="0" fmla="#ppt_y-sin(pi*$)/81">
-                                          <p:val>
-                                            <p:fltVal val="0"/>
-                                          </p:val>
-                                        </p:tav>
-                                        <p:tav tm="100000">
-                                          <p:val>
-                                            <p:fltVal val="1"/>
-                                          </p:val>
-                                        </p:tav>
-                                      </p:tavLst>
-                                    </p:anim>
-                                    <p:animScale>
-                                      <p:cBhvr>
-                                        <p:cTn id="13" dur="26">
-                                          <p:stCondLst>
-                                            <p:cond delay="650"/>
-                                          </p:stCondLst>
-                                        </p:cTn>
-                                        <p:tgtEl>
-                                          <p:spTgt spid="3"/>
-                                        </p:tgtEl>
-                                      </p:cBhvr>
-                                      <p:to x="100000" y="60000"/>
-                                    </p:animScale>
-                                    <p:animScale>
-                                      <p:cBhvr>
-                                        <p:cTn id="14" dur="166" decel="50000">
-                                          <p:stCondLst>
-                                            <p:cond delay="676"/>
-                                          </p:stCondLst>
-                                        </p:cTn>
-                                        <p:tgtEl>
-                                          <p:spTgt spid="3"/>
-                                        </p:tgtEl>
-                                      </p:cBhvr>
-                                      <p:to x="100000" y="100000"/>
-                                    </p:animScale>
-                                    <p:animScale>
-                                      <p:cBhvr>
-                                        <p:cTn id="15" dur="26">
-                                          <p:stCondLst>
-                                            <p:cond delay="1312"/>
-                                          </p:stCondLst>
-                                        </p:cTn>
-                                        <p:tgtEl>
-                                          <p:spTgt spid="3"/>
-                                        </p:tgtEl>
-                                      </p:cBhvr>
-                                      <p:to x="100000" y="80000"/>
-                                    </p:animScale>
-                                    <p:animScale>
-                                      <p:cBhvr>
-                                        <p:cTn id="16" dur="166" decel="50000">
-                                          <p:stCondLst>
-                                            <p:cond delay="1338"/>
-                                          </p:stCondLst>
-                                        </p:cTn>
-                                        <p:tgtEl>
-                                          <p:spTgt spid="3"/>
-                                        </p:tgtEl>
-                                      </p:cBhvr>
-                                      <p:to x="100000" y="100000"/>
-                                    </p:animScale>
-                                    <p:animScale>
-                                      <p:cBhvr>
-                                        <p:cTn id="17" dur="26">
-                                          <p:stCondLst>
-                                            <p:cond delay="1642"/>
-                                          </p:stCondLst>
-                                        </p:cTn>
-                                        <p:tgtEl>
-                                          <p:spTgt spid="3"/>
-                                        </p:tgtEl>
-                                      </p:cBhvr>
-                                      <p:to x="100000" y="90000"/>
-                                    </p:animScale>
-                                    <p:animScale>
-                                      <p:cBhvr>
-                                        <p:cTn id="18" dur="166" decel="50000">
-                                          <p:stCondLst>
-                                            <p:cond delay="1668"/>
-                                          </p:stCondLst>
-                                        </p:cTn>
-                                        <p:tgtEl>
-                                          <p:spTgt spid="3"/>
-                                        </p:tgtEl>
-                                      </p:cBhvr>
-                                      <p:to x="100000" y="100000"/>
-                                    </p:animScale>
-                                    <p:animScale>
-                                      <p:cBhvr>
-                                        <p:cTn id="19" dur="26">
-                                          <p:stCondLst>
-                                            <p:cond delay="1808"/>
-                                          </p:stCondLst>
-                                        </p:cTn>
-                                        <p:tgtEl>
-                                          <p:spTgt spid="3"/>
-                                        </p:tgtEl>
-                                      </p:cBhvr>
-                                      <p:to x="100000" y="95000"/>
-                                    </p:animScale>
-                                    <p:animScale>
-                                      <p:cBhvr>
-                                        <p:cTn id="20" dur="166" decel="50000">
-                                          <p:stCondLst>
-                                            <p:cond delay="1834"/>
+                                        <p:cTn id="20" dur="415" decel="50000">
+                                          <p:stCondLst>
+                                            <p:cond delay="4585"/>
                                           </p:stCondLst>
                                         </p:cTn>
                                         <p:tgtEl>
@@ -14324,13 +16282,10 @@
           <a:bodyPr/>
           <a:lstStyle/>
           <a:p>
-            <a:r>
-              <a:rPr lang="en-US" u="sng" dirty="0" err="1" smtClean="0"/>
-              <a:t>Javascript</a:t>
-            </a:r>
+            <a:pPr algn="ctr"/>
             <a:r>
               <a:rPr lang="en-US" u="sng" dirty="0" smtClean="0"/>
-              <a:t> code</a:t>
+              <a:t>JAVASCRIPT</a:t>
             </a:r>
             <a:endParaRPr lang="en-US" u="sng" dirty="0"/>
           </a:p>
@@ -14346,123 +16301,116 @@
             <p:ph idx="1"/>
           </p:nvPr>
         </p:nvSpPr>
-        <p:spPr/>
+        <p:spPr>
+          <a:xfrm>
+            <a:off x="1371600" y="1894115"/>
+            <a:ext cx="9601200" cy="3973286"/>
+          </a:xfrm>
+        </p:spPr>
         <p:txBody>
           <a:bodyPr>
-            <a:normAutofit lnSpcReduction="10000"/>
+            <a:normAutofit/>
           </a:bodyPr>
           <a:lstStyle/>
           <a:p>
             <a:pPr marL="0" indent="0">
               <a:buNone/>
             </a:pPr>
-            <a:r>
-              <a:rPr lang="en-US" dirty="0"/>
-              <a:t>&lt;html&gt; </a:t>
-            </a:r>
+            <a:endParaRPr lang="en-US" dirty="0" smtClean="0"/>
+          </a:p>
+          <a:p>
+            <a:r>
+              <a:rPr lang="en-US" dirty="0">
+                <a:latin typeface="Calibri" panose="020F0502020204030204" pitchFamily="34" charset="0"/>
+                <a:cs typeface="Calibri" panose="020F0502020204030204" pitchFamily="34" charset="0"/>
+              </a:rPr>
+              <a:t>Less server </a:t>
+            </a:r>
+            <a:r>
+              <a:rPr lang="en-US" dirty="0" smtClean="0">
+                <a:latin typeface="Calibri" panose="020F0502020204030204" pitchFamily="34" charset="0"/>
+                <a:cs typeface="Calibri" panose="020F0502020204030204" pitchFamily="34" charset="0"/>
+              </a:rPr>
+              <a:t>interaction</a:t>
+            </a:r>
+          </a:p>
+          <a:p>
+            <a:r>
+              <a:rPr lang="en-US" dirty="0">
+                <a:latin typeface="Calibri" panose="020F0502020204030204" pitchFamily="34" charset="0"/>
+                <a:cs typeface="Calibri" panose="020F0502020204030204" pitchFamily="34" charset="0"/>
+              </a:rPr>
+              <a:t>Immediate feedback to the </a:t>
+            </a:r>
+            <a:r>
+              <a:rPr lang="en-US" dirty="0" smtClean="0">
+                <a:latin typeface="Calibri" panose="020F0502020204030204" pitchFamily="34" charset="0"/>
+                <a:cs typeface="Calibri" panose="020F0502020204030204" pitchFamily="34" charset="0"/>
+              </a:rPr>
+              <a:t>visitors</a:t>
+            </a:r>
+          </a:p>
+          <a:p>
+            <a:r>
+              <a:rPr lang="en-US" dirty="0">
+                <a:latin typeface="Calibri" panose="020F0502020204030204" pitchFamily="34" charset="0"/>
+                <a:cs typeface="Calibri" panose="020F0502020204030204" pitchFamily="34" charset="0"/>
+              </a:rPr>
+              <a:t>Increased </a:t>
+            </a:r>
+            <a:r>
+              <a:rPr lang="en-US" dirty="0" smtClean="0">
+                <a:latin typeface="Calibri" panose="020F0502020204030204" pitchFamily="34" charset="0"/>
+                <a:cs typeface="Calibri" panose="020F0502020204030204" pitchFamily="34" charset="0"/>
+              </a:rPr>
+              <a:t>interactivity</a:t>
+            </a:r>
+          </a:p>
+          <a:p>
+            <a:r>
+              <a:rPr lang="en-US" dirty="0">
+                <a:latin typeface="Calibri" panose="020F0502020204030204" pitchFamily="34" charset="0"/>
+                <a:cs typeface="Calibri" panose="020F0502020204030204" pitchFamily="34" charset="0"/>
+              </a:rPr>
+              <a:t>Richer interfaces</a:t>
+            </a:r>
+            <a:endParaRPr lang="en-US" dirty="0" smtClean="0">
+              <a:latin typeface="Calibri" panose="020F0502020204030204" pitchFamily="34" charset="0"/>
+              <a:cs typeface="Calibri" panose="020F0502020204030204" pitchFamily="34" charset="0"/>
+            </a:endParaRPr>
           </a:p>
           <a:p>
             <a:pPr marL="0" indent="0">
               <a:buNone/>
             </a:pPr>
-            <a:r>
-              <a:rPr lang="en-US" dirty="0"/>
-              <a:t>&lt;body&gt;</a:t>
-            </a:r>
+            <a:endParaRPr lang="en-US" dirty="0"/>
           </a:p>
           <a:p>
             <a:pPr marL="0" indent="0">
               <a:buNone/>
             </a:pPr>
-            <a:r>
-              <a:rPr lang="en-US" dirty="0"/>
-              <a:t>&lt;script language = "</a:t>
-            </a:r>
-            <a:r>
-              <a:rPr lang="en-US" dirty="0" err="1"/>
-              <a:t>javascript</a:t>
-            </a:r>
-            <a:r>
-              <a:rPr lang="en-US" dirty="0"/>
-              <a:t>" type = "text/</a:t>
-            </a:r>
-            <a:r>
-              <a:rPr lang="en-US" dirty="0" err="1"/>
-              <a:t>javascript</a:t>
-            </a:r>
-            <a:r>
-              <a:rPr lang="en-US" dirty="0"/>
-              <a:t>"&gt;</a:t>
-            </a:r>
+            <a:endParaRPr lang="en-US" dirty="0" smtClean="0"/>
           </a:p>
           <a:p>
             <a:pPr marL="0" indent="0">
               <a:buNone/>
             </a:pPr>
             <a:r>
-              <a:rPr lang="en-US" dirty="0" err="1"/>
-              <a:t>document.write</a:t>
-            </a:r>
-            <a:r>
-              <a:rPr lang="en-US" dirty="0"/>
-              <a:t>("Hello World!")  </a:t>
-            </a:r>
-          </a:p>
-          <a:p>
-            <a:pPr marL="0" indent="0">
-              <a:buNone/>
-            </a:pPr>
-            <a:r>
-              <a:rPr lang="en-US" dirty="0"/>
-              <a:t>&lt;/script&gt;</a:t>
-            </a:r>
-          </a:p>
-          <a:p>
-            <a:pPr marL="0" indent="0">
-              <a:buNone/>
-            </a:pPr>
-            <a:r>
-              <a:rPr lang="en-US" dirty="0"/>
-              <a:t>&lt;/body&gt; </a:t>
-            </a:r>
-          </a:p>
-          <a:p>
-            <a:pPr marL="0" indent="0">
-              <a:buNone/>
-            </a:pPr>
-            <a:r>
-              <a:rPr lang="en-US" dirty="0"/>
-              <a:t>&lt;/html&gt;</a:t>
-            </a:r>
-          </a:p>
-          <a:p>
+              <a:rPr lang="en-US" dirty="0" err="1" smtClean="0"/>
+              <a:t>Javascript</a:t>
+            </a:r>
+            <a:r>
+              <a:rPr lang="en-US" dirty="0" smtClean="0"/>
+              <a:t> is case sensitive and always follow the proper cases while using letters.</a:t>
+            </a:r>
             <a:endParaRPr lang="en-US" dirty="0"/>
-          </a:p>
-          <a:p>
-            <a:r>
-              <a:rPr lang="en-US" dirty="0"/>
-              <a:t>This code will produce the following result −</a:t>
-            </a:r>
-          </a:p>
-          <a:p>
-            <a:pPr marL="0" indent="0">
-              <a:buNone/>
-            </a:pPr>
-            <a:r>
-              <a:rPr lang="en-US" dirty="0" smtClean="0"/>
-              <a:t>     Hello </a:t>
-            </a:r>
-            <a:r>
-              <a:rPr lang="en-US" dirty="0"/>
-              <a:t>World!</a:t>
-            </a:r>
           </a:p>
         </p:txBody>
       </p:sp>
     </p:spTree>
     <p:extLst>
       <p:ext uri="{BB962C8B-B14F-4D97-AF65-F5344CB8AC3E}">
-        <p14:creationId xmlns:p14="http://schemas.microsoft.com/office/powerpoint/2010/main" val="1915620638"/>
+        <p14:creationId xmlns:p14="http://schemas.microsoft.com/office/powerpoint/2010/main" val="3024029427"/>
       </p:ext>
     </p:extLst>
   </p:cSld>
@@ -14490,13 +16438,10 @@
                             </p:stCondLst>
                             <p:childTnLst>
                               <p:par>
-                                <p:cTn id="5" presetID="26" presetClass="entr" presetSubtype="0" fill="hold" grpId="0" nodeType="clickEffect">
+                                <p:cTn id="5" presetID="16" presetClass="entr" presetSubtype="21" fill="hold" grpId="0" nodeType="clickEffect">
                                   <p:stCondLst>
                                     <p:cond delay="0"/>
                                   </p:stCondLst>
-                                  <p:iterate type="lt">
-                                    <p:tmPct val="0"/>
-                                  </p:iterate>
                                   <p:childTnLst>
                                     <p:set>
                                       <p:cBhvr>
@@ -14516,257 +16461,14 @@
                                         <p:strVal val="visible"/>
                                       </p:to>
                                     </p:set>
-                                    <p:animEffect transition="in" filter="wipe(down)">
-                                      <p:cBhvr>
-                                        <p:cTn id="7" dur="580">
-                                          <p:stCondLst>
-                                            <p:cond delay="0"/>
-                                          </p:stCondLst>
-                                        </p:cTn>
+                                    <p:animEffect transition="in" filter="barn(inVertical)">
+                                      <p:cBhvr>
+                                        <p:cTn id="7" dur="500"/>
                                         <p:tgtEl>
                                           <p:spTgt spid="3"/>
                                         </p:tgtEl>
                                       </p:cBhvr>
                                     </p:animEffect>
-                                    <p:anim calcmode="lin" valueType="num">
-                                      <p:cBhvr>
-                                        <p:cTn id="8" dur="1822" tmFilter="0,0; 0.14,0.36; 0.43,0.73; 0.71,0.91; 1.0,1.0">
-                                          <p:stCondLst>
-                                            <p:cond delay="0"/>
-                                          </p:stCondLst>
-                                        </p:cTn>
-                                        <p:tgtEl>
-                                          <p:spTgt spid="3"/>
-                                        </p:tgtEl>
-                                        <p:attrNameLst>
-                                          <p:attrName>ppt_x</p:attrName>
-                                        </p:attrNameLst>
-                                      </p:cBhvr>
-                                      <p:tavLst>
-                                        <p:tav tm="0">
-                                          <p:val>
-                                            <p:strVal val="#ppt_x-0.25"/>
-                                          </p:val>
-                                        </p:tav>
-                                        <p:tav tm="100000">
-                                          <p:val>
-                                            <p:strVal val="#ppt_x"/>
-                                          </p:val>
-                                        </p:tav>
-                                      </p:tavLst>
-                                    </p:anim>
-                                    <p:anim calcmode="lin" valueType="num">
-                                      <p:cBhvr>
-                                        <p:cTn id="9" dur="664" tmFilter="0.0,0.0; 0.25,0.07; 0.50,0.2; 0.75,0.467; 1.0,1.0">
-                                          <p:stCondLst>
-                                            <p:cond delay="0"/>
-                                          </p:stCondLst>
-                                        </p:cTn>
-                                        <p:tgtEl>
-                                          <p:spTgt spid="3"/>
-                                        </p:tgtEl>
-                                        <p:attrNameLst>
-                                          <p:attrName>ppt_y</p:attrName>
-                                        </p:attrNameLst>
-                                      </p:cBhvr>
-                                      <p:tavLst>
-                                        <p:tav tm="0" fmla="#ppt_y-sin(pi*$)/3">
-                                          <p:val>
-                                            <p:fltVal val="0.5"/>
-                                          </p:val>
-                                        </p:tav>
-                                        <p:tav tm="100000">
-                                          <p:val>
-                                            <p:fltVal val="1"/>
-                                          </p:val>
-                                        </p:tav>
-                                      </p:tavLst>
-                                    </p:anim>
-                                    <p:anim calcmode="lin" valueType="num">
-                                      <p:cBhvr>
-                                        <p:cTn id="10" dur="664" tmFilter="0, 0; 0.125,0.2665; 0.25,0.4; 0.375,0.465; 0.5,0.5;  0.625,0.535; 0.75,0.6; 0.875,0.7335; 1,1">
-                                          <p:stCondLst>
-                                            <p:cond delay="664"/>
-                                          </p:stCondLst>
-                                        </p:cTn>
-                                        <p:tgtEl>
-                                          <p:spTgt spid="3"/>
-                                        </p:tgtEl>
-                                        <p:attrNameLst>
-                                          <p:attrName>ppt_y</p:attrName>
-                                        </p:attrNameLst>
-                                      </p:cBhvr>
-                                      <p:tavLst>
-                                        <p:tav tm="0" fmla="#ppt_y-sin(pi*$)/9">
-                                          <p:val>
-                                            <p:fltVal val="0"/>
-                                          </p:val>
-                                        </p:tav>
-                                        <p:tav tm="100000">
-                                          <p:val>
-                                            <p:fltVal val="1"/>
-                                          </p:val>
-                                        </p:tav>
-                                      </p:tavLst>
-                                    </p:anim>
-                                    <p:anim calcmode="lin" valueType="num">
-                                      <p:cBhvr>
-                                        <p:cTn id="11" dur="332" tmFilter="0, 0; 0.125,0.2665; 0.25,0.4; 0.375,0.465; 0.5,0.5;  0.625,0.535; 0.75,0.6; 0.875,0.7335; 1,1">
-                                          <p:stCondLst>
-                                            <p:cond delay="1324"/>
-                                          </p:stCondLst>
-                                        </p:cTn>
-                                        <p:tgtEl>
-                                          <p:spTgt spid="3"/>
-                                        </p:tgtEl>
-                                        <p:attrNameLst>
-                                          <p:attrName>ppt_y</p:attrName>
-                                        </p:attrNameLst>
-                                      </p:cBhvr>
-                                      <p:tavLst>
-                                        <p:tav tm="0" fmla="#ppt_y-sin(pi*$)/27">
-                                          <p:val>
-                                            <p:fltVal val="0"/>
-                                          </p:val>
-                                        </p:tav>
-                                        <p:tav tm="100000">
-                                          <p:val>
-                                            <p:fltVal val="1"/>
-                                          </p:val>
-                                        </p:tav>
-                                      </p:tavLst>
-                                    </p:anim>
-                                    <p:anim calcmode="lin" valueType="num">
-                                      <p:cBhvr>
-                                        <p:cTn id="12" dur="164" tmFilter="0, 0; 0.125,0.2665; 0.25,0.4; 0.375,0.465; 0.5,0.5;  0.625,0.535; 0.75,0.6; 0.875,0.7335; 1,1">
-                                          <p:stCondLst>
-                                            <p:cond delay="1656"/>
-                                          </p:stCondLst>
-                                        </p:cTn>
-                                        <p:tgtEl>
-                                          <p:spTgt spid="3"/>
-                                        </p:tgtEl>
-                                        <p:attrNameLst>
-                                          <p:attrName>ppt_y</p:attrName>
-                                        </p:attrNameLst>
-                                      </p:cBhvr>
-                                      <p:tavLst>
-                                        <p:tav tm="0" fmla="#ppt_y-sin(pi*$)/81">
-                                          <p:val>
-                                            <p:fltVal val="0"/>
-                                          </p:val>
-                                        </p:tav>
-                                        <p:tav tm="100000">
-                                          <p:val>
-                                            <p:fltVal val="1"/>
-                                          </p:val>
-                                        </p:tav>
-                                      </p:tavLst>
-                                    </p:anim>
-                                    <p:animScale>
-                                      <p:cBhvr>
-                                        <p:cTn id="13" dur="26">
-                                          <p:stCondLst>
-                                            <p:cond delay="650"/>
-                                          </p:stCondLst>
-                                        </p:cTn>
-                                        <p:tgtEl>
-                                          <p:spTgt spid="3"/>
-                                        </p:tgtEl>
-                                      </p:cBhvr>
-                                      <p:to x="100000" y="60000"/>
-                                    </p:animScale>
-                                    <p:animScale>
-                                      <p:cBhvr>
-                                        <p:cTn id="14" dur="166" decel="50000">
-                                          <p:stCondLst>
-                                            <p:cond delay="676"/>
-                                          </p:stCondLst>
-                                        </p:cTn>
-                                        <p:tgtEl>
-                                          <p:spTgt spid="3"/>
-                                        </p:tgtEl>
-                                      </p:cBhvr>
-                                      <p:to x="100000" y="100000"/>
-                                    </p:animScale>
-                                    <p:animScale>
-                                      <p:cBhvr>
-                                        <p:cTn id="15" dur="26">
-                                          <p:stCondLst>
-                                            <p:cond delay="1312"/>
-                                          </p:stCondLst>
-                                        </p:cTn>
-                                        <p:tgtEl>
-                                          <p:spTgt spid="3"/>
-                                        </p:tgtEl>
-                                      </p:cBhvr>
-                                      <p:to x="100000" y="80000"/>
-                                    </p:animScale>
-                                    <p:animScale>
-                                      <p:cBhvr>
-                                        <p:cTn id="16" dur="166" decel="50000">
-                                          <p:stCondLst>
-                                            <p:cond delay="1338"/>
-                                          </p:stCondLst>
-                                        </p:cTn>
-                                        <p:tgtEl>
-                                          <p:spTgt spid="3"/>
-                                        </p:tgtEl>
-                                      </p:cBhvr>
-                                      <p:to x="100000" y="100000"/>
-                                    </p:animScale>
-                                    <p:animScale>
-                                      <p:cBhvr>
-                                        <p:cTn id="17" dur="26">
-                                          <p:stCondLst>
-                                            <p:cond delay="1642"/>
-                                          </p:stCondLst>
-                                        </p:cTn>
-                                        <p:tgtEl>
-                                          <p:spTgt spid="3"/>
-                                        </p:tgtEl>
-                                      </p:cBhvr>
-                                      <p:to x="100000" y="90000"/>
-                                    </p:animScale>
-                                    <p:animScale>
-                                      <p:cBhvr>
-                                        <p:cTn id="18" dur="166" decel="50000">
-                                          <p:stCondLst>
-                                            <p:cond delay="1668"/>
-                                          </p:stCondLst>
-                                        </p:cTn>
-                                        <p:tgtEl>
-                                          <p:spTgt spid="3"/>
-                                        </p:tgtEl>
-                                      </p:cBhvr>
-                                      <p:to x="100000" y="100000"/>
-                                    </p:animScale>
-                                    <p:animScale>
-                                      <p:cBhvr>
-                                        <p:cTn id="19" dur="26">
-                                          <p:stCondLst>
-                                            <p:cond delay="1808"/>
-                                          </p:stCondLst>
-                                        </p:cTn>
-                                        <p:tgtEl>
-                                          <p:spTgt spid="3"/>
-                                        </p:tgtEl>
-                                      </p:cBhvr>
-                                      <p:to x="100000" y="95000"/>
-                                    </p:animScale>
-                                    <p:animScale>
-                                      <p:cBhvr>
-                                        <p:cTn id="20" dur="166" decel="50000">
-                                          <p:stCondLst>
-                                            <p:cond delay="1834"/>
-                                          </p:stCondLst>
-                                        </p:cTn>
-                                        <p:tgtEl>
-                                          <p:spTgt spid="3"/>
-                                        </p:tgtEl>
-                                      </p:cBhvr>
-                                      <p:to x="100000" y="100000"/>
-                                    </p:animScale>
                                   </p:childTnLst>
                                 </p:cTn>
                               </p:par>
@@ -14837,8 +16539,12 @@
           <a:lstStyle/>
           <a:p>
             <a:r>
+              <a:rPr lang="en-US" u="sng" dirty="0" err="1" smtClean="0"/>
+              <a:t>Javascript</a:t>
+            </a:r>
+            <a:r>
               <a:rPr lang="en-US" u="sng" dirty="0" smtClean="0"/>
-              <a:t>Variables Declaration </a:t>
+              <a:t> code</a:t>
             </a:r>
             <a:endParaRPr lang="en-US" u="sng" dirty="0"/>
           </a:p>
@@ -14854,150 +16560,115 @@
             <p:ph idx="1"/>
           </p:nvPr>
         </p:nvSpPr>
-        <p:spPr>
-          <a:xfrm>
-            <a:off x="1103312" y="1853248"/>
-            <a:ext cx="8946541" cy="4395151"/>
-          </a:xfrm>
-        </p:spPr>
+        <p:spPr/>
         <p:txBody>
-          <a:bodyPr/>
+          <a:bodyPr>
+            <a:normAutofit lnSpcReduction="10000"/>
+          </a:bodyPr>
           <a:lstStyle/>
           <a:p>
-            <a:r>
-              <a:rPr lang="en-US" i="1" dirty="0"/>
-              <a:t>`</a:t>
-            </a:r>
-            <a:r>
-              <a:rPr lang="en-US" i="1" dirty="0" err="1"/>
-              <a:t>const</a:t>
-            </a:r>
-            <a:r>
-              <a:rPr lang="en-US" i="1" dirty="0"/>
-              <a:t>`</a:t>
-            </a:r>
+            <a:pPr marL="0" indent="0">
+              <a:buNone/>
+            </a:pPr>
             <a:r>
               <a:rPr lang="en-US" dirty="0"/>
-              <a:t> </a:t>
-            </a:r>
+              <a:t>&lt;html&gt; </a:t>
+            </a:r>
+          </a:p>
+          <a:p>
+            <a:pPr marL="0" indent="0">
+              <a:buNone/>
+            </a:pPr>
+            <a:r>
+              <a:rPr lang="en-US" dirty="0"/>
+              <a:t>&lt;body&gt;</a:t>
+            </a:r>
+          </a:p>
+          <a:p>
+            <a:pPr marL="0" indent="0">
+              <a:buNone/>
+            </a:pPr>
+            <a:r>
+              <a:rPr lang="en-US" dirty="0"/>
+              <a:t>&lt;script language = "</a:t>
+            </a:r>
+            <a:r>
+              <a:rPr lang="en-US" dirty="0" err="1"/>
+              <a:t>javascript</a:t>
+            </a:r>
+            <a:r>
+              <a:rPr lang="en-US" dirty="0"/>
+              <a:t>" type = "text/</a:t>
+            </a:r>
+            <a:r>
+              <a:rPr lang="en-US" dirty="0" err="1"/>
+              <a:t>javascript</a:t>
+            </a:r>
+            <a:r>
+              <a:rPr lang="en-US" dirty="0"/>
+              <a:t>"&gt;</a:t>
+            </a:r>
+          </a:p>
+          <a:p>
+            <a:pPr marL="0" indent="0">
+              <a:buNone/>
+            </a:pPr>
+            <a:r>
+              <a:rPr lang="en-US" dirty="0" err="1"/>
+              <a:t>document.write</a:t>
+            </a:r>
+            <a:r>
+              <a:rPr lang="en-US" dirty="0"/>
+              <a:t>("Hello World!")  </a:t>
+            </a:r>
+          </a:p>
+          <a:p>
+            <a:pPr marL="0" indent="0">
+              <a:buNone/>
+            </a:pPr>
+            <a:r>
+              <a:rPr lang="en-US" dirty="0"/>
+              <a:t>&lt;/script&gt;</a:t>
+            </a:r>
+          </a:p>
+          <a:p>
+            <a:pPr marL="0" indent="0">
+              <a:buNone/>
+            </a:pPr>
+            <a:r>
+              <a:rPr lang="en-US" dirty="0"/>
+              <a:t>&lt;/body&gt; </a:t>
+            </a:r>
+          </a:p>
+          <a:p>
+            <a:pPr marL="0" indent="0">
+              <a:buNone/>
+            </a:pPr>
+            <a:r>
+              <a:rPr lang="en-US" dirty="0"/>
+              <a:t>&lt;/html&gt;</a:t>
+            </a:r>
+          </a:p>
+          <a:p>
+            <a:endParaRPr lang="en-US" dirty="0"/>
+          </a:p>
+          <a:p>
+            <a:r>
+              <a:rPr lang="en-US" dirty="0"/>
+              <a:t>This code will produce the following result −</a:t>
+            </a:r>
+          </a:p>
+          <a:p>
+            <a:pPr marL="0" indent="0">
+              <a:buNone/>
+            </a:pPr>
             <a:r>
               <a:rPr lang="en-US" dirty="0" smtClean="0"/>
-              <a:t>indicates </a:t>
+              <a:t>     Hello </a:t>
             </a:r>
             <a:r>
               <a:rPr lang="en-US" dirty="0"/>
-              <a:t>that the identifier won’t be reassigned</a:t>
-            </a:r>
-            <a:r>
-              <a:rPr lang="en-US" dirty="0" smtClean="0"/>
-              <a:t>.</a:t>
-            </a:r>
-          </a:p>
-          <a:p>
-            <a:pPr marL="0" indent="0">
-              <a:buNone/>
-            </a:pPr>
-            <a:r>
-              <a:rPr lang="en-US" dirty="0" err="1"/>
-              <a:t>const</a:t>
-            </a:r>
-            <a:r>
-              <a:rPr lang="en-US" dirty="0"/>
-              <a:t> x = 2;</a:t>
-            </a:r>
-          </a:p>
-          <a:p>
-            <a:r>
-              <a:rPr lang="en-US" i="1" dirty="0"/>
-              <a:t>`let`,</a:t>
-            </a:r>
-            <a:r>
-              <a:rPr lang="en-US" dirty="0"/>
-              <a:t> </a:t>
-            </a:r>
-            <a:r>
-              <a:rPr lang="en-US" dirty="0" smtClean="0"/>
-              <a:t>indicates that</a:t>
-            </a:r>
-            <a:r>
-              <a:rPr lang="en-US" dirty="0"/>
-              <a:t> the variable may be reassigned, such as a counter in a loop, or a value swap in an algorithm. It also signals that the variable will be used only in the block it’s defined in, which is not always the entire containing function</a:t>
-            </a:r>
-            <a:r>
-              <a:rPr lang="en-US" dirty="0" smtClean="0"/>
-              <a:t>.</a:t>
-            </a:r>
-          </a:p>
-          <a:p>
-            <a:pPr marL="0" indent="0">
-              <a:buNone/>
-            </a:pPr>
-            <a:r>
-              <a:rPr lang="en-US" dirty="0"/>
-              <a:t>let greeting = "say Hi</a:t>
-            </a:r>
-            <a:r>
-              <a:rPr lang="en-US" dirty="0" smtClean="0"/>
-              <a:t>";</a:t>
-            </a:r>
-          </a:p>
-          <a:p>
-            <a:pPr marL="0" indent="0">
-              <a:buNone/>
-            </a:pPr>
-            <a:r>
-              <a:rPr lang="en-US" i="1" dirty="0" smtClean="0"/>
-              <a:t>    `</a:t>
-            </a:r>
-            <a:r>
-              <a:rPr lang="en-US" i="1" dirty="0" err="1"/>
-              <a:t>var</a:t>
-            </a:r>
-            <a:r>
-              <a:rPr lang="en-US" i="1" dirty="0"/>
-              <a:t>`</a:t>
-            </a:r>
-            <a:r>
-              <a:rPr lang="en-US" dirty="0"/>
-              <a:t> </a:t>
-            </a:r>
-            <a:r>
-              <a:rPr lang="en-US" dirty="0" smtClean="0"/>
-              <a:t>indicates</a:t>
-            </a:r>
-            <a:r>
-              <a:rPr lang="en-US" dirty="0"/>
-              <a:t> the weakest signal available when you define a </a:t>
-            </a:r>
-            <a:r>
-              <a:rPr lang="en-US" dirty="0" smtClean="0"/>
-              <a:t>                  variable </a:t>
-            </a:r>
-            <a:r>
-              <a:rPr lang="en-US" dirty="0"/>
-              <a:t>in JavaScript. The variable may or may not be reassigned, and  </a:t>
-            </a:r>
-            <a:r>
-              <a:rPr lang="en-US" dirty="0" smtClean="0"/>
-              <a:t> </a:t>
-            </a:r>
-            <a:r>
-              <a:rPr lang="en-US" dirty="0"/>
-              <a:t>variable may or may not be used for an entire function, or just for the purpose of a block or loop</a:t>
-            </a:r>
-            <a:r>
-              <a:rPr lang="en-US" dirty="0" smtClean="0"/>
-              <a:t>.</a:t>
-            </a:r>
-          </a:p>
-          <a:p>
-            <a:r>
-              <a:rPr lang="en-US" dirty="0" err="1" smtClean="0"/>
-              <a:t>var</a:t>
-            </a:r>
-            <a:r>
-              <a:rPr lang="en-US" dirty="0"/>
-              <a:t> x = 2;</a:t>
+              <a:t>World!</a:t>
             </a:r>
           </a:p>
         </p:txBody>
@@ -15005,187 +16676,7 @@
     </p:spTree>
     <p:extLst>
       <p:ext uri="{BB962C8B-B14F-4D97-AF65-F5344CB8AC3E}">
-        <p14:creationId xmlns:p14="http://schemas.microsoft.com/office/powerpoint/2010/main" val="833056401"/>
-      </p:ext>
-    </p:extLst>
-  </p:cSld>
-  <p:clrMapOvr>
-    <a:masterClrMapping/>
-  </p:clrMapOvr>
-  <p:timing>
-    <p:tnLst>
-      <p:par>
-        <p:cTn id="1" dur="indefinite" restart="never" nodeType="tmRoot"/>
-      </p:par>
-    </p:tnLst>
-  </p:timing>
-</p:sld>
-</file>
-
-<file path=ppt/slides/slide8.xml><?xml version="1.0" encoding="utf-8"?>
-<p:sld xmlns:a="http://schemas.openxmlformats.org/drawingml/2006/main" xmlns:r="http://schemas.openxmlformats.org/officeDocument/2006/relationships" xmlns:p="http://schemas.openxmlformats.org/presentationml/2006/main">
-  <p:cSld>
-    <p:spTree>
-      <p:nvGrpSpPr>
-        <p:cNvPr id="1" name=""/>
-        <p:cNvGrpSpPr/>
-        <p:nvPr/>
-      </p:nvGrpSpPr>
-      <p:grpSpPr>
-        <a:xfrm>
-          <a:off x="0" y="0"/>
-          <a:ext cx="0" cy="0"/>
-          <a:chOff x="0" y="0"/>
-          <a:chExt cx="0" cy="0"/>
-        </a:xfrm>
-      </p:grpSpPr>
-      <p:sp>
-        <p:nvSpPr>
-          <p:cNvPr id="2" name="Title 1"/>
-          <p:cNvSpPr>
-            <a:spLocks noGrp="1"/>
-          </p:cNvSpPr>
-          <p:nvPr>
-            <p:ph type="title"/>
-          </p:nvPr>
-        </p:nvSpPr>
-        <p:spPr/>
-        <p:txBody>
-          <a:bodyPr/>
-          <a:lstStyle/>
-          <a:p>
-            <a:r>
-              <a:rPr lang="en-US" u="sng" dirty="0" smtClean="0"/>
-              <a:t>Operators </a:t>
-            </a:r>
-            <a:endParaRPr lang="en-US" u="sng" dirty="0"/>
-          </a:p>
-        </p:txBody>
-      </p:sp>
-      <p:sp>
-        <p:nvSpPr>
-          <p:cNvPr id="3" name="Content Placeholder 2"/>
-          <p:cNvSpPr>
-            <a:spLocks noGrp="1"/>
-          </p:cNvSpPr>
-          <p:nvPr>
-            <p:ph idx="1"/>
-          </p:nvPr>
-        </p:nvSpPr>
-        <p:spPr>
-          <a:xfrm>
-            <a:off x="1371600" y="1685109"/>
-            <a:ext cx="9601200" cy="4182291"/>
-          </a:xfrm>
-        </p:spPr>
-        <p:txBody>
-          <a:bodyPr>
-            <a:normAutofit fontScale="85000" lnSpcReduction="20000"/>
-          </a:bodyPr>
-          <a:lstStyle/>
-          <a:p>
-            <a:r>
-              <a:rPr lang="en-US" dirty="0"/>
-              <a:t>Arithmetic Operators</a:t>
-            </a:r>
-          </a:p>
-          <a:p>
-            <a:r>
-              <a:rPr lang="en-US" dirty="0"/>
-              <a:t>Comparison Operators</a:t>
-            </a:r>
-          </a:p>
-          <a:p>
-            <a:r>
-              <a:rPr lang="en-US" dirty="0"/>
-              <a:t>Logical (or Relational) Operators</a:t>
-            </a:r>
-          </a:p>
-          <a:p>
-            <a:r>
-              <a:rPr lang="en-US" dirty="0"/>
-              <a:t>Assignment Operators</a:t>
-            </a:r>
-          </a:p>
-          <a:p>
-            <a:r>
-              <a:rPr lang="en-US" dirty="0"/>
-              <a:t>Conditional (or ternary) </a:t>
-            </a:r>
-            <a:r>
-              <a:rPr lang="en-US" dirty="0" smtClean="0"/>
-              <a:t>Operators</a:t>
-            </a:r>
-          </a:p>
-          <a:p>
-            <a:pPr marL="0" indent="0">
-              <a:buNone/>
-            </a:pPr>
-            <a:endParaRPr lang="en-US" dirty="0" smtClean="0"/>
-          </a:p>
-          <a:p>
-            <a:pPr marL="0" indent="0">
-              <a:buNone/>
-            </a:pPr>
-            <a:r>
-              <a:rPr lang="en-US" sz="4700" dirty="0" smtClean="0">
-                <a:latin typeface="Calibri" panose="020F0502020204030204" pitchFamily="34" charset="0"/>
-                <a:cs typeface="Calibri" panose="020F0502020204030204" pitchFamily="34" charset="0"/>
-              </a:rPr>
-              <a:t>Control Structures and Loops</a:t>
-            </a:r>
-          </a:p>
-          <a:p>
-            <a:r>
-              <a:rPr lang="en-US" sz="2600" dirty="0" smtClean="0">
-                <a:latin typeface="Calibri" panose="020F0502020204030204" pitchFamily="34" charset="0"/>
-                <a:cs typeface="Calibri" panose="020F0502020204030204" pitchFamily="34" charset="0"/>
-              </a:rPr>
-              <a:t>If else</a:t>
-            </a:r>
-          </a:p>
-          <a:p>
-            <a:r>
-              <a:rPr lang="en-US" dirty="0" smtClean="0"/>
-              <a:t>Switch</a:t>
-            </a:r>
-          </a:p>
-          <a:p>
-            <a:r>
-              <a:rPr lang="en-US" dirty="0" smtClean="0"/>
-              <a:t>While loop</a:t>
-            </a:r>
-          </a:p>
-          <a:p>
-            <a:r>
-              <a:rPr lang="en-US" dirty="0" smtClean="0"/>
-              <a:t>For loop</a:t>
-            </a:r>
-          </a:p>
-          <a:p>
-            <a:pPr marL="0" indent="0">
-              <a:buNone/>
-            </a:pPr>
-            <a:endParaRPr lang="en-US" dirty="0" smtClean="0"/>
-          </a:p>
-          <a:p>
-            <a:pPr marL="0" indent="0">
-              <a:buNone/>
-            </a:pPr>
-            <a:endParaRPr lang="en-US" dirty="0" smtClean="0"/>
-          </a:p>
-          <a:p>
-            <a:pPr marL="0" indent="0">
-              <a:buNone/>
-            </a:pPr>
-            <a:endParaRPr lang="en-US" dirty="0"/>
-          </a:p>
-        </p:txBody>
-      </p:sp>
-    </p:spTree>
-    <p:extLst>
-      <p:ext uri="{BB962C8B-B14F-4D97-AF65-F5344CB8AC3E}">
-        <p14:creationId xmlns:p14="http://schemas.microsoft.com/office/powerpoint/2010/main" val="4027862555"/>
+        <p14:creationId xmlns:p14="http://schemas.microsoft.com/office/powerpoint/2010/main" val="1915620638"/>
       </p:ext>
     </p:extLst>
   </p:cSld>
@@ -15213,13 +16704,10 @@
                             </p:stCondLst>
                             <p:childTnLst>
                               <p:par>
-                                <p:cTn id="5" presetID="26" presetClass="entr" presetSubtype="0" fill="hold" grpId="0" nodeType="clickEffect">
+                                <p:cTn id="5" presetID="6" presetClass="entr" presetSubtype="16" fill="hold" grpId="0" nodeType="clickEffect">
                                   <p:stCondLst>
                                     <p:cond delay="0"/>
                                   </p:stCondLst>
-                                  <p:iterate type="lt">
-                                    <p:tmPct val="0"/>
-                                  </p:iterate>
                                   <p:childTnLst>
                                     <p:set>
                                       <p:cBhvr>
@@ -15239,257 +16727,14 @@
                                         <p:strVal val="visible"/>
                                       </p:to>
                                     </p:set>
-                                    <p:animEffect transition="in" filter="wipe(down)">
-                                      <p:cBhvr>
-                                        <p:cTn id="7" dur="580">
-                                          <p:stCondLst>
-                                            <p:cond delay="0"/>
-                                          </p:stCondLst>
-                                        </p:cTn>
+                                    <p:animEffect transition="in" filter="circle(in)">
+                                      <p:cBhvr>
+                                        <p:cTn id="7" dur="2000"/>
                                         <p:tgtEl>
                                           <p:spTgt spid="3"/>
                                         </p:tgtEl>
                                       </p:cBhvr>
                                     </p:animEffect>
-                                    <p:anim calcmode="lin" valueType="num">
-                                      <p:cBhvr>
-                                        <p:cTn id="8" dur="1822" tmFilter="0,0; 0.14,0.36; 0.43,0.73; 0.71,0.91; 1.0,1.0">
-                                          <p:stCondLst>
-                                            <p:cond delay="0"/>
-                                          </p:stCondLst>
-                                        </p:cTn>
-                                        <p:tgtEl>
-                                          <p:spTgt spid="3"/>
-                                        </p:tgtEl>
-                                        <p:attrNameLst>
-                                          <p:attrName>ppt_x</p:attrName>
-                                        </p:attrNameLst>
-                                      </p:cBhvr>
-                                      <p:tavLst>
-                                        <p:tav tm="0">
-                                          <p:val>
-                                            <p:strVal val="#ppt_x-0.25"/>
-                                          </p:val>
-                                        </p:tav>
-                                        <p:tav tm="100000">
-                                          <p:val>
-                                            <p:strVal val="#ppt_x"/>
-                                          </p:val>
-                                        </p:tav>
-                                      </p:tavLst>
-                                    </p:anim>
-                                    <p:anim calcmode="lin" valueType="num">
-                                      <p:cBhvr>
-                                        <p:cTn id="9" dur="664" tmFilter="0.0,0.0; 0.25,0.07; 0.50,0.2; 0.75,0.467; 1.0,1.0">
-                                          <p:stCondLst>
-                                            <p:cond delay="0"/>
-                                          </p:stCondLst>
-                                        </p:cTn>
-                                        <p:tgtEl>
-                                          <p:spTgt spid="3"/>
-                                        </p:tgtEl>
-                                        <p:attrNameLst>
-                                          <p:attrName>ppt_y</p:attrName>
-                                        </p:attrNameLst>
-                                      </p:cBhvr>
-                                      <p:tavLst>
-                                        <p:tav tm="0" fmla="#ppt_y-sin(pi*$)/3">
-                                          <p:val>
-                                            <p:fltVal val="0.5"/>
-                                          </p:val>
-                                        </p:tav>
-                                        <p:tav tm="100000">
-                                          <p:val>
-                                            <p:fltVal val="1"/>
-                                          </p:val>
-                                        </p:tav>
-                                      </p:tavLst>
-                                    </p:anim>
-                                    <p:anim calcmode="lin" valueType="num">
-                                      <p:cBhvr>
-                                        <p:cTn id="10" dur="664" tmFilter="0, 0; 0.125,0.2665; 0.25,0.4; 0.375,0.465; 0.5,0.5;  0.625,0.535; 0.75,0.6; 0.875,0.7335; 1,1">
-                                          <p:stCondLst>
-                                            <p:cond delay="664"/>
-                                          </p:stCondLst>
-                                        </p:cTn>
-                                        <p:tgtEl>
-                                          <p:spTgt spid="3"/>
-                                        </p:tgtEl>
-                                        <p:attrNameLst>
-                                          <p:attrName>ppt_y</p:attrName>
-                                        </p:attrNameLst>
-                                      </p:cBhvr>
-                                      <p:tavLst>
-                                        <p:tav tm="0" fmla="#ppt_y-sin(pi*$)/9">
-                                          <p:val>
-                                            <p:fltVal val="0"/>
-                                          </p:val>
-                                        </p:tav>
-                                        <p:tav tm="100000">
-                                          <p:val>
-                                            <p:fltVal val="1"/>
-                                          </p:val>
-                                        </p:tav>
-                                      </p:tavLst>
-                                    </p:anim>
-                                    <p:anim calcmode="lin" valueType="num">
-                                      <p:cBhvr>
-                                        <p:cTn id="11" dur="332" tmFilter="0, 0; 0.125,0.2665; 0.25,0.4; 0.375,0.465; 0.5,0.5;  0.625,0.535; 0.75,0.6; 0.875,0.7335; 1,1">
-                                          <p:stCondLst>
-                                            <p:cond delay="1324"/>
-                                          </p:stCondLst>
-                                        </p:cTn>
-                                        <p:tgtEl>
-                                          <p:spTgt spid="3"/>
-                                        </p:tgtEl>
-                                        <p:attrNameLst>
-                                          <p:attrName>ppt_y</p:attrName>
-                                        </p:attrNameLst>
-                                      </p:cBhvr>
-                                      <p:tavLst>
-                                        <p:tav tm="0" fmla="#ppt_y-sin(pi*$)/27">
-                                          <p:val>
-                                            <p:fltVal val="0"/>
-                                          </p:val>
-                                        </p:tav>
-                                        <p:tav tm="100000">
-                                          <p:val>
-                                            <p:fltVal val="1"/>
-                                          </p:val>
-                                        </p:tav>
-                                      </p:tavLst>
-                                    </p:anim>
-                                    <p:anim calcmode="lin" valueType="num">
-                                      <p:cBhvr>
-                                        <p:cTn id="12" dur="164" tmFilter="0, 0; 0.125,0.2665; 0.25,0.4; 0.375,0.465; 0.5,0.5;  0.625,0.535; 0.75,0.6; 0.875,0.7335; 1,1">
-                                          <p:stCondLst>
-                                            <p:cond delay="1656"/>
-                                          </p:stCondLst>
-                                        </p:cTn>
-                                        <p:tgtEl>
-                                          <p:spTgt spid="3"/>
-                                        </p:tgtEl>
-                                        <p:attrNameLst>
-                                          <p:attrName>ppt_y</p:attrName>
-                                        </p:attrNameLst>
-                                      </p:cBhvr>
-                                      <p:tavLst>
-                                        <p:tav tm="0" fmla="#ppt_y-sin(pi*$)/81">
-                                          <p:val>
-                                            <p:fltVal val="0"/>
-                                          </p:val>
-                                        </p:tav>
-                                        <p:tav tm="100000">
-                                          <p:val>
-                                            <p:fltVal val="1"/>
-                                          </p:val>
-                                        </p:tav>
-                                      </p:tavLst>
-                                    </p:anim>
-                                    <p:animScale>
-                                      <p:cBhvr>
-                                        <p:cTn id="13" dur="26">
-                                          <p:stCondLst>
-                                            <p:cond delay="650"/>
-                                          </p:stCondLst>
-                                        </p:cTn>
-                                        <p:tgtEl>
-                                          <p:spTgt spid="3"/>
-                                        </p:tgtEl>
-                                      </p:cBhvr>
-                                      <p:to x="100000" y="60000"/>
-                                    </p:animScale>
-                                    <p:animScale>
-                                      <p:cBhvr>
-                                        <p:cTn id="14" dur="166" decel="50000">
-                                          <p:stCondLst>
-                                            <p:cond delay="676"/>
-                                          </p:stCondLst>
-                                        </p:cTn>
-                                        <p:tgtEl>
-                                          <p:spTgt spid="3"/>
-                                        </p:tgtEl>
-                                      </p:cBhvr>
-                                      <p:to x="100000" y="100000"/>
-                                    </p:animScale>
-                                    <p:animScale>
-                                      <p:cBhvr>
-                                        <p:cTn id="15" dur="26">
-                                          <p:stCondLst>
-                                            <p:cond delay="1312"/>
-                                          </p:stCondLst>
-                                        </p:cTn>
-                                        <p:tgtEl>
-                                          <p:spTgt spid="3"/>
-                                        </p:tgtEl>
-                                      </p:cBhvr>
-                                      <p:to x="100000" y="80000"/>
-                                    </p:animScale>
-                                    <p:animScale>
-                                      <p:cBhvr>
-                                        <p:cTn id="16" dur="166" decel="50000">
-                                          <p:stCondLst>
-                                            <p:cond delay="1338"/>
-                                          </p:stCondLst>
-                                        </p:cTn>
-                                        <p:tgtEl>
-                                          <p:spTgt spid="3"/>
-                                        </p:tgtEl>
-                                      </p:cBhvr>
-                                      <p:to x="100000" y="100000"/>
-                                    </p:animScale>
-                                    <p:animScale>
-                                      <p:cBhvr>
-                                        <p:cTn id="17" dur="26">
-                                          <p:stCondLst>
-                                            <p:cond delay="1642"/>
-                                          </p:stCondLst>
-                                        </p:cTn>
-                                        <p:tgtEl>
-                                          <p:spTgt spid="3"/>
-                                        </p:tgtEl>
-                                      </p:cBhvr>
-                                      <p:to x="100000" y="90000"/>
-                                    </p:animScale>
-                                    <p:animScale>
-                                      <p:cBhvr>
-                                        <p:cTn id="18" dur="166" decel="50000">
-                                          <p:stCondLst>
-                                            <p:cond delay="1668"/>
-                                          </p:stCondLst>
-                                        </p:cTn>
-                                        <p:tgtEl>
-                                          <p:spTgt spid="3"/>
-                                        </p:tgtEl>
-                                      </p:cBhvr>
-                                      <p:to x="100000" y="100000"/>
-                                    </p:animScale>
-                                    <p:animScale>
-                                      <p:cBhvr>
-                                        <p:cTn id="19" dur="26">
-                                          <p:stCondLst>
-                                            <p:cond delay="1808"/>
-                                          </p:stCondLst>
-                                        </p:cTn>
-                                        <p:tgtEl>
-                                          <p:spTgt spid="3"/>
-                                        </p:tgtEl>
-                                      </p:cBhvr>
-                                      <p:to x="100000" y="95000"/>
-                                    </p:animScale>
-                                    <p:animScale>
-                                      <p:cBhvr>
-                                        <p:cTn id="20" dur="166" decel="50000">
-                                          <p:stCondLst>
-                                            <p:cond delay="1834"/>
-                                          </p:stCondLst>
-                                        </p:cTn>
-                                        <p:tgtEl>
-                                          <p:spTgt spid="3"/>
-                                        </p:tgtEl>
-                                      </p:cBhvr>
-                                      <p:to x="100000" y="100000"/>
-                                    </p:animScale>
                                   </p:childTnLst>
                                 </p:cTn>
                               </p:par>
@@ -15527,6 +16772,868 @@
 </p:sld>
 </file>
 
+<file path=ppt/slides/slide8.xml><?xml version="1.0" encoding="utf-8"?>
+<p:sld xmlns:a="http://schemas.openxmlformats.org/drawingml/2006/main" xmlns:r="http://schemas.openxmlformats.org/officeDocument/2006/relationships" xmlns:p="http://schemas.openxmlformats.org/presentationml/2006/main">
+  <p:cSld>
+    <p:spTree>
+      <p:nvGrpSpPr>
+        <p:cNvPr id="1" name=""/>
+        <p:cNvGrpSpPr/>
+        <p:nvPr/>
+      </p:nvGrpSpPr>
+      <p:grpSpPr>
+        <a:xfrm>
+          <a:off x="0" y="0"/>
+          <a:ext cx="0" cy="0"/>
+          <a:chOff x="0" y="0"/>
+          <a:chExt cx="0" cy="0"/>
+        </a:xfrm>
+      </p:grpSpPr>
+      <p:sp>
+        <p:nvSpPr>
+          <p:cNvPr id="2" name="Title 1"/>
+          <p:cNvSpPr>
+            <a:spLocks noGrp="1"/>
+          </p:cNvSpPr>
+          <p:nvPr>
+            <p:ph type="title"/>
+          </p:nvPr>
+        </p:nvSpPr>
+        <p:spPr/>
+        <p:txBody>
+          <a:bodyPr/>
+          <a:lstStyle/>
+          <a:p>
+            <a:r>
+              <a:rPr lang="en-US" u="sng" dirty="0" smtClean="0"/>
+              <a:t>Variables Declaration </a:t>
+            </a:r>
+            <a:endParaRPr lang="en-US" u="sng" dirty="0"/>
+          </a:p>
+        </p:txBody>
+      </p:sp>
+      <p:sp>
+        <p:nvSpPr>
+          <p:cNvPr id="3" name="Content Placeholder 2"/>
+          <p:cNvSpPr>
+            <a:spLocks noGrp="1"/>
+          </p:cNvSpPr>
+          <p:nvPr>
+            <p:ph idx="1"/>
+          </p:nvPr>
+        </p:nvSpPr>
+        <p:spPr>
+          <a:xfrm>
+            <a:off x="1103312" y="1802674"/>
+            <a:ext cx="8946541" cy="4445725"/>
+          </a:xfrm>
+        </p:spPr>
+        <p:txBody>
+          <a:bodyPr/>
+          <a:lstStyle/>
+          <a:p>
+            <a:r>
+              <a:rPr lang="en-US" i="1" dirty="0"/>
+              <a:t>`</a:t>
+            </a:r>
+            <a:r>
+              <a:rPr lang="en-US" i="1" dirty="0" err="1"/>
+              <a:t>const</a:t>
+            </a:r>
+            <a:r>
+              <a:rPr lang="en-US" i="1" dirty="0"/>
+              <a:t>`</a:t>
+            </a:r>
+            <a:r>
+              <a:rPr lang="en-US" dirty="0"/>
+              <a:t> </a:t>
+            </a:r>
+            <a:r>
+              <a:rPr lang="en-US" dirty="0" smtClean="0"/>
+              <a:t>indicates </a:t>
+            </a:r>
+            <a:r>
+              <a:rPr lang="en-US" dirty="0"/>
+              <a:t>that the identifier won’t be reassigned</a:t>
+            </a:r>
+            <a:r>
+              <a:rPr lang="en-US" dirty="0" smtClean="0"/>
+              <a:t>.</a:t>
+            </a:r>
+          </a:p>
+          <a:p>
+            <a:pPr marL="0" indent="0">
+              <a:buNone/>
+            </a:pPr>
+            <a:r>
+              <a:rPr lang="en-US" dirty="0" err="1"/>
+              <a:t>const</a:t>
+            </a:r>
+            <a:r>
+              <a:rPr lang="en-US" dirty="0"/>
+              <a:t> x = 2;</a:t>
+            </a:r>
+          </a:p>
+          <a:p>
+            <a:r>
+              <a:rPr lang="en-US" i="1" dirty="0"/>
+              <a:t>`let`,</a:t>
+            </a:r>
+            <a:r>
+              <a:rPr lang="en-US" dirty="0"/>
+              <a:t> </a:t>
+            </a:r>
+            <a:r>
+              <a:rPr lang="en-US" dirty="0" smtClean="0"/>
+              <a:t>indicates that</a:t>
+            </a:r>
+            <a:r>
+              <a:rPr lang="en-US" dirty="0"/>
+              <a:t> the variable may be reassigned, such as a counter in a loop, or a value swap in an algorithm. It also signals that the variable will be used only in the block it’s defined in, which is not always the entire containing function</a:t>
+            </a:r>
+            <a:r>
+              <a:rPr lang="en-US" dirty="0" smtClean="0"/>
+              <a:t>.</a:t>
+            </a:r>
+          </a:p>
+          <a:p>
+            <a:pPr marL="0" indent="0">
+              <a:buNone/>
+            </a:pPr>
+            <a:r>
+              <a:rPr lang="en-US" dirty="0"/>
+              <a:t>let greeting = "say Hi</a:t>
+            </a:r>
+            <a:r>
+              <a:rPr lang="en-US" dirty="0" smtClean="0"/>
+              <a:t>";</a:t>
+            </a:r>
+          </a:p>
+          <a:p>
+            <a:pPr marL="0" indent="0">
+              <a:buNone/>
+            </a:pPr>
+            <a:r>
+              <a:rPr lang="en-US" i="1" dirty="0" smtClean="0"/>
+              <a:t>    `</a:t>
+            </a:r>
+            <a:r>
+              <a:rPr lang="en-US" i="1" dirty="0" err="1"/>
+              <a:t>var</a:t>
+            </a:r>
+            <a:r>
+              <a:rPr lang="en-US" i="1" dirty="0"/>
+              <a:t>`</a:t>
+            </a:r>
+            <a:r>
+              <a:rPr lang="en-US" dirty="0"/>
+              <a:t> </a:t>
+            </a:r>
+            <a:r>
+              <a:rPr lang="en-US" dirty="0" smtClean="0"/>
+              <a:t>indicates</a:t>
+            </a:r>
+            <a:r>
+              <a:rPr lang="en-US" dirty="0"/>
+              <a:t> the weakest signal available when you define a </a:t>
+            </a:r>
+            <a:r>
+              <a:rPr lang="en-US" dirty="0" smtClean="0"/>
+              <a:t>                  variable </a:t>
+            </a:r>
+            <a:r>
+              <a:rPr lang="en-US" dirty="0"/>
+              <a:t>in JavaScript. The variable may or may not be reassigned, and  </a:t>
+            </a:r>
+            <a:r>
+              <a:rPr lang="en-US" dirty="0" smtClean="0"/>
+              <a:t> </a:t>
+            </a:r>
+            <a:r>
+              <a:rPr lang="en-US" dirty="0"/>
+              <a:t>variable may or may not be used for an entire function, or just for the purpose of a block or loop</a:t>
+            </a:r>
+            <a:r>
+              <a:rPr lang="en-US" dirty="0" smtClean="0"/>
+              <a:t>.</a:t>
+            </a:r>
+          </a:p>
+          <a:p>
+            <a:r>
+              <a:rPr lang="en-US" dirty="0" err="1" smtClean="0"/>
+              <a:t>var</a:t>
+            </a:r>
+            <a:r>
+              <a:rPr lang="en-US" dirty="0"/>
+              <a:t> x = 2;</a:t>
+            </a:r>
+          </a:p>
+        </p:txBody>
+      </p:sp>
+    </p:spTree>
+    <p:extLst>
+      <p:ext uri="{BB962C8B-B14F-4D97-AF65-F5344CB8AC3E}">
+        <p14:creationId xmlns:p14="http://schemas.microsoft.com/office/powerpoint/2010/main" val="833056401"/>
+      </p:ext>
+    </p:extLst>
+  </p:cSld>
+  <p:clrMapOvr>
+    <a:masterClrMapping/>
+  </p:clrMapOvr>
+  <p:timing>
+    <p:tnLst>
+      <p:par>
+        <p:cTn id="1" dur="indefinite" restart="never" nodeType="tmRoot">
+          <p:childTnLst>
+            <p:seq concurrent="1" nextAc="seek">
+              <p:cTn id="2" dur="indefinite" nodeType="mainSeq">
+                <p:childTnLst>
+                  <p:par>
+                    <p:cTn id="3" fill="hold">
+                      <p:stCondLst>
+                        <p:cond delay="indefinite"/>
+                      </p:stCondLst>
+                      <p:childTnLst>
+                        <p:par>
+                          <p:cTn id="4" fill="hold">
+                            <p:stCondLst>
+                              <p:cond delay="0"/>
+                            </p:stCondLst>
+                            <p:childTnLst>
+                              <p:par>
+                                <p:cTn id="5" presetID="2" presetClass="entr" presetSubtype="4" fill="hold" grpId="0" nodeType="clickEffect">
+                                  <p:stCondLst>
+                                    <p:cond delay="0"/>
+                                  </p:stCondLst>
+                                  <p:childTnLst>
+                                    <p:set>
+                                      <p:cBhvr>
+                                        <p:cTn id="6" dur="1" fill="hold">
+                                          <p:stCondLst>
+                                            <p:cond delay="0"/>
+                                          </p:stCondLst>
+                                        </p:cTn>
+                                        <p:tgtEl>
+                                          <p:spTgt spid="3">
+                                            <p:txEl>
+                                              <p:pRg st="0" end="0"/>
+                                            </p:txEl>
+                                          </p:spTgt>
+                                        </p:tgtEl>
+                                        <p:attrNameLst>
+                                          <p:attrName>style.visibility</p:attrName>
+                                        </p:attrNameLst>
+                                      </p:cBhvr>
+                                      <p:to>
+                                        <p:strVal val="visible"/>
+                                      </p:to>
+                                    </p:set>
+                                    <p:anim calcmode="lin" valueType="num">
+                                      <p:cBhvr additive="base">
+                                        <p:cTn id="7" dur="500" fill="hold"/>
+                                        <p:tgtEl>
+                                          <p:spTgt spid="3">
+                                            <p:txEl>
+                                              <p:pRg st="0" end="0"/>
+                                            </p:txEl>
+                                          </p:spTgt>
+                                        </p:tgtEl>
+                                        <p:attrNameLst>
+                                          <p:attrName>ppt_x</p:attrName>
+                                        </p:attrNameLst>
+                                      </p:cBhvr>
+                                      <p:tavLst>
+                                        <p:tav tm="0">
+                                          <p:val>
+                                            <p:strVal val="#ppt_x"/>
+                                          </p:val>
+                                        </p:tav>
+                                        <p:tav tm="100000">
+                                          <p:val>
+                                            <p:strVal val="#ppt_x"/>
+                                          </p:val>
+                                        </p:tav>
+                                      </p:tavLst>
+                                    </p:anim>
+                                    <p:anim calcmode="lin" valueType="num">
+                                      <p:cBhvr additive="base">
+                                        <p:cTn id="8" dur="500" fill="hold"/>
+                                        <p:tgtEl>
+                                          <p:spTgt spid="3">
+                                            <p:txEl>
+                                              <p:pRg st="0" end="0"/>
+                                            </p:txEl>
+                                          </p:spTgt>
+                                        </p:tgtEl>
+                                        <p:attrNameLst>
+                                          <p:attrName>ppt_y</p:attrName>
+                                        </p:attrNameLst>
+                                      </p:cBhvr>
+                                      <p:tavLst>
+                                        <p:tav tm="0">
+                                          <p:val>
+                                            <p:strVal val="1+#ppt_h/2"/>
+                                          </p:val>
+                                        </p:tav>
+                                        <p:tav tm="100000">
+                                          <p:val>
+                                            <p:strVal val="#ppt_y"/>
+                                          </p:val>
+                                        </p:tav>
+                                      </p:tavLst>
+                                    </p:anim>
+                                  </p:childTnLst>
+                                </p:cTn>
+                              </p:par>
+                            </p:childTnLst>
+                          </p:cTn>
+                        </p:par>
+                      </p:childTnLst>
+                    </p:cTn>
+                  </p:par>
+                  <p:par>
+                    <p:cTn id="9" fill="hold">
+                      <p:stCondLst>
+                        <p:cond delay="indefinite"/>
+                      </p:stCondLst>
+                      <p:childTnLst>
+                        <p:par>
+                          <p:cTn id="10" fill="hold">
+                            <p:stCondLst>
+                              <p:cond delay="0"/>
+                            </p:stCondLst>
+                            <p:childTnLst>
+                              <p:par>
+                                <p:cTn id="11" presetID="2" presetClass="entr" presetSubtype="4" fill="hold" grpId="0" nodeType="clickEffect">
+                                  <p:stCondLst>
+                                    <p:cond delay="0"/>
+                                  </p:stCondLst>
+                                  <p:childTnLst>
+                                    <p:set>
+                                      <p:cBhvr>
+                                        <p:cTn id="12" dur="1" fill="hold">
+                                          <p:stCondLst>
+                                            <p:cond delay="0"/>
+                                          </p:stCondLst>
+                                        </p:cTn>
+                                        <p:tgtEl>
+                                          <p:spTgt spid="3">
+                                            <p:txEl>
+                                              <p:pRg st="1" end="1"/>
+                                            </p:txEl>
+                                          </p:spTgt>
+                                        </p:tgtEl>
+                                        <p:attrNameLst>
+                                          <p:attrName>style.visibility</p:attrName>
+                                        </p:attrNameLst>
+                                      </p:cBhvr>
+                                      <p:to>
+                                        <p:strVal val="visible"/>
+                                      </p:to>
+                                    </p:set>
+                                    <p:anim calcmode="lin" valueType="num">
+                                      <p:cBhvr additive="base">
+                                        <p:cTn id="13" dur="500" fill="hold"/>
+                                        <p:tgtEl>
+                                          <p:spTgt spid="3">
+                                            <p:txEl>
+                                              <p:pRg st="1" end="1"/>
+                                            </p:txEl>
+                                          </p:spTgt>
+                                        </p:tgtEl>
+                                        <p:attrNameLst>
+                                          <p:attrName>ppt_x</p:attrName>
+                                        </p:attrNameLst>
+                                      </p:cBhvr>
+                                      <p:tavLst>
+                                        <p:tav tm="0">
+                                          <p:val>
+                                            <p:strVal val="#ppt_x"/>
+                                          </p:val>
+                                        </p:tav>
+                                        <p:tav tm="100000">
+                                          <p:val>
+                                            <p:strVal val="#ppt_x"/>
+                                          </p:val>
+                                        </p:tav>
+                                      </p:tavLst>
+                                    </p:anim>
+                                    <p:anim calcmode="lin" valueType="num">
+                                      <p:cBhvr additive="base">
+                                        <p:cTn id="14" dur="500" fill="hold"/>
+                                        <p:tgtEl>
+                                          <p:spTgt spid="3">
+                                            <p:txEl>
+                                              <p:pRg st="1" end="1"/>
+                                            </p:txEl>
+                                          </p:spTgt>
+                                        </p:tgtEl>
+                                        <p:attrNameLst>
+                                          <p:attrName>ppt_y</p:attrName>
+                                        </p:attrNameLst>
+                                      </p:cBhvr>
+                                      <p:tavLst>
+                                        <p:tav tm="0">
+                                          <p:val>
+                                            <p:strVal val="1+#ppt_h/2"/>
+                                          </p:val>
+                                        </p:tav>
+                                        <p:tav tm="100000">
+                                          <p:val>
+                                            <p:strVal val="#ppt_y"/>
+                                          </p:val>
+                                        </p:tav>
+                                      </p:tavLst>
+                                    </p:anim>
+                                  </p:childTnLst>
+                                </p:cTn>
+                              </p:par>
+                            </p:childTnLst>
+                          </p:cTn>
+                        </p:par>
+                      </p:childTnLst>
+                    </p:cTn>
+                  </p:par>
+                  <p:par>
+                    <p:cTn id="15" fill="hold">
+                      <p:stCondLst>
+                        <p:cond delay="indefinite"/>
+                      </p:stCondLst>
+                      <p:childTnLst>
+                        <p:par>
+                          <p:cTn id="16" fill="hold">
+                            <p:stCondLst>
+                              <p:cond delay="0"/>
+                            </p:stCondLst>
+                            <p:childTnLst>
+                              <p:par>
+                                <p:cTn id="17" presetID="2" presetClass="entr" presetSubtype="4" fill="hold" grpId="0" nodeType="clickEffect">
+                                  <p:stCondLst>
+                                    <p:cond delay="0"/>
+                                  </p:stCondLst>
+                                  <p:childTnLst>
+                                    <p:set>
+                                      <p:cBhvr>
+                                        <p:cTn id="18" dur="1" fill="hold">
+                                          <p:stCondLst>
+                                            <p:cond delay="0"/>
+                                          </p:stCondLst>
+                                        </p:cTn>
+                                        <p:tgtEl>
+                                          <p:spTgt spid="3">
+                                            <p:txEl>
+                                              <p:pRg st="2" end="2"/>
+                                            </p:txEl>
+                                          </p:spTgt>
+                                        </p:tgtEl>
+                                        <p:attrNameLst>
+                                          <p:attrName>style.visibility</p:attrName>
+                                        </p:attrNameLst>
+                                      </p:cBhvr>
+                                      <p:to>
+                                        <p:strVal val="visible"/>
+                                      </p:to>
+                                    </p:set>
+                                    <p:anim calcmode="lin" valueType="num">
+                                      <p:cBhvr additive="base">
+                                        <p:cTn id="19" dur="500" fill="hold"/>
+                                        <p:tgtEl>
+                                          <p:spTgt spid="3">
+                                            <p:txEl>
+                                              <p:pRg st="2" end="2"/>
+                                            </p:txEl>
+                                          </p:spTgt>
+                                        </p:tgtEl>
+                                        <p:attrNameLst>
+                                          <p:attrName>ppt_x</p:attrName>
+                                        </p:attrNameLst>
+                                      </p:cBhvr>
+                                      <p:tavLst>
+                                        <p:tav tm="0">
+                                          <p:val>
+                                            <p:strVal val="#ppt_x"/>
+                                          </p:val>
+                                        </p:tav>
+                                        <p:tav tm="100000">
+                                          <p:val>
+                                            <p:strVal val="#ppt_x"/>
+                                          </p:val>
+                                        </p:tav>
+                                      </p:tavLst>
+                                    </p:anim>
+                                    <p:anim calcmode="lin" valueType="num">
+                                      <p:cBhvr additive="base">
+                                        <p:cTn id="20" dur="500" fill="hold"/>
+                                        <p:tgtEl>
+                                          <p:spTgt spid="3">
+                                            <p:txEl>
+                                              <p:pRg st="2" end="2"/>
+                                            </p:txEl>
+                                          </p:spTgt>
+                                        </p:tgtEl>
+                                        <p:attrNameLst>
+                                          <p:attrName>ppt_y</p:attrName>
+                                        </p:attrNameLst>
+                                      </p:cBhvr>
+                                      <p:tavLst>
+                                        <p:tav tm="0">
+                                          <p:val>
+                                            <p:strVal val="1+#ppt_h/2"/>
+                                          </p:val>
+                                        </p:tav>
+                                        <p:tav tm="100000">
+                                          <p:val>
+                                            <p:strVal val="#ppt_y"/>
+                                          </p:val>
+                                        </p:tav>
+                                      </p:tavLst>
+                                    </p:anim>
+                                  </p:childTnLst>
+                                </p:cTn>
+                              </p:par>
+                            </p:childTnLst>
+                          </p:cTn>
+                        </p:par>
+                      </p:childTnLst>
+                    </p:cTn>
+                  </p:par>
+                  <p:par>
+                    <p:cTn id="21" fill="hold">
+                      <p:stCondLst>
+                        <p:cond delay="indefinite"/>
+                      </p:stCondLst>
+                      <p:childTnLst>
+                        <p:par>
+                          <p:cTn id="22" fill="hold">
+                            <p:stCondLst>
+                              <p:cond delay="0"/>
+                            </p:stCondLst>
+                            <p:childTnLst>
+                              <p:par>
+                                <p:cTn id="23" presetID="2" presetClass="entr" presetSubtype="4" fill="hold" grpId="0" nodeType="clickEffect">
+                                  <p:stCondLst>
+                                    <p:cond delay="0"/>
+                                  </p:stCondLst>
+                                  <p:childTnLst>
+                                    <p:set>
+                                      <p:cBhvr>
+                                        <p:cTn id="24" dur="1" fill="hold">
+                                          <p:stCondLst>
+                                            <p:cond delay="0"/>
+                                          </p:stCondLst>
+                                        </p:cTn>
+                                        <p:tgtEl>
+                                          <p:spTgt spid="3">
+                                            <p:txEl>
+                                              <p:pRg st="3" end="3"/>
+                                            </p:txEl>
+                                          </p:spTgt>
+                                        </p:tgtEl>
+                                        <p:attrNameLst>
+                                          <p:attrName>style.visibility</p:attrName>
+                                        </p:attrNameLst>
+                                      </p:cBhvr>
+                                      <p:to>
+                                        <p:strVal val="visible"/>
+                                      </p:to>
+                                    </p:set>
+                                    <p:anim calcmode="lin" valueType="num">
+                                      <p:cBhvr additive="base">
+                                        <p:cTn id="25" dur="500" fill="hold"/>
+                                        <p:tgtEl>
+                                          <p:spTgt spid="3">
+                                            <p:txEl>
+                                              <p:pRg st="3" end="3"/>
+                                            </p:txEl>
+                                          </p:spTgt>
+                                        </p:tgtEl>
+                                        <p:attrNameLst>
+                                          <p:attrName>ppt_x</p:attrName>
+                                        </p:attrNameLst>
+                                      </p:cBhvr>
+                                      <p:tavLst>
+                                        <p:tav tm="0">
+                                          <p:val>
+                                            <p:strVal val="#ppt_x"/>
+                                          </p:val>
+                                        </p:tav>
+                                        <p:tav tm="100000">
+                                          <p:val>
+                                            <p:strVal val="#ppt_x"/>
+                                          </p:val>
+                                        </p:tav>
+                                      </p:tavLst>
+                                    </p:anim>
+                                    <p:anim calcmode="lin" valueType="num">
+                                      <p:cBhvr additive="base">
+                                        <p:cTn id="26" dur="500" fill="hold"/>
+                                        <p:tgtEl>
+                                          <p:spTgt spid="3">
+                                            <p:txEl>
+                                              <p:pRg st="3" end="3"/>
+                                            </p:txEl>
+                                          </p:spTgt>
+                                        </p:tgtEl>
+                                        <p:attrNameLst>
+                                          <p:attrName>ppt_y</p:attrName>
+                                        </p:attrNameLst>
+                                      </p:cBhvr>
+                                      <p:tavLst>
+                                        <p:tav tm="0">
+                                          <p:val>
+                                            <p:strVal val="1+#ppt_h/2"/>
+                                          </p:val>
+                                        </p:tav>
+                                        <p:tav tm="100000">
+                                          <p:val>
+                                            <p:strVal val="#ppt_y"/>
+                                          </p:val>
+                                        </p:tav>
+                                      </p:tavLst>
+                                    </p:anim>
+                                  </p:childTnLst>
+                                </p:cTn>
+                              </p:par>
+                            </p:childTnLst>
+                          </p:cTn>
+                        </p:par>
+                      </p:childTnLst>
+                    </p:cTn>
+                  </p:par>
+                  <p:par>
+                    <p:cTn id="27" fill="hold">
+                      <p:stCondLst>
+                        <p:cond delay="indefinite"/>
+                      </p:stCondLst>
+                      <p:childTnLst>
+                        <p:par>
+                          <p:cTn id="28" fill="hold">
+                            <p:stCondLst>
+                              <p:cond delay="0"/>
+                            </p:stCondLst>
+                            <p:childTnLst>
+                              <p:par>
+                                <p:cTn id="29" presetID="2" presetClass="entr" presetSubtype="4" fill="hold" grpId="0" nodeType="clickEffect">
+                                  <p:stCondLst>
+                                    <p:cond delay="0"/>
+                                  </p:stCondLst>
+                                  <p:childTnLst>
+                                    <p:set>
+                                      <p:cBhvr>
+                                        <p:cTn id="30" dur="1" fill="hold">
+                                          <p:stCondLst>
+                                            <p:cond delay="0"/>
+                                          </p:stCondLst>
+                                        </p:cTn>
+                                        <p:tgtEl>
+                                          <p:spTgt spid="3">
+                                            <p:txEl>
+                                              <p:pRg st="4" end="4"/>
+                                            </p:txEl>
+                                          </p:spTgt>
+                                        </p:tgtEl>
+                                        <p:attrNameLst>
+                                          <p:attrName>style.visibility</p:attrName>
+                                        </p:attrNameLst>
+                                      </p:cBhvr>
+                                      <p:to>
+                                        <p:strVal val="visible"/>
+                                      </p:to>
+                                    </p:set>
+                                    <p:anim calcmode="lin" valueType="num">
+                                      <p:cBhvr additive="base">
+                                        <p:cTn id="31" dur="500" fill="hold"/>
+                                        <p:tgtEl>
+                                          <p:spTgt spid="3">
+                                            <p:txEl>
+                                              <p:pRg st="4" end="4"/>
+                                            </p:txEl>
+                                          </p:spTgt>
+                                        </p:tgtEl>
+                                        <p:attrNameLst>
+                                          <p:attrName>ppt_x</p:attrName>
+                                        </p:attrNameLst>
+                                      </p:cBhvr>
+                                      <p:tavLst>
+                                        <p:tav tm="0">
+                                          <p:val>
+                                            <p:strVal val="#ppt_x"/>
+                                          </p:val>
+                                        </p:tav>
+                                        <p:tav tm="100000">
+                                          <p:val>
+                                            <p:strVal val="#ppt_x"/>
+                                          </p:val>
+                                        </p:tav>
+                                      </p:tavLst>
+                                    </p:anim>
+                                    <p:anim calcmode="lin" valueType="num">
+                                      <p:cBhvr additive="base">
+                                        <p:cTn id="32" dur="500" fill="hold"/>
+                                        <p:tgtEl>
+                                          <p:spTgt spid="3">
+                                            <p:txEl>
+                                              <p:pRg st="4" end="4"/>
+                                            </p:txEl>
+                                          </p:spTgt>
+                                        </p:tgtEl>
+                                        <p:attrNameLst>
+                                          <p:attrName>ppt_y</p:attrName>
+                                        </p:attrNameLst>
+                                      </p:cBhvr>
+                                      <p:tavLst>
+                                        <p:tav tm="0">
+                                          <p:val>
+                                            <p:strVal val="1+#ppt_h/2"/>
+                                          </p:val>
+                                        </p:tav>
+                                        <p:tav tm="100000">
+                                          <p:val>
+                                            <p:strVal val="#ppt_y"/>
+                                          </p:val>
+                                        </p:tav>
+                                      </p:tavLst>
+                                    </p:anim>
+                                  </p:childTnLst>
+                                </p:cTn>
+                              </p:par>
+                            </p:childTnLst>
+                          </p:cTn>
+                        </p:par>
+                      </p:childTnLst>
+                    </p:cTn>
+                  </p:par>
+                  <p:par>
+                    <p:cTn id="33" fill="hold">
+                      <p:stCondLst>
+                        <p:cond delay="indefinite"/>
+                      </p:stCondLst>
+                      <p:childTnLst>
+                        <p:par>
+                          <p:cTn id="34" fill="hold">
+                            <p:stCondLst>
+                              <p:cond delay="0"/>
+                            </p:stCondLst>
+                            <p:childTnLst>
+                              <p:par>
+                                <p:cTn id="35" presetID="2" presetClass="entr" presetSubtype="4" fill="hold" grpId="0" nodeType="clickEffect">
+                                  <p:stCondLst>
+                                    <p:cond delay="0"/>
+                                  </p:stCondLst>
+                                  <p:childTnLst>
+                                    <p:set>
+                                      <p:cBhvr>
+                                        <p:cTn id="36" dur="1" fill="hold">
+                                          <p:stCondLst>
+                                            <p:cond delay="0"/>
+                                          </p:stCondLst>
+                                        </p:cTn>
+                                        <p:tgtEl>
+                                          <p:spTgt spid="3">
+                                            <p:txEl>
+                                              <p:pRg st="5" end="5"/>
+                                            </p:txEl>
+                                          </p:spTgt>
+                                        </p:tgtEl>
+                                        <p:attrNameLst>
+                                          <p:attrName>style.visibility</p:attrName>
+                                        </p:attrNameLst>
+                                      </p:cBhvr>
+                                      <p:to>
+                                        <p:strVal val="visible"/>
+                                      </p:to>
+                                    </p:set>
+                                    <p:anim calcmode="lin" valueType="num">
+                                      <p:cBhvr additive="base">
+                                        <p:cTn id="37" dur="500" fill="hold"/>
+                                        <p:tgtEl>
+                                          <p:spTgt spid="3">
+                                            <p:txEl>
+                                              <p:pRg st="5" end="5"/>
+                                            </p:txEl>
+                                          </p:spTgt>
+                                        </p:tgtEl>
+                                        <p:attrNameLst>
+                                          <p:attrName>ppt_x</p:attrName>
+                                        </p:attrNameLst>
+                                      </p:cBhvr>
+                                      <p:tavLst>
+                                        <p:tav tm="0">
+                                          <p:val>
+                                            <p:strVal val="#ppt_x"/>
+                                          </p:val>
+                                        </p:tav>
+                                        <p:tav tm="100000">
+                                          <p:val>
+                                            <p:strVal val="#ppt_x"/>
+                                          </p:val>
+                                        </p:tav>
+                                      </p:tavLst>
+                                    </p:anim>
+                                    <p:anim calcmode="lin" valueType="num">
+                                      <p:cBhvr additive="base">
+                                        <p:cTn id="38" dur="500" fill="hold"/>
+                                        <p:tgtEl>
+                                          <p:spTgt spid="3">
+                                            <p:txEl>
+                                              <p:pRg st="5" end="5"/>
+                                            </p:txEl>
+                                          </p:spTgt>
+                                        </p:tgtEl>
+                                        <p:attrNameLst>
+                                          <p:attrName>ppt_y</p:attrName>
+                                        </p:attrNameLst>
+                                      </p:cBhvr>
+                                      <p:tavLst>
+                                        <p:tav tm="0">
+                                          <p:val>
+                                            <p:strVal val="1+#ppt_h/2"/>
+                                          </p:val>
+                                        </p:tav>
+                                        <p:tav tm="100000">
+                                          <p:val>
+                                            <p:strVal val="#ppt_y"/>
+                                          </p:val>
+                                        </p:tav>
+                                      </p:tavLst>
+                                    </p:anim>
+                                  </p:childTnLst>
+                                </p:cTn>
+                              </p:par>
+                            </p:childTnLst>
+                          </p:cTn>
+                        </p:par>
+                      </p:childTnLst>
+                    </p:cTn>
+                  </p:par>
+                </p:childTnLst>
+              </p:cTn>
+              <p:prevCondLst>
+                <p:cond evt="onPrev" delay="0">
+                  <p:tgtEl>
+                    <p:sldTgt/>
+                  </p:tgtEl>
+                </p:cond>
+              </p:prevCondLst>
+              <p:nextCondLst>
+                <p:cond evt="onNext" delay="0">
+                  <p:tgtEl>
+                    <p:sldTgt/>
+                  </p:tgtEl>
+                </p:cond>
+              </p:nextCondLst>
+            </p:seq>
+          </p:childTnLst>
+        </p:cTn>
+      </p:par>
+    </p:tnLst>
+    <p:bldLst>
+      <p:bldP spid="3" grpId="0" build="p"/>
+    </p:bldLst>
+  </p:timing>
+</p:sld>
+</file>
+
 <file path=ppt/slides/slide9.xml><?xml version="1.0" encoding="utf-8"?>
 <p:sld xmlns:a="http://schemas.openxmlformats.org/drawingml/2006/main" xmlns:r="http://schemas.openxmlformats.org/officeDocument/2006/relationships" xmlns:p="http://schemas.openxmlformats.org/presentationml/2006/main">
   <p:cSld>
@@ -15561,7 +17668,7 @@
           <a:p>
             <a:r>
               <a:rPr lang="en-US" u="sng" dirty="0" smtClean="0"/>
-              <a:t>Example </a:t>
+              <a:t>Operators </a:t>
             </a:r>
             <a:endParaRPr lang="en-US" u="sng" dirty="0"/>
           </a:p>
@@ -15579,281 +17686,118 @@
         </p:nvSpPr>
         <p:spPr>
           <a:xfrm>
-            <a:off x="1371600" y="1881051"/>
-            <a:ext cx="9601200" cy="4454435"/>
+            <a:off x="1371600" y="1685109"/>
+            <a:ext cx="9601200" cy="4182291"/>
           </a:xfrm>
         </p:spPr>
         <p:txBody>
           <a:bodyPr>
-            <a:normAutofit fontScale="32500" lnSpcReduction="20000"/>
+            <a:normAutofit fontScale="85000" lnSpcReduction="20000"/>
           </a:bodyPr>
           <a:lstStyle/>
           <a:p>
+            <a:r>
+              <a:rPr lang="en-US" dirty="0"/>
+              <a:t>Arithmetic Operators</a:t>
+            </a:r>
+          </a:p>
+          <a:p>
+            <a:r>
+              <a:rPr lang="en-US" dirty="0"/>
+              <a:t>Comparison Operators</a:t>
+            </a:r>
+          </a:p>
+          <a:p>
+            <a:r>
+              <a:rPr lang="en-US" dirty="0"/>
+              <a:t>Logical (or Relational) Operators</a:t>
+            </a:r>
+          </a:p>
+          <a:p>
+            <a:r>
+              <a:rPr lang="en-US" dirty="0"/>
+              <a:t>Assignment Operators</a:t>
+            </a:r>
+          </a:p>
+          <a:p>
+            <a:r>
+              <a:rPr lang="en-US" dirty="0"/>
+              <a:t>Conditional (or ternary) </a:t>
+            </a:r>
+            <a:r>
+              <a:rPr lang="en-US" dirty="0" smtClean="0"/>
+              <a:t>Operators</a:t>
+            </a:r>
+          </a:p>
+          <a:p>
             <a:pPr marL="0" indent="0">
               <a:buNone/>
             </a:pPr>
-            <a:r>
-              <a:rPr lang="en-US" sz="4800" dirty="0" smtClean="0"/>
-              <a:t>     &lt;</a:t>
-            </a:r>
-            <a:r>
-              <a:rPr lang="en-US" sz="4800" dirty="0"/>
-              <a:t>html</a:t>
-            </a:r>
-            <a:r>
-              <a:rPr lang="en-US" sz="4800" dirty="0" smtClean="0"/>
-              <a:t>&gt;</a:t>
-            </a:r>
+            <a:endParaRPr lang="en-US" dirty="0" smtClean="0"/>
           </a:p>
           <a:p>
             <a:pPr marL="0" indent="0">
               <a:buNone/>
             </a:pPr>
             <a:r>
-              <a:rPr lang="en-US" sz="4800" dirty="0" smtClean="0"/>
-              <a:t>    &lt;</a:t>
-            </a:r>
-            <a:r>
-              <a:rPr lang="en-US" sz="4800" dirty="0"/>
-              <a:t>body&gt;   </a:t>
-            </a:r>
-            <a:r>
-              <a:rPr lang="en-US" sz="4800" dirty="0" smtClean="0"/>
-              <a:t>    </a:t>
+              <a:rPr lang="en-US" sz="4700" dirty="0" smtClean="0">
+                <a:latin typeface="Calibri" panose="020F0502020204030204" pitchFamily="34" charset="0"/>
+                <a:cs typeface="Calibri" panose="020F0502020204030204" pitchFamily="34" charset="0"/>
+              </a:rPr>
+              <a:t>Control Structures and Loops</a:t>
+            </a:r>
+          </a:p>
+          <a:p>
+            <a:r>
+              <a:rPr lang="en-US" sz="2600" dirty="0" smtClean="0">
+                <a:latin typeface="Calibri" panose="020F0502020204030204" pitchFamily="34" charset="0"/>
+                <a:cs typeface="Calibri" panose="020F0502020204030204" pitchFamily="34" charset="0"/>
+              </a:rPr>
+              <a:t>If else</a:t>
+            </a:r>
+          </a:p>
+          <a:p>
+            <a:r>
+              <a:rPr lang="en-US" dirty="0" smtClean="0"/>
+              <a:t>Switch</a:t>
+            </a:r>
+          </a:p>
+          <a:p>
+            <a:r>
+              <a:rPr lang="en-US" dirty="0" smtClean="0"/>
+              <a:t>While loop</a:t>
+            </a:r>
+          </a:p>
+          <a:p>
+            <a:r>
+              <a:rPr lang="en-US" dirty="0" smtClean="0"/>
+              <a:t>For loop</a:t>
             </a:r>
           </a:p>
           <a:p>
             <a:pPr marL="0" indent="0">
               <a:buNone/>
             </a:pPr>
-            <a:r>
-              <a:rPr lang="en-US" sz="4800" dirty="0" smtClean="0"/>
-              <a:t>     &lt;</a:t>
-            </a:r>
-            <a:r>
-              <a:rPr lang="en-US" sz="4800" dirty="0"/>
-              <a:t>script type = "</a:t>
-            </a:r>
-            <a:r>
-              <a:rPr lang="en-US" sz="4800" dirty="0" smtClean="0"/>
-              <a:t>text/</a:t>
-            </a:r>
-            <a:r>
-              <a:rPr lang="en-US" sz="4800" dirty="0" err="1" smtClean="0"/>
-              <a:t>javascript</a:t>
-            </a:r>
-            <a:r>
-              <a:rPr lang="en-US" sz="4800" dirty="0" smtClean="0"/>
-              <a:t>“/&gt;</a:t>
-            </a:r>
-            <a:endParaRPr lang="en-US" sz="4800" dirty="0" smtClean="0"/>
+            <a:endParaRPr lang="en-US" dirty="0" smtClean="0"/>
           </a:p>
           <a:p>
             <a:pPr marL="0" indent="0">
               <a:buNone/>
             </a:pPr>
-            <a:r>
-              <a:rPr lang="en-US" sz="4800" dirty="0" smtClean="0"/>
-              <a:t>      </a:t>
-            </a:r>
-            <a:r>
-              <a:rPr lang="en-US" sz="4800" dirty="0" err="1"/>
-              <a:t>var</a:t>
-            </a:r>
-            <a:r>
-              <a:rPr lang="en-US" sz="4800" dirty="0"/>
-              <a:t> a = 33</a:t>
-            </a:r>
-            <a:r>
-              <a:rPr lang="en-US" sz="4800" dirty="0" smtClean="0"/>
-              <a:t>; </a:t>
-            </a:r>
-            <a:r>
-              <a:rPr lang="en-US" sz="4800" dirty="0" err="1"/>
-              <a:t>var</a:t>
-            </a:r>
-            <a:r>
-              <a:rPr lang="en-US" sz="4800" dirty="0"/>
-              <a:t> b = </a:t>
-            </a:r>
-            <a:r>
-              <a:rPr lang="en-US" sz="4800" dirty="0" smtClean="0"/>
-              <a:t>10</a:t>
-            </a:r>
-            <a:r>
-              <a:rPr lang="en-US" sz="4800" dirty="0"/>
-              <a:t>;</a:t>
-            </a:r>
-            <a:r>
-              <a:rPr lang="en-US" sz="4800" dirty="0" smtClean="0"/>
-              <a:t>  </a:t>
-            </a:r>
-            <a:r>
-              <a:rPr lang="en-US" sz="4800" dirty="0" err="1"/>
-              <a:t>var</a:t>
-            </a:r>
-            <a:r>
-              <a:rPr lang="en-US" sz="4800" dirty="0"/>
-              <a:t> c = "Test";</a:t>
-            </a:r>
+            <a:endParaRPr lang="en-US" dirty="0" smtClean="0"/>
           </a:p>
           <a:p>
             <a:pPr marL="0" indent="0">
               <a:buNone/>
             </a:pPr>
-            <a:r>
-              <a:rPr lang="en-US" sz="4800" dirty="0" smtClean="0"/>
-              <a:t>      </a:t>
-            </a:r>
-            <a:r>
-              <a:rPr lang="en-US" sz="4800" dirty="0" err="1" smtClean="0"/>
-              <a:t>var</a:t>
-            </a:r>
-            <a:r>
-              <a:rPr lang="en-US" sz="4800" dirty="0" smtClean="0"/>
-              <a:t> </a:t>
-            </a:r>
-            <a:r>
-              <a:rPr lang="en-US" sz="4800" dirty="0" err="1"/>
-              <a:t>linebreak</a:t>
-            </a:r>
-            <a:r>
-              <a:rPr lang="en-US" sz="4800" dirty="0"/>
-              <a:t> = "&lt;</a:t>
-            </a:r>
-            <a:r>
-              <a:rPr lang="en-US" sz="4800" dirty="0" err="1"/>
-              <a:t>br</a:t>
-            </a:r>
-            <a:r>
-              <a:rPr lang="en-US" sz="4800" dirty="0"/>
-              <a:t> /&gt;";</a:t>
-            </a:r>
-          </a:p>
-          <a:p>
-            <a:pPr marL="0" indent="0">
-              <a:buNone/>
-            </a:pPr>
-            <a:r>
-              <a:rPr lang="en-US" sz="4800" dirty="0" smtClean="0"/>
-              <a:t>     </a:t>
-            </a:r>
-            <a:r>
-              <a:rPr lang="en-US" sz="4800" dirty="0" err="1" smtClean="0"/>
-              <a:t>document.write</a:t>
-            </a:r>
-            <a:r>
-              <a:rPr lang="en-US" sz="4800" dirty="0"/>
-              <a:t>("a + b = </a:t>
-            </a:r>
-            <a:r>
-              <a:rPr lang="en-US" sz="4800" dirty="0" smtClean="0"/>
-              <a:t>");</a:t>
-            </a:r>
-          </a:p>
-          <a:p>
-            <a:pPr marL="0" indent="0">
-              <a:buNone/>
-            </a:pPr>
-            <a:r>
-              <a:rPr lang="en-US" sz="4800" dirty="0"/>
-              <a:t> </a:t>
-            </a:r>
-            <a:r>
-              <a:rPr lang="en-US" sz="4800" dirty="0" smtClean="0"/>
-              <a:t>     </a:t>
-            </a:r>
-            <a:r>
-              <a:rPr lang="en-US" sz="4800" dirty="0"/>
-              <a:t>result = a + </a:t>
-            </a:r>
-            <a:r>
-              <a:rPr lang="en-US" sz="4800" dirty="0" smtClean="0"/>
-              <a:t>b;</a:t>
-            </a:r>
-          </a:p>
-          <a:p>
-            <a:pPr marL="0" indent="0">
-              <a:buNone/>
-            </a:pPr>
-            <a:r>
-              <a:rPr lang="en-US" sz="4800" dirty="0"/>
-              <a:t> </a:t>
-            </a:r>
-            <a:r>
-              <a:rPr lang="en-US" sz="4800" dirty="0" smtClean="0"/>
-              <a:t>     </a:t>
-            </a:r>
-            <a:r>
-              <a:rPr lang="en-US" sz="4800" dirty="0" err="1" smtClean="0"/>
-              <a:t>document.write</a:t>
-            </a:r>
-            <a:r>
-              <a:rPr lang="en-US" sz="4800" dirty="0" smtClean="0"/>
-              <a:t>(result);</a:t>
-            </a:r>
-          </a:p>
-          <a:p>
-            <a:pPr marL="0" indent="0">
-              <a:buNone/>
-            </a:pPr>
-            <a:r>
-              <a:rPr lang="en-US" sz="4800" dirty="0"/>
-              <a:t> </a:t>
-            </a:r>
-            <a:r>
-              <a:rPr lang="en-US" sz="4800" dirty="0" smtClean="0"/>
-              <a:t>     &lt;/</a:t>
-            </a:r>
-            <a:r>
-              <a:rPr lang="en-US" sz="4800" dirty="0"/>
-              <a:t>body&gt;</a:t>
-            </a:r>
-          </a:p>
-          <a:p>
-            <a:pPr marL="0" indent="0">
-              <a:buNone/>
-            </a:pPr>
-            <a:r>
-              <a:rPr lang="en-US" sz="4800" dirty="0" smtClean="0"/>
-              <a:t>      &lt;</a:t>
-            </a:r>
-            <a:r>
-              <a:rPr lang="en-US" sz="4800" dirty="0"/>
-              <a:t>html&gt;</a:t>
-            </a:r>
-          </a:p>
-          <a:p>
             <a:endParaRPr lang="en-US" dirty="0"/>
-          </a:p>
-          <a:p>
-            <a:endParaRPr lang="en-US" dirty="0"/>
-          </a:p>
-          <a:p>
-            <a:r>
-              <a:rPr lang="en-US" sz="4800" dirty="0"/>
-              <a:t>Output</a:t>
-            </a:r>
-          </a:p>
-          <a:p>
-            <a:pPr marL="0" indent="0">
-              <a:buNone/>
-            </a:pPr>
-            <a:r>
-              <a:rPr lang="en-US" sz="4800" dirty="0" smtClean="0"/>
-              <a:t>         a </a:t>
-            </a:r>
-            <a:r>
-              <a:rPr lang="en-US" sz="4800" dirty="0"/>
-              <a:t>+ b = 43</a:t>
-            </a:r>
           </a:p>
         </p:txBody>
       </p:sp>
     </p:spTree>
     <p:extLst>
       <p:ext uri="{BB962C8B-B14F-4D97-AF65-F5344CB8AC3E}">
-        <p14:creationId xmlns:p14="http://schemas.microsoft.com/office/powerpoint/2010/main" val="2017158376"/>
+        <p14:creationId xmlns:p14="http://schemas.microsoft.com/office/powerpoint/2010/main" val="4027862555"/>
       </p:ext>
     </p:extLst>
   </p:cSld>

--- a/docs/TestingQunit.pptx
+++ b/docs/TestingQunit.pptx
@@ -19,8 +19,8 @@
     <p:sldId id="265" r:id="rId13"/>
     <p:sldId id="266" r:id="rId14"/>
     <p:sldId id="268" r:id="rId15"/>
-    <p:sldId id="267" r:id="rId16"/>
-    <p:sldId id="271" r:id="rId17"/>
+    <p:sldId id="271" r:id="rId16"/>
+    <p:sldId id="267" r:id="rId17"/>
     <p:sldId id="273" r:id="rId18"/>
     <p:sldId id="269" r:id="rId19"/>
     <p:sldId id="274" r:id="rId20"/>
@@ -332,7 +332,7 @@
             <a:fld id="{87DE6118-2437-4B30-8E3C-4D2BE6020583}" type="datetimeFigureOut">
               <a:rPr lang="en-US" smtClean="0"/>
               <a:pPr/>
-              <a:t>2/12/2019</a:t>
+              <a:t>2/13/2019</a:t>
             </a:fld>
             <a:endParaRPr lang="en-US" dirty="0"/>
           </a:p>
@@ -609,7 +609,7 @@
             <a:fld id="{87DE6118-2437-4B30-8E3C-4D2BE6020583}" type="datetimeFigureOut">
               <a:rPr lang="en-US" smtClean="0"/>
               <a:pPr/>
-              <a:t>2/12/2019</a:t>
+              <a:t>2/13/2019</a:t>
             </a:fld>
             <a:endParaRPr lang="en-US" dirty="0"/>
           </a:p>
@@ -805,7 +805,7 @@
             <a:fld id="{87DE6118-2437-4B30-8E3C-4D2BE6020583}" type="datetimeFigureOut">
               <a:rPr lang="en-US" smtClean="0"/>
               <a:pPr/>
-              <a:t>2/12/2019</a:t>
+              <a:t>2/13/2019</a:t>
             </a:fld>
             <a:endParaRPr lang="en-US" dirty="0"/>
           </a:p>
@@ -1080,7 +1080,7 @@
             <a:fld id="{87DE6118-2437-4B30-8E3C-4D2BE6020583}" type="datetimeFigureOut">
               <a:rPr lang="en-US" smtClean="0"/>
               <a:pPr/>
-              <a:t>2/12/2019</a:t>
+              <a:t>2/13/2019</a:t>
             </a:fld>
             <a:endParaRPr lang="en-US" dirty="0"/>
           </a:p>
@@ -1423,7 +1423,7 @@
             <a:fld id="{87DE6118-2437-4B30-8E3C-4D2BE6020583}" type="datetimeFigureOut">
               <a:rPr lang="en-US" smtClean="0"/>
               <a:pPr/>
-              <a:t>2/12/2019</a:t>
+              <a:t>2/13/2019</a:t>
             </a:fld>
             <a:endParaRPr lang="en-US" dirty="0"/>
           </a:p>
@@ -2048,7 +2048,7 @@
             <a:fld id="{87DE6118-2437-4B30-8E3C-4D2BE6020583}" type="datetimeFigureOut">
               <a:rPr lang="en-US" smtClean="0"/>
               <a:pPr/>
-              <a:t>2/12/2019</a:t>
+              <a:t>2/13/2019</a:t>
             </a:fld>
             <a:endParaRPr lang="en-US" dirty="0"/>
           </a:p>
@@ -2910,7 +2910,7 @@
             <a:fld id="{87DE6118-2437-4B30-8E3C-4D2BE6020583}" type="datetimeFigureOut">
               <a:rPr lang="en-US" smtClean="0"/>
               <a:pPr/>
-              <a:t>2/12/2019</a:t>
+              <a:t>2/13/2019</a:t>
             </a:fld>
             <a:endParaRPr lang="en-US" dirty="0"/>
           </a:p>
@@ -3081,7 +3081,7 @@
           <a:p>
             <a:fld id="{87DE6118-2437-4B30-8E3C-4D2BE6020583}" type="datetimeFigureOut">
               <a:rPr lang="en-US" smtClean="0"/>
-              <a:t>2/12/2019</a:t>
+              <a:t>2/13/2019</a:t>
             </a:fld>
             <a:endParaRPr lang="en-US" dirty="0"/>
           </a:p>
@@ -3261,7 +3261,7 @@
           <a:p>
             <a:fld id="{87DE6118-2437-4B30-8E3C-4D2BE6020583}" type="datetimeFigureOut">
               <a:rPr lang="en-US" smtClean="0"/>
-              <a:t>2/12/2019</a:t>
+              <a:t>2/13/2019</a:t>
             </a:fld>
             <a:endParaRPr lang="en-US" dirty="0"/>
           </a:p>
@@ -3431,7 +3431,7 @@
           <a:p>
             <a:fld id="{87DE6118-2437-4B30-8E3C-4D2BE6020583}" type="datetimeFigureOut">
               <a:rPr lang="en-US" smtClean="0"/>
-              <a:t>2/12/2019</a:t>
+              <a:t>2/13/2019</a:t>
             </a:fld>
             <a:endParaRPr lang="en-US" dirty="0"/>
           </a:p>
@@ -3679,7 +3679,7 @@
             <a:fld id="{87DE6118-2437-4B30-8E3C-4D2BE6020583}" type="datetimeFigureOut">
               <a:rPr lang="en-US" smtClean="0"/>
               <a:pPr/>
-              <a:t>2/12/2019</a:t>
+              <a:t>2/13/2019</a:t>
             </a:fld>
             <a:endParaRPr lang="en-US" dirty="0"/>
           </a:p>
@@ -3972,7 +3972,7 @@
           <a:p>
             <a:fld id="{87DE6118-2437-4B30-8E3C-4D2BE6020583}" type="datetimeFigureOut">
               <a:rPr lang="en-US" smtClean="0"/>
-              <a:t>2/12/2019</a:t>
+              <a:t>2/13/2019</a:t>
             </a:fld>
             <a:endParaRPr lang="en-US" dirty="0"/>
           </a:p>
@@ -4416,7 +4416,7 @@
           <a:p>
             <a:fld id="{87DE6118-2437-4B30-8E3C-4D2BE6020583}" type="datetimeFigureOut">
               <a:rPr lang="en-US" smtClean="0"/>
-              <a:t>2/12/2019</a:t>
+              <a:t>2/13/2019</a:t>
             </a:fld>
             <a:endParaRPr lang="en-US" dirty="0"/>
           </a:p>
@@ -4534,7 +4534,7 @@
           <a:p>
             <a:fld id="{87DE6118-2437-4B30-8E3C-4D2BE6020583}" type="datetimeFigureOut">
               <a:rPr lang="en-US" smtClean="0"/>
-              <a:t>2/12/2019</a:t>
+              <a:t>2/13/2019</a:t>
             </a:fld>
             <a:endParaRPr lang="en-US" dirty="0"/>
           </a:p>
@@ -4629,7 +4629,7 @@
           <a:p>
             <a:fld id="{87DE6118-2437-4B30-8E3C-4D2BE6020583}" type="datetimeFigureOut">
               <a:rPr lang="en-US" smtClean="0"/>
-              <a:t>2/12/2019</a:t>
+              <a:t>2/13/2019</a:t>
             </a:fld>
             <a:endParaRPr lang="en-US" dirty="0"/>
           </a:p>
@@ -4909,7 +4909,7 @@
             <a:fld id="{87DE6118-2437-4B30-8E3C-4D2BE6020583}" type="datetimeFigureOut">
               <a:rPr lang="en-US" smtClean="0"/>
               <a:pPr/>
-              <a:t>2/12/2019</a:t>
+              <a:t>2/13/2019</a:t>
             </a:fld>
             <a:endParaRPr lang="en-US" dirty="0"/>
           </a:p>
@@ -5186,7 +5186,7 @@
             <a:fld id="{87DE6118-2437-4B30-8E3C-4D2BE6020583}" type="datetimeFigureOut">
               <a:rPr lang="en-US" smtClean="0"/>
               <a:pPr/>
-              <a:t>2/12/2019</a:t>
+              <a:t>2/13/2019</a:t>
             </a:fld>
             <a:endParaRPr lang="en-US" dirty="0"/>
           </a:p>
@@ -5617,7 +5617,7 @@
             <a:fld id="{87DE6118-2437-4B30-8E3C-4D2BE6020583}" type="datetimeFigureOut">
               <a:rPr lang="en-US" smtClean="0"/>
               <a:pPr/>
-              <a:t>2/12/2019</a:t>
+              <a:t>2/13/2019</a:t>
             </a:fld>
             <a:endParaRPr lang="en-US" dirty="0"/>
           </a:p>
@@ -6423,7 +6423,7 @@
         </p:spPr>
         <p:txBody>
           <a:bodyPr>
-            <a:normAutofit fontScale="32500" lnSpcReduction="20000"/>
+            <a:normAutofit fontScale="40000" lnSpcReduction="20000"/>
           </a:bodyPr>
           <a:lstStyle/>
           <a:p>
@@ -6531,8 +6531,13 @@
             </a:r>
             <a:r>
               <a:rPr lang="en-US" sz="4800" dirty="0"/>
-              <a:t> c = "Test";</a:t>
-            </a:r>
+              <a:t> </a:t>
+            </a:r>
+            <a:r>
+              <a:rPr lang="en-US" sz="4800" dirty="0" smtClean="0"/>
+              <a:t>c;</a:t>
+            </a:r>
+            <a:endParaRPr lang="en-US" sz="4800" dirty="0"/>
           </a:p>
           <a:p>
             <a:pPr marL="0" indent="0">
@@ -6540,69 +6545,44 @@
             </a:pPr>
             <a:r>
               <a:rPr lang="en-US" sz="4800" dirty="0" smtClean="0"/>
-              <a:t>      </a:t>
+              <a:t>     </a:t>
             </a:r>
             <a:r>
               <a:rPr lang="en-US" sz="4800" dirty="0" err="1" smtClean="0"/>
-              <a:t>var</a:t>
+              <a:t>document.write</a:t>
+            </a:r>
+            <a:r>
+              <a:rPr lang="en-US" sz="4800" dirty="0"/>
+              <a:t>("a + b = </a:t>
+            </a:r>
+            <a:r>
+              <a:rPr lang="en-US" sz="4800" dirty="0" smtClean="0"/>
+              <a:t>");</a:t>
+            </a:r>
+          </a:p>
+          <a:p>
+            <a:pPr marL="0" indent="0">
+              <a:buNone/>
+            </a:pPr>
+            <a:r>
+              <a:rPr lang="en-US" sz="4800" dirty="0"/>
+              <a:t> </a:t>
+            </a:r>
+            <a:r>
+              <a:rPr lang="en-US" sz="4800" dirty="0" smtClean="0"/>
+              <a:t>     </a:t>
+            </a:r>
+            <a:r>
+              <a:rPr lang="en-US" sz="4800" dirty="0"/>
+              <a:t>c</a:t>
             </a:r>
             <a:r>
               <a:rPr lang="en-US" sz="4800" dirty="0" smtClean="0"/>
               <a:t> </a:t>
             </a:r>
             <a:r>
-              <a:rPr lang="en-US" sz="4800" dirty="0" err="1"/>
-              <a:t>linebreak</a:t>
-            </a:r>
-            <a:r>
               <a:rPr lang="en-US" sz="4800" dirty="0"/>
-              <a:t> = "&lt;</a:t>
-            </a:r>
-            <a:r>
-              <a:rPr lang="en-US" sz="4800" dirty="0" err="1"/>
-              <a:t>br</a:t>
-            </a:r>
-            <a:r>
-              <a:rPr lang="en-US" sz="4800" dirty="0"/>
-              <a:t> /&gt;";</a:t>
-            </a:r>
-          </a:p>
-          <a:p>
-            <a:pPr marL="0" indent="0">
-              <a:buNone/>
-            </a:pPr>
-            <a:r>
-              <a:rPr lang="en-US" sz="4800" dirty="0" smtClean="0"/>
-              <a:t>     </a:t>
-            </a:r>
-            <a:r>
-              <a:rPr lang="en-US" sz="4800" dirty="0" err="1" smtClean="0"/>
-              <a:t>document.write</a:t>
-            </a:r>
-            <a:r>
-              <a:rPr lang="en-US" sz="4800" dirty="0"/>
-              <a:t>("a + b = </a:t>
-            </a:r>
-            <a:r>
-              <a:rPr lang="en-US" sz="4800" dirty="0" smtClean="0"/>
-              <a:t>");</a:t>
-            </a:r>
-          </a:p>
-          <a:p>
-            <a:pPr marL="0" indent="0">
-              <a:buNone/>
-            </a:pPr>
-            <a:r>
-              <a:rPr lang="en-US" sz="4800" dirty="0"/>
-              <a:t> </a:t>
-            </a:r>
-            <a:r>
-              <a:rPr lang="en-US" sz="4800" dirty="0" smtClean="0"/>
-              <a:t>     </a:t>
-            </a:r>
-            <a:r>
-              <a:rPr lang="en-US" sz="4800" dirty="0"/>
-              <a:t>result = a + </a:t>
+              <a:t>= a + </a:t>
             </a:r>
             <a:r>
               <a:rPr lang="en-US" sz="4800" dirty="0" smtClean="0"/>
@@ -9460,7 +9440,7 @@
             </a:r>
             <a:r>
               <a:rPr lang="en-US" dirty="0"/>
-              <a:t> tests can be run automatically and they check their own results and provide immediate feedback. There's no need to manually comb through a report of test results.</a:t>
+              <a:t> tests can be run automatically and they check their own results and provide immediate feedback. </a:t>
             </a:r>
           </a:p>
           <a:p>
@@ -10323,553 +10303,6 @@
           <a:lstStyle/>
           <a:p>
             <a:r>
-              <a:rPr lang="en-US" u="sng" dirty="0" err="1" smtClean="0"/>
-              <a:t>Qunit</a:t>
-            </a:r>
-            <a:r>
-              <a:rPr lang="en-US" u="sng" dirty="0" smtClean="0"/>
-              <a:t>- Skip Test and only test </a:t>
-            </a:r>
-            <a:endParaRPr lang="en-US" u="sng" dirty="0"/>
-          </a:p>
-        </p:txBody>
-      </p:sp>
-      <p:sp>
-        <p:nvSpPr>
-          <p:cNvPr id="3" name="Content Placeholder 2"/>
-          <p:cNvSpPr>
-            <a:spLocks noGrp="1"/>
-          </p:cNvSpPr>
-          <p:nvPr>
-            <p:ph idx="1"/>
-          </p:nvPr>
-        </p:nvSpPr>
-        <p:spPr/>
-        <p:txBody>
-          <a:bodyPr/>
-          <a:lstStyle/>
-          <a:p>
-            <a:r>
-              <a:rPr lang="en-US" b="1" u="sng" dirty="0" err="1" smtClean="0"/>
-              <a:t>Qunit.skip</a:t>
-            </a:r>
-            <a:endParaRPr lang="en-US" b="1" u="sng" dirty="0" smtClean="0"/>
-          </a:p>
-          <a:p>
-            <a:endParaRPr lang="en-US" dirty="0" smtClean="0"/>
-          </a:p>
-          <a:p>
-            <a:r>
-              <a:rPr lang="en-US" dirty="0"/>
-              <a:t> A test method written using Skip method will not be executed</a:t>
-            </a:r>
-            <a:r>
-              <a:rPr lang="en-US" dirty="0" smtClean="0"/>
-              <a:t>.</a:t>
-            </a:r>
-          </a:p>
-          <a:p>
-            <a:r>
-              <a:rPr lang="en-US" dirty="0" smtClean="0"/>
-              <a:t>We can use this to avoid running of test cases which shows errors.</a:t>
-            </a:r>
-          </a:p>
-          <a:p>
-            <a:endParaRPr lang="en-US" dirty="0"/>
-          </a:p>
-          <a:p>
-            <a:r>
-              <a:rPr lang="en-US" b="1" u="sng" dirty="0" err="1" smtClean="0"/>
-              <a:t>Qunit.only</a:t>
-            </a:r>
-            <a:endParaRPr lang="en-US" b="1" u="sng" dirty="0"/>
-          </a:p>
-          <a:p>
-            <a:endParaRPr lang="en-US" dirty="0"/>
-          </a:p>
-          <a:p>
-            <a:r>
-              <a:rPr lang="en-US" dirty="0"/>
-              <a:t> A test method written using </a:t>
-            </a:r>
-            <a:r>
-              <a:rPr lang="en-US" dirty="0" smtClean="0"/>
-              <a:t>Only </a:t>
-            </a:r>
-            <a:r>
-              <a:rPr lang="en-US" dirty="0"/>
-              <a:t>method </a:t>
-            </a:r>
-            <a:r>
-              <a:rPr lang="en-US" dirty="0" smtClean="0"/>
-              <a:t>will only </a:t>
-            </a:r>
-            <a:r>
-              <a:rPr lang="en-US" dirty="0"/>
-              <a:t>executed.</a:t>
-            </a:r>
-          </a:p>
-          <a:p>
-            <a:r>
-              <a:rPr lang="en-US" dirty="0"/>
-              <a:t>We can use this </a:t>
-            </a:r>
-            <a:r>
-              <a:rPr lang="en-US" dirty="0" smtClean="0"/>
-              <a:t>to run only a particular test case instead of others.</a:t>
-            </a:r>
-            <a:endParaRPr lang="en-US" dirty="0"/>
-          </a:p>
-          <a:p>
-            <a:endParaRPr lang="en-US" dirty="0"/>
-          </a:p>
-        </p:txBody>
-      </p:sp>
-    </p:spTree>
-    <p:extLst>
-      <p:ext uri="{BB962C8B-B14F-4D97-AF65-F5344CB8AC3E}">
-        <p14:creationId xmlns:p14="http://schemas.microsoft.com/office/powerpoint/2010/main" val="1888750934"/>
-      </p:ext>
-    </p:extLst>
-  </p:cSld>
-  <p:clrMapOvr>
-    <a:masterClrMapping/>
-  </p:clrMapOvr>
-  <p:timing>
-    <p:tnLst>
-      <p:par>
-        <p:cTn id="1" dur="indefinite" restart="never" nodeType="tmRoot">
-          <p:childTnLst>
-            <p:seq concurrent="1" nextAc="seek">
-              <p:cTn id="2" dur="indefinite" nodeType="mainSeq">
-                <p:childTnLst>
-                  <p:par>
-                    <p:cTn id="3" fill="hold">
-                      <p:stCondLst>
-                        <p:cond delay="indefinite"/>
-                      </p:stCondLst>
-                      <p:childTnLst>
-                        <p:par>
-                          <p:cTn id="4" fill="hold">
-                            <p:stCondLst>
-                              <p:cond delay="0"/>
-                            </p:stCondLst>
-                            <p:childTnLst>
-                              <p:par>
-                                <p:cTn id="5" presetID="14" presetClass="entr" presetSubtype="10" fill="hold" grpId="0" nodeType="clickEffect">
-                                  <p:stCondLst>
-                                    <p:cond delay="0"/>
-                                  </p:stCondLst>
-                                  <p:childTnLst>
-                                    <p:set>
-                                      <p:cBhvr>
-                                        <p:cTn id="6" dur="1" fill="hold">
-                                          <p:stCondLst>
-                                            <p:cond delay="0"/>
-                                          </p:stCondLst>
-                                        </p:cTn>
-                                        <p:tgtEl>
-                                          <p:spTgt spid="3">
-                                            <p:txEl>
-                                              <p:pRg st="0" end="0"/>
-                                            </p:txEl>
-                                          </p:spTgt>
-                                        </p:tgtEl>
-                                        <p:attrNameLst>
-                                          <p:attrName>style.visibility</p:attrName>
-                                        </p:attrNameLst>
-                                      </p:cBhvr>
-                                      <p:to>
-                                        <p:strVal val="visible"/>
-                                      </p:to>
-                                    </p:set>
-                                    <p:animEffect transition="in" filter="randombar(horizontal)">
-                                      <p:cBhvr>
-                                        <p:cTn id="7" dur="500"/>
-                                        <p:tgtEl>
-                                          <p:spTgt spid="3">
-                                            <p:txEl>
-                                              <p:pRg st="0" end="0"/>
-                                            </p:txEl>
-                                          </p:spTgt>
-                                        </p:tgtEl>
-                                      </p:cBhvr>
-                                    </p:animEffect>
-                                  </p:childTnLst>
-                                </p:cTn>
-                              </p:par>
-                            </p:childTnLst>
-                          </p:cTn>
-                        </p:par>
-                      </p:childTnLst>
-                    </p:cTn>
-                  </p:par>
-                  <p:par>
-                    <p:cTn id="8" fill="hold">
-                      <p:stCondLst>
-                        <p:cond delay="indefinite"/>
-                      </p:stCondLst>
-                      <p:childTnLst>
-                        <p:par>
-                          <p:cTn id="9" fill="hold">
-                            <p:stCondLst>
-                              <p:cond delay="0"/>
-                            </p:stCondLst>
-                            <p:childTnLst>
-                              <p:par>
-                                <p:cTn id="10" presetID="14" presetClass="entr" presetSubtype="10" fill="hold" grpId="0" nodeType="clickEffect">
-                                  <p:stCondLst>
-                                    <p:cond delay="0"/>
-                                  </p:stCondLst>
-                                  <p:childTnLst>
-                                    <p:set>
-                                      <p:cBhvr>
-                                        <p:cTn id="11" dur="1" fill="hold">
-                                          <p:stCondLst>
-                                            <p:cond delay="0"/>
-                                          </p:stCondLst>
-                                        </p:cTn>
-                                        <p:tgtEl>
-                                          <p:spTgt spid="3">
-                                            <p:txEl>
-                                              <p:pRg st="2" end="2"/>
-                                            </p:txEl>
-                                          </p:spTgt>
-                                        </p:tgtEl>
-                                        <p:attrNameLst>
-                                          <p:attrName>style.visibility</p:attrName>
-                                        </p:attrNameLst>
-                                      </p:cBhvr>
-                                      <p:to>
-                                        <p:strVal val="visible"/>
-                                      </p:to>
-                                    </p:set>
-                                    <p:animEffect transition="in" filter="randombar(horizontal)">
-                                      <p:cBhvr>
-                                        <p:cTn id="12" dur="500"/>
-                                        <p:tgtEl>
-                                          <p:spTgt spid="3">
-                                            <p:txEl>
-                                              <p:pRg st="2" end="2"/>
-                                            </p:txEl>
-                                          </p:spTgt>
-                                        </p:tgtEl>
-                                      </p:cBhvr>
-                                    </p:animEffect>
-                                  </p:childTnLst>
-                                </p:cTn>
-                              </p:par>
-                            </p:childTnLst>
-                          </p:cTn>
-                        </p:par>
-                      </p:childTnLst>
-                    </p:cTn>
-                  </p:par>
-                  <p:par>
-                    <p:cTn id="13" fill="hold">
-                      <p:stCondLst>
-                        <p:cond delay="indefinite"/>
-                      </p:stCondLst>
-                      <p:childTnLst>
-                        <p:par>
-                          <p:cTn id="14" fill="hold">
-                            <p:stCondLst>
-                              <p:cond delay="0"/>
-                            </p:stCondLst>
-                            <p:childTnLst>
-                              <p:par>
-                                <p:cTn id="15" presetID="14" presetClass="entr" presetSubtype="10" fill="hold" grpId="0" nodeType="clickEffect">
-                                  <p:stCondLst>
-                                    <p:cond delay="0"/>
-                                  </p:stCondLst>
-                                  <p:childTnLst>
-                                    <p:set>
-                                      <p:cBhvr>
-                                        <p:cTn id="16" dur="1" fill="hold">
-                                          <p:stCondLst>
-                                            <p:cond delay="0"/>
-                                          </p:stCondLst>
-                                        </p:cTn>
-                                        <p:tgtEl>
-                                          <p:spTgt spid="3">
-                                            <p:txEl>
-                                              <p:pRg st="3" end="3"/>
-                                            </p:txEl>
-                                          </p:spTgt>
-                                        </p:tgtEl>
-                                        <p:attrNameLst>
-                                          <p:attrName>style.visibility</p:attrName>
-                                        </p:attrNameLst>
-                                      </p:cBhvr>
-                                      <p:to>
-                                        <p:strVal val="visible"/>
-                                      </p:to>
-                                    </p:set>
-                                    <p:animEffect transition="in" filter="randombar(horizontal)">
-                                      <p:cBhvr>
-                                        <p:cTn id="17" dur="500"/>
-                                        <p:tgtEl>
-                                          <p:spTgt spid="3">
-                                            <p:txEl>
-                                              <p:pRg st="3" end="3"/>
-                                            </p:txEl>
-                                          </p:spTgt>
-                                        </p:tgtEl>
-                                      </p:cBhvr>
-                                    </p:animEffect>
-                                  </p:childTnLst>
-                                </p:cTn>
-                              </p:par>
-                            </p:childTnLst>
-                          </p:cTn>
-                        </p:par>
-                      </p:childTnLst>
-                    </p:cTn>
-                  </p:par>
-                  <p:par>
-                    <p:cTn id="18" fill="hold">
-                      <p:stCondLst>
-                        <p:cond delay="indefinite"/>
-                      </p:stCondLst>
-                      <p:childTnLst>
-                        <p:par>
-                          <p:cTn id="19" fill="hold">
-                            <p:stCondLst>
-                              <p:cond delay="0"/>
-                            </p:stCondLst>
-                            <p:childTnLst>
-                              <p:par>
-                                <p:cTn id="20" presetID="14" presetClass="entr" presetSubtype="10" fill="hold" grpId="0" nodeType="clickEffect">
-                                  <p:stCondLst>
-                                    <p:cond delay="0"/>
-                                  </p:stCondLst>
-                                  <p:childTnLst>
-                                    <p:set>
-                                      <p:cBhvr>
-                                        <p:cTn id="21" dur="1" fill="hold">
-                                          <p:stCondLst>
-                                            <p:cond delay="0"/>
-                                          </p:stCondLst>
-                                        </p:cTn>
-                                        <p:tgtEl>
-                                          <p:spTgt spid="3">
-                                            <p:txEl>
-                                              <p:pRg st="5" end="5"/>
-                                            </p:txEl>
-                                          </p:spTgt>
-                                        </p:tgtEl>
-                                        <p:attrNameLst>
-                                          <p:attrName>style.visibility</p:attrName>
-                                        </p:attrNameLst>
-                                      </p:cBhvr>
-                                      <p:to>
-                                        <p:strVal val="visible"/>
-                                      </p:to>
-                                    </p:set>
-                                    <p:animEffect transition="in" filter="randombar(horizontal)">
-                                      <p:cBhvr>
-                                        <p:cTn id="22" dur="500"/>
-                                        <p:tgtEl>
-                                          <p:spTgt spid="3">
-                                            <p:txEl>
-                                              <p:pRg st="5" end="5"/>
-                                            </p:txEl>
-                                          </p:spTgt>
-                                        </p:tgtEl>
-                                      </p:cBhvr>
-                                    </p:animEffect>
-                                  </p:childTnLst>
-                                </p:cTn>
-                              </p:par>
-                            </p:childTnLst>
-                          </p:cTn>
-                        </p:par>
-                      </p:childTnLst>
-                    </p:cTn>
-                  </p:par>
-                  <p:par>
-                    <p:cTn id="23" fill="hold">
-                      <p:stCondLst>
-                        <p:cond delay="indefinite"/>
-                      </p:stCondLst>
-                      <p:childTnLst>
-                        <p:par>
-                          <p:cTn id="24" fill="hold">
-                            <p:stCondLst>
-                              <p:cond delay="0"/>
-                            </p:stCondLst>
-                            <p:childTnLst>
-                              <p:par>
-                                <p:cTn id="25" presetID="14" presetClass="entr" presetSubtype="10" fill="hold" grpId="0" nodeType="clickEffect">
-                                  <p:stCondLst>
-                                    <p:cond delay="0"/>
-                                  </p:stCondLst>
-                                  <p:childTnLst>
-                                    <p:set>
-                                      <p:cBhvr>
-                                        <p:cTn id="26" dur="1" fill="hold">
-                                          <p:stCondLst>
-                                            <p:cond delay="0"/>
-                                          </p:stCondLst>
-                                        </p:cTn>
-                                        <p:tgtEl>
-                                          <p:spTgt spid="3">
-                                            <p:txEl>
-                                              <p:pRg st="7" end="7"/>
-                                            </p:txEl>
-                                          </p:spTgt>
-                                        </p:tgtEl>
-                                        <p:attrNameLst>
-                                          <p:attrName>style.visibility</p:attrName>
-                                        </p:attrNameLst>
-                                      </p:cBhvr>
-                                      <p:to>
-                                        <p:strVal val="visible"/>
-                                      </p:to>
-                                    </p:set>
-                                    <p:animEffect transition="in" filter="randombar(horizontal)">
-                                      <p:cBhvr>
-                                        <p:cTn id="27" dur="500"/>
-                                        <p:tgtEl>
-                                          <p:spTgt spid="3">
-                                            <p:txEl>
-                                              <p:pRg st="7" end="7"/>
-                                            </p:txEl>
-                                          </p:spTgt>
-                                        </p:tgtEl>
-                                      </p:cBhvr>
-                                    </p:animEffect>
-                                  </p:childTnLst>
-                                </p:cTn>
-                              </p:par>
-                            </p:childTnLst>
-                          </p:cTn>
-                        </p:par>
-                      </p:childTnLst>
-                    </p:cTn>
-                  </p:par>
-                  <p:par>
-                    <p:cTn id="28" fill="hold">
-                      <p:stCondLst>
-                        <p:cond delay="indefinite"/>
-                      </p:stCondLst>
-                      <p:childTnLst>
-                        <p:par>
-                          <p:cTn id="29" fill="hold">
-                            <p:stCondLst>
-                              <p:cond delay="0"/>
-                            </p:stCondLst>
-                            <p:childTnLst>
-                              <p:par>
-                                <p:cTn id="30" presetID="14" presetClass="entr" presetSubtype="10" fill="hold" grpId="0" nodeType="clickEffect">
-                                  <p:stCondLst>
-                                    <p:cond delay="0"/>
-                                  </p:stCondLst>
-                                  <p:childTnLst>
-                                    <p:set>
-                                      <p:cBhvr>
-                                        <p:cTn id="31" dur="1" fill="hold">
-                                          <p:stCondLst>
-                                            <p:cond delay="0"/>
-                                          </p:stCondLst>
-                                        </p:cTn>
-                                        <p:tgtEl>
-                                          <p:spTgt spid="3">
-                                            <p:txEl>
-                                              <p:pRg st="8" end="8"/>
-                                            </p:txEl>
-                                          </p:spTgt>
-                                        </p:tgtEl>
-                                        <p:attrNameLst>
-                                          <p:attrName>style.visibility</p:attrName>
-                                        </p:attrNameLst>
-                                      </p:cBhvr>
-                                      <p:to>
-                                        <p:strVal val="visible"/>
-                                      </p:to>
-                                    </p:set>
-                                    <p:animEffect transition="in" filter="randombar(horizontal)">
-                                      <p:cBhvr>
-                                        <p:cTn id="32" dur="500"/>
-                                        <p:tgtEl>
-                                          <p:spTgt spid="3">
-                                            <p:txEl>
-                                              <p:pRg st="8" end="8"/>
-                                            </p:txEl>
-                                          </p:spTgt>
-                                        </p:tgtEl>
-                                      </p:cBhvr>
-                                    </p:animEffect>
-                                  </p:childTnLst>
-                                </p:cTn>
-                              </p:par>
-                            </p:childTnLst>
-                          </p:cTn>
-                        </p:par>
-                      </p:childTnLst>
-                    </p:cTn>
-                  </p:par>
-                </p:childTnLst>
-              </p:cTn>
-              <p:prevCondLst>
-                <p:cond evt="onPrev" delay="0">
-                  <p:tgtEl>
-                    <p:sldTgt/>
-                  </p:tgtEl>
-                </p:cond>
-              </p:prevCondLst>
-              <p:nextCondLst>
-                <p:cond evt="onNext" delay="0">
-                  <p:tgtEl>
-                    <p:sldTgt/>
-                  </p:tgtEl>
-                </p:cond>
-              </p:nextCondLst>
-            </p:seq>
-          </p:childTnLst>
-        </p:cTn>
-      </p:par>
-    </p:tnLst>
-    <p:bldLst>
-      <p:bldP spid="3" grpId="0" build="p"/>
-    </p:bldLst>
-  </p:timing>
-</p:sld>
-</file>
-
-<file path=ppt/slides/slide16.xml><?xml version="1.0" encoding="utf-8"?>
-<p:sld xmlns:a="http://schemas.openxmlformats.org/drawingml/2006/main" xmlns:r="http://schemas.openxmlformats.org/officeDocument/2006/relationships" xmlns:p="http://schemas.openxmlformats.org/presentationml/2006/main">
-  <p:cSld>
-    <p:spTree>
-      <p:nvGrpSpPr>
-        <p:cNvPr id="1" name=""/>
-        <p:cNvGrpSpPr/>
-        <p:nvPr/>
-      </p:nvGrpSpPr>
-      <p:grpSpPr>
-        <a:xfrm>
-          <a:off x="0" y="0"/>
-          <a:ext cx="0" cy="0"/>
-          <a:chOff x="0" y="0"/>
-          <a:chExt cx="0" cy="0"/>
-        </a:xfrm>
-      </p:grpSpPr>
-      <p:sp>
-        <p:nvSpPr>
-          <p:cNvPr id="2" name="Title 1"/>
-          <p:cNvSpPr>
-            <a:spLocks noGrp="1"/>
-          </p:cNvSpPr>
-          <p:nvPr>
-            <p:ph type="title"/>
-          </p:nvPr>
-        </p:nvSpPr>
-        <p:spPr/>
-        <p:txBody>
-          <a:bodyPr/>
-          <a:lstStyle/>
-          <a:p>
-            <a:r>
               <a:rPr lang="en-US" u="sng" dirty="0" smtClean="0"/>
               <a:t>Creation of Test case</a:t>
             </a:r>
@@ -11352,6 +10785,589 @@
 </p:sld>
 </file>
 
+<file path=ppt/slides/slide16.xml><?xml version="1.0" encoding="utf-8"?>
+<p:sld xmlns:a="http://schemas.openxmlformats.org/drawingml/2006/main" xmlns:r="http://schemas.openxmlformats.org/officeDocument/2006/relationships" xmlns:p="http://schemas.openxmlformats.org/presentationml/2006/main">
+  <p:cSld>
+    <p:spTree>
+      <p:nvGrpSpPr>
+        <p:cNvPr id="1" name=""/>
+        <p:cNvGrpSpPr/>
+        <p:nvPr/>
+      </p:nvGrpSpPr>
+      <p:grpSpPr>
+        <a:xfrm>
+          <a:off x="0" y="0"/>
+          <a:ext cx="0" cy="0"/>
+          <a:chOff x="0" y="0"/>
+          <a:chExt cx="0" cy="0"/>
+        </a:xfrm>
+      </p:grpSpPr>
+      <p:sp>
+        <p:nvSpPr>
+          <p:cNvPr id="2" name="Title 1"/>
+          <p:cNvSpPr>
+            <a:spLocks noGrp="1"/>
+          </p:cNvSpPr>
+          <p:nvPr>
+            <p:ph type="title"/>
+          </p:nvPr>
+        </p:nvSpPr>
+        <p:spPr/>
+        <p:txBody>
+          <a:bodyPr/>
+          <a:lstStyle/>
+          <a:p>
+            <a:r>
+              <a:rPr lang="en-US" u="sng" dirty="0" err="1" smtClean="0"/>
+              <a:t>Qunit</a:t>
+            </a:r>
+            <a:r>
+              <a:rPr lang="en-US" u="sng" dirty="0" smtClean="0"/>
+              <a:t>- Skip Test and only test </a:t>
+            </a:r>
+            <a:endParaRPr lang="en-US" u="sng" dirty="0"/>
+          </a:p>
+        </p:txBody>
+      </p:sp>
+      <p:sp>
+        <p:nvSpPr>
+          <p:cNvPr id="3" name="Content Placeholder 2"/>
+          <p:cNvSpPr>
+            <a:spLocks noGrp="1"/>
+          </p:cNvSpPr>
+          <p:nvPr>
+            <p:ph idx="1"/>
+          </p:nvPr>
+        </p:nvSpPr>
+        <p:spPr/>
+        <p:txBody>
+          <a:bodyPr/>
+          <a:lstStyle/>
+          <a:p>
+            <a:r>
+              <a:rPr lang="en-US" b="1" u="sng" dirty="0" err="1" smtClean="0"/>
+              <a:t>Qunit.skip</a:t>
+            </a:r>
+            <a:endParaRPr lang="en-US" b="1" u="sng" dirty="0" smtClean="0"/>
+          </a:p>
+          <a:p>
+            <a:endParaRPr lang="en-US" dirty="0" smtClean="0"/>
+          </a:p>
+          <a:p>
+            <a:pPr marL="0" indent="0">
+              <a:buNone/>
+            </a:pPr>
+            <a:r>
+              <a:rPr lang="en-US" dirty="0" smtClean="0"/>
+              <a:t>A </a:t>
+            </a:r>
+            <a:r>
+              <a:rPr lang="en-US" dirty="0"/>
+              <a:t>test method written using Skip method will not be executed</a:t>
+            </a:r>
+            <a:r>
+              <a:rPr lang="en-US" dirty="0" smtClean="0"/>
+              <a:t>.</a:t>
+            </a:r>
+          </a:p>
+          <a:p>
+            <a:pPr marL="0" indent="0">
+              <a:buNone/>
+            </a:pPr>
+            <a:r>
+              <a:rPr lang="en-US" dirty="0" smtClean="0"/>
+              <a:t>We can use this to avoid running of test cases which shows errors.</a:t>
+            </a:r>
+          </a:p>
+          <a:p>
+            <a:endParaRPr lang="en-US" dirty="0"/>
+          </a:p>
+          <a:p>
+            <a:r>
+              <a:rPr lang="en-US" b="1" u="sng" dirty="0" err="1" smtClean="0"/>
+              <a:t>Qunit.only</a:t>
+            </a:r>
+            <a:endParaRPr lang="en-US" b="1" u="sng" dirty="0"/>
+          </a:p>
+          <a:p>
+            <a:endParaRPr lang="en-US" dirty="0"/>
+          </a:p>
+          <a:p>
+            <a:pPr marL="0" indent="0">
+              <a:buNone/>
+            </a:pPr>
+            <a:r>
+              <a:rPr lang="en-US" dirty="0"/>
+              <a:t> A test method written </a:t>
+            </a:r>
+            <a:r>
+              <a:rPr lang="en-US" dirty="0" smtClean="0"/>
+              <a:t>using </a:t>
+            </a:r>
+            <a:r>
+              <a:rPr lang="en-US" dirty="0" err="1" smtClean="0"/>
+              <a:t>QUnit</a:t>
+            </a:r>
+            <a:r>
+              <a:rPr lang="en-US" dirty="0" smtClean="0"/>
+              <a:t> </a:t>
+            </a:r>
+            <a:r>
+              <a:rPr lang="en-US" dirty="0" smtClean="0"/>
+              <a:t>Only </a:t>
+            </a:r>
+            <a:r>
+              <a:rPr lang="en-US" dirty="0"/>
+              <a:t>method </a:t>
+            </a:r>
+            <a:r>
+              <a:rPr lang="en-US" dirty="0" smtClean="0"/>
+              <a:t>will </a:t>
+            </a:r>
+            <a:r>
+              <a:rPr lang="en-US" dirty="0" smtClean="0"/>
+              <a:t>only gets </a:t>
+            </a:r>
+            <a:r>
+              <a:rPr lang="en-US" dirty="0"/>
+              <a:t>executed.</a:t>
+            </a:r>
+          </a:p>
+          <a:p>
+            <a:pPr marL="0" indent="0">
+              <a:buNone/>
+            </a:pPr>
+            <a:r>
+              <a:rPr lang="en-US" dirty="0" smtClean="0"/>
+              <a:t> We </a:t>
+            </a:r>
+            <a:r>
+              <a:rPr lang="en-US" dirty="0"/>
+              <a:t>can use this </a:t>
+            </a:r>
+            <a:r>
+              <a:rPr lang="en-US" dirty="0" smtClean="0"/>
+              <a:t>to run only a particular test case instead of others.</a:t>
+            </a:r>
+            <a:endParaRPr lang="en-US" dirty="0"/>
+          </a:p>
+          <a:p>
+            <a:endParaRPr lang="en-US" dirty="0"/>
+          </a:p>
+        </p:txBody>
+      </p:sp>
+    </p:spTree>
+    <p:extLst>
+      <p:ext uri="{BB962C8B-B14F-4D97-AF65-F5344CB8AC3E}">
+        <p14:creationId xmlns:p14="http://schemas.microsoft.com/office/powerpoint/2010/main" val="1888750934"/>
+      </p:ext>
+    </p:extLst>
+  </p:cSld>
+  <p:clrMapOvr>
+    <a:masterClrMapping/>
+  </p:clrMapOvr>
+  <p:timing>
+    <p:tnLst>
+      <p:par>
+        <p:cTn id="1" dur="indefinite" restart="never" nodeType="tmRoot">
+          <p:childTnLst>
+            <p:seq concurrent="1" nextAc="seek">
+              <p:cTn id="2" dur="indefinite" nodeType="mainSeq">
+                <p:childTnLst>
+                  <p:par>
+                    <p:cTn id="3" fill="hold">
+                      <p:stCondLst>
+                        <p:cond delay="indefinite"/>
+                      </p:stCondLst>
+                      <p:childTnLst>
+                        <p:par>
+                          <p:cTn id="4" fill="hold">
+                            <p:stCondLst>
+                              <p:cond delay="0"/>
+                            </p:stCondLst>
+                            <p:childTnLst>
+                              <p:par>
+                                <p:cTn id="5" presetID="14" presetClass="entr" presetSubtype="10" fill="hold" grpId="0" nodeType="clickEffect">
+                                  <p:stCondLst>
+                                    <p:cond delay="0"/>
+                                  </p:stCondLst>
+                                  <p:childTnLst>
+                                    <p:set>
+                                      <p:cBhvr>
+                                        <p:cTn id="6" dur="1" fill="hold">
+                                          <p:stCondLst>
+                                            <p:cond delay="0"/>
+                                          </p:stCondLst>
+                                        </p:cTn>
+                                        <p:tgtEl>
+                                          <p:spTgt spid="3">
+                                            <p:txEl>
+                                              <p:pRg st="0" end="0"/>
+                                            </p:txEl>
+                                          </p:spTgt>
+                                        </p:tgtEl>
+                                        <p:attrNameLst>
+                                          <p:attrName>style.visibility</p:attrName>
+                                        </p:attrNameLst>
+                                      </p:cBhvr>
+                                      <p:to>
+                                        <p:strVal val="visible"/>
+                                      </p:to>
+                                    </p:set>
+                                    <p:animEffect transition="in" filter="randombar(horizontal)">
+                                      <p:cBhvr>
+                                        <p:cTn id="7" dur="500"/>
+                                        <p:tgtEl>
+                                          <p:spTgt spid="3">
+                                            <p:txEl>
+                                              <p:pRg st="0" end="0"/>
+                                            </p:txEl>
+                                          </p:spTgt>
+                                        </p:tgtEl>
+                                      </p:cBhvr>
+                                    </p:animEffect>
+                                  </p:childTnLst>
+                                </p:cTn>
+                              </p:par>
+                            </p:childTnLst>
+                          </p:cTn>
+                        </p:par>
+                      </p:childTnLst>
+                    </p:cTn>
+                  </p:par>
+                  <p:par>
+                    <p:cTn id="8" fill="hold">
+                      <p:stCondLst>
+                        <p:cond delay="indefinite"/>
+                      </p:stCondLst>
+                      <p:childTnLst>
+                        <p:par>
+                          <p:cTn id="9" fill="hold">
+                            <p:stCondLst>
+                              <p:cond delay="0"/>
+                            </p:stCondLst>
+                            <p:childTnLst>
+                              <p:par>
+                                <p:cTn id="10" presetID="14" presetClass="entr" presetSubtype="10" fill="hold" grpId="0" nodeType="clickEffect">
+                                  <p:stCondLst>
+                                    <p:cond delay="0"/>
+                                  </p:stCondLst>
+                                  <p:childTnLst>
+                                    <p:set>
+                                      <p:cBhvr>
+                                        <p:cTn id="11" dur="1" fill="hold">
+                                          <p:stCondLst>
+                                            <p:cond delay="0"/>
+                                          </p:stCondLst>
+                                        </p:cTn>
+                                        <p:tgtEl>
+                                          <p:spTgt spid="3">
+                                            <p:txEl>
+                                              <p:pRg st="2" end="2"/>
+                                            </p:txEl>
+                                          </p:spTgt>
+                                        </p:tgtEl>
+                                        <p:attrNameLst>
+                                          <p:attrName>style.visibility</p:attrName>
+                                        </p:attrNameLst>
+                                      </p:cBhvr>
+                                      <p:to>
+                                        <p:strVal val="visible"/>
+                                      </p:to>
+                                    </p:set>
+                                    <p:animEffect transition="in" filter="randombar(horizontal)">
+                                      <p:cBhvr>
+                                        <p:cTn id="12" dur="500"/>
+                                        <p:tgtEl>
+                                          <p:spTgt spid="3">
+                                            <p:txEl>
+                                              <p:pRg st="2" end="2"/>
+                                            </p:txEl>
+                                          </p:spTgt>
+                                        </p:tgtEl>
+                                      </p:cBhvr>
+                                    </p:animEffect>
+                                  </p:childTnLst>
+                                </p:cTn>
+                              </p:par>
+                            </p:childTnLst>
+                          </p:cTn>
+                        </p:par>
+                      </p:childTnLst>
+                    </p:cTn>
+                  </p:par>
+                  <p:par>
+                    <p:cTn id="13" fill="hold">
+                      <p:stCondLst>
+                        <p:cond delay="indefinite"/>
+                      </p:stCondLst>
+                      <p:childTnLst>
+                        <p:par>
+                          <p:cTn id="14" fill="hold">
+                            <p:stCondLst>
+                              <p:cond delay="0"/>
+                            </p:stCondLst>
+                            <p:childTnLst>
+                              <p:par>
+                                <p:cTn id="15" presetID="14" presetClass="entr" presetSubtype="10" fill="hold" grpId="0" nodeType="clickEffect">
+                                  <p:stCondLst>
+                                    <p:cond delay="0"/>
+                                  </p:stCondLst>
+                                  <p:childTnLst>
+                                    <p:set>
+                                      <p:cBhvr>
+                                        <p:cTn id="16" dur="1" fill="hold">
+                                          <p:stCondLst>
+                                            <p:cond delay="0"/>
+                                          </p:stCondLst>
+                                        </p:cTn>
+                                        <p:tgtEl>
+                                          <p:spTgt spid="3">
+                                            <p:txEl>
+                                              <p:pRg st="3" end="3"/>
+                                            </p:txEl>
+                                          </p:spTgt>
+                                        </p:tgtEl>
+                                        <p:attrNameLst>
+                                          <p:attrName>style.visibility</p:attrName>
+                                        </p:attrNameLst>
+                                      </p:cBhvr>
+                                      <p:to>
+                                        <p:strVal val="visible"/>
+                                      </p:to>
+                                    </p:set>
+                                    <p:animEffect transition="in" filter="randombar(horizontal)">
+                                      <p:cBhvr>
+                                        <p:cTn id="17" dur="500"/>
+                                        <p:tgtEl>
+                                          <p:spTgt spid="3">
+                                            <p:txEl>
+                                              <p:pRg st="3" end="3"/>
+                                            </p:txEl>
+                                          </p:spTgt>
+                                        </p:tgtEl>
+                                      </p:cBhvr>
+                                    </p:animEffect>
+                                  </p:childTnLst>
+                                </p:cTn>
+                              </p:par>
+                            </p:childTnLst>
+                          </p:cTn>
+                        </p:par>
+                      </p:childTnLst>
+                    </p:cTn>
+                  </p:par>
+                  <p:par>
+                    <p:cTn id="18" fill="hold">
+                      <p:stCondLst>
+                        <p:cond delay="indefinite"/>
+                      </p:stCondLst>
+                      <p:childTnLst>
+                        <p:par>
+                          <p:cTn id="19" fill="hold">
+                            <p:stCondLst>
+                              <p:cond delay="0"/>
+                            </p:stCondLst>
+                            <p:childTnLst>
+                              <p:par>
+                                <p:cTn id="20" presetID="14" presetClass="entr" presetSubtype="10" fill="hold" grpId="0" nodeType="clickEffect">
+                                  <p:stCondLst>
+                                    <p:cond delay="0"/>
+                                  </p:stCondLst>
+                                  <p:childTnLst>
+                                    <p:set>
+                                      <p:cBhvr>
+                                        <p:cTn id="21" dur="1" fill="hold">
+                                          <p:stCondLst>
+                                            <p:cond delay="0"/>
+                                          </p:stCondLst>
+                                        </p:cTn>
+                                        <p:tgtEl>
+                                          <p:spTgt spid="3">
+                                            <p:txEl>
+                                              <p:pRg st="5" end="5"/>
+                                            </p:txEl>
+                                          </p:spTgt>
+                                        </p:tgtEl>
+                                        <p:attrNameLst>
+                                          <p:attrName>style.visibility</p:attrName>
+                                        </p:attrNameLst>
+                                      </p:cBhvr>
+                                      <p:to>
+                                        <p:strVal val="visible"/>
+                                      </p:to>
+                                    </p:set>
+                                    <p:animEffect transition="in" filter="randombar(horizontal)">
+                                      <p:cBhvr>
+                                        <p:cTn id="22" dur="500"/>
+                                        <p:tgtEl>
+                                          <p:spTgt spid="3">
+                                            <p:txEl>
+                                              <p:pRg st="5" end="5"/>
+                                            </p:txEl>
+                                          </p:spTgt>
+                                        </p:tgtEl>
+                                      </p:cBhvr>
+                                    </p:animEffect>
+                                  </p:childTnLst>
+                                </p:cTn>
+                              </p:par>
+                            </p:childTnLst>
+                          </p:cTn>
+                        </p:par>
+                      </p:childTnLst>
+                    </p:cTn>
+                  </p:par>
+                  <p:par>
+                    <p:cTn id="23" fill="hold">
+                      <p:stCondLst>
+                        <p:cond delay="indefinite"/>
+                      </p:stCondLst>
+                      <p:childTnLst>
+                        <p:par>
+                          <p:cTn id="24" fill="hold">
+                            <p:stCondLst>
+                              <p:cond delay="0"/>
+                            </p:stCondLst>
+                            <p:childTnLst>
+                              <p:par>
+                                <p:cTn id="25" presetID="14" presetClass="entr" presetSubtype="10" fill="hold" grpId="0" nodeType="clickEffect">
+                                  <p:stCondLst>
+                                    <p:cond delay="0"/>
+                                  </p:stCondLst>
+                                  <p:childTnLst>
+                                    <p:set>
+                                      <p:cBhvr>
+                                        <p:cTn id="26" dur="1" fill="hold">
+                                          <p:stCondLst>
+                                            <p:cond delay="0"/>
+                                          </p:stCondLst>
+                                        </p:cTn>
+                                        <p:tgtEl>
+                                          <p:spTgt spid="3">
+                                            <p:txEl>
+                                              <p:pRg st="7" end="7"/>
+                                            </p:txEl>
+                                          </p:spTgt>
+                                        </p:tgtEl>
+                                        <p:attrNameLst>
+                                          <p:attrName>style.visibility</p:attrName>
+                                        </p:attrNameLst>
+                                      </p:cBhvr>
+                                      <p:to>
+                                        <p:strVal val="visible"/>
+                                      </p:to>
+                                    </p:set>
+                                    <p:animEffect transition="in" filter="randombar(horizontal)">
+                                      <p:cBhvr>
+                                        <p:cTn id="27" dur="500"/>
+                                        <p:tgtEl>
+                                          <p:spTgt spid="3">
+                                            <p:txEl>
+                                              <p:pRg st="7" end="7"/>
+                                            </p:txEl>
+                                          </p:spTgt>
+                                        </p:tgtEl>
+                                      </p:cBhvr>
+                                    </p:animEffect>
+                                  </p:childTnLst>
+                                </p:cTn>
+                              </p:par>
+                            </p:childTnLst>
+                          </p:cTn>
+                        </p:par>
+                      </p:childTnLst>
+                    </p:cTn>
+                  </p:par>
+                  <p:par>
+                    <p:cTn id="28" fill="hold">
+                      <p:stCondLst>
+                        <p:cond delay="indefinite"/>
+                      </p:stCondLst>
+                      <p:childTnLst>
+                        <p:par>
+                          <p:cTn id="29" fill="hold">
+                            <p:stCondLst>
+                              <p:cond delay="0"/>
+                            </p:stCondLst>
+                            <p:childTnLst>
+                              <p:par>
+                                <p:cTn id="30" presetID="14" presetClass="entr" presetSubtype="10" fill="hold" grpId="0" nodeType="clickEffect">
+                                  <p:stCondLst>
+                                    <p:cond delay="0"/>
+                                  </p:stCondLst>
+                                  <p:childTnLst>
+                                    <p:set>
+                                      <p:cBhvr>
+                                        <p:cTn id="31" dur="1" fill="hold">
+                                          <p:stCondLst>
+                                            <p:cond delay="0"/>
+                                          </p:stCondLst>
+                                        </p:cTn>
+                                        <p:tgtEl>
+                                          <p:spTgt spid="3">
+                                            <p:txEl>
+                                              <p:pRg st="8" end="8"/>
+                                            </p:txEl>
+                                          </p:spTgt>
+                                        </p:tgtEl>
+                                        <p:attrNameLst>
+                                          <p:attrName>style.visibility</p:attrName>
+                                        </p:attrNameLst>
+                                      </p:cBhvr>
+                                      <p:to>
+                                        <p:strVal val="visible"/>
+                                      </p:to>
+                                    </p:set>
+                                    <p:animEffect transition="in" filter="randombar(horizontal)">
+                                      <p:cBhvr>
+                                        <p:cTn id="32" dur="500"/>
+                                        <p:tgtEl>
+                                          <p:spTgt spid="3">
+                                            <p:txEl>
+                                              <p:pRg st="8" end="8"/>
+                                            </p:txEl>
+                                          </p:spTgt>
+                                        </p:tgtEl>
+                                      </p:cBhvr>
+                                    </p:animEffect>
+                                  </p:childTnLst>
+                                </p:cTn>
+                              </p:par>
+                            </p:childTnLst>
+                          </p:cTn>
+                        </p:par>
+                      </p:childTnLst>
+                    </p:cTn>
+                  </p:par>
+                </p:childTnLst>
+              </p:cTn>
+              <p:prevCondLst>
+                <p:cond evt="onPrev" delay="0">
+                  <p:tgtEl>
+                    <p:sldTgt/>
+                  </p:tgtEl>
+                </p:cond>
+              </p:prevCondLst>
+              <p:nextCondLst>
+                <p:cond evt="onNext" delay="0">
+                  <p:tgtEl>
+                    <p:sldTgt/>
+                  </p:tgtEl>
+                </p:cond>
+              </p:nextCondLst>
+            </p:seq>
+          </p:childTnLst>
+        </p:cTn>
+      </p:par>
+    </p:tnLst>
+    <p:bldLst>
+      <p:bldP spid="3" grpId="0" build="p"/>
+    </p:bldLst>
+  </p:timing>
+</p:sld>
+</file>
+
 <file path=ppt/slides/slide17.xml><?xml version="1.0" encoding="utf-8"?>
 <p:sld xmlns:a="http://schemas.openxmlformats.org/drawingml/2006/main" xmlns:r="http://schemas.openxmlformats.org/officeDocument/2006/relationships" xmlns:p="http://schemas.openxmlformats.org/presentationml/2006/main">
   <p:cSld>
@@ -11410,7 +11426,7 @@
         </p:spPr>
         <p:txBody>
           <a:bodyPr>
-            <a:normAutofit/>
+            <a:normAutofit lnSpcReduction="10000"/>
           </a:bodyPr>
           <a:lstStyle/>
           <a:p>
@@ -11432,8 +11448,37 @@
             </a:r>
             <a:r>
               <a:rPr lang="en-US" dirty="0" smtClean="0"/>
-              <a:t> folder to run the test in browser.</a:t>
-            </a:r>
+              <a:t> folder to run the test in </a:t>
+            </a:r>
+            <a:r>
+              <a:rPr lang="en-US" smtClean="0"/>
+              <a:t>browser</a:t>
+            </a:r>
+            <a:r>
+              <a:rPr lang="en-US" smtClean="0"/>
+              <a:t>.</a:t>
+            </a:r>
+          </a:p>
+          <a:p>
+            <a:pPr marL="0" indent="0">
+              <a:buNone/>
+            </a:pPr>
+            <a:endParaRPr lang="en-US" dirty="0" smtClean="0"/>
+          </a:p>
+          <a:p>
+            <a:r>
+              <a:rPr lang="en-US" dirty="0" smtClean="0"/>
+              <a:t>Import these two files from </a:t>
+            </a:r>
+            <a:r>
+              <a:rPr lang="en-US" dirty="0" err="1" smtClean="0"/>
+              <a:t>Qunit</a:t>
+            </a:r>
+            <a:r>
+              <a:rPr lang="en-US" dirty="0" smtClean="0"/>
+              <a:t> official site.</a:t>
+            </a:r>
+            <a:endParaRPr lang="en-US" dirty="0" smtClean="0"/>
           </a:p>
           <a:p>
             <a:endParaRPr lang="en-US" dirty="0"/>
@@ -16866,7 +16911,11 @@
               <a:buNone/>
             </a:pPr>
             <a:r>
-              <a:rPr lang="en-US" dirty="0" err="1"/>
+              <a:rPr lang="en-US" dirty="0" smtClean="0"/>
+              <a:t>      </a:t>
+            </a:r>
+            <a:r>
+              <a:rPr lang="en-US" dirty="0" err="1" smtClean="0"/>
               <a:t>const</a:t>
             </a:r>
             <a:r>
@@ -16901,8 +16950,12 @@
               <a:buNone/>
             </a:pPr>
             <a:r>
+              <a:rPr lang="en-US" dirty="0" smtClean="0"/>
+              <a:t>     let </a:t>
+            </a:r>
+            <a:r>
               <a:rPr lang="en-US" dirty="0"/>
-              <a:t>let greeting = "say Hi</a:t>
+              <a:t>greeting = "say Hi</a:t>
             </a:r>
             <a:r>
               <a:rPr lang="en-US" dirty="0" smtClean="0"/>
@@ -16910,12 +16963,13 @@
             </a:r>
           </a:p>
           <a:p>
-            <a:pPr marL="0" indent="0">
-              <a:buNone/>
-            </a:pPr>
             <a:r>
               <a:rPr lang="en-US" i="1" dirty="0" smtClean="0"/>
-              <a:t>    `</a:t>
+              <a:t> </a:t>
+            </a:r>
+            <a:r>
+              <a:rPr lang="en-US" i="1" dirty="0" smtClean="0"/>
+              <a:t>`</a:t>
             </a:r>
             <a:r>
               <a:rPr lang="en-US" i="1" dirty="0" err="1"/>
@@ -16959,6 +17013,13 @@
             </a:r>
           </a:p>
           <a:p>
+            <a:pPr marL="0" indent="0">
+              <a:buNone/>
+            </a:pPr>
+            <a:r>
+              <a:rPr lang="en-US" dirty="0" smtClean="0"/>
+              <a:t>      </a:t>
+            </a:r>
             <a:r>
               <a:rPr lang="en-US" dirty="0" err="1" smtClean="0"/>
               <a:t>var</a:t>

--- a/docs/TestingQunit.pptx
+++ b/docs/TestingQunit.pptx
@@ -17,8 +17,8 @@
     <p:sldId id="263" r:id="rId11"/>
     <p:sldId id="264" r:id="rId12"/>
     <p:sldId id="265" r:id="rId13"/>
-    <p:sldId id="266" r:id="rId14"/>
-    <p:sldId id="268" r:id="rId15"/>
+    <p:sldId id="268" r:id="rId14"/>
+    <p:sldId id="266" r:id="rId15"/>
     <p:sldId id="271" r:id="rId16"/>
     <p:sldId id="267" r:id="rId17"/>
     <p:sldId id="273" r:id="rId18"/>
@@ -6607,8 +6607,9 @@
             </a:r>
             <a:r>
               <a:rPr lang="en-US" sz="4800" dirty="0" smtClean="0"/>
-              <a:t>(result);</a:t>
-            </a:r>
+              <a:t>(c);</a:t>
+            </a:r>
+            <a:endParaRPr lang="en-US" sz="4800" dirty="0" smtClean="0"/>
           </a:p>
           <a:p>
             <a:pPr marL="0" indent="0">
@@ -9361,14 +9362,9 @@
           <a:lstStyle/>
           <a:p>
             <a:r>
-              <a:rPr lang="en-US" u="sng" dirty="0" err="1" smtClean="0"/>
-              <a:t>Qunit</a:t>
-            </a:r>
-            <a:r>
-              <a:rPr lang="en-US" u="sng" dirty="0" smtClean="0"/>
-              <a:t> Features</a:t>
-            </a:r>
-            <a:endParaRPr lang="en-US" u="sng" dirty="0"/>
+              <a:rPr lang="en-US" dirty="0"/>
+              <a:t>What is a Unit Test Case?</a:t>
+            </a:r>
           </a:p>
         </p:txBody>
       </p:sp>
@@ -9384,8 +9380,8 @@
         </p:nvSpPr>
         <p:spPr>
           <a:xfrm>
-            <a:off x="1371600" y="1619794"/>
-            <a:ext cx="9601200" cy="4247606"/>
+            <a:off x="1371600" y="1645920"/>
+            <a:ext cx="9601200" cy="4221480"/>
           </a:xfrm>
         </p:spPr>
         <p:txBody>
@@ -9395,80 +9391,114 @@
           <a:lstStyle/>
           <a:p>
             <a:r>
+              <a:rPr lang="en-US" dirty="0"/>
+              <a:t>A Unit Test Case is a part of code which ensures that another part of the code </a:t>
+            </a:r>
+            <a:r>
+              <a:rPr lang="en-US" dirty="0" smtClean="0"/>
+              <a:t>works </a:t>
+            </a:r>
+            <a:r>
+              <a:rPr lang="en-US" dirty="0"/>
+              <a:t>as expected. </a:t>
+            </a:r>
+            <a:endParaRPr lang="en-US" dirty="0" smtClean="0"/>
+          </a:p>
+          <a:p>
+            <a:r>
+              <a:rPr lang="en-US" dirty="0" smtClean="0"/>
+              <a:t>To </a:t>
+            </a:r>
+            <a:r>
+              <a:rPr lang="en-US" dirty="0"/>
+              <a:t>achieve the desired results quickly, test framework is required</a:t>
+            </a:r>
+            <a:r>
+              <a:rPr lang="en-US" dirty="0" smtClean="0"/>
+              <a:t>.</a:t>
+            </a:r>
+          </a:p>
+          <a:p>
+            <a:r>
+              <a:rPr lang="en-US" dirty="0" smtClean="0"/>
+              <a:t> </a:t>
+            </a:r>
+            <a:r>
               <a:rPr lang="en-US" dirty="0" err="1"/>
               <a:t>QUnit</a:t>
             </a:r>
             <a:r>
               <a:rPr lang="en-US" dirty="0"/>
-              <a:t> provides Assertions for testing expected results.</a:t>
-            </a:r>
-          </a:p>
-          <a:p>
+              <a:t> is a perfect unit test framework for JavaScript programming language.</a:t>
+            </a:r>
+          </a:p>
+          <a:p>
+            <a:r>
+              <a:rPr lang="en-US" dirty="0" smtClean="0"/>
+              <a:t>There </a:t>
+            </a:r>
+            <a:r>
+              <a:rPr lang="en-US" dirty="0"/>
+              <a:t>must be at least two unit test cases for each requirement: one positive test and one negative </a:t>
+            </a:r>
+            <a:r>
+              <a:rPr lang="en-US" dirty="0" smtClean="0"/>
+              <a:t>test</a:t>
+            </a:r>
+          </a:p>
+          <a:p>
+            <a:pPr marL="0" indent="0">
+              <a:buNone/>
+            </a:pPr>
+            <a:r>
+              <a:rPr lang="en-US" dirty="0" smtClean="0"/>
+              <a:t>     </a:t>
+            </a:r>
+            <a:r>
+              <a:rPr lang="en-US" dirty="0" err="1" smtClean="0"/>
+              <a:t>assert.equal</a:t>
+            </a:r>
+            <a:r>
+              <a:rPr lang="en-US" dirty="0" smtClean="0"/>
+              <a:t>(</a:t>
+            </a:r>
+            <a:r>
+              <a:rPr lang="en-US" dirty="0" err="1" smtClean="0"/>
+              <a:t>actual,expected,”statement</a:t>
+            </a:r>
+            <a:r>
+              <a:rPr lang="en-US" dirty="0" smtClean="0"/>
+              <a:t>”);</a:t>
+            </a:r>
+          </a:p>
+          <a:p>
+            <a:pPr marL="0" indent="0">
+              <a:buNone/>
+            </a:pPr>
+            <a:r>
+              <a:rPr lang="en-US" dirty="0"/>
+              <a:t> </a:t>
+            </a:r>
+            <a:r>
+              <a:rPr lang="en-US" dirty="0"/>
+              <a:t>    </a:t>
+            </a:r>
             <a:r>
               <a:rPr lang="en-US" dirty="0" err="1"/>
-              <a:t>QUnit</a:t>
+              <a:t>assert.equal</a:t>
             </a:r>
             <a:r>
               <a:rPr lang="en-US" dirty="0"/>
-              <a:t> provides Test fixtures for running tests.</a:t>
-            </a:r>
-          </a:p>
-          <a:p>
-            <a:r>
-              <a:rPr lang="en-US" dirty="0" err="1"/>
-              <a:t>QUnit</a:t>
-            </a:r>
-            <a:r>
-              <a:rPr lang="en-US" dirty="0"/>
-              <a:t> tests allow to write code faster, which increases the quality.</a:t>
-            </a:r>
-          </a:p>
-          <a:p>
-            <a:r>
-              <a:rPr lang="en-US" dirty="0" err="1"/>
-              <a:t>QUnit</a:t>
-            </a:r>
-            <a:r>
-              <a:rPr lang="en-US" dirty="0"/>
-              <a:t> is elegantly simple. It is less complex and takes less time.</a:t>
-            </a:r>
-          </a:p>
-          <a:p>
-            <a:r>
-              <a:rPr lang="en-US" dirty="0" err="1"/>
-              <a:t>QUnit</a:t>
-            </a:r>
-            <a:r>
-              <a:rPr lang="en-US" dirty="0"/>
-              <a:t> tests can be run automatically and they check their own results and provide immediate feedback. </a:t>
-            </a:r>
-          </a:p>
-          <a:p>
-            <a:r>
-              <a:rPr lang="en-US" dirty="0" err="1"/>
-              <a:t>QUnit</a:t>
-            </a:r>
-            <a:r>
-              <a:rPr lang="en-US" dirty="0"/>
-              <a:t> tests can be organized into test suites containing test cases and even other test suites.</a:t>
-            </a:r>
-          </a:p>
-          <a:p>
-            <a:r>
-              <a:rPr lang="en-US" dirty="0" err="1"/>
-              <a:t>QUnit</a:t>
-            </a:r>
-            <a:r>
-              <a:rPr lang="en-US" dirty="0"/>
-              <a:t> shows test progress in a bar that is green if the test is going fine, and it turns red when a test fails.</a:t>
-            </a:r>
+              <a:t>( result, "4", "square(2) should be 4." );</a:t>
+            </a:r>
+            <a:endParaRPr lang="en-US" dirty="0"/>
           </a:p>
         </p:txBody>
       </p:sp>
     </p:spTree>
     <p:extLst>
       <p:ext uri="{BB962C8B-B14F-4D97-AF65-F5344CB8AC3E}">
-        <p14:creationId xmlns:p14="http://schemas.microsoft.com/office/powerpoint/2010/main" val="471296548"/>
+        <p14:creationId xmlns:p14="http://schemas.microsoft.com/office/powerpoint/2010/main" val="3889099286"/>
       </p:ext>
     </p:extLst>
   </p:cSld>
@@ -9843,9 +9873,14 @@
           <a:lstStyle/>
           <a:p>
             <a:r>
-              <a:rPr lang="en-US" dirty="0"/>
-              <a:t>What is a Unit Test Case?</a:t>
-            </a:r>
+              <a:rPr lang="en-US" u="sng" dirty="0" err="1" smtClean="0"/>
+              <a:t>Qunit</a:t>
+            </a:r>
+            <a:r>
+              <a:rPr lang="en-US" u="sng" dirty="0" smtClean="0"/>
+              <a:t> Features</a:t>
+            </a:r>
+            <a:endParaRPr lang="en-US" u="sng" dirty="0"/>
           </a:p>
         </p:txBody>
       </p:sp>
@@ -9861,8 +9896,8 @@
         </p:nvSpPr>
         <p:spPr>
           <a:xfrm>
-            <a:off x="1371600" y="1645920"/>
-            <a:ext cx="9601200" cy="4221480"/>
+            <a:off x="1371600" y="1619794"/>
+            <a:ext cx="9601200" cy="4247606"/>
           </a:xfrm>
         </p:spPr>
         <p:txBody>
@@ -9872,55 +9907,72 @@
           <a:lstStyle/>
           <a:p>
             <a:r>
-              <a:rPr lang="en-US" dirty="0"/>
-              <a:t>A Unit Test Case is a part of code which ensures that another part of the code </a:t>
-            </a:r>
-            <a:r>
-              <a:rPr lang="en-US" dirty="0" smtClean="0"/>
-              <a:t>works </a:t>
-            </a:r>
-            <a:r>
-              <a:rPr lang="en-US" dirty="0"/>
-              <a:t>as expected. </a:t>
-            </a:r>
-            <a:endParaRPr lang="en-US" dirty="0" smtClean="0"/>
-          </a:p>
-          <a:p>
-            <a:r>
-              <a:rPr lang="en-US" dirty="0" smtClean="0"/>
-              <a:t>To </a:t>
-            </a:r>
-            <a:r>
-              <a:rPr lang="en-US" dirty="0"/>
-              <a:t>achieve the desired results quickly, test framework is required</a:t>
-            </a:r>
-            <a:r>
-              <a:rPr lang="en-US" dirty="0" smtClean="0"/>
-              <a:t>.</a:t>
-            </a:r>
-          </a:p>
-          <a:p>
-            <a:r>
-              <a:rPr lang="en-US" dirty="0" smtClean="0"/>
-              <a:t> </a:t>
-            </a:r>
-            <a:r>
               <a:rPr lang="en-US" dirty="0" err="1"/>
               <a:t>QUnit</a:t>
             </a:r>
             <a:r>
               <a:rPr lang="en-US" dirty="0"/>
-              <a:t> is a perfect unit test framework for JavaScript programming language.</a:t>
-            </a:r>
-          </a:p>
-          <a:p>
-            <a:r>
-              <a:rPr lang="en-US" dirty="0" smtClean="0"/>
-              <a:t>There </a:t>
+              <a:t> provides Assertions for testing expected results.</a:t>
+            </a:r>
+          </a:p>
+          <a:p>
+            <a:r>
+              <a:rPr lang="en-US" dirty="0" err="1"/>
+              <a:t>QUnit</a:t>
             </a:r>
             <a:r>
               <a:rPr lang="en-US" dirty="0"/>
-              <a:t>must be at least two unit test cases for each requirement: one positive test and one negative test</a:t>
+              <a:t> provides Test fixtures for running tests.</a:t>
+            </a:r>
+          </a:p>
+          <a:p>
+            <a:r>
+              <a:rPr lang="en-US" dirty="0" err="1"/>
+              <a:t>QUnit</a:t>
+            </a:r>
+            <a:r>
+              <a:rPr lang="en-US" dirty="0"/>
+              <a:t> tests allow to write code faster, which increases the quality.</a:t>
+            </a:r>
+          </a:p>
+          <a:p>
+            <a:r>
+              <a:rPr lang="en-US" dirty="0" err="1"/>
+              <a:t>QUnit</a:t>
+            </a:r>
+            <a:r>
+              <a:rPr lang="en-US" dirty="0"/>
+              <a:t> is elegantly simple. It is less complex and takes less time.</a:t>
+            </a:r>
+          </a:p>
+          <a:p>
+            <a:r>
+              <a:rPr lang="en-US" dirty="0" err="1"/>
+              <a:t>QUnit</a:t>
+            </a:r>
+            <a:r>
+              <a:rPr lang="en-US" dirty="0"/>
+              <a:t> tests can be run automatically and they check their own results and provide immediate feedback. </a:t>
+            </a:r>
+          </a:p>
+          <a:p>
+            <a:r>
+              <a:rPr lang="en-US" dirty="0" err="1"/>
+              <a:t>QUnit</a:t>
+            </a:r>
+            <a:r>
+              <a:rPr lang="en-US" dirty="0"/>
+              <a:t> tests can be organized into test suites containing test cases and even other test suites.</a:t>
+            </a:r>
+          </a:p>
+          <a:p>
+            <a:r>
+              <a:rPr lang="en-US" dirty="0" err="1"/>
+              <a:t>QUnit</a:t>
+            </a:r>
+            <a:r>
+              <a:rPr lang="en-US" dirty="0"/>
+              <a:t> shows test progress in a bar that is green if the test is going fine, and it turns red when a test fails.</a:t>
             </a:r>
           </a:p>
         </p:txBody>
@@ -9928,7 +9980,7 @@
     </p:spTree>
     <p:extLst>
       <p:ext uri="{BB962C8B-B14F-4D97-AF65-F5344CB8AC3E}">
-        <p14:creationId xmlns:p14="http://schemas.microsoft.com/office/powerpoint/2010/main" val="3889099286"/>
+        <p14:creationId xmlns:p14="http://schemas.microsoft.com/office/powerpoint/2010/main" val="471296548"/>
       </p:ext>
     </p:extLst>
   </p:cSld>
@@ -11448,14 +11500,10 @@
             </a:r>
             <a:r>
               <a:rPr lang="en-US" dirty="0" smtClean="0"/>
-              <a:t> folder to run the test in </a:t>
-            </a:r>
-            <a:r>
-              <a:rPr lang="en-US" smtClean="0"/>
-              <a:t>browser</a:t>
-            </a:r>
-            <a:r>
-              <a:rPr lang="en-US" smtClean="0"/>
+              <a:t> folder to run the test in browser</a:t>
+            </a:r>
+            <a:r>
+              <a:rPr lang="en-US" dirty="0" smtClean="0"/>
               <a:t>.</a:t>
             </a:r>
           </a:p>
@@ -11557,12 +11605,12 @@
               <a:t>qunit</a:t>
             </a:r>
             <a:r>
-              <a:rPr lang="en-US" dirty="0" smtClean="0"/>
-              <a:t>/qunit-2.1.9.js</a:t>
+              <a:rPr lang="en-US" smtClean="0"/>
+              <a:t>/qunit-2.1.9.css"&gt;&lt;/</a:t>
             </a:r>
             <a:r>
               <a:rPr lang="en-US" dirty="0"/>
-              <a:t>"&gt;&lt;/script&gt;</a:t>
+              <a:t>script&gt;</a:t>
             </a:r>
           </a:p>
         </p:txBody>

--- a/docs/TestingQunit.pptx
+++ b/docs/TestingQunit.pptx
@@ -11605,7 +11605,7 @@
               <a:t>qunit</a:t>
             </a:r>
             <a:r>
-              <a:rPr lang="en-US" smtClean="0"/>
+              <a:rPr lang="en-US" dirty="0" smtClean="0"/>
               <a:t>/qunit-2.1.9.css"&gt;&lt;/</a:t>
             </a:r>
             <a:r>
